--- a/Project Docs/Presentation.pptx
+++ b/Project Docs/Presentation.pptx
@@ -7,6 +7,18 @@
   <p:sldIdLst>
     <p:sldId id="256" r:id="rId2"/>
     <p:sldId id="257" r:id="rId3"/>
+    <p:sldId id="258" r:id="rId4"/>
+    <p:sldId id="259" r:id="rId5"/>
+    <p:sldId id="260" r:id="rId6"/>
+    <p:sldId id="261" r:id="rId7"/>
+    <p:sldId id="262" r:id="rId8"/>
+    <p:sldId id="263" r:id="rId9"/>
+    <p:sldId id="264" r:id="rId10"/>
+    <p:sldId id="265" r:id="rId11"/>
+    <p:sldId id="266" r:id="rId12"/>
+    <p:sldId id="267" r:id="rId13"/>
+    <p:sldId id="268" r:id="rId14"/>
+    <p:sldId id="269" r:id="rId15"/>
   </p:sldIdLst>
   <p:sldSz cx="12192000" cy="6858000"/>
   <p:notesSz cx="6858000" cy="9144000"/>
@@ -105,6 +117,11 @@
       </a:defRPr>
     </a:lvl9pPr>
   </p:defaultTextStyle>
+  <p:extLst>
+    <p:ext uri="{EFAFB233-063F-42B5-8137-9DF3F51BA10A}">
+      <p15:sldGuideLst xmlns:p15="http://schemas.microsoft.com/office/powerpoint/2012/main"/>
+    </p:ext>
+  </p:extLst>
 </p:presentation>
 </file>
 
@@ -5435,7 +5452,7 @@
             </a:pPr>
             <a:r>
               <a:rPr lang="en-US" dirty="0"/>
-              <a:t>Sajith Thomas</a:t>
+              <a:t>Sajith Thomas, 180937</a:t>
             </a:r>
           </a:p>
           <a:p>
@@ -5445,7 +5462,7 @@
             </a:pPr>
             <a:r>
               <a:rPr lang="en-US" dirty="0"/>
-              <a:t>Sanjay Joshi</a:t>
+              <a:t>Sanjay Joshi, 180980</a:t>
             </a:r>
           </a:p>
           <a:p>
@@ -5455,7 +5472,7 @@
             </a:pPr>
             <a:r>
               <a:rPr lang="en-US" dirty="0"/>
-              <a:t>Mahesh</a:t>
+              <a:t>Mahesh, 180924</a:t>
             </a:r>
           </a:p>
           <a:p>
@@ -5469,7 +5486,7 @@
             </a:r>
             <a:r>
               <a:rPr lang="en-US" dirty="0"/>
-              <a:t> P C</a:t>
+              <a:t> P C, 180985</a:t>
             </a:r>
             <a:endParaRPr lang="en-IN" dirty="0"/>
           </a:p>
@@ -5479,6 +5496,526 @@
     <p:extLst>
       <p:ext uri="{BB962C8B-B14F-4D97-AF65-F5344CB8AC3E}">
         <p14:creationId xmlns:p14="http://schemas.microsoft.com/office/powerpoint/2010/main" val="3363217099"/>
+      </p:ext>
+    </p:extLst>
+  </p:cSld>
+  <p:clrMapOvr>
+    <a:masterClrMapping/>
+  </p:clrMapOvr>
+</p:sld>
+</file>
+
+<file path=ppt/slides/slide10.xml><?xml version="1.0" encoding="utf-8"?>
+<p:sld xmlns:a="http://schemas.openxmlformats.org/drawingml/2006/main" xmlns:r="http://schemas.openxmlformats.org/officeDocument/2006/relationships" xmlns:p="http://schemas.openxmlformats.org/presentationml/2006/main">
+  <p:cSld>
+    <p:spTree>
+      <p:nvGrpSpPr>
+        <p:cNvPr id="1" name=""/>
+        <p:cNvGrpSpPr/>
+        <p:nvPr/>
+      </p:nvGrpSpPr>
+      <p:grpSpPr>
+        <a:xfrm>
+          <a:off x="0" y="0"/>
+          <a:ext cx="0" cy="0"/>
+          <a:chOff x="0" y="0"/>
+          <a:chExt cx="0" cy="0"/>
+        </a:xfrm>
+      </p:grpSpPr>
+      <p:sp>
+        <p:nvSpPr>
+          <p:cNvPr id="2" name="Title 1">
+            <a:extLst>
+              <a:ext uri="{FF2B5EF4-FFF2-40B4-BE49-F238E27FC236}">
+                <a16:creationId xmlns:a16="http://schemas.microsoft.com/office/drawing/2014/main" id="{D1F6E4D4-10D3-4616-B36D-872A3377DA9D}"/>
+              </a:ext>
+            </a:extLst>
+          </p:cNvPr>
+          <p:cNvSpPr>
+            <a:spLocks noGrp="1"/>
+          </p:cNvSpPr>
+          <p:nvPr>
+            <p:ph type="title"/>
+          </p:nvPr>
+        </p:nvSpPr>
+        <p:spPr/>
+        <p:txBody>
+          <a:bodyPr/>
+          <a:lstStyle/>
+          <a:p>
+            <a:r>
+              <a:rPr lang="en-IN" sz="1800" b="1" u="sng" dirty="0">
+                <a:effectLst/>
+                <a:latin typeface="Times New Roman" panose="02020603050405020304" pitchFamily="18" charset="0"/>
+                <a:ea typeface="Times New Roman" panose="02020603050405020304" pitchFamily="18" charset="0"/>
+                <a:cs typeface="Mangal"/>
+              </a:rPr>
+              <a:t>DFD Level 2.1:</a:t>
+            </a:r>
+            <a:br>
+              <a:rPr lang="en-IN" sz="1800" dirty="0">
+                <a:effectLst/>
+                <a:latin typeface="Calibri" panose="020F0502020204030204" pitchFamily="34" charset="0"/>
+                <a:ea typeface="Times New Roman" panose="02020603050405020304" pitchFamily="18" charset="0"/>
+                <a:cs typeface="Mangal"/>
+              </a:rPr>
+            </a:br>
+            <a:endParaRPr lang="en-IN" dirty="0"/>
+          </a:p>
+        </p:txBody>
+      </p:sp>
+      <p:pic>
+        <p:nvPicPr>
+          <p:cNvPr id="4" name="Content Placeholder 3">
+            <a:extLst>
+              <a:ext uri="{FF2B5EF4-FFF2-40B4-BE49-F238E27FC236}">
+                <a16:creationId xmlns:a16="http://schemas.microsoft.com/office/drawing/2014/main" id="{E002425E-0BA1-40D9-8CBD-C43DE764F6C3}"/>
+              </a:ext>
+            </a:extLst>
+          </p:cNvPr>
+          <p:cNvPicPr>
+            <a:picLocks noGrp="1"/>
+          </p:cNvPicPr>
+          <p:nvPr>
+            <p:ph idx="1"/>
+          </p:nvPr>
+        </p:nvPicPr>
+        <p:blipFill>
+          <a:blip r:embed="rId2"/>
+          <a:stretch>
+            <a:fillRect/>
+          </a:stretch>
+        </p:blipFill>
+        <p:spPr>
+          <a:xfrm>
+            <a:off x="2939656" y="685800"/>
+            <a:ext cx="4023513" cy="3614738"/>
+          </a:xfrm>
+          <a:prstGeom prst="rect">
+            <a:avLst/>
+          </a:prstGeom>
+        </p:spPr>
+      </p:pic>
+    </p:spTree>
+    <p:extLst>
+      <p:ext uri="{BB962C8B-B14F-4D97-AF65-F5344CB8AC3E}">
+        <p14:creationId xmlns:p14="http://schemas.microsoft.com/office/powerpoint/2010/main" val="1314661718"/>
+      </p:ext>
+    </p:extLst>
+  </p:cSld>
+  <p:clrMapOvr>
+    <a:masterClrMapping/>
+  </p:clrMapOvr>
+</p:sld>
+</file>
+
+<file path=ppt/slides/slide11.xml><?xml version="1.0" encoding="utf-8"?>
+<p:sld xmlns:a="http://schemas.openxmlformats.org/drawingml/2006/main" xmlns:r="http://schemas.openxmlformats.org/officeDocument/2006/relationships" xmlns:p="http://schemas.openxmlformats.org/presentationml/2006/main">
+  <p:cSld>
+    <p:spTree>
+      <p:nvGrpSpPr>
+        <p:cNvPr id="1" name=""/>
+        <p:cNvGrpSpPr/>
+        <p:nvPr/>
+      </p:nvGrpSpPr>
+      <p:grpSpPr>
+        <a:xfrm>
+          <a:off x="0" y="0"/>
+          <a:ext cx="0" cy="0"/>
+          <a:chOff x="0" y="0"/>
+          <a:chExt cx="0" cy="0"/>
+        </a:xfrm>
+      </p:grpSpPr>
+      <p:sp>
+        <p:nvSpPr>
+          <p:cNvPr id="2" name="Title 1">
+            <a:extLst>
+              <a:ext uri="{FF2B5EF4-FFF2-40B4-BE49-F238E27FC236}">
+                <a16:creationId xmlns:a16="http://schemas.microsoft.com/office/drawing/2014/main" id="{BE9C62CD-4042-45F8-B60A-0A13AB226AE2}"/>
+              </a:ext>
+            </a:extLst>
+          </p:cNvPr>
+          <p:cNvSpPr>
+            <a:spLocks noGrp="1"/>
+          </p:cNvSpPr>
+          <p:nvPr>
+            <p:ph type="title"/>
+          </p:nvPr>
+        </p:nvSpPr>
+        <p:spPr/>
+        <p:txBody>
+          <a:bodyPr/>
+          <a:lstStyle/>
+          <a:p>
+            <a:r>
+              <a:rPr lang="en-IN" sz="1800" b="1" u="sng" dirty="0">
+                <a:effectLst/>
+                <a:latin typeface="Times New Roman" panose="02020603050405020304" pitchFamily="18" charset="0"/>
+                <a:ea typeface="Times New Roman" panose="02020603050405020304" pitchFamily="18" charset="0"/>
+                <a:cs typeface="Mangal"/>
+              </a:rPr>
+              <a:t>DFD Level 2.2:</a:t>
+            </a:r>
+            <a:br>
+              <a:rPr lang="en-IN" sz="1800" dirty="0">
+                <a:effectLst/>
+                <a:latin typeface="Calibri" panose="020F0502020204030204" pitchFamily="34" charset="0"/>
+                <a:ea typeface="Times New Roman" panose="02020603050405020304" pitchFamily="18" charset="0"/>
+                <a:cs typeface="Mangal"/>
+              </a:rPr>
+            </a:br>
+            <a:endParaRPr lang="en-IN" dirty="0"/>
+          </a:p>
+        </p:txBody>
+      </p:sp>
+      <p:pic>
+        <p:nvPicPr>
+          <p:cNvPr id="4" name="Content Placeholder 3">
+            <a:extLst>
+              <a:ext uri="{FF2B5EF4-FFF2-40B4-BE49-F238E27FC236}">
+                <a16:creationId xmlns:a16="http://schemas.microsoft.com/office/drawing/2014/main" id="{3A63DAD9-AEB8-4604-809E-295B6A4473C4}"/>
+              </a:ext>
+            </a:extLst>
+          </p:cNvPr>
+          <p:cNvPicPr>
+            <a:picLocks noGrp="1"/>
+          </p:cNvPicPr>
+          <p:nvPr>
+            <p:ph idx="1"/>
+          </p:nvPr>
+        </p:nvPicPr>
+        <p:blipFill>
+          <a:blip r:embed="rId2"/>
+          <a:stretch>
+            <a:fillRect/>
+          </a:stretch>
+        </p:blipFill>
+        <p:spPr>
+          <a:xfrm>
+            <a:off x="2760061" y="685800"/>
+            <a:ext cx="4382704" cy="3614738"/>
+          </a:xfrm>
+          <a:prstGeom prst="rect">
+            <a:avLst/>
+          </a:prstGeom>
+        </p:spPr>
+      </p:pic>
+    </p:spTree>
+    <p:extLst>
+      <p:ext uri="{BB962C8B-B14F-4D97-AF65-F5344CB8AC3E}">
+        <p14:creationId xmlns:p14="http://schemas.microsoft.com/office/powerpoint/2010/main" val="1259665726"/>
+      </p:ext>
+    </p:extLst>
+  </p:cSld>
+  <p:clrMapOvr>
+    <a:masterClrMapping/>
+  </p:clrMapOvr>
+</p:sld>
+</file>
+
+<file path=ppt/slides/slide12.xml><?xml version="1.0" encoding="utf-8"?>
+<p:sld xmlns:a="http://schemas.openxmlformats.org/drawingml/2006/main" xmlns:r="http://schemas.openxmlformats.org/officeDocument/2006/relationships" xmlns:p="http://schemas.openxmlformats.org/presentationml/2006/main">
+  <p:cSld>
+    <p:spTree>
+      <p:nvGrpSpPr>
+        <p:cNvPr id="1" name=""/>
+        <p:cNvGrpSpPr/>
+        <p:nvPr/>
+      </p:nvGrpSpPr>
+      <p:grpSpPr>
+        <a:xfrm>
+          <a:off x="0" y="0"/>
+          <a:ext cx="0" cy="0"/>
+          <a:chOff x="0" y="0"/>
+          <a:chExt cx="0" cy="0"/>
+        </a:xfrm>
+      </p:grpSpPr>
+      <p:sp>
+        <p:nvSpPr>
+          <p:cNvPr id="2" name="Title 1">
+            <a:extLst>
+              <a:ext uri="{FF2B5EF4-FFF2-40B4-BE49-F238E27FC236}">
+                <a16:creationId xmlns:a16="http://schemas.microsoft.com/office/drawing/2014/main" id="{075CA7D8-1DEC-4C88-A8C4-099A61818967}"/>
+              </a:ext>
+            </a:extLst>
+          </p:cNvPr>
+          <p:cNvSpPr>
+            <a:spLocks noGrp="1"/>
+          </p:cNvSpPr>
+          <p:nvPr>
+            <p:ph type="title"/>
+          </p:nvPr>
+        </p:nvSpPr>
+        <p:spPr/>
+        <p:txBody>
+          <a:bodyPr/>
+          <a:lstStyle/>
+          <a:p>
+            <a:r>
+              <a:rPr lang="en-IN" sz="1800" b="1" u="sng" dirty="0">
+                <a:effectLst/>
+                <a:latin typeface="Times New Roman" panose="02020603050405020304" pitchFamily="18" charset="0"/>
+                <a:ea typeface="Times New Roman" panose="02020603050405020304" pitchFamily="18" charset="0"/>
+                <a:cs typeface="Mangal"/>
+              </a:rPr>
+              <a:t>DFD Level 2.3:</a:t>
+            </a:r>
+            <a:br>
+              <a:rPr lang="en-IN" sz="1800" dirty="0">
+                <a:effectLst/>
+                <a:latin typeface="Calibri" panose="020F0502020204030204" pitchFamily="34" charset="0"/>
+                <a:ea typeface="Times New Roman" panose="02020603050405020304" pitchFamily="18" charset="0"/>
+                <a:cs typeface="Mangal"/>
+              </a:rPr>
+            </a:br>
+            <a:endParaRPr lang="en-IN" dirty="0"/>
+          </a:p>
+        </p:txBody>
+      </p:sp>
+      <p:pic>
+        <p:nvPicPr>
+          <p:cNvPr id="4" name="Content Placeholder 3">
+            <a:extLst>
+              <a:ext uri="{FF2B5EF4-FFF2-40B4-BE49-F238E27FC236}">
+                <a16:creationId xmlns:a16="http://schemas.microsoft.com/office/drawing/2014/main" id="{FA844AE0-11D6-4DC9-A70E-A610108D5551}"/>
+              </a:ext>
+            </a:extLst>
+          </p:cNvPr>
+          <p:cNvPicPr>
+            <a:picLocks noGrp="1"/>
+          </p:cNvPicPr>
+          <p:nvPr>
+            <p:ph idx="1"/>
+          </p:nvPr>
+        </p:nvPicPr>
+        <p:blipFill>
+          <a:blip r:embed="rId2"/>
+          <a:stretch>
+            <a:fillRect/>
+          </a:stretch>
+        </p:blipFill>
+        <p:spPr>
+          <a:xfrm>
+            <a:off x="2468679" y="685800"/>
+            <a:ext cx="4965468" cy="3614738"/>
+          </a:xfrm>
+          <a:prstGeom prst="rect">
+            <a:avLst/>
+          </a:prstGeom>
+        </p:spPr>
+      </p:pic>
+    </p:spTree>
+    <p:extLst>
+      <p:ext uri="{BB962C8B-B14F-4D97-AF65-F5344CB8AC3E}">
+        <p14:creationId xmlns:p14="http://schemas.microsoft.com/office/powerpoint/2010/main" val="180868274"/>
+      </p:ext>
+    </p:extLst>
+  </p:cSld>
+  <p:clrMapOvr>
+    <a:masterClrMapping/>
+  </p:clrMapOvr>
+</p:sld>
+</file>
+
+<file path=ppt/slides/slide13.xml><?xml version="1.0" encoding="utf-8"?>
+<p:sld xmlns:a="http://schemas.openxmlformats.org/drawingml/2006/main" xmlns:r="http://schemas.openxmlformats.org/officeDocument/2006/relationships" xmlns:p="http://schemas.openxmlformats.org/presentationml/2006/main">
+  <p:cSld>
+    <p:spTree>
+      <p:nvGrpSpPr>
+        <p:cNvPr id="1" name=""/>
+        <p:cNvGrpSpPr/>
+        <p:nvPr/>
+      </p:nvGrpSpPr>
+      <p:grpSpPr>
+        <a:xfrm>
+          <a:off x="0" y="0"/>
+          <a:ext cx="0" cy="0"/>
+          <a:chOff x="0" y="0"/>
+          <a:chExt cx="0" cy="0"/>
+        </a:xfrm>
+      </p:grpSpPr>
+      <p:sp>
+        <p:nvSpPr>
+          <p:cNvPr id="2" name="Title 1">
+            <a:extLst>
+              <a:ext uri="{FF2B5EF4-FFF2-40B4-BE49-F238E27FC236}">
+                <a16:creationId xmlns:a16="http://schemas.microsoft.com/office/drawing/2014/main" id="{99CA40C9-EAB6-4E6C-B60C-9789F207F827}"/>
+              </a:ext>
+            </a:extLst>
+          </p:cNvPr>
+          <p:cNvSpPr>
+            <a:spLocks noGrp="1"/>
+          </p:cNvSpPr>
+          <p:nvPr>
+            <p:ph type="title"/>
+          </p:nvPr>
+        </p:nvSpPr>
+        <p:spPr/>
+        <p:txBody>
+          <a:bodyPr/>
+          <a:lstStyle/>
+          <a:p>
+            <a:r>
+              <a:rPr lang="en-IN" sz="1800" b="1" u="sng" dirty="0">
+                <a:effectLst/>
+                <a:latin typeface="Times New Roman" panose="02020603050405020304" pitchFamily="18" charset="0"/>
+                <a:ea typeface="Times New Roman" panose="02020603050405020304" pitchFamily="18" charset="0"/>
+                <a:cs typeface="Mangal"/>
+              </a:rPr>
+              <a:t>DFD Level 2.4:</a:t>
+            </a:r>
+            <a:br>
+              <a:rPr lang="en-IN" sz="1800" dirty="0">
+                <a:effectLst/>
+                <a:latin typeface="Calibri" panose="020F0502020204030204" pitchFamily="34" charset="0"/>
+                <a:ea typeface="Times New Roman" panose="02020603050405020304" pitchFamily="18" charset="0"/>
+                <a:cs typeface="Mangal"/>
+              </a:rPr>
+            </a:br>
+            <a:endParaRPr lang="en-IN" dirty="0"/>
+          </a:p>
+        </p:txBody>
+      </p:sp>
+      <p:pic>
+        <p:nvPicPr>
+          <p:cNvPr id="4" name="Content Placeholder 3">
+            <a:extLst>
+              <a:ext uri="{FF2B5EF4-FFF2-40B4-BE49-F238E27FC236}">
+                <a16:creationId xmlns:a16="http://schemas.microsoft.com/office/drawing/2014/main" id="{76256B95-CE57-4DD9-855C-AA6E932E66BE}"/>
+              </a:ext>
+            </a:extLst>
+          </p:cNvPr>
+          <p:cNvPicPr>
+            <a:picLocks noGrp="1"/>
+          </p:cNvPicPr>
+          <p:nvPr>
+            <p:ph idx="1"/>
+          </p:nvPr>
+        </p:nvPicPr>
+        <p:blipFill>
+          <a:blip r:embed="rId2"/>
+          <a:stretch>
+            <a:fillRect/>
+          </a:stretch>
+        </p:blipFill>
+        <p:spPr>
+          <a:xfrm>
+            <a:off x="2714476" y="685800"/>
+            <a:ext cx="4473874" cy="3614738"/>
+          </a:xfrm>
+          <a:prstGeom prst="rect">
+            <a:avLst/>
+          </a:prstGeom>
+        </p:spPr>
+      </p:pic>
+    </p:spTree>
+    <p:extLst>
+      <p:ext uri="{BB962C8B-B14F-4D97-AF65-F5344CB8AC3E}">
+        <p14:creationId xmlns:p14="http://schemas.microsoft.com/office/powerpoint/2010/main" val="822260222"/>
+      </p:ext>
+    </p:extLst>
+  </p:cSld>
+  <p:clrMapOvr>
+    <a:masterClrMapping/>
+  </p:clrMapOvr>
+</p:sld>
+</file>
+
+<file path=ppt/slides/slide14.xml><?xml version="1.0" encoding="utf-8"?>
+<p:sld xmlns:a="http://schemas.openxmlformats.org/drawingml/2006/main" xmlns:r="http://schemas.openxmlformats.org/officeDocument/2006/relationships" xmlns:p="http://schemas.openxmlformats.org/presentationml/2006/main">
+  <p:cSld>
+    <p:spTree>
+      <p:nvGrpSpPr>
+        <p:cNvPr id="1" name=""/>
+        <p:cNvGrpSpPr/>
+        <p:nvPr/>
+      </p:nvGrpSpPr>
+      <p:grpSpPr>
+        <a:xfrm>
+          <a:off x="0" y="0"/>
+          <a:ext cx="0" cy="0"/>
+          <a:chOff x="0" y="0"/>
+          <a:chExt cx="0" cy="0"/>
+        </a:xfrm>
+      </p:grpSpPr>
+      <p:sp>
+        <p:nvSpPr>
+          <p:cNvPr id="2" name="Title 1">
+            <a:extLst>
+              <a:ext uri="{FF2B5EF4-FFF2-40B4-BE49-F238E27FC236}">
+                <a16:creationId xmlns:a16="http://schemas.microsoft.com/office/drawing/2014/main" id="{70082A13-AE23-491D-9ABE-B07C9ED59377}"/>
+              </a:ext>
+            </a:extLst>
+          </p:cNvPr>
+          <p:cNvSpPr>
+            <a:spLocks noGrp="1"/>
+          </p:cNvSpPr>
+          <p:nvPr>
+            <p:ph type="title"/>
+          </p:nvPr>
+        </p:nvSpPr>
+        <p:spPr/>
+        <p:txBody>
+          <a:bodyPr/>
+          <a:lstStyle/>
+          <a:p>
+            <a:r>
+              <a:rPr lang="en-IN" sz="1800" b="1" u="sng" dirty="0">
+                <a:effectLst/>
+                <a:latin typeface="Times New Roman" panose="02020603050405020304" pitchFamily="18" charset="0"/>
+                <a:ea typeface="Times New Roman" panose="02020603050405020304" pitchFamily="18" charset="0"/>
+                <a:cs typeface="Mangal"/>
+              </a:rPr>
+              <a:t>DFD Level 2.5:</a:t>
+            </a:r>
+            <a:br>
+              <a:rPr lang="en-IN" sz="1800" dirty="0">
+                <a:effectLst/>
+                <a:latin typeface="Calibri" panose="020F0502020204030204" pitchFamily="34" charset="0"/>
+                <a:ea typeface="Times New Roman" panose="02020603050405020304" pitchFamily="18" charset="0"/>
+                <a:cs typeface="Mangal"/>
+              </a:rPr>
+            </a:br>
+            <a:endParaRPr lang="en-IN" dirty="0"/>
+          </a:p>
+        </p:txBody>
+      </p:sp>
+      <p:pic>
+        <p:nvPicPr>
+          <p:cNvPr id="4" name="Content Placeholder 3">
+            <a:extLst>
+              <a:ext uri="{FF2B5EF4-FFF2-40B4-BE49-F238E27FC236}">
+                <a16:creationId xmlns:a16="http://schemas.microsoft.com/office/drawing/2014/main" id="{88DA22C7-EAE8-49AF-AEAF-CE838CB86DD8}"/>
+              </a:ext>
+            </a:extLst>
+          </p:cNvPr>
+          <p:cNvPicPr>
+            <a:picLocks noGrp="1"/>
+          </p:cNvPicPr>
+          <p:nvPr>
+            <p:ph idx="1"/>
+          </p:nvPr>
+        </p:nvPicPr>
+        <p:blipFill>
+          <a:blip r:embed="rId2"/>
+          <a:stretch>
+            <a:fillRect/>
+          </a:stretch>
+        </p:blipFill>
+        <p:spPr>
+          <a:xfrm>
+            <a:off x="2962469" y="685800"/>
+            <a:ext cx="3977887" cy="3614738"/>
+          </a:xfrm>
+          <a:prstGeom prst="rect">
+            <a:avLst/>
+          </a:prstGeom>
+        </p:spPr>
+      </p:pic>
+    </p:spTree>
+    <p:extLst>
+      <p:ext uri="{BB962C8B-B14F-4D97-AF65-F5344CB8AC3E}">
+        <p14:creationId xmlns:p14="http://schemas.microsoft.com/office/powerpoint/2010/main" val="1248307395"/>
       </p:ext>
     </p:extLst>
   </p:cSld>
@@ -5521,12 +6058,29 @@
             <p:ph type="title"/>
           </p:nvPr>
         </p:nvSpPr>
-        <p:spPr/>
+        <p:spPr>
+          <a:xfrm>
+            <a:off x="684212" y="314827"/>
+            <a:ext cx="8534400" cy="1507067"/>
+          </a:xfrm>
+        </p:spPr>
         <p:txBody>
           <a:bodyPr/>
           <a:lstStyle/>
           <a:p>
-            <a:endParaRPr lang="en-IN"/>
+            <a:r>
+              <a:rPr lang="en-US" dirty="0"/>
+              <a:t>Software requirement specification (</a:t>
+            </a:r>
+            <a:r>
+              <a:rPr lang="en-US" dirty="0" err="1"/>
+              <a:t>srs</a:t>
+            </a:r>
+            <a:r>
+              <a:rPr lang="en-US" dirty="0"/>
+              <a:t>)</a:t>
+            </a:r>
+            <a:endParaRPr lang="en-IN" dirty="0"/>
           </a:p>
         </p:txBody>
       </p:sp>
@@ -5546,11 +6100,114 @@
             <p:ph idx="1"/>
           </p:nvPr>
         </p:nvSpPr>
-        <p:spPr/>
-        <p:txBody>
-          <a:bodyPr/>
-          <a:lstStyle/>
-          <a:p>
+        <p:spPr>
+          <a:xfrm>
+            <a:off x="684212" y="1908698"/>
+            <a:ext cx="8534400" cy="3719745"/>
+          </a:xfrm>
+        </p:spPr>
+        <p:txBody>
+          <a:bodyPr>
+            <a:normAutofit fontScale="85000" lnSpcReduction="10000"/>
+          </a:bodyPr>
+          <a:lstStyle/>
+          <a:p>
+            <a:pPr>
+              <a:buFont typeface="Wingdings" panose="05000000000000000000" pitchFamily="2" charset="2"/>
+              <a:buChar char="§"/>
+            </a:pPr>
+            <a:r>
+              <a:rPr lang="en-IN" sz="1800" dirty="0">
+                <a:effectLst/>
+                <a:latin typeface="Times New Roman" panose="02020603050405020304" pitchFamily="18" charset="0"/>
+                <a:ea typeface="Times New Roman" panose="02020603050405020304" pitchFamily="18" charset="0"/>
+                <a:cs typeface="Mangal"/>
+              </a:rPr>
+              <a:t>This document includes the software requirement specification(SRS) of the system. The overall working of the system and the requirements of the system is understood by this document. </a:t>
+            </a:r>
+          </a:p>
+          <a:p>
+            <a:pPr>
+              <a:buFont typeface="Wingdings" panose="05000000000000000000" pitchFamily="2" charset="2"/>
+              <a:buChar char="§"/>
+            </a:pPr>
+            <a:r>
+              <a:rPr lang="en-IN" sz="1800" dirty="0">
+                <a:effectLst/>
+                <a:latin typeface="Times New Roman" panose="02020603050405020304" pitchFamily="18" charset="0"/>
+                <a:ea typeface="Times New Roman" panose="02020603050405020304" pitchFamily="18" charset="0"/>
+                <a:cs typeface="Mangal"/>
+              </a:rPr>
+              <a:t>The extra curricular activities system is designed to help the college management to keep their students active in various extra curricular activities by participating in various individual and team events.</a:t>
+            </a:r>
+          </a:p>
+          <a:p>
+            <a:pPr>
+              <a:buFont typeface="Wingdings" panose="05000000000000000000" pitchFamily="2" charset="2"/>
+              <a:buChar char="§"/>
+            </a:pPr>
+            <a:r>
+              <a:rPr lang="en-IN" sz="1800" dirty="0">
+                <a:latin typeface="Times New Roman" panose="02020603050405020304" pitchFamily="18" charset="0"/>
+                <a:ea typeface="Times New Roman" panose="02020603050405020304" pitchFamily="18" charset="0"/>
+                <a:cs typeface="Mangal"/>
+              </a:rPr>
+              <a:t>PURPOSE</a:t>
+            </a:r>
+          </a:p>
+          <a:p>
+            <a:pPr>
+              <a:buFont typeface="Wingdings" panose="05000000000000000000" pitchFamily="2" charset="2"/>
+              <a:buChar char="§"/>
+            </a:pPr>
+            <a:r>
+              <a:rPr lang="en-IN" sz="1800" dirty="0">
+                <a:effectLst/>
+                <a:latin typeface="Times New Roman" panose="02020603050405020304" pitchFamily="18" charset="0"/>
+                <a:ea typeface="Times New Roman" panose="02020603050405020304" pitchFamily="18" charset="0"/>
+                <a:cs typeface="Mangal"/>
+              </a:rPr>
+              <a:t>The purpose of developing extra curricular activities system is to provide the platform for the students to participate in various individual and team events conducted by the  college. This also helps the college management to make their students actively taking part in extra curricular activities along with the curriculum. </a:t>
+            </a:r>
+          </a:p>
+          <a:p>
+            <a:pPr>
+              <a:buFont typeface="Wingdings" panose="05000000000000000000" pitchFamily="2" charset="2"/>
+              <a:buChar char="§"/>
+            </a:pPr>
+            <a:r>
+              <a:rPr lang="en-IN" sz="1800" dirty="0">
+                <a:effectLst/>
+                <a:latin typeface="Times New Roman" panose="02020603050405020304" pitchFamily="18" charset="0"/>
+                <a:ea typeface="Times New Roman" panose="02020603050405020304" pitchFamily="18" charset="0"/>
+                <a:cs typeface="Mangal"/>
+              </a:rPr>
+              <a:t>The team events will help the students to communicate with various other students of their department and the students will learn to cope up when they are in team. This also encourages the students to participate and motivates them into different fields other than only studies.</a:t>
+            </a:r>
+            <a:endParaRPr lang="en-IN" sz="1800" dirty="0">
+              <a:effectLst/>
+              <a:latin typeface="Calibri" panose="020F0502020204030204" pitchFamily="34" charset="0"/>
+              <a:ea typeface="Times New Roman" panose="02020603050405020304" pitchFamily="18" charset="0"/>
+              <a:cs typeface="Mangal"/>
+            </a:endParaRPr>
+          </a:p>
+          <a:p>
+            <a:pPr>
+              <a:buFont typeface="Wingdings" panose="05000000000000000000" pitchFamily="2" charset="2"/>
+              <a:buChar char="§"/>
+            </a:pPr>
+            <a:endParaRPr lang="en-IN" sz="1800" dirty="0">
+              <a:effectLst/>
+              <a:latin typeface="Calibri" panose="020F0502020204030204" pitchFamily="34" charset="0"/>
+              <a:ea typeface="Times New Roman" panose="02020603050405020304" pitchFamily="18" charset="0"/>
+              <a:cs typeface="Mangal"/>
+            </a:endParaRPr>
+          </a:p>
+          <a:p>
+            <a:pPr>
+              <a:buFont typeface="Wingdings" panose="05000000000000000000" pitchFamily="2" charset="2"/>
+              <a:buChar char="§"/>
+            </a:pPr>
             <a:endParaRPr lang="en-IN" dirty="0"/>
           </a:p>
         </p:txBody>
@@ -5559,6 +6216,1709 @@
     <p:extLst>
       <p:ext uri="{BB962C8B-B14F-4D97-AF65-F5344CB8AC3E}">
         <p14:creationId xmlns:p14="http://schemas.microsoft.com/office/powerpoint/2010/main" val="3897586137"/>
+      </p:ext>
+    </p:extLst>
+  </p:cSld>
+  <p:clrMapOvr>
+    <a:masterClrMapping/>
+  </p:clrMapOvr>
+</p:sld>
+</file>
+
+<file path=ppt/slides/slide3.xml><?xml version="1.0" encoding="utf-8"?>
+<p:sld xmlns:a="http://schemas.openxmlformats.org/drawingml/2006/main" xmlns:r="http://schemas.openxmlformats.org/officeDocument/2006/relationships" xmlns:p="http://schemas.openxmlformats.org/presentationml/2006/main">
+  <p:cSld>
+    <p:spTree>
+      <p:nvGrpSpPr>
+        <p:cNvPr id="1" name=""/>
+        <p:cNvGrpSpPr/>
+        <p:nvPr/>
+      </p:nvGrpSpPr>
+      <p:grpSpPr>
+        <a:xfrm>
+          <a:off x="0" y="0"/>
+          <a:ext cx="0" cy="0"/>
+          <a:chOff x="0" y="0"/>
+          <a:chExt cx="0" cy="0"/>
+        </a:xfrm>
+      </p:grpSpPr>
+      <p:sp>
+        <p:nvSpPr>
+          <p:cNvPr id="2" name="Title 1">
+            <a:extLst>
+              <a:ext uri="{FF2B5EF4-FFF2-40B4-BE49-F238E27FC236}">
+                <a16:creationId xmlns:a16="http://schemas.microsoft.com/office/drawing/2014/main" id="{8ACCB6D9-6B38-43B1-A409-5DD4BCAFD640}"/>
+              </a:ext>
+            </a:extLst>
+          </p:cNvPr>
+          <p:cNvSpPr>
+            <a:spLocks noGrp="1"/>
+          </p:cNvSpPr>
+          <p:nvPr>
+            <p:ph type="title"/>
+          </p:nvPr>
+        </p:nvSpPr>
+        <p:spPr/>
+        <p:txBody>
+          <a:bodyPr/>
+          <a:lstStyle/>
+          <a:p>
+            <a:endParaRPr lang="en-IN"/>
+          </a:p>
+        </p:txBody>
+      </p:sp>
+      <p:sp>
+        <p:nvSpPr>
+          <p:cNvPr id="3" name="Content Placeholder 2">
+            <a:extLst>
+              <a:ext uri="{FF2B5EF4-FFF2-40B4-BE49-F238E27FC236}">
+                <a16:creationId xmlns:a16="http://schemas.microsoft.com/office/drawing/2014/main" id="{38785D02-E75F-4511-9A6D-E62F9FD92FC9}"/>
+              </a:ext>
+            </a:extLst>
+          </p:cNvPr>
+          <p:cNvSpPr>
+            <a:spLocks noGrp="1"/>
+          </p:cNvSpPr>
+          <p:nvPr>
+            <p:ph idx="1"/>
+          </p:nvPr>
+        </p:nvSpPr>
+        <p:spPr/>
+        <p:txBody>
+          <a:bodyPr>
+            <a:normAutofit fontScale="62500" lnSpcReduction="20000"/>
+          </a:bodyPr>
+          <a:lstStyle/>
+          <a:p>
+            <a:pPr algn="just">
+              <a:lnSpc>
+                <a:spcPct val="107000"/>
+              </a:lnSpc>
+              <a:spcAft>
+                <a:spcPts val="800"/>
+              </a:spcAft>
+            </a:pPr>
+            <a:r>
+              <a:rPr lang="en-IN" sz="1800" b="1" dirty="0">
+                <a:effectLst/>
+                <a:latin typeface="Times New Roman" panose="02020603050405020304" pitchFamily="18" charset="0"/>
+                <a:ea typeface="Times New Roman" panose="02020603050405020304" pitchFamily="18" charset="0"/>
+                <a:cs typeface="Mangal"/>
+              </a:rPr>
+              <a:t>Project Scope and Product Features</a:t>
+            </a:r>
+            <a:endParaRPr lang="en-IN" sz="1800" dirty="0">
+              <a:effectLst/>
+              <a:latin typeface="Calibri" panose="020F0502020204030204" pitchFamily="34" charset="0"/>
+              <a:ea typeface="Times New Roman" panose="02020603050405020304" pitchFamily="18" charset="0"/>
+              <a:cs typeface="Mangal"/>
+            </a:endParaRPr>
+          </a:p>
+          <a:p>
+            <a:pPr algn="just">
+              <a:lnSpc>
+                <a:spcPct val="107000"/>
+              </a:lnSpc>
+              <a:spcAft>
+                <a:spcPts val="800"/>
+              </a:spcAft>
+            </a:pPr>
+            <a:r>
+              <a:rPr lang="en-IN" sz="1800" dirty="0">
+                <a:effectLst/>
+                <a:latin typeface="Times New Roman" panose="02020603050405020304" pitchFamily="18" charset="0"/>
+                <a:ea typeface="Times New Roman" panose="02020603050405020304" pitchFamily="18" charset="0"/>
+                <a:cs typeface="Mangal"/>
+              </a:rPr>
+              <a:t>The features of this system are as follows:</a:t>
+            </a:r>
+            <a:endParaRPr lang="en-IN" sz="1800" dirty="0">
+              <a:effectLst/>
+              <a:latin typeface="Calibri" panose="020F0502020204030204" pitchFamily="34" charset="0"/>
+              <a:ea typeface="Times New Roman" panose="02020603050405020304" pitchFamily="18" charset="0"/>
+              <a:cs typeface="Mangal"/>
+            </a:endParaRPr>
+          </a:p>
+          <a:p>
+            <a:pPr marL="342900" lvl="0" indent="-342900" algn="just">
+              <a:lnSpc>
+                <a:spcPct val="107000"/>
+              </a:lnSpc>
+              <a:buFont typeface="Symbol" panose="05050102010706020507" pitchFamily="18" charset="2"/>
+              <a:buChar char=""/>
+            </a:pPr>
+            <a:r>
+              <a:rPr lang="en-IN" sz="1800" dirty="0">
+                <a:effectLst/>
+                <a:latin typeface="Times New Roman" panose="02020603050405020304" pitchFamily="18" charset="0"/>
+                <a:ea typeface="Times New Roman" panose="02020603050405020304" pitchFamily="18" charset="0"/>
+                <a:cs typeface="Mangal"/>
+              </a:rPr>
+              <a:t>The student of the college must register to the system by entering all their details along with their course details. Once the student is registered to the website the student can login using their valid login credentials provided at the time of registration.</a:t>
+            </a:r>
+            <a:endParaRPr lang="en-IN" sz="1800" dirty="0">
+              <a:effectLst/>
+              <a:latin typeface="Calibri" panose="020F0502020204030204" pitchFamily="34" charset="0"/>
+              <a:ea typeface="Times New Roman" panose="02020603050405020304" pitchFamily="18" charset="0"/>
+              <a:cs typeface="Mangal"/>
+            </a:endParaRPr>
+          </a:p>
+          <a:p>
+            <a:pPr marL="342900" lvl="0" indent="-342900" algn="just">
+              <a:lnSpc>
+                <a:spcPct val="107000"/>
+              </a:lnSpc>
+              <a:buFont typeface="Symbol" panose="05050102010706020507" pitchFamily="18" charset="2"/>
+              <a:buChar char=""/>
+            </a:pPr>
+            <a:r>
+              <a:rPr lang="en-IN" sz="1800" dirty="0">
+                <a:effectLst/>
+                <a:latin typeface="Times New Roman" panose="02020603050405020304" pitchFamily="18" charset="0"/>
+                <a:ea typeface="Times New Roman" panose="02020603050405020304" pitchFamily="18" charset="0"/>
+                <a:cs typeface="Mangal"/>
+              </a:rPr>
+              <a:t>As the student login to the system they can view the various events in department wise or crosswise hosted by the staff. If the department wise event suits the student they can participate in those events. The student of one department cannot take part in the events of other departments. The student can either participate in the individual events or team events. </a:t>
+            </a:r>
+            <a:endParaRPr lang="en-IN" sz="1800" dirty="0">
+              <a:effectLst/>
+              <a:latin typeface="Calibri" panose="020F0502020204030204" pitchFamily="34" charset="0"/>
+              <a:ea typeface="Times New Roman" panose="02020603050405020304" pitchFamily="18" charset="0"/>
+              <a:cs typeface="Mangal"/>
+            </a:endParaRPr>
+          </a:p>
+          <a:p>
+            <a:pPr marL="342900" lvl="0" indent="-342900" algn="just">
+              <a:lnSpc>
+                <a:spcPct val="107000"/>
+              </a:lnSpc>
+              <a:buFont typeface="Symbol" panose="05050102010706020507" pitchFamily="18" charset="2"/>
+              <a:buChar char=""/>
+            </a:pPr>
+            <a:r>
+              <a:rPr lang="en-IN" sz="1800" dirty="0">
+                <a:effectLst/>
+                <a:latin typeface="Times New Roman" panose="02020603050405020304" pitchFamily="18" charset="0"/>
+                <a:ea typeface="Times New Roman" panose="02020603050405020304" pitchFamily="18" charset="0"/>
+                <a:cs typeface="Mangal"/>
+              </a:rPr>
+              <a:t>If the student wants to take part in the team event, then the student must create a team of 11 members and the token ID of all the team members must be entered only then the student can participate in the team event. In the individual event, the student can give the details of the event such as the scheduled date and the rules of the events and then the student can take part in the event.</a:t>
+            </a:r>
+            <a:endParaRPr lang="en-IN" sz="1800" dirty="0">
+              <a:effectLst/>
+              <a:latin typeface="Calibri" panose="020F0502020204030204" pitchFamily="34" charset="0"/>
+              <a:ea typeface="Times New Roman" panose="02020603050405020304" pitchFamily="18" charset="0"/>
+              <a:cs typeface="Mangal"/>
+            </a:endParaRPr>
+          </a:p>
+          <a:p>
+            <a:pPr marL="342900" lvl="0" indent="-342900" algn="just">
+              <a:lnSpc>
+                <a:spcPct val="107000"/>
+              </a:lnSpc>
+              <a:buFont typeface="Symbol" panose="05050102010706020507" pitchFamily="18" charset="2"/>
+              <a:buChar char=""/>
+            </a:pPr>
+            <a:r>
+              <a:rPr lang="en-IN" sz="1800" dirty="0">
+                <a:effectLst/>
+                <a:latin typeface="Times New Roman" panose="02020603050405020304" pitchFamily="18" charset="0"/>
+                <a:ea typeface="Times New Roman" panose="02020603050405020304" pitchFamily="18" charset="0"/>
+                <a:cs typeface="Mangal"/>
+              </a:rPr>
+              <a:t>On the schedule date of the event, the attendance will be taken by the staff to check the presence of all the participants. Once the event is complete, result of the event is published by the staff. The winners of first, second and third place are verified by the staff. The points for first, second and third place is different and is generated by the system. Results of all the other participants are generated automatically by the system.</a:t>
+            </a:r>
+            <a:endParaRPr lang="en-IN" sz="1800" dirty="0">
+              <a:effectLst/>
+              <a:latin typeface="Calibri" panose="020F0502020204030204" pitchFamily="34" charset="0"/>
+              <a:ea typeface="Times New Roman" panose="02020603050405020304" pitchFamily="18" charset="0"/>
+              <a:cs typeface="Mangal"/>
+            </a:endParaRPr>
+          </a:p>
+          <a:p>
+            <a:pPr marL="342900" lvl="0" indent="-342900" algn="just">
+              <a:lnSpc>
+                <a:spcPct val="107000"/>
+              </a:lnSpc>
+              <a:spcAft>
+                <a:spcPts val="800"/>
+              </a:spcAft>
+              <a:buFont typeface="Symbol" panose="05050102010706020507" pitchFamily="18" charset="2"/>
+              <a:buChar char=""/>
+            </a:pPr>
+            <a:r>
+              <a:rPr lang="en-IN" sz="1800" dirty="0">
+                <a:effectLst/>
+                <a:latin typeface="Times New Roman" panose="02020603050405020304" pitchFamily="18" charset="0"/>
+                <a:ea typeface="Times New Roman" panose="02020603050405020304" pitchFamily="18" charset="0"/>
+                <a:cs typeface="Mangal"/>
+              </a:rPr>
+              <a:t>The student can view the results of the events in which they have participated. If there is any mistake or error in the result, the student can raise the complaint report to the staff. The staff can view the mistake in the result and make the correction and republish the result. The staff can also reject complaint issue raised by the student.</a:t>
+            </a:r>
+            <a:endParaRPr lang="en-IN" sz="1800" dirty="0">
+              <a:effectLst/>
+              <a:latin typeface="Calibri" panose="020F0502020204030204" pitchFamily="34" charset="0"/>
+              <a:ea typeface="Times New Roman" panose="02020603050405020304" pitchFamily="18" charset="0"/>
+              <a:cs typeface="Mangal"/>
+            </a:endParaRPr>
+          </a:p>
+          <a:p>
+            <a:endParaRPr lang="en-IN" dirty="0"/>
+          </a:p>
+        </p:txBody>
+      </p:sp>
+    </p:spTree>
+    <p:extLst>
+      <p:ext uri="{BB962C8B-B14F-4D97-AF65-F5344CB8AC3E}">
+        <p14:creationId xmlns:p14="http://schemas.microsoft.com/office/powerpoint/2010/main" val="286583581"/>
+      </p:ext>
+    </p:extLst>
+  </p:cSld>
+  <p:clrMapOvr>
+    <a:masterClrMapping/>
+  </p:clrMapOvr>
+</p:sld>
+</file>
+
+<file path=ppt/slides/slide4.xml><?xml version="1.0" encoding="utf-8"?>
+<p:sld xmlns:a="http://schemas.openxmlformats.org/drawingml/2006/main" xmlns:r="http://schemas.openxmlformats.org/officeDocument/2006/relationships" xmlns:p="http://schemas.openxmlformats.org/presentationml/2006/main">
+  <p:cSld>
+    <p:spTree>
+      <p:nvGrpSpPr>
+        <p:cNvPr id="1" name=""/>
+        <p:cNvGrpSpPr/>
+        <p:nvPr/>
+      </p:nvGrpSpPr>
+      <p:grpSpPr>
+        <a:xfrm>
+          <a:off x="0" y="0"/>
+          <a:ext cx="0" cy="0"/>
+          <a:chOff x="0" y="0"/>
+          <a:chExt cx="0" cy="0"/>
+        </a:xfrm>
+      </p:grpSpPr>
+      <p:sp>
+        <p:nvSpPr>
+          <p:cNvPr id="2" name="Title 1">
+            <a:extLst>
+              <a:ext uri="{FF2B5EF4-FFF2-40B4-BE49-F238E27FC236}">
+                <a16:creationId xmlns:a16="http://schemas.microsoft.com/office/drawing/2014/main" id="{8DAB48B7-2222-4080-AD51-65ED1553FCB7}"/>
+              </a:ext>
+            </a:extLst>
+          </p:cNvPr>
+          <p:cNvSpPr>
+            <a:spLocks noGrp="1"/>
+          </p:cNvSpPr>
+          <p:nvPr>
+            <p:ph type="title"/>
+          </p:nvPr>
+        </p:nvSpPr>
+        <p:spPr/>
+        <p:txBody>
+          <a:bodyPr/>
+          <a:lstStyle/>
+          <a:p>
+            <a:endParaRPr lang="en-IN"/>
+          </a:p>
+        </p:txBody>
+      </p:sp>
+      <p:sp>
+        <p:nvSpPr>
+          <p:cNvPr id="3" name="Content Placeholder 2">
+            <a:extLst>
+              <a:ext uri="{FF2B5EF4-FFF2-40B4-BE49-F238E27FC236}">
+                <a16:creationId xmlns:a16="http://schemas.microsoft.com/office/drawing/2014/main" id="{DBC1414C-3A3D-4D63-AEC2-73CED7C2BFE2}"/>
+              </a:ext>
+            </a:extLst>
+          </p:cNvPr>
+          <p:cNvSpPr>
+            <a:spLocks noGrp="1"/>
+          </p:cNvSpPr>
+          <p:nvPr>
+            <p:ph idx="1"/>
+          </p:nvPr>
+        </p:nvSpPr>
+        <p:spPr/>
+        <p:txBody>
+          <a:bodyPr>
+            <a:normAutofit lnSpcReduction="10000"/>
+          </a:bodyPr>
+          <a:lstStyle/>
+          <a:p>
+            <a:pPr algn="just">
+              <a:lnSpc>
+                <a:spcPct val="107000"/>
+              </a:lnSpc>
+              <a:spcAft>
+                <a:spcPts val="800"/>
+              </a:spcAft>
+            </a:pPr>
+            <a:r>
+              <a:rPr lang="en-IN" sz="1800" b="1" dirty="0">
+                <a:effectLst/>
+                <a:latin typeface="Times New Roman" panose="02020603050405020304" pitchFamily="18" charset="0"/>
+                <a:ea typeface="Times New Roman" panose="02020603050405020304" pitchFamily="18" charset="0"/>
+                <a:cs typeface="Mangal"/>
+              </a:rPr>
+              <a:t>User interface</a:t>
+            </a:r>
+            <a:endParaRPr lang="en-IN" sz="1800" dirty="0">
+              <a:effectLst/>
+              <a:latin typeface="Calibri" panose="020F0502020204030204" pitchFamily="34" charset="0"/>
+              <a:ea typeface="Times New Roman" panose="02020603050405020304" pitchFamily="18" charset="0"/>
+              <a:cs typeface="Mangal"/>
+            </a:endParaRPr>
+          </a:p>
+          <a:p>
+            <a:pPr algn="just">
+              <a:lnSpc>
+                <a:spcPct val="107000"/>
+              </a:lnSpc>
+              <a:spcAft>
+                <a:spcPts val="800"/>
+              </a:spcAft>
+            </a:pPr>
+            <a:r>
+              <a:rPr lang="en-IN" sz="1800" dirty="0">
+                <a:effectLst/>
+                <a:latin typeface="Times New Roman" panose="02020603050405020304" pitchFamily="18" charset="0"/>
+                <a:ea typeface="Times New Roman" panose="02020603050405020304" pitchFamily="18" charset="0"/>
+                <a:cs typeface="Mangal"/>
+              </a:rPr>
+              <a:t>This includes the users of the system. The system is used by three of its users.</a:t>
+            </a:r>
+            <a:endParaRPr lang="en-IN" sz="1800" dirty="0">
+              <a:effectLst/>
+              <a:latin typeface="Calibri" panose="020F0502020204030204" pitchFamily="34" charset="0"/>
+              <a:ea typeface="Times New Roman" panose="02020603050405020304" pitchFamily="18" charset="0"/>
+              <a:cs typeface="Mangal"/>
+            </a:endParaRPr>
+          </a:p>
+          <a:p>
+            <a:pPr marL="342900" lvl="0" indent="-342900" algn="just">
+              <a:lnSpc>
+                <a:spcPct val="107000"/>
+              </a:lnSpc>
+              <a:buFont typeface="Symbol" panose="05050102010706020507" pitchFamily="18" charset="2"/>
+              <a:buChar char=""/>
+            </a:pPr>
+            <a:r>
+              <a:rPr lang="en-IN" sz="1800" b="1" dirty="0">
+                <a:effectLst/>
+                <a:latin typeface="Times New Roman" panose="02020603050405020304" pitchFamily="18" charset="0"/>
+                <a:ea typeface="Times New Roman" panose="02020603050405020304" pitchFamily="18" charset="0"/>
+                <a:cs typeface="Mangal"/>
+              </a:rPr>
+              <a:t>Admin</a:t>
+            </a:r>
+            <a:r>
+              <a:rPr lang="en-IN" sz="1800" dirty="0">
+                <a:effectLst/>
+                <a:latin typeface="Times New Roman" panose="02020603050405020304" pitchFamily="18" charset="0"/>
+                <a:ea typeface="Times New Roman" panose="02020603050405020304" pitchFamily="18" charset="0"/>
+                <a:cs typeface="Mangal"/>
+              </a:rPr>
+              <a:t>: The one who manages the entire website. Admin monitors all the activities that happens in the webpage and also monitors the student and staff accounts.</a:t>
+            </a:r>
+            <a:endParaRPr lang="en-IN" sz="1800" dirty="0">
+              <a:effectLst/>
+              <a:latin typeface="Calibri" panose="020F0502020204030204" pitchFamily="34" charset="0"/>
+              <a:ea typeface="Times New Roman" panose="02020603050405020304" pitchFamily="18" charset="0"/>
+              <a:cs typeface="Mangal"/>
+            </a:endParaRPr>
+          </a:p>
+          <a:p>
+            <a:pPr marL="342900" lvl="0" indent="-342900" algn="just">
+              <a:lnSpc>
+                <a:spcPct val="107000"/>
+              </a:lnSpc>
+              <a:buFont typeface="Symbol" panose="05050102010706020507" pitchFamily="18" charset="2"/>
+              <a:buChar char=""/>
+            </a:pPr>
+            <a:r>
+              <a:rPr lang="en-IN" sz="1800" b="1" dirty="0">
+                <a:effectLst/>
+                <a:latin typeface="Times New Roman" panose="02020603050405020304" pitchFamily="18" charset="0"/>
+                <a:ea typeface="Times New Roman" panose="02020603050405020304" pitchFamily="18" charset="0"/>
+                <a:cs typeface="Mangal"/>
+              </a:rPr>
+              <a:t>Staff</a:t>
+            </a:r>
+            <a:r>
+              <a:rPr lang="en-IN" sz="1800" dirty="0">
+                <a:effectLst/>
+                <a:latin typeface="Times New Roman" panose="02020603050405020304" pitchFamily="18" charset="0"/>
+                <a:ea typeface="Times New Roman" panose="02020603050405020304" pitchFamily="18" charset="0"/>
+                <a:cs typeface="Mangal"/>
+              </a:rPr>
+              <a:t>: The staff is added by the admin. The staff must host the events and published results of the events. The staff must verify the first, second and third place results of the events.</a:t>
+            </a:r>
+            <a:endParaRPr lang="en-IN" sz="1800" dirty="0">
+              <a:effectLst/>
+              <a:latin typeface="Calibri" panose="020F0502020204030204" pitchFamily="34" charset="0"/>
+              <a:ea typeface="Times New Roman" panose="02020603050405020304" pitchFamily="18" charset="0"/>
+              <a:cs typeface="Mangal"/>
+            </a:endParaRPr>
+          </a:p>
+          <a:p>
+            <a:pPr marL="342900" lvl="0" indent="-342900" algn="just">
+              <a:lnSpc>
+                <a:spcPct val="107000"/>
+              </a:lnSpc>
+              <a:spcAft>
+                <a:spcPts val="800"/>
+              </a:spcAft>
+              <a:buFont typeface="Symbol" panose="05050102010706020507" pitchFamily="18" charset="2"/>
+              <a:buChar char=""/>
+            </a:pPr>
+            <a:r>
+              <a:rPr lang="en-IN" sz="1800" b="1" dirty="0">
+                <a:effectLst/>
+                <a:latin typeface="Times New Roman" panose="02020603050405020304" pitchFamily="18" charset="0"/>
+                <a:ea typeface="Times New Roman" panose="02020603050405020304" pitchFamily="18" charset="0"/>
+                <a:cs typeface="Mangal"/>
+              </a:rPr>
+              <a:t>Student</a:t>
+            </a:r>
+            <a:r>
+              <a:rPr lang="en-IN" sz="1800" dirty="0">
+                <a:effectLst/>
+                <a:latin typeface="Times New Roman" panose="02020603050405020304" pitchFamily="18" charset="0"/>
+                <a:ea typeface="Times New Roman" panose="02020603050405020304" pitchFamily="18" charset="0"/>
+                <a:cs typeface="Mangal"/>
+              </a:rPr>
+              <a:t>: Student has to register to the website to use the system. Student can view the various events available for them under their course or department. If they wish to take part in any of the events they can participate in it.</a:t>
+            </a:r>
+            <a:endParaRPr lang="en-IN" sz="1800" dirty="0">
+              <a:effectLst/>
+              <a:latin typeface="Calibri" panose="020F0502020204030204" pitchFamily="34" charset="0"/>
+              <a:ea typeface="Times New Roman" panose="02020603050405020304" pitchFamily="18" charset="0"/>
+              <a:cs typeface="Mangal"/>
+            </a:endParaRPr>
+          </a:p>
+          <a:p>
+            <a:endParaRPr lang="en-IN" dirty="0"/>
+          </a:p>
+        </p:txBody>
+      </p:sp>
+    </p:spTree>
+    <p:extLst>
+      <p:ext uri="{BB962C8B-B14F-4D97-AF65-F5344CB8AC3E}">
+        <p14:creationId xmlns:p14="http://schemas.microsoft.com/office/powerpoint/2010/main" val="1489015039"/>
+      </p:ext>
+    </p:extLst>
+  </p:cSld>
+  <p:clrMapOvr>
+    <a:masterClrMapping/>
+  </p:clrMapOvr>
+</p:sld>
+</file>
+
+<file path=ppt/slides/slide5.xml><?xml version="1.0" encoding="utf-8"?>
+<p:sld xmlns:a="http://schemas.openxmlformats.org/drawingml/2006/main" xmlns:r="http://schemas.openxmlformats.org/officeDocument/2006/relationships" xmlns:p="http://schemas.openxmlformats.org/presentationml/2006/main">
+  <p:cSld>
+    <p:spTree>
+      <p:nvGrpSpPr>
+        <p:cNvPr id="1" name=""/>
+        <p:cNvGrpSpPr/>
+        <p:nvPr/>
+      </p:nvGrpSpPr>
+      <p:grpSpPr>
+        <a:xfrm>
+          <a:off x="0" y="0"/>
+          <a:ext cx="0" cy="0"/>
+          <a:chOff x="0" y="0"/>
+          <a:chExt cx="0" cy="0"/>
+        </a:xfrm>
+      </p:grpSpPr>
+      <p:sp>
+        <p:nvSpPr>
+          <p:cNvPr id="2" name="Title 1">
+            <a:extLst>
+              <a:ext uri="{FF2B5EF4-FFF2-40B4-BE49-F238E27FC236}">
+                <a16:creationId xmlns:a16="http://schemas.microsoft.com/office/drawing/2014/main" id="{D03D1A1B-7A27-4FD7-A7F7-A96858105F1E}"/>
+              </a:ext>
+            </a:extLst>
+          </p:cNvPr>
+          <p:cNvSpPr>
+            <a:spLocks noGrp="1"/>
+          </p:cNvSpPr>
+          <p:nvPr>
+            <p:ph type="title"/>
+          </p:nvPr>
+        </p:nvSpPr>
+        <p:spPr/>
+        <p:txBody>
+          <a:bodyPr/>
+          <a:lstStyle/>
+          <a:p>
+            <a:endParaRPr lang="en-IN"/>
+          </a:p>
+        </p:txBody>
+      </p:sp>
+      <p:sp>
+        <p:nvSpPr>
+          <p:cNvPr id="3" name="Content Placeholder 2">
+            <a:extLst>
+              <a:ext uri="{FF2B5EF4-FFF2-40B4-BE49-F238E27FC236}">
+                <a16:creationId xmlns:a16="http://schemas.microsoft.com/office/drawing/2014/main" id="{67F5CB01-C386-44A7-8029-C0B3887D0C38}"/>
+              </a:ext>
+            </a:extLst>
+          </p:cNvPr>
+          <p:cNvSpPr>
+            <a:spLocks noGrp="1"/>
+          </p:cNvSpPr>
+          <p:nvPr>
+            <p:ph idx="1"/>
+          </p:nvPr>
+        </p:nvSpPr>
+        <p:spPr/>
+        <p:txBody>
+          <a:bodyPr>
+            <a:normAutofit fontScale="77500" lnSpcReduction="20000"/>
+          </a:bodyPr>
+          <a:lstStyle/>
+          <a:p>
+            <a:pPr algn="just">
+              <a:lnSpc>
+                <a:spcPct val="107000"/>
+              </a:lnSpc>
+              <a:spcAft>
+                <a:spcPts val="800"/>
+              </a:spcAft>
+            </a:pPr>
+            <a:r>
+              <a:rPr lang="en-IN" sz="1800" b="1" dirty="0">
+                <a:effectLst/>
+                <a:latin typeface="Times New Roman" panose="02020603050405020304" pitchFamily="18" charset="0"/>
+                <a:ea typeface="Times New Roman" panose="02020603050405020304" pitchFamily="18" charset="0"/>
+                <a:cs typeface="Mangal"/>
+              </a:rPr>
+              <a:t>Hardware interface</a:t>
+            </a:r>
+            <a:endParaRPr lang="en-IN" sz="1800" dirty="0">
+              <a:effectLst/>
+              <a:latin typeface="Calibri" panose="020F0502020204030204" pitchFamily="34" charset="0"/>
+              <a:ea typeface="Times New Roman" panose="02020603050405020304" pitchFamily="18" charset="0"/>
+              <a:cs typeface="Mangal"/>
+            </a:endParaRPr>
+          </a:p>
+          <a:p>
+            <a:pPr marL="342900" lvl="0" indent="-342900">
+              <a:lnSpc>
+                <a:spcPct val="107000"/>
+              </a:lnSpc>
+              <a:buFont typeface="Symbol" panose="05050102010706020507" pitchFamily="18" charset="2"/>
+              <a:buChar char=""/>
+            </a:pPr>
+            <a:r>
+              <a:rPr lang="en-IN" sz="1800" b="1" dirty="0">
+                <a:effectLst/>
+                <a:latin typeface="Times New Roman" panose="02020603050405020304" pitchFamily="18" charset="0"/>
+                <a:ea typeface="Times New Roman" panose="02020603050405020304" pitchFamily="18" charset="0"/>
+                <a:cs typeface="Mangal"/>
+              </a:rPr>
+              <a:t>Operating system:</a:t>
+            </a:r>
+            <a:r>
+              <a:rPr lang="en-IN" sz="1800" dirty="0">
+                <a:effectLst/>
+                <a:latin typeface="Times New Roman" panose="02020603050405020304" pitchFamily="18" charset="0"/>
+                <a:ea typeface="Times New Roman" panose="02020603050405020304" pitchFamily="18" charset="0"/>
+                <a:cs typeface="Mangal"/>
+              </a:rPr>
+              <a:t> Windows XP or higher</a:t>
+            </a:r>
+            <a:endParaRPr lang="en-IN" sz="1800" dirty="0">
+              <a:effectLst/>
+              <a:latin typeface="Calibri" panose="020F0502020204030204" pitchFamily="34" charset="0"/>
+              <a:ea typeface="Times New Roman" panose="02020603050405020304" pitchFamily="18" charset="0"/>
+              <a:cs typeface="Mangal"/>
+            </a:endParaRPr>
+          </a:p>
+          <a:p>
+            <a:pPr marL="342900" lvl="0" indent="-342900">
+              <a:lnSpc>
+                <a:spcPct val="107000"/>
+              </a:lnSpc>
+              <a:buFont typeface="Symbol" panose="05050102010706020507" pitchFamily="18" charset="2"/>
+              <a:buChar char=""/>
+            </a:pPr>
+            <a:r>
+              <a:rPr lang="en-IN" sz="1800" b="1" dirty="0">
+                <a:effectLst/>
+                <a:latin typeface="Times New Roman" panose="02020603050405020304" pitchFamily="18" charset="0"/>
+                <a:ea typeface="Times New Roman" panose="02020603050405020304" pitchFamily="18" charset="0"/>
+                <a:cs typeface="Mangal"/>
+              </a:rPr>
+              <a:t>Hard disk:</a:t>
+            </a:r>
+            <a:r>
+              <a:rPr lang="en-IN" sz="1800" dirty="0">
+                <a:effectLst/>
+                <a:latin typeface="Times New Roman" panose="02020603050405020304" pitchFamily="18" charset="0"/>
+                <a:ea typeface="Times New Roman" panose="02020603050405020304" pitchFamily="18" charset="0"/>
+                <a:cs typeface="Mangal"/>
+              </a:rPr>
+              <a:t> 40 GB hard disk</a:t>
+            </a:r>
+            <a:endParaRPr lang="en-IN" sz="1800" dirty="0">
+              <a:effectLst/>
+              <a:latin typeface="Calibri" panose="020F0502020204030204" pitchFamily="34" charset="0"/>
+              <a:ea typeface="Times New Roman" panose="02020603050405020304" pitchFamily="18" charset="0"/>
+              <a:cs typeface="Mangal"/>
+            </a:endParaRPr>
+          </a:p>
+          <a:p>
+            <a:pPr marL="342900" lvl="0" indent="-342900">
+              <a:lnSpc>
+                <a:spcPct val="107000"/>
+              </a:lnSpc>
+              <a:buFont typeface="Symbol" panose="05050102010706020507" pitchFamily="18" charset="2"/>
+              <a:buChar char=""/>
+            </a:pPr>
+            <a:r>
+              <a:rPr lang="en-IN" sz="1800" b="1" dirty="0">
+                <a:effectLst/>
+                <a:latin typeface="Times New Roman" panose="02020603050405020304" pitchFamily="18" charset="0"/>
+                <a:ea typeface="Times New Roman" panose="02020603050405020304" pitchFamily="18" charset="0"/>
+                <a:cs typeface="Mangal"/>
+              </a:rPr>
+              <a:t>RAM:</a:t>
+            </a:r>
+            <a:r>
+              <a:rPr lang="en-IN" sz="1800" dirty="0">
+                <a:effectLst/>
+                <a:latin typeface="Times New Roman" panose="02020603050405020304" pitchFamily="18" charset="0"/>
+                <a:ea typeface="Times New Roman" panose="02020603050405020304" pitchFamily="18" charset="0"/>
+                <a:cs typeface="Mangal"/>
+              </a:rPr>
+              <a:t> 1 GB RAM</a:t>
+            </a:r>
+            <a:endParaRPr lang="en-IN" sz="1800" dirty="0">
+              <a:effectLst/>
+              <a:latin typeface="Calibri" panose="020F0502020204030204" pitchFamily="34" charset="0"/>
+              <a:ea typeface="Times New Roman" panose="02020603050405020304" pitchFamily="18" charset="0"/>
+              <a:cs typeface="Mangal"/>
+            </a:endParaRPr>
+          </a:p>
+          <a:p>
+            <a:pPr marL="342900" lvl="0" indent="-342900">
+              <a:lnSpc>
+                <a:spcPct val="107000"/>
+              </a:lnSpc>
+              <a:spcAft>
+                <a:spcPts val="800"/>
+              </a:spcAft>
+              <a:buFont typeface="Symbol" panose="05050102010706020507" pitchFamily="18" charset="2"/>
+              <a:buChar char=""/>
+            </a:pPr>
+            <a:r>
+              <a:rPr lang="en-IN" sz="1800" b="1" dirty="0">
+                <a:effectLst/>
+                <a:latin typeface="Times New Roman" panose="02020603050405020304" pitchFamily="18" charset="0"/>
+                <a:ea typeface="Times New Roman" panose="02020603050405020304" pitchFamily="18" charset="0"/>
+                <a:cs typeface="Mangal"/>
+              </a:rPr>
+              <a:t>Processor:</a:t>
+            </a:r>
+            <a:r>
+              <a:rPr lang="en-IN" sz="1800" dirty="0">
+                <a:effectLst/>
+                <a:latin typeface="Times New Roman" panose="02020603050405020304" pitchFamily="18" charset="0"/>
+                <a:ea typeface="Times New Roman" panose="02020603050405020304" pitchFamily="18" charset="0"/>
+                <a:cs typeface="Mangal"/>
+              </a:rPr>
+              <a:t> Intel Pentium or above</a:t>
+            </a:r>
+            <a:endParaRPr lang="en-IN" sz="1800" dirty="0">
+              <a:effectLst/>
+              <a:latin typeface="Calibri" panose="020F0502020204030204" pitchFamily="34" charset="0"/>
+              <a:ea typeface="Times New Roman" panose="02020603050405020304" pitchFamily="18" charset="0"/>
+              <a:cs typeface="Mangal"/>
+            </a:endParaRPr>
+          </a:p>
+          <a:p>
+            <a:pPr algn="just">
+              <a:lnSpc>
+                <a:spcPct val="107000"/>
+              </a:lnSpc>
+              <a:spcAft>
+                <a:spcPts val="800"/>
+              </a:spcAft>
+            </a:pPr>
+            <a:r>
+              <a:rPr lang="en-IN" sz="1800" b="1" dirty="0">
+                <a:effectLst/>
+                <a:latin typeface="Times New Roman" panose="02020603050405020304" pitchFamily="18" charset="0"/>
+                <a:ea typeface="Times New Roman" panose="02020603050405020304" pitchFamily="18" charset="0"/>
+                <a:cs typeface="Mangal"/>
+              </a:rPr>
+              <a:t>3.1.3 Software interface</a:t>
+            </a:r>
+            <a:endParaRPr lang="en-IN" sz="1800" dirty="0">
+              <a:effectLst/>
+              <a:latin typeface="Calibri" panose="020F0502020204030204" pitchFamily="34" charset="0"/>
+              <a:ea typeface="Times New Roman" panose="02020603050405020304" pitchFamily="18" charset="0"/>
+              <a:cs typeface="Mangal"/>
+            </a:endParaRPr>
+          </a:p>
+          <a:p>
+            <a:pPr marL="342900" lvl="0" indent="-342900">
+              <a:lnSpc>
+                <a:spcPct val="107000"/>
+              </a:lnSpc>
+              <a:buFont typeface="Symbol" panose="05050102010706020507" pitchFamily="18" charset="2"/>
+              <a:buChar char=""/>
+            </a:pPr>
+            <a:r>
+              <a:rPr lang="en-IN" sz="1800" dirty="0">
+                <a:effectLst/>
+                <a:latin typeface="Times New Roman" panose="02020603050405020304" pitchFamily="18" charset="0"/>
+                <a:ea typeface="Times New Roman" panose="02020603050405020304" pitchFamily="18" charset="0"/>
+                <a:cs typeface="Mangal"/>
+              </a:rPr>
+              <a:t>XAMPP 1.8.2</a:t>
+            </a:r>
+            <a:endParaRPr lang="en-IN" sz="1800" dirty="0">
+              <a:effectLst/>
+              <a:latin typeface="Calibri" panose="020F0502020204030204" pitchFamily="34" charset="0"/>
+              <a:ea typeface="Times New Roman" panose="02020603050405020304" pitchFamily="18" charset="0"/>
+              <a:cs typeface="Mangal"/>
+            </a:endParaRPr>
+          </a:p>
+          <a:p>
+            <a:pPr marL="342900" lvl="0" indent="-342900">
+              <a:lnSpc>
+                <a:spcPct val="107000"/>
+              </a:lnSpc>
+              <a:buFont typeface="Symbol" panose="05050102010706020507" pitchFamily="18" charset="2"/>
+              <a:buChar char=""/>
+            </a:pPr>
+            <a:r>
+              <a:rPr lang="en-IN" sz="1800" dirty="0">
+                <a:effectLst/>
+                <a:latin typeface="Times New Roman" panose="02020603050405020304" pitchFamily="18" charset="0"/>
+                <a:ea typeface="Times New Roman" panose="02020603050405020304" pitchFamily="18" charset="0"/>
+                <a:cs typeface="Mangal"/>
+              </a:rPr>
+              <a:t>Apache server</a:t>
+            </a:r>
+            <a:endParaRPr lang="en-IN" sz="1800" dirty="0">
+              <a:effectLst/>
+              <a:latin typeface="Calibri" panose="020F0502020204030204" pitchFamily="34" charset="0"/>
+              <a:ea typeface="Times New Roman" panose="02020603050405020304" pitchFamily="18" charset="0"/>
+              <a:cs typeface="Mangal"/>
+            </a:endParaRPr>
+          </a:p>
+          <a:p>
+            <a:pPr marL="342900" lvl="0" indent="-342900">
+              <a:lnSpc>
+                <a:spcPct val="107000"/>
+              </a:lnSpc>
+              <a:spcAft>
+                <a:spcPts val="800"/>
+              </a:spcAft>
+              <a:buFont typeface="Symbol" panose="05050102010706020507" pitchFamily="18" charset="2"/>
+              <a:buChar char=""/>
+            </a:pPr>
+            <a:r>
+              <a:rPr lang="en-IN" sz="1800" dirty="0">
+                <a:effectLst/>
+                <a:latin typeface="Times New Roman" panose="02020603050405020304" pitchFamily="18" charset="0"/>
+                <a:ea typeface="Times New Roman" panose="02020603050405020304" pitchFamily="18" charset="0"/>
+                <a:cs typeface="Mangal"/>
+              </a:rPr>
+              <a:t>PHP 5.4</a:t>
+            </a:r>
+            <a:endParaRPr lang="en-IN" sz="1800" dirty="0">
+              <a:effectLst/>
+              <a:latin typeface="Calibri" panose="020F0502020204030204" pitchFamily="34" charset="0"/>
+              <a:ea typeface="Times New Roman" panose="02020603050405020304" pitchFamily="18" charset="0"/>
+              <a:cs typeface="Mangal"/>
+            </a:endParaRPr>
+          </a:p>
+          <a:p>
+            <a:pPr marL="342900" lvl="0" indent="-342900">
+              <a:lnSpc>
+                <a:spcPct val="107000"/>
+              </a:lnSpc>
+              <a:spcAft>
+                <a:spcPts val="800"/>
+              </a:spcAft>
+              <a:buFont typeface="Symbol" panose="05050102010706020507" pitchFamily="18" charset="2"/>
+              <a:buChar char=""/>
+            </a:pPr>
+            <a:r>
+              <a:rPr lang="en-IN" sz="1800" dirty="0">
+                <a:effectLst/>
+                <a:latin typeface="Times New Roman" panose="02020603050405020304" pitchFamily="18" charset="0"/>
+                <a:ea typeface="Times New Roman" panose="02020603050405020304" pitchFamily="18" charset="0"/>
+                <a:cs typeface="Mangal"/>
+              </a:rPr>
+              <a:t>MYSQL server 5.5</a:t>
+            </a:r>
+            <a:endParaRPr lang="en-IN" sz="1800" dirty="0">
+              <a:effectLst/>
+              <a:latin typeface="Calibri" panose="020F0502020204030204" pitchFamily="34" charset="0"/>
+              <a:ea typeface="Times New Roman" panose="02020603050405020304" pitchFamily="18" charset="0"/>
+              <a:cs typeface="Mangal"/>
+            </a:endParaRPr>
+          </a:p>
+          <a:p>
+            <a:pPr marL="342900" lvl="0" indent="-342900">
+              <a:lnSpc>
+                <a:spcPct val="107000"/>
+              </a:lnSpc>
+              <a:spcAft>
+                <a:spcPts val="800"/>
+              </a:spcAft>
+              <a:buFont typeface="Symbol" panose="05050102010706020507" pitchFamily="18" charset="2"/>
+              <a:buChar char=""/>
+            </a:pPr>
+            <a:r>
+              <a:rPr lang="en-IN" sz="1800" dirty="0">
+                <a:effectLst/>
+                <a:latin typeface="Times New Roman" panose="02020603050405020304" pitchFamily="18" charset="0"/>
+                <a:ea typeface="Times New Roman" panose="02020603050405020304" pitchFamily="18" charset="0"/>
+                <a:cs typeface="Mangal"/>
+              </a:rPr>
+              <a:t>Adobe </a:t>
+            </a:r>
+            <a:r>
+              <a:rPr lang="en-IN" sz="1800" dirty="0" err="1">
+                <a:effectLst/>
+                <a:latin typeface="Times New Roman" panose="02020603050405020304" pitchFamily="18" charset="0"/>
+                <a:ea typeface="Times New Roman" panose="02020603050405020304" pitchFamily="18" charset="0"/>
+                <a:cs typeface="Mangal"/>
+              </a:rPr>
+              <a:t>dreamweaver</a:t>
+            </a:r>
+            <a:r>
+              <a:rPr lang="en-IN" sz="1800" dirty="0">
+                <a:effectLst/>
+                <a:latin typeface="Times New Roman" panose="02020603050405020304" pitchFamily="18" charset="0"/>
+                <a:ea typeface="Times New Roman" panose="02020603050405020304" pitchFamily="18" charset="0"/>
+                <a:cs typeface="Mangal"/>
+              </a:rPr>
+              <a:t> CS 6.0</a:t>
+            </a:r>
+            <a:endParaRPr lang="en-IN" sz="1800" dirty="0">
+              <a:effectLst/>
+              <a:latin typeface="Calibri" panose="020F0502020204030204" pitchFamily="34" charset="0"/>
+              <a:ea typeface="Times New Roman" panose="02020603050405020304" pitchFamily="18" charset="0"/>
+              <a:cs typeface="Mangal"/>
+            </a:endParaRPr>
+          </a:p>
+          <a:p>
+            <a:endParaRPr lang="en-IN" dirty="0"/>
+          </a:p>
+        </p:txBody>
+      </p:sp>
+    </p:spTree>
+    <p:extLst>
+      <p:ext uri="{BB962C8B-B14F-4D97-AF65-F5344CB8AC3E}">
+        <p14:creationId xmlns:p14="http://schemas.microsoft.com/office/powerpoint/2010/main" val="186987343"/>
+      </p:ext>
+    </p:extLst>
+  </p:cSld>
+  <p:clrMapOvr>
+    <a:masterClrMapping/>
+  </p:clrMapOvr>
+</p:sld>
+</file>
+
+<file path=ppt/slides/slide6.xml><?xml version="1.0" encoding="utf-8"?>
+<p:sld xmlns:a="http://schemas.openxmlformats.org/drawingml/2006/main" xmlns:r="http://schemas.openxmlformats.org/officeDocument/2006/relationships" xmlns:p="http://schemas.openxmlformats.org/presentationml/2006/main">
+  <p:cSld>
+    <p:spTree>
+      <p:nvGrpSpPr>
+        <p:cNvPr id="1" name=""/>
+        <p:cNvGrpSpPr/>
+        <p:nvPr/>
+      </p:nvGrpSpPr>
+      <p:grpSpPr>
+        <a:xfrm>
+          <a:off x="0" y="0"/>
+          <a:ext cx="0" cy="0"/>
+          <a:chOff x="0" y="0"/>
+          <a:chExt cx="0" cy="0"/>
+        </a:xfrm>
+      </p:grpSpPr>
+      <p:sp>
+        <p:nvSpPr>
+          <p:cNvPr id="2" name="Title 1">
+            <a:extLst>
+              <a:ext uri="{FF2B5EF4-FFF2-40B4-BE49-F238E27FC236}">
+                <a16:creationId xmlns:a16="http://schemas.microsoft.com/office/drawing/2014/main" id="{62F8EA29-F31D-4356-8984-60A88C36153D}"/>
+              </a:ext>
+            </a:extLst>
+          </p:cNvPr>
+          <p:cNvSpPr>
+            <a:spLocks noGrp="1"/>
+          </p:cNvSpPr>
+          <p:nvPr>
+            <p:ph type="title"/>
+          </p:nvPr>
+        </p:nvSpPr>
+        <p:spPr/>
+        <p:txBody>
+          <a:bodyPr/>
+          <a:lstStyle/>
+          <a:p>
+            <a:endParaRPr lang="en-IN"/>
+          </a:p>
+        </p:txBody>
+      </p:sp>
+      <p:sp>
+        <p:nvSpPr>
+          <p:cNvPr id="3" name="Content Placeholder 2">
+            <a:extLst>
+              <a:ext uri="{FF2B5EF4-FFF2-40B4-BE49-F238E27FC236}">
+                <a16:creationId xmlns:a16="http://schemas.microsoft.com/office/drawing/2014/main" id="{12026798-7BFC-4A45-B5BB-6DFD8FD1E15D}"/>
+              </a:ext>
+            </a:extLst>
+          </p:cNvPr>
+          <p:cNvSpPr>
+            <a:spLocks noGrp="1"/>
+          </p:cNvSpPr>
+          <p:nvPr>
+            <p:ph idx="1"/>
+          </p:nvPr>
+        </p:nvSpPr>
+        <p:spPr/>
+        <p:txBody>
+          <a:bodyPr>
+            <a:normAutofit fontScale="40000" lnSpcReduction="20000"/>
+          </a:bodyPr>
+          <a:lstStyle/>
+          <a:p>
+            <a:pPr algn="just">
+              <a:lnSpc>
+                <a:spcPct val="107000"/>
+              </a:lnSpc>
+              <a:spcAft>
+                <a:spcPts val="800"/>
+              </a:spcAft>
+            </a:pPr>
+            <a:r>
+              <a:rPr lang="en-IN" sz="1800" b="1" dirty="0">
+                <a:effectLst/>
+                <a:latin typeface="Times New Roman" panose="02020603050405020304" pitchFamily="18" charset="0"/>
+                <a:ea typeface="Times New Roman" panose="02020603050405020304" pitchFamily="18" charset="0"/>
+                <a:cs typeface="Mangal"/>
+              </a:rPr>
+              <a:t>Functional requirements</a:t>
+            </a:r>
+            <a:endParaRPr lang="en-IN" sz="1800" dirty="0">
+              <a:effectLst/>
+              <a:latin typeface="Calibri" panose="020F0502020204030204" pitchFamily="34" charset="0"/>
+              <a:ea typeface="Times New Roman" panose="02020603050405020304" pitchFamily="18" charset="0"/>
+              <a:cs typeface="Mangal"/>
+            </a:endParaRPr>
+          </a:p>
+          <a:p>
+            <a:pPr algn="just">
+              <a:lnSpc>
+                <a:spcPct val="107000"/>
+              </a:lnSpc>
+              <a:spcAft>
+                <a:spcPts val="800"/>
+              </a:spcAft>
+            </a:pPr>
+            <a:r>
+              <a:rPr lang="en-IN" sz="1800" dirty="0">
+                <a:effectLst/>
+                <a:latin typeface="Times New Roman" panose="02020603050405020304" pitchFamily="18" charset="0"/>
+                <a:ea typeface="Times New Roman" panose="02020603050405020304" pitchFamily="18" charset="0"/>
+                <a:cs typeface="Mangal"/>
+              </a:rPr>
+              <a:t>This includes the features of the various modules of the project.</a:t>
+            </a:r>
+            <a:endParaRPr lang="en-IN" sz="1800" dirty="0">
+              <a:effectLst/>
+              <a:latin typeface="Calibri" panose="020F0502020204030204" pitchFamily="34" charset="0"/>
+              <a:ea typeface="Times New Roman" panose="02020603050405020304" pitchFamily="18" charset="0"/>
+              <a:cs typeface="Mangal"/>
+            </a:endParaRPr>
+          </a:p>
+          <a:p>
+            <a:pPr marL="342900" lvl="0" indent="-342900" algn="just">
+              <a:lnSpc>
+                <a:spcPct val="107000"/>
+              </a:lnSpc>
+              <a:buFont typeface="Symbol" panose="05050102010706020507" pitchFamily="18" charset="2"/>
+              <a:buChar char=""/>
+            </a:pPr>
+            <a:r>
+              <a:rPr lang="en-IN" sz="1800" b="1" dirty="0">
+                <a:effectLst/>
+                <a:latin typeface="Times New Roman" panose="02020603050405020304" pitchFamily="18" charset="0"/>
+                <a:ea typeface="Times New Roman" panose="02020603050405020304" pitchFamily="18" charset="0"/>
+                <a:cs typeface="Mangal"/>
+              </a:rPr>
+              <a:t>Admin module</a:t>
+            </a:r>
+            <a:r>
+              <a:rPr lang="en-IN" sz="1800" dirty="0">
+                <a:effectLst/>
+                <a:latin typeface="Times New Roman" panose="02020603050405020304" pitchFamily="18" charset="0"/>
+                <a:ea typeface="Times New Roman" panose="02020603050405020304" pitchFamily="18" charset="0"/>
+                <a:cs typeface="Mangal"/>
+              </a:rPr>
+              <a:t>: Admin is the one who manages the entire website and also has the full authority over all the activities of the extra curricular activities system. The admin monitors the other users of the website. </a:t>
+            </a:r>
+            <a:endParaRPr lang="en-IN" sz="1800" dirty="0">
+              <a:effectLst/>
+              <a:latin typeface="Calibri" panose="020F0502020204030204" pitchFamily="34" charset="0"/>
+              <a:ea typeface="Times New Roman" panose="02020603050405020304" pitchFamily="18" charset="0"/>
+              <a:cs typeface="Mangal"/>
+            </a:endParaRPr>
+          </a:p>
+          <a:p>
+            <a:pPr marL="342900" lvl="0" indent="-342900" algn="just">
+              <a:lnSpc>
+                <a:spcPct val="107000"/>
+              </a:lnSpc>
+              <a:buFont typeface="Symbol" panose="05050102010706020507" pitchFamily="18" charset="2"/>
+              <a:buChar char=""/>
+            </a:pPr>
+            <a:r>
+              <a:rPr lang="en-IN" sz="1800" b="1" dirty="0">
+                <a:effectLst/>
+                <a:latin typeface="Times New Roman" panose="02020603050405020304" pitchFamily="18" charset="0"/>
+                <a:ea typeface="Times New Roman" panose="02020603050405020304" pitchFamily="18" charset="0"/>
+                <a:cs typeface="Mangal"/>
+              </a:rPr>
+              <a:t>Staff module</a:t>
+            </a:r>
+            <a:r>
+              <a:rPr lang="en-IN" sz="1800" dirty="0">
+                <a:effectLst/>
+                <a:latin typeface="Times New Roman" panose="02020603050405020304" pitchFamily="18" charset="0"/>
+                <a:ea typeface="Times New Roman" panose="02020603050405020304" pitchFamily="18" charset="0"/>
+                <a:cs typeface="Mangal"/>
+              </a:rPr>
+              <a:t>: Staff will be added by the admin. The staff can view the student and activate the students by verifying them. The staff can host the events as well as they can publish the results of the events.</a:t>
+            </a:r>
+            <a:endParaRPr lang="en-IN" sz="1800" dirty="0">
+              <a:effectLst/>
+              <a:latin typeface="Calibri" panose="020F0502020204030204" pitchFamily="34" charset="0"/>
+              <a:ea typeface="Times New Roman" panose="02020603050405020304" pitchFamily="18" charset="0"/>
+              <a:cs typeface="Mangal"/>
+            </a:endParaRPr>
+          </a:p>
+          <a:p>
+            <a:pPr marL="342900" lvl="0" indent="-342900" algn="just">
+              <a:lnSpc>
+                <a:spcPct val="107000"/>
+              </a:lnSpc>
+              <a:buFont typeface="Symbol" panose="05050102010706020507" pitchFamily="18" charset="2"/>
+              <a:buChar char=""/>
+            </a:pPr>
+            <a:r>
+              <a:rPr lang="en-IN" sz="1800" b="1" dirty="0">
+                <a:effectLst/>
+                <a:latin typeface="Times New Roman" panose="02020603050405020304" pitchFamily="18" charset="0"/>
+                <a:ea typeface="Times New Roman" panose="02020603050405020304" pitchFamily="18" charset="0"/>
+                <a:cs typeface="Mangal"/>
+              </a:rPr>
+              <a:t>Student module</a:t>
+            </a:r>
+            <a:r>
+              <a:rPr lang="en-IN" sz="1800" dirty="0">
+                <a:effectLst/>
+                <a:latin typeface="Times New Roman" panose="02020603050405020304" pitchFamily="18" charset="0"/>
+                <a:ea typeface="Times New Roman" panose="02020603050405020304" pitchFamily="18" charset="0"/>
+                <a:cs typeface="Mangal"/>
+              </a:rPr>
+              <a:t>: this model allows the students can register and login to the system. Once the student login they can give the various events hosted by the staff. If a student wishes to participate in the event they can take part in the events of their department or course.</a:t>
+            </a:r>
+            <a:endParaRPr lang="en-IN" sz="1800" dirty="0">
+              <a:effectLst/>
+              <a:latin typeface="Calibri" panose="020F0502020204030204" pitchFamily="34" charset="0"/>
+              <a:ea typeface="Times New Roman" panose="02020603050405020304" pitchFamily="18" charset="0"/>
+              <a:cs typeface="Mangal"/>
+            </a:endParaRPr>
+          </a:p>
+          <a:p>
+            <a:pPr marL="342900" lvl="0" indent="-342900" algn="just">
+              <a:lnSpc>
+                <a:spcPct val="107000"/>
+              </a:lnSpc>
+              <a:buFont typeface="Symbol" panose="05050102010706020507" pitchFamily="18" charset="2"/>
+              <a:buChar char=""/>
+            </a:pPr>
+            <a:r>
+              <a:rPr lang="en-IN" sz="1800" b="1" dirty="0">
+                <a:effectLst/>
+                <a:latin typeface="Times New Roman" panose="02020603050405020304" pitchFamily="18" charset="0"/>
+                <a:ea typeface="Times New Roman" panose="02020603050405020304" pitchFamily="18" charset="0"/>
+                <a:cs typeface="Mangal"/>
+              </a:rPr>
+              <a:t>Settings module</a:t>
+            </a:r>
+            <a:r>
+              <a:rPr lang="en-IN" sz="1800" dirty="0">
+                <a:effectLst/>
+                <a:latin typeface="Times New Roman" panose="02020603050405020304" pitchFamily="18" charset="0"/>
+                <a:ea typeface="Times New Roman" panose="02020603050405020304" pitchFamily="18" charset="0"/>
+                <a:cs typeface="Mangal"/>
+              </a:rPr>
+              <a:t>: This module is available only for the admin. The admin will add the point settings for different events. They we can add the details of the course that are available in the college. Here the admin will add the staff, the staff are the  lecturers of the college who must host the events.</a:t>
+            </a:r>
+            <a:endParaRPr lang="en-IN" sz="1800" dirty="0">
+              <a:effectLst/>
+              <a:latin typeface="Calibri" panose="020F0502020204030204" pitchFamily="34" charset="0"/>
+              <a:ea typeface="Times New Roman" panose="02020603050405020304" pitchFamily="18" charset="0"/>
+              <a:cs typeface="Mangal"/>
+            </a:endParaRPr>
+          </a:p>
+          <a:p>
+            <a:pPr marL="342900" lvl="0" indent="-342900" algn="just">
+              <a:lnSpc>
+                <a:spcPct val="107000"/>
+              </a:lnSpc>
+              <a:buFont typeface="Symbol" panose="05050102010706020507" pitchFamily="18" charset="2"/>
+              <a:buChar char=""/>
+            </a:pPr>
+            <a:r>
+              <a:rPr lang="en-IN" sz="1800" b="1" dirty="0">
+                <a:effectLst/>
+                <a:latin typeface="Times New Roman" panose="02020603050405020304" pitchFamily="18" charset="0"/>
+                <a:ea typeface="Times New Roman" panose="02020603050405020304" pitchFamily="18" charset="0"/>
+                <a:cs typeface="Mangal"/>
+              </a:rPr>
+              <a:t>Event module</a:t>
+            </a:r>
+            <a:r>
+              <a:rPr lang="en-IN" sz="1800" dirty="0">
+                <a:effectLst/>
+                <a:latin typeface="Times New Roman" panose="02020603050405020304" pitchFamily="18" charset="0"/>
+                <a:ea typeface="Times New Roman" panose="02020603050405020304" pitchFamily="18" charset="0"/>
+                <a:cs typeface="Mangal"/>
+              </a:rPr>
+              <a:t>: In the event module, the staff can publish the events. The events published by the staff is verified by the admin. If the event is verified to be true and approved by the admin only then the event is available to view for the students. </a:t>
+            </a:r>
+            <a:endParaRPr lang="en-IN" sz="1800" dirty="0">
+              <a:effectLst/>
+              <a:latin typeface="Calibri" panose="020F0502020204030204" pitchFamily="34" charset="0"/>
+              <a:ea typeface="Times New Roman" panose="02020603050405020304" pitchFamily="18" charset="0"/>
+              <a:cs typeface="Mangal"/>
+            </a:endParaRPr>
+          </a:p>
+          <a:p>
+            <a:pPr marL="342900" lvl="0" indent="-342900" algn="just">
+              <a:lnSpc>
+                <a:spcPct val="107000"/>
+              </a:lnSpc>
+              <a:buFont typeface="Symbol" panose="05050102010706020507" pitchFamily="18" charset="2"/>
+              <a:buChar char=""/>
+            </a:pPr>
+            <a:r>
+              <a:rPr lang="en-IN" sz="1800" b="1" dirty="0">
+                <a:effectLst/>
+                <a:latin typeface="Times New Roman" panose="02020603050405020304" pitchFamily="18" charset="0"/>
+                <a:ea typeface="Times New Roman" panose="02020603050405020304" pitchFamily="18" charset="0"/>
+                <a:cs typeface="Mangal"/>
+              </a:rPr>
+              <a:t>Registration module</a:t>
+            </a:r>
+            <a:r>
+              <a:rPr lang="en-IN" sz="1800" dirty="0">
+                <a:effectLst/>
+                <a:latin typeface="Times New Roman" panose="02020603050405020304" pitchFamily="18" charset="0"/>
+                <a:ea typeface="Times New Roman" panose="02020603050405020304" pitchFamily="18" charset="0"/>
+                <a:cs typeface="Mangal"/>
+              </a:rPr>
+              <a:t>: In this module, the students can make the registration by entering all their details along with their course details. Once the student makes the registration they can login using the valid login credentials they have provided at the time of registration.</a:t>
+            </a:r>
+            <a:endParaRPr lang="en-IN" sz="1800" dirty="0">
+              <a:effectLst/>
+              <a:latin typeface="Calibri" panose="020F0502020204030204" pitchFamily="34" charset="0"/>
+              <a:ea typeface="Times New Roman" panose="02020603050405020304" pitchFamily="18" charset="0"/>
+              <a:cs typeface="Mangal"/>
+            </a:endParaRPr>
+          </a:p>
+          <a:p>
+            <a:pPr marL="342900" lvl="0" indent="-342900" algn="just">
+              <a:lnSpc>
+                <a:spcPct val="107000"/>
+              </a:lnSpc>
+              <a:buFont typeface="Symbol" panose="05050102010706020507" pitchFamily="18" charset="2"/>
+              <a:buChar char=""/>
+            </a:pPr>
+            <a:r>
+              <a:rPr lang="en-IN" sz="1800" b="1" dirty="0">
+                <a:effectLst/>
+                <a:latin typeface="Times New Roman" panose="02020603050405020304" pitchFamily="18" charset="0"/>
+                <a:ea typeface="Times New Roman" panose="02020603050405020304" pitchFamily="18" charset="0"/>
+                <a:cs typeface="Mangal"/>
+              </a:rPr>
+              <a:t>Event participation module</a:t>
+            </a:r>
+            <a:r>
+              <a:rPr lang="en-IN" sz="1800" dirty="0">
+                <a:effectLst/>
+                <a:latin typeface="Times New Roman" panose="02020603050405020304" pitchFamily="18" charset="0"/>
+                <a:ea typeface="Times New Roman" panose="02020603050405020304" pitchFamily="18" charset="0"/>
+                <a:cs typeface="Mangal"/>
+              </a:rPr>
+              <a:t>: In this module, student can view the events  by department wise or course wise. If the department wise event suits the student then the student can take part in that particular department course event. One department student cannot take part in any other department events. Student can view individual or team events. If the student wants to take part in the team event then the student must make the team of 11 members and must enter the token ID of all the team members, only then the student can take part in the team event. In the individual event, the student can view the details of the event such as the scheduled date and rules of events and then the student can participate in the event.</a:t>
+            </a:r>
+            <a:endParaRPr lang="en-IN" sz="1800" dirty="0">
+              <a:effectLst/>
+              <a:latin typeface="Calibri" panose="020F0502020204030204" pitchFamily="34" charset="0"/>
+              <a:ea typeface="Times New Roman" panose="02020603050405020304" pitchFamily="18" charset="0"/>
+              <a:cs typeface="Mangal"/>
+            </a:endParaRPr>
+          </a:p>
+          <a:p>
+            <a:pPr marL="342900" lvl="0" indent="-342900" algn="just">
+              <a:lnSpc>
+                <a:spcPct val="107000"/>
+              </a:lnSpc>
+              <a:buFont typeface="Symbol" panose="05050102010706020507" pitchFamily="18" charset="2"/>
+              <a:buChar char=""/>
+            </a:pPr>
+            <a:r>
+              <a:rPr lang="en-IN" sz="1800" b="1" dirty="0">
+                <a:effectLst/>
+                <a:latin typeface="Times New Roman" panose="02020603050405020304" pitchFamily="18" charset="0"/>
+                <a:ea typeface="Times New Roman" panose="02020603050405020304" pitchFamily="18" charset="0"/>
+                <a:cs typeface="Mangal"/>
+              </a:rPr>
+              <a:t>Event result module</a:t>
+            </a:r>
+            <a:r>
+              <a:rPr lang="en-IN" sz="1800" dirty="0">
+                <a:effectLst/>
+                <a:latin typeface="Times New Roman" panose="02020603050405020304" pitchFamily="18" charset="0"/>
+                <a:ea typeface="Times New Roman" panose="02020603050405020304" pitchFamily="18" charset="0"/>
+                <a:cs typeface="Mangal"/>
+              </a:rPr>
+              <a:t>: In this module, on the day of scheduled event the staff must take the attendance of the students in the list of participants and the attendance report will be submitted. The staff must publish the result of the events, here the staff must verify the first place, second place and third place results of the participants. The first, second and third place result will have the different points and the result of other participants will be generated automatically by the system.</a:t>
+            </a:r>
+            <a:endParaRPr lang="en-IN" sz="1800" dirty="0">
+              <a:effectLst/>
+              <a:latin typeface="Calibri" panose="020F0502020204030204" pitchFamily="34" charset="0"/>
+              <a:ea typeface="Times New Roman" panose="02020603050405020304" pitchFamily="18" charset="0"/>
+              <a:cs typeface="Mangal"/>
+            </a:endParaRPr>
+          </a:p>
+          <a:p>
+            <a:pPr marL="342900" lvl="0" indent="-342900" algn="just">
+              <a:lnSpc>
+                <a:spcPct val="107000"/>
+              </a:lnSpc>
+              <a:spcAft>
+                <a:spcPts val="800"/>
+              </a:spcAft>
+              <a:buFont typeface="Symbol" panose="05050102010706020507" pitchFamily="18" charset="2"/>
+              <a:buChar char=""/>
+            </a:pPr>
+            <a:r>
+              <a:rPr lang="en-IN" sz="1800" b="1" dirty="0">
+                <a:effectLst/>
+                <a:latin typeface="Times New Roman" panose="02020603050405020304" pitchFamily="18" charset="0"/>
+                <a:ea typeface="Times New Roman" panose="02020603050405020304" pitchFamily="18" charset="0"/>
+                <a:cs typeface="Mangal"/>
+              </a:rPr>
+              <a:t>Complaint report module: </a:t>
+            </a:r>
+            <a:r>
+              <a:rPr lang="en-IN" sz="1800" dirty="0">
+                <a:effectLst/>
+                <a:latin typeface="Times New Roman" panose="02020603050405020304" pitchFamily="18" charset="0"/>
+                <a:ea typeface="Times New Roman" panose="02020603050405020304" pitchFamily="18" charset="0"/>
+                <a:cs typeface="Mangal"/>
+              </a:rPr>
+              <a:t>This module allows students to raise a complaint issue  to the staff regarding the event result published. Since the first place, second place and the third place results are verified by the staff, if there is any mistake in the result then the student can complain to the staff for correction and the staff has the authority to accept the complaint or reject it.</a:t>
+            </a:r>
+            <a:endParaRPr lang="en-IN" sz="1800" dirty="0">
+              <a:effectLst/>
+              <a:latin typeface="Calibri" panose="020F0502020204030204" pitchFamily="34" charset="0"/>
+              <a:ea typeface="Times New Roman" panose="02020603050405020304" pitchFamily="18" charset="0"/>
+              <a:cs typeface="Mangal"/>
+            </a:endParaRPr>
+          </a:p>
+          <a:p>
+            <a:endParaRPr lang="en-IN" dirty="0"/>
+          </a:p>
+        </p:txBody>
+      </p:sp>
+    </p:spTree>
+    <p:extLst>
+      <p:ext uri="{BB962C8B-B14F-4D97-AF65-F5344CB8AC3E}">
+        <p14:creationId xmlns:p14="http://schemas.microsoft.com/office/powerpoint/2010/main" val="3899240504"/>
+      </p:ext>
+    </p:extLst>
+  </p:cSld>
+  <p:clrMapOvr>
+    <a:masterClrMapping/>
+  </p:clrMapOvr>
+</p:sld>
+</file>
+
+<file path=ppt/slides/slide7.xml><?xml version="1.0" encoding="utf-8"?>
+<p:sld xmlns:a="http://schemas.openxmlformats.org/drawingml/2006/main" xmlns:r="http://schemas.openxmlformats.org/officeDocument/2006/relationships" xmlns:p="http://schemas.openxmlformats.org/presentationml/2006/main">
+  <p:cSld>
+    <p:spTree>
+      <p:nvGrpSpPr>
+        <p:cNvPr id="1" name=""/>
+        <p:cNvGrpSpPr/>
+        <p:nvPr/>
+      </p:nvGrpSpPr>
+      <p:grpSpPr>
+        <a:xfrm>
+          <a:off x="0" y="0"/>
+          <a:ext cx="0" cy="0"/>
+          <a:chOff x="0" y="0"/>
+          <a:chExt cx="0" cy="0"/>
+        </a:xfrm>
+      </p:grpSpPr>
+      <p:sp>
+        <p:nvSpPr>
+          <p:cNvPr id="2" name="Title 1">
+            <a:extLst>
+              <a:ext uri="{FF2B5EF4-FFF2-40B4-BE49-F238E27FC236}">
+                <a16:creationId xmlns:a16="http://schemas.microsoft.com/office/drawing/2014/main" id="{3350C6F0-BDE1-467C-89C0-F0DDE8AEA224}"/>
+              </a:ext>
+            </a:extLst>
+          </p:cNvPr>
+          <p:cNvSpPr>
+            <a:spLocks noGrp="1"/>
+          </p:cNvSpPr>
+          <p:nvPr>
+            <p:ph type="title"/>
+          </p:nvPr>
+        </p:nvSpPr>
+        <p:spPr/>
+        <p:txBody>
+          <a:bodyPr/>
+          <a:lstStyle/>
+          <a:p>
+            <a:r>
+              <a:rPr lang="en-IN" sz="1800" b="1" dirty="0">
+                <a:effectLst/>
+                <a:latin typeface="Times New Roman" panose="02020603050405020304" pitchFamily="18" charset="0"/>
+                <a:ea typeface="Times New Roman" panose="02020603050405020304" pitchFamily="18" charset="0"/>
+              </a:rPr>
+              <a:t>Data flow diagram</a:t>
+            </a:r>
+            <a:endParaRPr lang="en-IN" dirty="0"/>
+          </a:p>
+        </p:txBody>
+      </p:sp>
+      <p:sp>
+        <p:nvSpPr>
+          <p:cNvPr id="3" name="Content Placeholder 2">
+            <a:extLst>
+              <a:ext uri="{FF2B5EF4-FFF2-40B4-BE49-F238E27FC236}">
+                <a16:creationId xmlns:a16="http://schemas.microsoft.com/office/drawing/2014/main" id="{52606BC8-2DFD-4112-ADD6-6AC4B91F21EE}"/>
+              </a:ext>
+            </a:extLst>
+          </p:cNvPr>
+          <p:cNvSpPr>
+            <a:spLocks noGrp="1"/>
+          </p:cNvSpPr>
+          <p:nvPr>
+            <p:ph idx="1"/>
+          </p:nvPr>
+        </p:nvSpPr>
+        <p:spPr/>
+        <p:txBody>
+          <a:bodyPr/>
+          <a:lstStyle/>
+          <a:p>
+            <a:r>
+              <a:rPr lang="en-IN" sz="1800" dirty="0">
+                <a:effectLst/>
+                <a:latin typeface="Times New Roman" panose="02020603050405020304" pitchFamily="18" charset="0"/>
+                <a:ea typeface="Times New Roman" panose="02020603050405020304" pitchFamily="18" charset="0"/>
+                <a:cs typeface="Mangal"/>
+              </a:rPr>
+              <a:t>The data flow diagram is pictorial representation of the flow of data in the system. Through this diagram the communication between various modules of the system is represented. The data flow diagram is very essential because this will let the developer understand the actual picture of the system. The data flow diagram will tell the developers how the coding of the system must be done. This diagram will connect each and every module to one another and makes the system complete.</a:t>
+            </a:r>
+            <a:endParaRPr lang="en-IN" sz="1800" dirty="0">
+              <a:effectLst/>
+              <a:latin typeface="Calibri" panose="020F0502020204030204" pitchFamily="34" charset="0"/>
+              <a:ea typeface="Times New Roman" panose="02020603050405020304" pitchFamily="18" charset="0"/>
+              <a:cs typeface="Mangal"/>
+            </a:endParaRPr>
+          </a:p>
+          <a:p>
+            <a:endParaRPr lang="en-IN" dirty="0"/>
+          </a:p>
+        </p:txBody>
+      </p:sp>
+    </p:spTree>
+    <p:extLst>
+      <p:ext uri="{BB962C8B-B14F-4D97-AF65-F5344CB8AC3E}">
+        <p14:creationId xmlns:p14="http://schemas.microsoft.com/office/powerpoint/2010/main" val="4276229892"/>
+      </p:ext>
+    </p:extLst>
+  </p:cSld>
+  <p:clrMapOvr>
+    <a:masterClrMapping/>
+  </p:clrMapOvr>
+</p:sld>
+</file>
+
+<file path=ppt/slides/slide8.xml><?xml version="1.0" encoding="utf-8"?>
+<p:sld xmlns:a="http://schemas.openxmlformats.org/drawingml/2006/main" xmlns:r="http://schemas.openxmlformats.org/officeDocument/2006/relationships" xmlns:p="http://schemas.openxmlformats.org/presentationml/2006/main">
+  <p:cSld>
+    <p:spTree>
+      <p:nvGrpSpPr>
+        <p:cNvPr id="1" name=""/>
+        <p:cNvGrpSpPr/>
+        <p:nvPr/>
+      </p:nvGrpSpPr>
+      <p:grpSpPr>
+        <a:xfrm>
+          <a:off x="0" y="0"/>
+          <a:ext cx="0" cy="0"/>
+          <a:chOff x="0" y="0"/>
+          <a:chExt cx="0" cy="0"/>
+        </a:xfrm>
+      </p:grpSpPr>
+      <p:sp>
+        <p:nvSpPr>
+          <p:cNvPr id="2" name="Title 1">
+            <a:extLst>
+              <a:ext uri="{FF2B5EF4-FFF2-40B4-BE49-F238E27FC236}">
+                <a16:creationId xmlns:a16="http://schemas.microsoft.com/office/drawing/2014/main" id="{ABC91AC7-8F2F-446B-BBBA-3AC392ECC9D1}"/>
+              </a:ext>
+            </a:extLst>
+          </p:cNvPr>
+          <p:cNvSpPr>
+            <a:spLocks noGrp="1"/>
+          </p:cNvSpPr>
+          <p:nvPr>
+            <p:ph type="title"/>
+          </p:nvPr>
+        </p:nvSpPr>
+        <p:spPr/>
+        <p:txBody>
+          <a:bodyPr/>
+          <a:lstStyle/>
+          <a:p>
+            <a:r>
+              <a:rPr lang="en-IN" sz="3600" b="1" dirty="0">
+                <a:effectLst/>
+                <a:latin typeface="Times New Roman" panose="02020603050405020304" pitchFamily="18" charset="0"/>
+                <a:ea typeface="Times New Roman" panose="02020603050405020304" pitchFamily="18" charset="0"/>
+                <a:cs typeface="Mangal"/>
+              </a:rPr>
+              <a:t>Context flow diagram</a:t>
+            </a:r>
+            <a:br>
+              <a:rPr lang="en-IN" sz="3600" dirty="0">
+                <a:effectLst/>
+                <a:latin typeface="Calibri" panose="020F0502020204030204" pitchFamily="34" charset="0"/>
+                <a:ea typeface="Times New Roman" panose="02020603050405020304" pitchFamily="18" charset="0"/>
+                <a:cs typeface="Mangal"/>
+              </a:rPr>
+            </a:br>
+            <a:endParaRPr lang="en-IN" dirty="0"/>
+          </a:p>
+        </p:txBody>
+      </p:sp>
+      <p:sp>
+        <p:nvSpPr>
+          <p:cNvPr id="3" name="Content Placeholder 2">
+            <a:extLst>
+              <a:ext uri="{FF2B5EF4-FFF2-40B4-BE49-F238E27FC236}">
+                <a16:creationId xmlns:a16="http://schemas.microsoft.com/office/drawing/2014/main" id="{9D5B31BB-2C40-4360-8BD9-15FA062B43D3}"/>
+              </a:ext>
+            </a:extLst>
+          </p:cNvPr>
+          <p:cNvSpPr>
+            <a:spLocks noGrp="1"/>
+          </p:cNvSpPr>
+          <p:nvPr>
+            <p:ph idx="1"/>
+          </p:nvPr>
+        </p:nvSpPr>
+        <p:spPr/>
+        <p:txBody>
+          <a:bodyPr/>
+          <a:lstStyle/>
+          <a:p>
+            <a:pPr algn="just">
+              <a:lnSpc>
+                <a:spcPct val="107000"/>
+              </a:lnSpc>
+              <a:spcAft>
+                <a:spcPts val="800"/>
+              </a:spcAft>
+            </a:pPr>
+            <a:r>
+              <a:rPr lang="en-IN" sz="1800" dirty="0">
+                <a:effectLst/>
+                <a:latin typeface="Times New Roman" panose="02020603050405020304" pitchFamily="18" charset="0"/>
+                <a:ea typeface="Times New Roman" panose="02020603050405020304" pitchFamily="18" charset="0"/>
+                <a:cs typeface="Mangal"/>
+              </a:rPr>
+              <a:t>Context flow diagram is nothing but the data flow diagram itself. In the context flow diagram, the communication between the system and its various utilities are shown. This diagram shows the relationship of the system in brief. In this diagram the representation of the users of the system with the database of the system is shown.</a:t>
+            </a:r>
+            <a:endParaRPr lang="en-IN" sz="1800" dirty="0">
+              <a:effectLst/>
+              <a:latin typeface="Calibri" panose="020F0502020204030204" pitchFamily="34" charset="0"/>
+              <a:ea typeface="Times New Roman" panose="02020603050405020304" pitchFamily="18" charset="0"/>
+              <a:cs typeface="Mangal"/>
+            </a:endParaRPr>
+          </a:p>
+          <a:p>
+            <a:endParaRPr lang="en-IN" dirty="0"/>
+          </a:p>
+        </p:txBody>
+      </p:sp>
+      <p:pic>
+        <p:nvPicPr>
+          <p:cNvPr id="4" name="Picture 3">
+            <a:extLst>
+              <a:ext uri="{FF2B5EF4-FFF2-40B4-BE49-F238E27FC236}">
+                <a16:creationId xmlns:a16="http://schemas.microsoft.com/office/drawing/2014/main" id="{B266E57E-E8B0-4BBE-B867-269F53AFCE3D}"/>
+              </a:ext>
+            </a:extLst>
+          </p:cNvPr>
+          <p:cNvPicPr/>
+          <p:nvPr/>
+        </p:nvPicPr>
+        <p:blipFill>
+          <a:blip r:embed="rId2"/>
+          <a:stretch>
+            <a:fillRect/>
+          </a:stretch>
+        </p:blipFill>
+        <p:spPr>
+          <a:xfrm>
+            <a:off x="3113507" y="2956264"/>
+            <a:ext cx="2982493" cy="1799538"/>
+          </a:xfrm>
+          <a:prstGeom prst="rect">
+            <a:avLst/>
+          </a:prstGeom>
+        </p:spPr>
+      </p:pic>
+    </p:spTree>
+    <p:extLst>
+      <p:ext uri="{BB962C8B-B14F-4D97-AF65-F5344CB8AC3E}">
+        <p14:creationId xmlns:p14="http://schemas.microsoft.com/office/powerpoint/2010/main" val="3312565968"/>
+      </p:ext>
+    </p:extLst>
+  </p:cSld>
+  <p:clrMapOvr>
+    <a:masterClrMapping/>
+  </p:clrMapOvr>
+</p:sld>
+</file>
+
+<file path=ppt/slides/slide9.xml><?xml version="1.0" encoding="utf-8"?>
+<p:sld xmlns:a="http://schemas.openxmlformats.org/drawingml/2006/main" xmlns:r="http://schemas.openxmlformats.org/officeDocument/2006/relationships" xmlns:p="http://schemas.openxmlformats.org/presentationml/2006/main">
+  <p:cSld>
+    <p:spTree>
+      <p:nvGrpSpPr>
+        <p:cNvPr id="1" name=""/>
+        <p:cNvGrpSpPr/>
+        <p:nvPr/>
+      </p:nvGrpSpPr>
+      <p:grpSpPr>
+        <a:xfrm>
+          <a:off x="0" y="0"/>
+          <a:ext cx="0" cy="0"/>
+          <a:chOff x="0" y="0"/>
+          <a:chExt cx="0" cy="0"/>
+        </a:xfrm>
+      </p:grpSpPr>
+      <p:sp>
+        <p:nvSpPr>
+          <p:cNvPr id="2" name="Title 1">
+            <a:extLst>
+              <a:ext uri="{FF2B5EF4-FFF2-40B4-BE49-F238E27FC236}">
+                <a16:creationId xmlns:a16="http://schemas.microsoft.com/office/drawing/2014/main" id="{D8460327-E2D0-4224-AA1B-B0259A1A143C}"/>
+              </a:ext>
+            </a:extLst>
+          </p:cNvPr>
+          <p:cNvSpPr>
+            <a:spLocks noGrp="1"/>
+          </p:cNvSpPr>
+          <p:nvPr>
+            <p:ph type="title"/>
+          </p:nvPr>
+        </p:nvSpPr>
+        <p:spPr/>
+        <p:txBody>
+          <a:bodyPr/>
+          <a:lstStyle/>
+          <a:p>
+            <a:r>
+              <a:rPr lang="en-IN" sz="1800" b="1" u="sng" dirty="0">
+                <a:effectLst/>
+                <a:latin typeface="Times New Roman" panose="02020603050405020304" pitchFamily="18" charset="0"/>
+                <a:ea typeface="Times New Roman" panose="02020603050405020304" pitchFamily="18" charset="0"/>
+                <a:cs typeface="Mangal"/>
+              </a:rPr>
+              <a:t>Top Level: DFD (Level 1</a:t>
+            </a:r>
+            <a:r>
+              <a:rPr lang="en-IN" sz="1800" u="sng" dirty="0">
+                <a:effectLst/>
+                <a:latin typeface="Times New Roman" panose="02020603050405020304" pitchFamily="18" charset="0"/>
+                <a:ea typeface="Times New Roman" panose="02020603050405020304" pitchFamily="18" charset="0"/>
+                <a:cs typeface="Mangal"/>
+              </a:rPr>
+              <a:t>):</a:t>
+            </a:r>
+            <a:br>
+              <a:rPr lang="en-IN" sz="1800" dirty="0">
+                <a:effectLst/>
+                <a:latin typeface="Calibri" panose="020F0502020204030204" pitchFamily="34" charset="0"/>
+                <a:ea typeface="Times New Roman" panose="02020603050405020304" pitchFamily="18" charset="0"/>
+                <a:cs typeface="Mangal"/>
+              </a:rPr>
+            </a:br>
+            <a:endParaRPr lang="en-IN" dirty="0"/>
+          </a:p>
+        </p:txBody>
+      </p:sp>
+      <p:pic>
+        <p:nvPicPr>
+          <p:cNvPr id="4" name="Content Placeholder 3">
+            <a:extLst>
+              <a:ext uri="{FF2B5EF4-FFF2-40B4-BE49-F238E27FC236}">
+                <a16:creationId xmlns:a16="http://schemas.microsoft.com/office/drawing/2014/main" id="{07E2FD5E-B860-429B-A397-F79B1D963E91}"/>
+              </a:ext>
+            </a:extLst>
+          </p:cNvPr>
+          <p:cNvPicPr>
+            <a:picLocks noGrp="1"/>
+          </p:cNvPicPr>
+          <p:nvPr>
+            <p:ph idx="1"/>
+          </p:nvPr>
+        </p:nvPicPr>
+        <p:blipFill>
+          <a:blip r:embed="rId2"/>
+          <a:stretch>
+            <a:fillRect/>
+          </a:stretch>
+        </p:blipFill>
+        <p:spPr>
+          <a:xfrm>
+            <a:off x="3123898" y="685800"/>
+            <a:ext cx="3655029" cy="3614738"/>
+          </a:xfrm>
+          <a:prstGeom prst="rect">
+            <a:avLst/>
+          </a:prstGeom>
+        </p:spPr>
+      </p:pic>
+    </p:spTree>
+    <p:extLst>
+      <p:ext uri="{BB962C8B-B14F-4D97-AF65-F5344CB8AC3E}">
+        <p14:creationId xmlns:p14="http://schemas.microsoft.com/office/powerpoint/2010/main" val="3063440578"/>
       </p:ext>
     </p:extLst>
   </p:cSld>

--- a/Project Docs/Presentation.pptx
+++ b/Project Docs/Presentation.pptx
@@ -6,19 +6,26 @@
   </p:sldMasterIdLst>
   <p:sldIdLst>
     <p:sldId id="256" r:id="rId2"/>
-    <p:sldId id="257" r:id="rId3"/>
-    <p:sldId id="258" r:id="rId4"/>
-    <p:sldId id="259" r:id="rId5"/>
+    <p:sldId id="275" r:id="rId3"/>
+    <p:sldId id="257" r:id="rId4"/>
+    <p:sldId id="258" r:id="rId5"/>
     <p:sldId id="260" r:id="rId6"/>
-    <p:sldId id="261" r:id="rId7"/>
-    <p:sldId id="262" r:id="rId8"/>
-    <p:sldId id="263" r:id="rId9"/>
-    <p:sldId id="264" r:id="rId10"/>
-    <p:sldId id="265" r:id="rId11"/>
-    <p:sldId id="266" r:id="rId12"/>
-    <p:sldId id="267" r:id="rId13"/>
-    <p:sldId id="268" r:id="rId14"/>
-    <p:sldId id="269" r:id="rId15"/>
+    <p:sldId id="259" r:id="rId7"/>
+    <p:sldId id="270" r:id="rId8"/>
+    <p:sldId id="271" r:id="rId9"/>
+    <p:sldId id="272" r:id="rId10"/>
+    <p:sldId id="273" r:id="rId11"/>
+    <p:sldId id="274" r:id="rId12"/>
+    <p:sldId id="276" r:id="rId13"/>
+    <p:sldId id="277" r:id="rId14"/>
+    <p:sldId id="262" r:id="rId15"/>
+    <p:sldId id="263" r:id="rId16"/>
+    <p:sldId id="264" r:id="rId17"/>
+    <p:sldId id="265" r:id="rId18"/>
+    <p:sldId id="266" r:id="rId19"/>
+    <p:sldId id="267" r:id="rId20"/>
+    <p:sldId id="268" r:id="rId21"/>
+    <p:sldId id="269" r:id="rId22"/>
   </p:sldIdLst>
   <p:sldSz cx="12192000" cy="6858000"/>
   <p:notesSz cx="6858000" cy="9144000"/>
@@ -316,7 +323,7 @@
           <a:p>
             <a:fld id="{BF68B1DA-85AE-4601-877C-5515C57D8413}" type="datetimeFigureOut">
               <a:rPr lang="en-IN" smtClean="0"/>
-              <a:t>18-09-2021</a:t>
+              <a:t>19-09-2021</a:t>
             </a:fld>
             <a:endParaRPr lang="en-IN"/>
           </a:p>
@@ -752,7 +759,7 @@
           <a:p>
             <a:fld id="{BF68B1DA-85AE-4601-877C-5515C57D8413}" type="datetimeFigureOut">
               <a:rPr lang="en-IN" smtClean="0"/>
-              <a:t>18-09-2021</a:t>
+              <a:t>19-09-2021</a:t>
             </a:fld>
             <a:endParaRPr lang="en-IN"/>
           </a:p>
@@ -1002,7 +1009,7 @@
           <a:p>
             <a:fld id="{BF68B1DA-85AE-4601-877C-5515C57D8413}" type="datetimeFigureOut">
               <a:rPr lang="en-IN" smtClean="0"/>
-              <a:t>18-09-2021</a:t>
+              <a:t>19-09-2021</a:t>
             </a:fld>
             <a:endParaRPr lang="en-IN"/>
           </a:p>
@@ -1310,7 +1317,7 @@
           <a:p>
             <a:fld id="{BF68B1DA-85AE-4601-877C-5515C57D8413}" type="datetimeFigureOut">
               <a:rPr lang="en-IN" smtClean="0"/>
-              <a:t>18-09-2021</a:t>
+              <a:t>19-09-2021</a:t>
             </a:fld>
             <a:endParaRPr lang="en-IN"/>
           </a:p>
@@ -1628,7 +1635,7 @@
           <a:p>
             <a:fld id="{BF68B1DA-85AE-4601-877C-5515C57D8413}" type="datetimeFigureOut">
               <a:rPr lang="en-IN" smtClean="0"/>
-              <a:t>18-09-2021</a:t>
+              <a:t>19-09-2021</a:t>
             </a:fld>
             <a:endParaRPr lang="en-IN"/>
           </a:p>
@@ -1930,7 +1937,7 @@
           <a:p>
             <a:fld id="{BF68B1DA-85AE-4601-877C-5515C57D8413}" type="datetimeFigureOut">
               <a:rPr lang="en-IN" smtClean="0"/>
-              <a:t>18-09-2021</a:t>
+              <a:t>19-09-2021</a:t>
             </a:fld>
             <a:endParaRPr lang="en-IN"/>
           </a:p>
@@ -2297,7 +2304,7 @@
           <a:p>
             <a:fld id="{BF68B1DA-85AE-4601-877C-5515C57D8413}" type="datetimeFigureOut">
               <a:rPr lang="en-IN" smtClean="0"/>
-              <a:t>18-09-2021</a:t>
+              <a:t>19-09-2021</a:t>
             </a:fld>
             <a:endParaRPr lang="en-IN"/>
           </a:p>
@@ -2471,7 +2478,7 @@
           <a:p>
             <a:fld id="{BF68B1DA-85AE-4601-877C-5515C57D8413}" type="datetimeFigureOut">
               <a:rPr lang="en-IN" smtClean="0"/>
-              <a:t>18-09-2021</a:t>
+              <a:t>19-09-2021</a:t>
             </a:fld>
             <a:endParaRPr lang="en-IN"/>
           </a:p>
@@ -2651,7 +2658,7 @@
           <a:p>
             <a:fld id="{BF68B1DA-85AE-4601-877C-5515C57D8413}" type="datetimeFigureOut">
               <a:rPr lang="en-IN" smtClean="0"/>
-              <a:t>18-09-2021</a:t>
+              <a:t>19-09-2021</a:t>
             </a:fld>
             <a:endParaRPr lang="en-IN"/>
           </a:p>
@@ -2821,7 +2828,7 @@
           <a:p>
             <a:fld id="{BF68B1DA-85AE-4601-877C-5515C57D8413}" type="datetimeFigureOut">
               <a:rPr lang="en-IN" smtClean="0"/>
-              <a:t>18-09-2021</a:t>
+              <a:t>19-09-2021</a:t>
             </a:fld>
             <a:endParaRPr lang="en-IN"/>
           </a:p>
@@ -3071,7 +3078,7 @@
           <a:p>
             <a:fld id="{BF68B1DA-85AE-4601-877C-5515C57D8413}" type="datetimeFigureOut">
               <a:rPr lang="en-IN" smtClean="0"/>
-              <a:t>18-09-2021</a:t>
+              <a:t>19-09-2021</a:t>
             </a:fld>
             <a:endParaRPr lang="en-IN"/>
           </a:p>
@@ -3307,7 +3314,7 @@
           <a:p>
             <a:fld id="{BF68B1DA-85AE-4601-877C-5515C57D8413}" type="datetimeFigureOut">
               <a:rPr lang="en-IN" smtClean="0"/>
-              <a:t>18-09-2021</a:t>
+              <a:t>19-09-2021</a:t>
             </a:fld>
             <a:endParaRPr lang="en-IN"/>
           </a:p>
@@ -3689,7 +3696,7 @@
           <a:p>
             <a:fld id="{BF68B1DA-85AE-4601-877C-5515C57D8413}" type="datetimeFigureOut">
               <a:rPr lang="en-IN" smtClean="0"/>
-              <a:t>18-09-2021</a:t>
+              <a:t>19-09-2021</a:t>
             </a:fld>
             <a:endParaRPr lang="en-IN"/>
           </a:p>
@@ -3807,7 +3814,7 @@
           <a:p>
             <a:fld id="{BF68B1DA-85AE-4601-877C-5515C57D8413}" type="datetimeFigureOut">
               <a:rPr lang="en-IN" smtClean="0"/>
-              <a:t>18-09-2021</a:t>
+              <a:t>19-09-2021</a:t>
             </a:fld>
             <a:endParaRPr lang="en-IN"/>
           </a:p>
@@ -3902,7 +3909,7 @@
           <a:p>
             <a:fld id="{BF68B1DA-85AE-4601-877C-5515C57D8413}" type="datetimeFigureOut">
               <a:rPr lang="en-IN" smtClean="0"/>
-              <a:t>18-09-2021</a:t>
+              <a:t>19-09-2021</a:t>
             </a:fld>
             <a:endParaRPr lang="en-IN"/>
           </a:p>
@@ -4157,7 +4164,7 @@
           <a:p>
             <a:fld id="{BF68B1DA-85AE-4601-877C-5515C57D8413}" type="datetimeFigureOut">
               <a:rPr lang="en-IN" smtClean="0"/>
-              <a:t>18-09-2021</a:t>
+              <a:t>19-09-2021</a:t>
             </a:fld>
             <a:endParaRPr lang="en-IN"/>
           </a:p>
@@ -4440,7 +4447,7 @@
           <a:p>
             <a:fld id="{BF68B1DA-85AE-4601-877C-5515C57D8413}" type="datetimeFigureOut">
               <a:rPr lang="en-IN" smtClean="0"/>
-              <a:t>18-09-2021</a:t>
+              <a:t>19-09-2021</a:t>
             </a:fld>
             <a:endParaRPr lang="en-IN"/>
           </a:p>
@@ -4846,7 +4853,7 @@
           <a:p>
             <a:fld id="{BF68B1DA-85AE-4601-877C-5515C57D8413}" type="datetimeFigureOut">
               <a:rPr lang="en-IN" smtClean="0"/>
-              <a:t>18-09-2021</a:t>
+              <a:t>19-09-2021</a:t>
             </a:fld>
             <a:endParaRPr lang="en-IN"/>
           </a:p>
@@ -5383,42 +5390,6 @@
       </p:grpSpPr>
       <p:sp>
         <p:nvSpPr>
-          <p:cNvPr id="2" name="Title 1">
-            <a:extLst>
-              <a:ext uri="{FF2B5EF4-FFF2-40B4-BE49-F238E27FC236}">
-                <a16:creationId xmlns:a16="http://schemas.microsoft.com/office/drawing/2014/main" id="{A5085A4B-B4B0-4BD8-B415-B99D0659489C}"/>
-              </a:ext>
-            </a:extLst>
-          </p:cNvPr>
-          <p:cNvSpPr>
-            <a:spLocks noGrp="1"/>
-          </p:cNvSpPr>
-          <p:nvPr>
-            <p:ph type="ctrTitle"/>
-          </p:nvPr>
-        </p:nvSpPr>
-        <p:spPr/>
-        <p:txBody>
-          <a:bodyPr/>
-          <a:lstStyle/>
-          <a:p>
-            <a:r>
-              <a:rPr lang="en-US" dirty="0"/>
-              <a:t>SDM COLLEGE </a:t>
-            </a:r>
-            <a:br>
-              <a:rPr lang="en-US" dirty="0"/>
-            </a:br>
-            <a:r>
-              <a:rPr lang="en-US" sz="2400" dirty="0"/>
-              <a:t>EXTRA-CURRICULAR ACTIVITY MANAGEMENT</a:t>
-            </a:r>
-            <a:endParaRPr lang="en-IN" sz="2400" dirty="0"/>
-          </a:p>
-        </p:txBody>
-      </p:sp>
-      <p:sp>
-        <p:nvSpPr>
           <p:cNvPr id="3" name="Subtitle 2">
             <a:extLst>
               <a:ext uri="{FF2B5EF4-FFF2-40B4-BE49-F238E27FC236}">
@@ -5430,10 +5401,15 @@
             <a:spLocks noGrp="1"/>
           </p:cNvSpPr>
           <p:nvPr>
-            <p:ph type="subTitle" idx="1"/>
-          </p:nvPr>
-        </p:nvSpPr>
-        <p:spPr/>
+            <p:ph type="subTitle" idx="4294967295"/>
+          </p:nvPr>
+        </p:nvSpPr>
+        <p:spPr>
+          <a:xfrm>
+            <a:off x="6360941" y="4123519"/>
+            <a:ext cx="6400800" cy="1947862"/>
+          </a:xfrm>
+        </p:spPr>
         <p:txBody>
           <a:bodyPr>
             <a:normAutofit fontScale="92500" lnSpcReduction="10000"/>
@@ -5441,7 +5417,13 @@
           <a:lstStyle/>
           <a:p>
             <a:r>
-              <a:rPr lang="en-US" dirty="0"/>
+              <a:rPr lang="en-US" dirty="0">
+                <a:solidFill>
+                  <a:schemeClr val="tx1">
+                    <a:lumMod val="95000"/>
+                  </a:schemeClr>
+                </a:solidFill>
+              </a:rPr>
               <a:t>By:</a:t>
             </a:r>
           </a:p>
@@ -5451,7 +5433,13 @@
               <a:buChar char="q"/>
             </a:pPr>
             <a:r>
-              <a:rPr lang="en-US" dirty="0"/>
+              <a:rPr lang="en-US" dirty="0">
+                <a:solidFill>
+                  <a:schemeClr val="tx1">
+                    <a:lumMod val="95000"/>
+                  </a:schemeClr>
+                </a:solidFill>
+              </a:rPr>
               <a:t>Sajith Thomas, 180937</a:t>
             </a:r>
           </a:p>
@@ -5461,7 +5449,13 @@
               <a:buChar char="q"/>
             </a:pPr>
             <a:r>
-              <a:rPr lang="en-US" dirty="0"/>
+              <a:rPr lang="en-US" dirty="0">
+                <a:solidFill>
+                  <a:schemeClr val="tx1">
+                    <a:lumMod val="95000"/>
+                  </a:schemeClr>
+                </a:solidFill>
+              </a:rPr>
               <a:t>Sanjay Joshi, 180980</a:t>
             </a:r>
           </a:p>
@@ -5471,7 +5465,13 @@
               <a:buChar char="q"/>
             </a:pPr>
             <a:r>
-              <a:rPr lang="en-US" dirty="0"/>
+              <a:rPr lang="en-US" dirty="0">
+                <a:solidFill>
+                  <a:schemeClr val="tx1">
+                    <a:lumMod val="95000"/>
+                  </a:schemeClr>
+                </a:solidFill>
+              </a:rPr>
               <a:t>Mahesh, 180924</a:t>
             </a:r>
           </a:p>
@@ -5481,14 +5481,85 @@
               <a:buChar char="q"/>
             </a:pPr>
             <a:r>
-              <a:rPr lang="en-US" dirty="0" err="1"/>
+              <a:rPr lang="en-US" dirty="0" err="1">
+                <a:solidFill>
+                  <a:schemeClr val="tx1">
+                    <a:lumMod val="95000"/>
+                  </a:schemeClr>
+                </a:solidFill>
+              </a:rPr>
               <a:t>Thejas</a:t>
             </a:r>
             <a:r>
-              <a:rPr lang="en-US" dirty="0"/>
+              <a:rPr lang="en-US" dirty="0">
+                <a:solidFill>
+                  <a:schemeClr val="tx1">
+                    <a:lumMod val="95000"/>
+                  </a:schemeClr>
+                </a:solidFill>
+              </a:rPr>
               <a:t> P C, 180985</a:t>
             </a:r>
-            <a:endParaRPr lang="en-IN" dirty="0"/>
+            <a:endParaRPr lang="en-IN" dirty="0">
+              <a:solidFill>
+                <a:schemeClr val="tx1">
+                  <a:lumMod val="95000"/>
+                </a:schemeClr>
+              </a:solidFill>
+            </a:endParaRPr>
+          </a:p>
+        </p:txBody>
+      </p:sp>
+      <p:sp>
+        <p:nvSpPr>
+          <p:cNvPr id="4" name="Rectangle 3">
+            <a:extLst>
+              <a:ext uri="{FF2B5EF4-FFF2-40B4-BE49-F238E27FC236}">
+                <a16:creationId xmlns:a16="http://schemas.microsoft.com/office/drawing/2014/main" id="{DA6A3FE6-6BBF-4D52-A231-117CC49C3D0D}"/>
+              </a:ext>
+            </a:extLst>
+          </p:cNvPr>
+          <p:cNvSpPr/>
+          <p:nvPr/>
+        </p:nvSpPr>
+        <p:spPr>
+          <a:xfrm>
+            <a:off x="1211580" y="929640"/>
+            <a:ext cx="8831580" cy="1569660"/>
+          </a:xfrm>
+          <a:prstGeom prst="rect">
+            <a:avLst/>
+          </a:prstGeom>
+          <a:noFill/>
+        </p:spPr>
+        <p:txBody>
+          <a:bodyPr wrap="square" lIns="91440" tIns="45720" rIns="91440" bIns="45720">
+            <a:spAutoFit/>
+          </a:bodyPr>
+          <a:lstStyle/>
+          <a:p>
+            <a:pPr algn="ctr"/>
+            <a:r>
+              <a:rPr lang="en-US" sz="9600" b="1" cap="none" spc="0" dirty="0">
+                <a:ln w="9525">
+                  <a:solidFill>
+                    <a:schemeClr val="bg1"/>
+                  </a:solidFill>
+                  <a:prstDash val="solid"/>
+                </a:ln>
+                <a:solidFill>
+                  <a:schemeClr val="tx1"/>
+                </a:solidFill>
+                <a:effectLst>
+                  <a:outerShdw blurRad="12700" dist="38100" dir="2700000" algn="tl" rotWithShape="0">
+                    <a:schemeClr val="bg1">
+                      <a:lumMod val="50000"/>
+                    </a:schemeClr>
+                  </a:outerShdw>
+                </a:effectLst>
+              </a:rPr>
+              <a:t>WELCOME</a:t>
+            </a:r>
           </a:p>
         </p:txBody>
       </p:sp>
@@ -5524,82 +5595,247 @@
       </p:grpSpPr>
       <p:sp>
         <p:nvSpPr>
-          <p:cNvPr id="2" name="Title 1">
+          <p:cNvPr id="3" name="TextBox 2">
             <a:extLst>
               <a:ext uri="{FF2B5EF4-FFF2-40B4-BE49-F238E27FC236}">
-                <a16:creationId xmlns:a16="http://schemas.microsoft.com/office/drawing/2014/main" id="{D1F6E4D4-10D3-4616-B36D-872A3377DA9D}"/>
+                <a16:creationId xmlns:a16="http://schemas.microsoft.com/office/drawing/2014/main" id="{5F3C6809-7CE7-4200-A68C-0AF4E3EB0FA6}"/>
               </a:ext>
             </a:extLst>
           </p:cNvPr>
-          <p:cNvSpPr>
-            <a:spLocks noGrp="1"/>
-          </p:cNvSpPr>
-          <p:nvPr>
-            <p:ph type="title"/>
-          </p:nvPr>
-        </p:nvSpPr>
-        <p:spPr/>
-        <p:txBody>
-          <a:bodyPr/>
-          <a:lstStyle/>
-          <a:p>
-            <a:r>
-              <a:rPr lang="en-IN" sz="1800" b="1" u="sng" dirty="0">
+          <p:cNvSpPr txBox="1"/>
+          <p:nvPr/>
+        </p:nvSpPr>
+        <p:spPr>
+          <a:xfrm>
+            <a:off x="392430" y="229476"/>
+            <a:ext cx="11403330" cy="5607241"/>
+          </a:xfrm>
+          <a:prstGeom prst="rect">
+            <a:avLst/>
+          </a:prstGeom>
+          <a:noFill/>
+        </p:spPr>
+        <p:txBody>
+          <a:bodyPr wrap="square">
+            <a:spAutoFit/>
+          </a:bodyPr>
+          <a:lstStyle/>
+          <a:p>
+            <a:pPr marL="342900" lvl="0" indent="-342900" algn="just">
+              <a:lnSpc>
+                <a:spcPct val="107000"/>
+              </a:lnSpc>
+              <a:buFont typeface="Symbol" panose="05050102010706020507" pitchFamily="18" charset="2"/>
+              <a:buChar char=""/>
+            </a:pPr>
+            <a:r>
+              <a:rPr lang="en-IN" sz="2400" dirty="0">
                 <a:effectLst/>
                 <a:latin typeface="Times New Roman" panose="02020603050405020304" pitchFamily="18" charset="0"/>
                 <a:ea typeface="Times New Roman" panose="02020603050405020304" pitchFamily="18" charset="0"/>
                 <a:cs typeface="Mangal"/>
               </a:rPr>
-              <a:t>DFD Level 2.1:</a:t>
-            </a:r>
-            <a:br>
-              <a:rPr lang="en-IN" sz="1800" dirty="0">
+              <a:t>Staff will be added by the admin. The staff can view the student and activate the students by verifying them. The staff can host the events as well as they can publish the results of the events.</a:t>
+            </a:r>
+          </a:p>
+          <a:p>
+            <a:pPr marL="342900" indent="-342900" algn="just">
+              <a:lnSpc>
+                <a:spcPct val="107000"/>
+              </a:lnSpc>
+              <a:buFont typeface="Symbol" panose="05050102010706020507" pitchFamily="18" charset="2"/>
+              <a:buChar char=""/>
+            </a:pPr>
+            <a:r>
+              <a:rPr lang="en-IN" sz="2400" b="1" dirty="0">
+                <a:solidFill>
+                  <a:schemeClr val="accent6"/>
+                </a:solidFill>
                 <a:effectLst/>
-                <a:latin typeface="Calibri" panose="020F0502020204030204" pitchFamily="34" charset="0"/>
+                <a:latin typeface="Times New Roman" panose="02020603050405020304" pitchFamily="18" charset="0"/>
                 <a:ea typeface="Times New Roman" panose="02020603050405020304" pitchFamily="18" charset="0"/>
                 <a:cs typeface="Mangal"/>
               </a:rPr>
-            </a:br>
-            <a:endParaRPr lang="en-IN" dirty="0"/>
-          </a:p>
-        </p:txBody>
-      </p:sp>
-      <p:pic>
-        <p:nvPicPr>
-          <p:cNvPr id="4" name="Content Placeholder 3">
+              <a:t>Event module</a:t>
+            </a:r>
+            <a:r>
+              <a:rPr lang="en-IN" sz="2400" dirty="0">
+                <a:effectLst/>
+                <a:latin typeface="Times New Roman" panose="02020603050405020304" pitchFamily="18" charset="0"/>
+                <a:ea typeface="Times New Roman" panose="02020603050405020304" pitchFamily="18" charset="0"/>
+                <a:cs typeface="Mangal"/>
+              </a:rPr>
+              <a:t>: In the event module, the staff can publish the events. The events published by the staff is verified by the admin. If the event is verified to be true and approved by the admin only then the event is available to view for the students. </a:t>
+            </a:r>
+            <a:endParaRPr lang="en-IN" sz="2400" dirty="0">
+              <a:effectLst/>
+              <a:latin typeface="Calibri" panose="020F0502020204030204" pitchFamily="34" charset="0"/>
+              <a:ea typeface="Times New Roman" panose="02020603050405020304" pitchFamily="18" charset="0"/>
+              <a:cs typeface="Mangal"/>
+            </a:endParaRPr>
+          </a:p>
+          <a:p>
+            <a:pPr marL="342900" indent="-342900" algn="just">
+              <a:lnSpc>
+                <a:spcPct val="107000"/>
+              </a:lnSpc>
+              <a:buFont typeface="Symbol" panose="05050102010706020507" pitchFamily="18" charset="2"/>
+              <a:buChar char=""/>
+            </a:pPr>
+            <a:r>
+              <a:rPr lang="en-IN" sz="2400" b="1" dirty="0">
+                <a:solidFill>
+                  <a:schemeClr val="accent6"/>
+                </a:solidFill>
+                <a:effectLst/>
+                <a:latin typeface="Times New Roman" panose="02020603050405020304" pitchFamily="18" charset="0"/>
+                <a:ea typeface="Times New Roman" panose="02020603050405020304" pitchFamily="18" charset="0"/>
+                <a:cs typeface="Mangal"/>
+              </a:rPr>
+              <a:t>Event result module</a:t>
+            </a:r>
+            <a:r>
+              <a:rPr lang="en-IN" sz="2400" dirty="0">
+                <a:effectLst/>
+                <a:latin typeface="Times New Roman" panose="02020603050405020304" pitchFamily="18" charset="0"/>
+                <a:ea typeface="Times New Roman" panose="02020603050405020304" pitchFamily="18" charset="0"/>
+                <a:cs typeface="Mangal"/>
+              </a:rPr>
+              <a:t>: In this module, on the day of scheduled event the staff must take the attendance of the students in the list of participants and the attendance report will be submitted. The staff must publish the result of the events, here the staff must verify the first place, second place and third place results of the participants. The first, second and third place result will have the different points and the result of other participants will be generated automatically by the system.</a:t>
+            </a:r>
+            <a:endParaRPr lang="en-IN" sz="2400" dirty="0">
+              <a:effectLst/>
+              <a:latin typeface="Calibri" panose="020F0502020204030204" pitchFamily="34" charset="0"/>
+              <a:ea typeface="Times New Roman" panose="02020603050405020304" pitchFamily="18" charset="0"/>
+              <a:cs typeface="Mangal"/>
+            </a:endParaRPr>
+          </a:p>
+          <a:p>
+            <a:pPr marL="342900" lvl="0" indent="-342900" algn="just">
+              <a:lnSpc>
+                <a:spcPct val="107000"/>
+              </a:lnSpc>
+              <a:buFont typeface="Symbol" panose="05050102010706020507" pitchFamily="18" charset="2"/>
+              <a:buChar char=""/>
+            </a:pPr>
+            <a:endParaRPr lang="en-IN" sz="2400" dirty="0">
+              <a:latin typeface="Times New Roman" panose="02020603050405020304" pitchFamily="18" charset="0"/>
+              <a:ea typeface="Times New Roman" panose="02020603050405020304" pitchFamily="18" charset="0"/>
+              <a:cs typeface="Mangal"/>
+            </a:endParaRPr>
+          </a:p>
+          <a:p>
+            <a:pPr marL="342900" lvl="0" indent="-342900" algn="just">
+              <a:lnSpc>
+                <a:spcPct val="107000"/>
+              </a:lnSpc>
+              <a:buFont typeface="Symbol" panose="05050102010706020507" pitchFamily="18" charset="2"/>
+              <a:buChar char=""/>
+            </a:pPr>
+            <a:endParaRPr lang="en-IN" sz="2400" dirty="0">
+              <a:effectLst/>
+              <a:latin typeface="Calibri" panose="020F0502020204030204" pitchFamily="34" charset="0"/>
+              <a:ea typeface="Times New Roman" panose="02020603050405020304" pitchFamily="18" charset="0"/>
+              <a:cs typeface="Mangal"/>
+            </a:endParaRPr>
+          </a:p>
+        </p:txBody>
+      </p:sp>
+      <p:sp>
+        <p:nvSpPr>
+          <p:cNvPr id="4" name="Rectangle: Rounded Corners 3">
             <a:extLst>
               <a:ext uri="{FF2B5EF4-FFF2-40B4-BE49-F238E27FC236}">
-                <a16:creationId xmlns:a16="http://schemas.microsoft.com/office/drawing/2014/main" id="{E002425E-0BA1-40D9-8CBD-C43DE764F6C3}"/>
+                <a16:creationId xmlns:a16="http://schemas.microsoft.com/office/drawing/2014/main" id="{1CE477DC-6DF8-41C4-AB2D-C8C1D389EB9A}"/>
               </a:ext>
             </a:extLst>
           </p:cNvPr>
-          <p:cNvPicPr>
-            <a:picLocks noGrp="1"/>
-          </p:cNvPicPr>
-          <p:nvPr>
-            <p:ph idx="1"/>
-          </p:nvPr>
-        </p:nvPicPr>
-        <p:blipFill>
-          <a:blip r:embed="rId2"/>
-          <a:stretch>
-            <a:fillRect/>
-          </a:stretch>
-        </p:blipFill>
+          <p:cNvSpPr/>
+          <p:nvPr/>
+        </p:nvSpPr>
         <p:spPr>
           <a:xfrm>
-            <a:off x="2939656" y="685800"/>
-            <a:ext cx="4023513" cy="3614738"/>
+            <a:off x="8310880" y="5511800"/>
+            <a:ext cx="2722880" cy="721360"/>
           </a:xfrm>
-          <a:prstGeom prst="rect">
-            <a:avLst/>
+          <a:prstGeom prst="roundRect">
+            <a:avLst>
+              <a:gd name="adj" fmla="val 50000"/>
+            </a:avLst>
           </a:prstGeom>
+          <a:gradFill flip="none" rotWithShape="1">
+            <a:gsLst>
+              <a:gs pos="0">
+                <a:schemeClr val="tx2">
+                  <a:lumMod val="40000"/>
+                  <a:lumOff val="60000"/>
+                  <a:shade val="30000"/>
+                  <a:satMod val="115000"/>
+                </a:schemeClr>
+              </a:gs>
+              <a:gs pos="50000">
+                <a:schemeClr val="tx2">
+                  <a:lumMod val="40000"/>
+                  <a:lumOff val="60000"/>
+                  <a:shade val="67500"/>
+                  <a:satMod val="115000"/>
+                </a:schemeClr>
+              </a:gs>
+              <a:gs pos="100000">
+                <a:schemeClr val="tx2">
+                  <a:lumMod val="40000"/>
+                  <a:lumOff val="60000"/>
+                  <a:shade val="100000"/>
+                  <a:satMod val="115000"/>
+                </a:schemeClr>
+              </a:gs>
+            </a:gsLst>
+            <a:lin ang="13500000" scaled="1"/>
+            <a:tileRect/>
+          </a:gradFill>
         </p:spPr>
-      </p:pic>
+        <p:style>
+          <a:lnRef idx="2">
+            <a:schemeClr val="accent1">
+              <a:shade val="50000"/>
+            </a:schemeClr>
+          </a:lnRef>
+          <a:fillRef idx="1">
+            <a:schemeClr val="accent1"/>
+          </a:fillRef>
+          <a:effectRef idx="0">
+            <a:schemeClr val="accent1"/>
+          </a:effectRef>
+          <a:fontRef idx="minor">
+            <a:schemeClr val="lt1"/>
+          </a:fontRef>
+        </p:style>
+        <p:txBody>
+          <a:bodyPr rtlCol="0" anchor="ctr"/>
+          <a:lstStyle/>
+          <a:p>
+            <a:pPr algn="ctr"/>
+            <a:r>
+              <a:rPr lang="en-IN" sz="3200" b="1" dirty="0">
+                <a:solidFill>
+                  <a:srgbClr val="FF0000"/>
+                </a:solidFill>
+                <a:hlinkClick r:id="rId2" action="ppaction://hlinksldjump"/>
+              </a:rPr>
+              <a:t>Next</a:t>
+            </a:r>
+            <a:endParaRPr lang="en-IN" sz="3200" b="1" dirty="0">
+              <a:solidFill>
+                <a:srgbClr val="FF0000"/>
+              </a:solidFill>
+            </a:endParaRPr>
+          </a:p>
+        </p:txBody>
+      </p:sp>
     </p:spTree>
     <p:extLst>
       <p:ext uri="{BB962C8B-B14F-4D97-AF65-F5344CB8AC3E}">
-        <p14:creationId xmlns:p14="http://schemas.microsoft.com/office/powerpoint/2010/main" val="1314661718"/>
+        <p14:creationId xmlns:p14="http://schemas.microsoft.com/office/powerpoint/2010/main" val="2895983747"/>
       </p:ext>
     </p:extLst>
   </p:cSld>
@@ -5626,84 +5862,160 @@
           <a:chExt cx="0" cy="0"/>
         </a:xfrm>
       </p:grpSpPr>
-      <p:sp>
-        <p:nvSpPr>
-          <p:cNvPr id="2" name="Title 1">
+      <p:pic>
+        <p:nvPicPr>
+          <p:cNvPr id="3" name="Picture 2">
             <a:extLst>
               <a:ext uri="{FF2B5EF4-FFF2-40B4-BE49-F238E27FC236}">
-                <a16:creationId xmlns:a16="http://schemas.microsoft.com/office/drawing/2014/main" id="{BE9C62CD-4042-45F8-B60A-0A13AB226AE2}"/>
-              </a:ext>
-            </a:extLst>
-          </p:cNvPr>
-          <p:cNvSpPr>
-            <a:spLocks noGrp="1"/>
-          </p:cNvSpPr>
-          <p:nvPr>
-            <p:ph type="title"/>
-          </p:nvPr>
-        </p:nvSpPr>
-        <p:spPr/>
-        <p:txBody>
-          <a:bodyPr/>
-          <a:lstStyle/>
-          <a:p>
-            <a:r>
-              <a:rPr lang="en-IN" sz="1800" b="1" u="sng" dirty="0">
-                <a:effectLst/>
-                <a:latin typeface="Times New Roman" panose="02020603050405020304" pitchFamily="18" charset="0"/>
-                <a:ea typeface="Times New Roman" panose="02020603050405020304" pitchFamily="18" charset="0"/>
-                <a:cs typeface="Mangal"/>
-              </a:rPr>
-              <a:t>DFD Level 2.2:</a:t>
-            </a:r>
-            <a:br>
-              <a:rPr lang="en-IN" sz="1800" dirty="0">
-                <a:effectLst/>
-                <a:latin typeface="Calibri" panose="020F0502020204030204" pitchFamily="34" charset="0"/>
-                <a:ea typeface="Times New Roman" panose="02020603050405020304" pitchFamily="18" charset="0"/>
-                <a:cs typeface="Mangal"/>
-              </a:rPr>
-            </a:br>
-            <a:endParaRPr lang="en-IN" dirty="0"/>
-          </a:p>
-        </p:txBody>
-      </p:sp>
-      <p:pic>
-        <p:nvPicPr>
-          <p:cNvPr id="4" name="Content Placeholder 3">
-            <a:extLst>
-              <a:ext uri="{FF2B5EF4-FFF2-40B4-BE49-F238E27FC236}">
-                <a16:creationId xmlns:a16="http://schemas.microsoft.com/office/drawing/2014/main" id="{3A63DAD9-AEB8-4604-809E-295B6A4473C4}"/>
+                <a16:creationId xmlns:a16="http://schemas.microsoft.com/office/drawing/2014/main" id="{B2A69DEA-999B-4566-A7BC-3BD4A7950737}"/>
               </a:ext>
             </a:extLst>
           </p:cNvPr>
           <p:cNvPicPr>
-            <a:picLocks noGrp="1"/>
+            <a:picLocks noChangeAspect="1"/>
           </p:cNvPicPr>
-          <p:nvPr>
-            <p:ph idx="1"/>
-          </p:nvPr>
+          <p:nvPr/>
         </p:nvPicPr>
-        <p:blipFill>
+        <p:blipFill rotWithShape="1">
           <a:blip r:embed="rId2"/>
-          <a:stretch>
-            <a:fillRect/>
-          </a:stretch>
+          <a:srcRect l="9650" t="11959" r="9438"/>
+          <a:stretch/>
         </p:blipFill>
         <p:spPr>
           <a:xfrm>
-            <a:off x="2760061" y="685800"/>
-            <a:ext cx="4382704" cy="3614738"/>
+            <a:off x="129540" y="1127760"/>
+            <a:ext cx="5726912" cy="3505200"/>
           </a:xfrm>
           <a:prstGeom prst="rect">
             <a:avLst/>
           </a:prstGeom>
         </p:spPr>
       </p:pic>
+      <p:pic>
+        <p:nvPicPr>
+          <p:cNvPr id="5" name="Picture 4">
+            <a:extLst>
+              <a:ext uri="{FF2B5EF4-FFF2-40B4-BE49-F238E27FC236}">
+                <a16:creationId xmlns:a16="http://schemas.microsoft.com/office/drawing/2014/main" id="{44E07A32-9E0A-4497-A7A5-284159373F7F}"/>
+              </a:ext>
+            </a:extLst>
+          </p:cNvPr>
+          <p:cNvPicPr>
+            <a:picLocks noChangeAspect="1"/>
+          </p:cNvPicPr>
+          <p:nvPr/>
+        </p:nvPicPr>
+        <p:blipFill rotWithShape="1">
+          <a:blip r:embed="rId3"/>
+          <a:srcRect l="9867" t="13537" r="10850" b="2369"/>
+          <a:stretch/>
+        </p:blipFill>
+        <p:spPr>
+          <a:xfrm>
+            <a:off x="6019800" y="1127761"/>
+            <a:ext cx="5867400" cy="3500718"/>
+          </a:xfrm>
+          <a:prstGeom prst="rect">
+            <a:avLst/>
+          </a:prstGeom>
+        </p:spPr>
+      </p:pic>
+      <p:sp>
+        <p:nvSpPr>
+          <p:cNvPr id="6" name="Rectangle: Rounded Corners 5">
+            <a:hlinkClick r:id="rId4" action="ppaction://hlinksldjump"/>
+            <a:extLst>
+              <a:ext uri="{FF2B5EF4-FFF2-40B4-BE49-F238E27FC236}">
+                <a16:creationId xmlns:a16="http://schemas.microsoft.com/office/drawing/2014/main" id="{3FC5DDC6-E25E-429E-9945-920FFF25022F}"/>
+              </a:ext>
+            </a:extLst>
+          </p:cNvPr>
+          <p:cNvSpPr/>
+          <p:nvPr/>
+        </p:nvSpPr>
+        <p:spPr>
+          <a:xfrm>
+            <a:off x="8310880" y="5511800"/>
+            <a:ext cx="2722880" cy="721360"/>
+          </a:xfrm>
+          <a:prstGeom prst="roundRect">
+            <a:avLst>
+              <a:gd name="adj" fmla="val 50000"/>
+            </a:avLst>
+          </a:prstGeom>
+          <a:gradFill flip="none" rotWithShape="1">
+            <a:gsLst>
+              <a:gs pos="0">
+                <a:schemeClr val="tx2">
+                  <a:lumMod val="40000"/>
+                  <a:lumOff val="60000"/>
+                  <a:shade val="30000"/>
+                  <a:satMod val="115000"/>
+                </a:schemeClr>
+              </a:gs>
+              <a:gs pos="50000">
+                <a:schemeClr val="tx2">
+                  <a:lumMod val="40000"/>
+                  <a:lumOff val="60000"/>
+                  <a:shade val="67500"/>
+                  <a:satMod val="115000"/>
+                </a:schemeClr>
+              </a:gs>
+              <a:gs pos="100000">
+                <a:schemeClr val="tx2">
+                  <a:lumMod val="40000"/>
+                  <a:lumOff val="60000"/>
+                  <a:shade val="100000"/>
+                  <a:satMod val="115000"/>
+                </a:schemeClr>
+              </a:gs>
+            </a:gsLst>
+            <a:lin ang="13500000" scaled="1"/>
+            <a:tileRect/>
+          </a:gradFill>
+        </p:spPr>
+        <p:style>
+          <a:lnRef idx="2">
+            <a:schemeClr val="accent1">
+              <a:shade val="50000"/>
+            </a:schemeClr>
+          </a:lnRef>
+          <a:fillRef idx="1">
+            <a:schemeClr val="accent1"/>
+          </a:fillRef>
+          <a:effectRef idx="0">
+            <a:schemeClr val="accent1"/>
+          </a:effectRef>
+          <a:fontRef idx="minor">
+            <a:schemeClr val="lt1"/>
+          </a:fontRef>
+        </p:style>
+        <p:txBody>
+          <a:bodyPr rtlCol="0" anchor="ctr"/>
+          <a:lstStyle/>
+          <a:p>
+            <a:pPr algn="ctr"/>
+            <a:r>
+              <a:rPr lang="en-IN" sz="3200" b="1" dirty="0">
+                <a:solidFill>
+                  <a:srgbClr val="FF0000"/>
+                </a:solidFill>
+                <a:hlinkClick r:id="rId4" action="ppaction://hlinksldjump"/>
+              </a:rPr>
+              <a:t>Back</a:t>
+            </a:r>
+            <a:endParaRPr lang="en-IN" sz="3200" b="1" dirty="0">
+              <a:solidFill>
+                <a:srgbClr val="FF0000"/>
+              </a:solidFill>
+            </a:endParaRPr>
+          </a:p>
+        </p:txBody>
+      </p:sp>
     </p:spTree>
     <p:extLst>
       <p:ext uri="{BB962C8B-B14F-4D97-AF65-F5344CB8AC3E}">
-        <p14:creationId xmlns:p14="http://schemas.microsoft.com/office/powerpoint/2010/main" val="1259665726"/>
+        <p14:creationId xmlns:p14="http://schemas.microsoft.com/office/powerpoint/2010/main" val="2319395456"/>
       </p:ext>
     </p:extLst>
   </p:cSld>
@@ -5732,82 +6044,286 @@
       </p:grpSpPr>
       <p:sp>
         <p:nvSpPr>
-          <p:cNvPr id="2" name="Title 1">
+          <p:cNvPr id="3" name="TextBox 2">
             <a:extLst>
               <a:ext uri="{FF2B5EF4-FFF2-40B4-BE49-F238E27FC236}">
-                <a16:creationId xmlns:a16="http://schemas.microsoft.com/office/drawing/2014/main" id="{075CA7D8-1DEC-4C88-A8C4-099A61818967}"/>
+                <a16:creationId xmlns:a16="http://schemas.microsoft.com/office/drawing/2014/main" id="{39F30E9F-973F-4B97-9591-DB8FFB2D0DF4}"/>
               </a:ext>
             </a:extLst>
           </p:cNvPr>
-          <p:cNvSpPr>
-            <a:spLocks noGrp="1"/>
-          </p:cNvSpPr>
-          <p:nvPr>
-            <p:ph type="title"/>
-          </p:nvPr>
-        </p:nvSpPr>
-        <p:spPr/>
-        <p:txBody>
-          <a:bodyPr/>
-          <a:lstStyle/>
-          <a:p>
-            <a:r>
-              <a:rPr lang="en-IN" sz="1800" b="1" u="sng" dirty="0">
+          <p:cNvSpPr txBox="1"/>
+          <p:nvPr/>
+        </p:nvSpPr>
+        <p:spPr>
+          <a:xfrm>
+            <a:off x="289560" y="213360"/>
+            <a:ext cx="11689080" cy="5345181"/>
+          </a:xfrm>
+          <a:prstGeom prst="rect">
+            <a:avLst/>
+          </a:prstGeom>
+          <a:noFill/>
+        </p:spPr>
+        <p:txBody>
+          <a:bodyPr wrap="square">
+            <a:spAutoFit/>
+          </a:bodyPr>
+          <a:lstStyle/>
+          <a:p>
+            <a:pPr algn="just">
+              <a:lnSpc>
+                <a:spcPct val="107000"/>
+              </a:lnSpc>
+            </a:pPr>
+            <a:r>
+              <a:rPr lang="en-IN" sz="2000" dirty="0">
+                <a:latin typeface="Times New Roman" panose="02020603050405020304" pitchFamily="18" charset="0"/>
+                <a:ea typeface="Times New Roman" panose="02020603050405020304" pitchFamily="18" charset="0"/>
+                <a:cs typeface="Mangal"/>
+              </a:rPr>
+              <a:t>T</a:t>
+            </a:r>
+            <a:r>
+              <a:rPr lang="en-IN" sz="2000" dirty="0">
                 <a:effectLst/>
                 <a:latin typeface="Times New Roman" panose="02020603050405020304" pitchFamily="18" charset="0"/>
                 <a:ea typeface="Times New Roman" panose="02020603050405020304" pitchFamily="18" charset="0"/>
                 <a:cs typeface="Mangal"/>
               </a:rPr>
-              <a:t>DFD Level 2.3:</a:t>
-            </a:r>
-            <a:br>
-              <a:rPr lang="en-IN" sz="1800" dirty="0">
+              <a:t>he students can register and login to the system. Once the student login they can give the various events hosted by the staff. If a student wishes to participate in the event they can take part in the events of their department or course.</a:t>
+            </a:r>
+          </a:p>
+          <a:p>
+            <a:pPr algn="just">
+              <a:lnSpc>
+                <a:spcPct val="107000"/>
+              </a:lnSpc>
+            </a:pPr>
+            <a:endParaRPr lang="en-IN" sz="2000" dirty="0">
+              <a:effectLst/>
+              <a:latin typeface="Calibri" panose="020F0502020204030204" pitchFamily="34" charset="0"/>
+              <a:ea typeface="Times New Roman" panose="02020603050405020304" pitchFamily="18" charset="0"/>
+              <a:cs typeface="Mangal"/>
+            </a:endParaRPr>
+          </a:p>
+          <a:p>
+            <a:pPr marL="342900" lvl="0" indent="-342900" algn="just">
+              <a:lnSpc>
+                <a:spcPct val="107000"/>
+              </a:lnSpc>
+              <a:buFont typeface="Symbol" panose="05050102010706020507" pitchFamily="18" charset="2"/>
+              <a:buChar char=""/>
+            </a:pPr>
+            <a:r>
+              <a:rPr lang="en-IN" sz="2000" b="1" dirty="0">
+                <a:solidFill>
+                  <a:schemeClr val="accent6"/>
+                </a:solidFill>
                 <a:effectLst/>
-                <a:latin typeface="Calibri" panose="020F0502020204030204" pitchFamily="34" charset="0"/>
+                <a:latin typeface="Times New Roman" panose="02020603050405020304" pitchFamily="18" charset="0"/>
                 <a:ea typeface="Times New Roman" panose="02020603050405020304" pitchFamily="18" charset="0"/>
                 <a:cs typeface="Mangal"/>
               </a:rPr>
-            </a:br>
-            <a:endParaRPr lang="en-IN" dirty="0"/>
-          </a:p>
-        </p:txBody>
-      </p:sp>
-      <p:pic>
-        <p:nvPicPr>
-          <p:cNvPr id="4" name="Content Placeholder 3">
+              <a:t>Registration module</a:t>
+            </a:r>
+            <a:r>
+              <a:rPr lang="en-IN" sz="2000" dirty="0">
+                <a:effectLst/>
+                <a:latin typeface="Times New Roman" panose="02020603050405020304" pitchFamily="18" charset="0"/>
+                <a:ea typeface="Times New Roman" panose="02020603050405020304" pitchFamily="18" charset="0"/>
+                <a:cs typeface="Mangal"/>
+              </a:rPr>
+              <a:t>: In this module, the students can make the registration by entering all their details along with their course details. Once the student makes the registration they can login using the valid login credentials they have provided at the time of registration.</a:t>
+            </a:r>
+            <a:endParaRPr lang="en-IN" sz="2000" dirty="0">
+              <a:effectLst/>
+              <a:latin typeface="Calibri" panose="020F0502020204030204" pitchFamily="34" charset="0"/>
+              <a:ea typeface="Times New Roman" panose="02020603050405020304" pitchFamily="18" charset="0"/>
+              <a:cs typeface="Mangal"/>
+            </a:endParaRPr>
+          </a:p>
+          <a:p>
+            <a:pPr marL="342900" lvl="0" indent="-342900" algn="just">
+              <a:lnSpc>
+                <a:spcPct val="107000"/>
+              </a:lnSpc>
+              <a:buFont typeface="Symbol" panose="05050102010706020507" pitchFamily="18" charset="2"/>
+              <a:buChar char=""/>
+            </a:pPr>
+            <a:r>
+              <a:rPr lang="en-IN" sz="2000" b="1" dirty="0">
+                <a:solidFill>
+                  <a:schemeClr val="accent6"/>
+                </a:solidFill>
+                <a:effectLst/>
+                <a:latin typeface="Times New Roman" panose="02020603050405020304" pitchFamily="18" charset="0"/>
+                <a:ea typeface="Times New Roman" panose="02020603050405020304" pitchFamily="18" charset="0"/>
+                <a:cs typeface="Mangal"/>
+              </a:rPr>
+              <a:t>Event participation module</a:t>
+            </a:r>
+            <a:r>
+              <a:rPr lang="en-IN" sz="2000" dirty="0">
+                <a:effectLst/>
+                <a:latin typeface="Times New Roman" panose="02020603050405020304" pitchFamily="18" charset="0"/>
+                <a:ea typeface="Times New Roman" panose="02020603050405020304" pitchFamily="18" charset="0"/>
+                <a:cs typeface="Mangal"/>
+              </a:rPr>
+              <a:t>: In this module, student can view the events  by individual or team events. Student can view individual or team events. If the student wants to take part in the team event then the student must make the team of 11 members and must enter the token ID of all the team members, only then the student can take part in the team event. In the individual event, the student can view the details of the event such as the scheduled date and rules of events and then the student can participate in the event.</a:t>
+            </a:r>
+            <a:endParaRPr lang="en-IN" sz="2000" dirty="0">
+              <a:effectLst/>
+              <a:latin typeface="Calibri" panose="020F0502020204030204" pitchFamily="34" charset="0"/>
+              <a:ea typeface="Times New Roman" panose="02020603050405020304" pitchFamily="18" charset="0"/>
+              <a:cs typeface="Mangal"/>
+            </a:endParaRPr>
+          </a:p>
+          <a:p>
+            <a:pPr marL="342900" lvl="0" indent="-342900" algn="just">
+              <a:lnSpc>
+                <a:spcPct val="107000"/>
+              </a:lnSpc>
+              <a:spcAft>
+                <a:spcPts val="800"/>
+              </a:spcAft>
+              <a:buFont typeface="Symbol" panose="05050102010706020507" pitchFamily="18" charset="2"/>
+              <a:buChar char=""/>
+            </a:pPr>
+            <a:r>
+              <a:rPr lang="en-IN" sz="2000" b="1" dirty="0">
+                <a:solidFill>
+                  <a:schemeClr val="accent6"/>
+                </a:solidFill>
+                <a:effectLst/>
+                <a:latin typeface="Times New Roman" panose="02020603050405020304" pitchFamily="18" charset="0"/>
+                <a:ea typeface="Times New Roman" panose="02020603050405020304" pitchFamily="18" charset="0"/>
+                <a:cs typeface="Mangal"/>
+              </a:rPr>
+              <a:t>Complaint report module</a:t>
+            </a:r>
+            <a:r>
+              <a:rPr lang="en-IN" sz="2000" b="1" dirty="0">
+                <a:effectLst/>
+                <a:latin typeface="Times New Roman" panose="02020603050405020304" pitchFamily="18" charset="0"/>
+                <a:ea typeface="Times New Roman" panose="02020603050405020304" pitchFamily="18" charset="0"/>
+                <a:cs typeface="Mangal"/>
+              </a:rPr>
+              <a:t>: </a:t>
+            </a:r>
+            <a:r>
+              <a:rPr lang="en-IN" sz="2000" dirty="0">
+                <a:effectLst/>
+                <a:latin typeface="Times New Roman" panose="02020603050405020304" pitchFamily="18" charset="0"/>
+                <a:ea typeface="Times New Roman" panose="02020603050405020304" pitchFamily="18" charset="0"/>
+                <a:cs typeface="Mangal"/>
+              </a:rPr>
+              <a:t>This module allows students to raise a complaint issue  to the staff regarding the event result published. Since the first place, second place and the third place results are verified by the staff, if there is any mistake in the result then the student can complain to the staff for correction and the staff has the authority to accept the complaint or reject it.</a:t>
+            </a:r>
+            <a:endParaRPr lang="en-IN" sz="2000" dirty="0">
+              <a:effectLst/>
+              <a:latin typeface="Calibri" panose="020F0502020204030204" pitchFamily="34" charset="0"/>
+              <a:ea typeface="Times New Roman" panose="02020603050405020304" pitchFamily="18" charset="0"/>
+              <a:cs typeface="Mangal"/>
+            </a:endParaRPr>
+          </a:p>
+        </p:txBody>
+      </p:sp>
+      <p:sp>
+        <p:nvSpPr>
+          <p:cNvPr id="8" name="Rectangle: Rounded Corners 7">
+            <a:hlinkClick r:id="rId2" action="ppaction://hlinksldjump"/>
             <a:extLst>
               <a:ext uri="{FF2B5EF4-FFF2-40B4-BE49-F238E27FC236}">
-                <a16:creationId xmlns:a16="http://schemas.microsoft.com/office/drawing/2014/main" id="{FA844AE0-11D6-4DC9-A70E-A610108D5551}"/>
+                <a16:creationId xmlns:a16="http://schemas.microsoft.com/office/drawing/2014/main" id="{C642AFF3-ECD8-4D1F-B904-649D49D51D8E}"/>
               </a:ext>
             </a:extLst>
           </p:cNvPr>
-          <p:cNvPicPr>
-            <a:picLocks noGrp="1"/>
-          </p:cNvPicPr>
-          <p:nvPr>
-            <p:ph idx="1"/>
-          </p:nvPr>
-        </p:nvPicPr>
-        <p:blipFill>
-          <a:blip r:embed="rId2"/>
-          <a:stretch>
-            <a:fillRect/>
-          </a:stretch>
-        </p:blipFill>
+          <p:cNvSpPr/>
+          <p:nvPr/>
+        </p:nvSpPr>
         <p:spPr>
           <a:xfrm>
-            <a:off x="2468679" y="685800"/>
-            <a:ext cx="4965468" cy="3614738"/>
+            <a:off x="8310880" y="5633720"/>
+            <a:ext cx="2722880" cy="721360"/>
           </a:xfrm>
-          <a:prstGeom prst="rect">
-            <a:avLst/>
+          <a:prstGeom prst="roundRect">
+            <a:avLst>
+              <a:gd name="adj" fmla="val 50000"/>
+            </a:avLst>
           </a:prstGeom>
+          <a:gradFill flip="none" rotWithShape="1">
+            <a:gsLst>
+              <a:gs pos="0">
+                <a:schemeClr val="tx2">
+                  <a:lumMod val="40000"/>
+                  <a:lumOff val="60000"/>
+                  <a:shade val="30000"/>
+                  <a:satMod val="115000"/>
+                </a:schemeClr>
+              </a:gs>
+              <a:gs pos="50000">
+                <a:schemeClr val="tx2">
+                  <a:lumMod val="40000"/>
+                  <a:lumOff val="60000"/>
+                  <a:shade val="67500"/>
+                  <a:satMod val="115000"/>
+                </a:schemeClr>
+              </a:gs>
+              <a:gs pos="100000">
+                <a:schemeClr val="tx2">
+                  <a:lumMod val="40000"/>
+                  <a:lumOff val="60000"/>
+                  <a:shade val="100000"/>
+                  <a:satMod val="115000"/>
+                </a:schemeClr>
+              </a:gs>
+            </a:gsLst>
+            <a:lin ang="13500000" scaled="1"/>
+            <a:tileRect/>
+          </a:gradFill>
         </p:spPr>
-      </p:pic>
+        <p:style>
+          <a:lnRef idx="2">
+            <a:schemeClr val="accent1">
+              <a:shade val="50000"/>
+            </a:schemeClr>
+          </a:lnRef>
+          <a:fillRef idx="1">
+            <a:schemeClr val="accent1"/>
+          </a:fillRef>
+          <a:effectRef idx="0">
+            <a:schemeClr val="accent1"/>
+          </a:effectRef>
+          <a:fontRef idx="minor">
+            <a:schemeClr val="lt1"/>
+          </a:fontRef>
+        </p:style>
+        <p:txBody>
+          <a:bodyPr rtlCol="0" anchor="ctr"/>
+          <a:lstStyle/>
+          <a:p>
+            <a:pPr algn="ctr"/>
+            <a:r>
+              <a:rPr lang="en-IN" sz="3200" b="1" dirty="0">
+                <a:solidFill>
+                  <a:srgbClr val="FF0000"/>
+                </a:solidFill>
+                <a:hlinkClick r:id="rId2" action="ppaction://hlinksldjump"/>
+              </a:rPr>
+              <a:t>Next</a:t>
+            </a:r>
+            <a:endParaRPr lang="en-IN" sz="3200" b="1" dirty="0">
+              <a:solidFill>
+                <a:srgbClr val="FF0000"/>
+              </a:solidFill>
+            </a:endParaRPr>
+          </a:p>
+        </p:txBody>
+      </p:sp>
     </p:spTree>
     <p:extLst>
       <p:ext uri="{BB962C8B-B14F-4D97-AF65-F5344CB8AC3E}">
-        <p14:creationId xmlns:p14="http://schemas.microsoft.com/office/powerpoint/2010/main" val="180868274"/>
+        <p14:creationId xmlns:p14="http://schemas.microsoft.com/office/powerpoint/2010/main" val="400449450"/>
       </p:ext>
     </p:extLst>
   </p:cSld>
@@ -5834,84 +6350,159 @@
           <a:chExt cx="0" cy="0"/>
         </a:xfrm>
       </p:grpSpPr>
-      <p:sp>
-        <p:nvSpPr>
-          <p:cNvPr id="2" name="Title 1">
+      <p:pic>
+        <p:nvPicPr>
+          <p:cNvPr id="3" name="Picture 2">
             <a:extLst>
               <a:ext uri="{FF2B5EF4-FFF2-40B4-BE49-F238E27FC236}">
-                <a16:creationId xmlns:a16="http://schemas.microsoft.com/office/drawing/2014/main" id="{99CA40C9-EAB6-4E6C-B60C-9789F207F827}"/>
-              </a:ext>
-            </a:extLst>
-          </p:cNvPr>
-          <p:cNvSpPr>
-            <a:spLocks noGrp="1"/>
-          </p:cNvSpPr>
-          <p:nvPr>
-            <p:ph type="title"/>
-          </p:nvPr>
-        </p:nvSpPr>
-        <p:spPr/>
-        <p:txBody>
-          <a:bodyPr/>
-          <a:lstStyle/>
-          <a:p>
-            <a:r>
-              <a:rPr lang="en-IN" sz="1800" b="1" u="sng" dirty="0">
-                <a:effectLst/>
-                <a:latin typeface="Times New Roman" panose="02020603050405020304" pitchFamily="18" charset="0"/>
-                <a:ea typeface="Times New Roman" panose="02020603050405020304" pitchFamily="18" charset="0"/>
-                <a:cs typeface="Mangal"/>
-              </a:rPr>
-              <a:t>DFD Level 2.4:</a:t>
-            </a:r>
-            <a:br>
-              <a:rPr lang="en-IN" sz="1800" dirty="0">
-                <a:effectLst/>
-                <a:latin typeface="Calibri" panose="020F0502020204030204" pitchFamily="34" charset="0"/>
-                <a:ea typeface="Times New Roman" panose="02020603050405020304" pitchFamily="18" charset="0"/>
-                <a:cs typeface="Mangal"/>
-              </a:rPr>
-            </a:br>
-            <a:endParaRPr lang="en-IN" dirty="0"/>
-          </a:p>
-        </p:txBody>
-      </p:sp>
-      <p:pic>
-        <p:nvPicPr>
-          <p:cNvPr id="4" name="Content Placeholder 3">
-            <a:extLst>
-              <a:ext uri="{FF2B5EF4-FFF2-40B4-BE49-F238E27FC236}">
-                <a16:creationId xmlns:a16="http://schemas.microsoft.com/office/drawing/2014/main" id="{76256B95-CE57-4DD9-855C-AA6E932E66BE}"/>
+                <a16:creationId xmlns:a16="http://schemas.microsoft.com/office/drawing/2014/main" id="{69D58ECD-D3FB-4F7F-BC9C-A7CBD8B283BB}"/>
               </a:ext>
             </a:extLst>
           </p:cNvPr>
           <p:cNvPicPr>
-            <a:picLocks noGrp="1"/>
+            <a:picLocks noChangeAspect="1"/>
           </p:cNvPicPr>
-          <p:nvPr>
-            <p:ph idx="1"/>
-          </p:nvPr>
+          <p:nvPr/>
         </p:nvPicPr>
-        <p:blipFill>
+        <p:blipFill rotWithShape="1">
           <a:blip r:embed="rId2"/>
-          <a:stretch>
-            <a:fillRect/>
-          </a:stretch>
+          <a:srcRect l="9784" t="15619" r="11141" b="-322"/>
+          <a:stretch/>
         </p:blipFill>
         <p:spPr>
           <a:xfrm>
-            <a:off x="2714476" y="685800"/>
-            <a:ext cx="4473874" cy="3614738"/>
+            <a:off x="99061" y="1272540"/>
+            <a:ext cx="5905500" cy="3558182"/>
           </a:xfrm>
           <a:prstGeom prst="rect">
             <a:avLst/>
           </a:prstGeom>
         </p:spPr>
       </p:pic>
+      <p:pic>
+        <p:nvPicPr>
+          <p:cNvPr id="5" name="Picture 4">
+            <a:extLst>
+              <a:ext uri="{FF2B5EF4-FFF2-40B4-BE49-F238E27FC236}">
+                <a16:creationId xmlns:a16="http://schemas.microsoft.com/office/drawing/2014/main" id="{40F54241-80A1-4838-9F45-38FA80AF2335}"/>
+              </a:ext>
+            </a:extLst>
+          </p:cNvPr>
+          <p:cNvPicPr>
+            <a:picLocks noChangeAspect="1"/>
+          </p:cNvPicPr>
+          <p:nvPr/>
+        </p:nvPicPr>
+        <p:blipFill rotWithShape="1">
+          <a:blip r:embed="rId3"/>
+          <a:srcRect l="9939" t="13793" r="10306"/>
+          <a:stretch/>
+        </p:blipFill>
+        <p:spPr>
+          <a:xfrm>
+            <a:off x="6187441" y="1279802"/>
+            <a:ext cx="5840219" cy="3550920"/>
+          </a:xfrm>
+          <a:prstGeom prst="rect">
+            <a:avLst/>
+          </a:prstGeom>
+        </p:spPr>
+      </p:pic>
+      <p:sp>
+        <p:nvSpPr>
+          <p:cNvPr id="8" name="Rectangle: Rounded Corners 7">
+            <a:extLst>
+              <a:ext uri="{FF2B5EF4-FFF2-40B4-BE49-F238E27FC236}">
+                <a16:creationId xmlns:a16="http://schemas.microsoft.com/office/drawing/2014/main" id="{FEF0A3D0-6198-40EA-8ABE-11BF797012A6}"/>
+              </a:ext>
+            </a:extLst>
+          </p:cNvPr>
+          <p:cNvSpPr/>
+          <p:nvPr/>
+        </p:nvSpPr>
+        <p:spPr>
+          <a:xfrm>
+            <a:off x="8310880" y="5633720"/>
+            <a:ext cx="2722880" cy="721360"/>
+          </a:xfrm>
+          <a:prstGeom prst="roundRect">
+            <a:avLst>
+              <a:gd name="adj" fmla="val 50000"/>
+            </a:avLst>
+          </a:prstGeom>
+          <a:gradFill flip="none" rotWithShape="1">
+            <a:gsLst>
+              <a:gs pos="0">
+                <a:schemeClr val="tx2">
+                  <a:lumMod val="40000"/>
+                  <a:lumOff val="60000"/>
+                  <a:shade val="30000"/>
+                  <a:satMod val="115000"/>
+                </a:schemeClr>
+              </a:gs>
+              <a:gs pos="50000">
+                <a:schemeClr val="tx2">
+                  <a:lumMod val="40000"/>
+                  <a:lumOff val="60000"/>
+                  <a:shade val="67500"/>
+                  <a:satMod val="115000"/>
+                </a:schemeClr>
+              </a:gs>
+              <a:gs pos="100000">
+                <a:schemeClr val="tx2">
+                  <a:lumMod val="40000"/>
+                  <a:lumOff val="60000"/>
+                  <a:shade val="100000"/>
+                  <a:satMod val="115000"/>
+                </a:schemeClr>
+              </a:gs>
+            </a:gsLst>
+            <a:lin ang="13500000" scaled="1"/>
+            <a:tileRect/>
+          </a:gradFill>
+        </p:spPr>
+        <p:style>
+          <a:lnRef idx="2">
+            <a:schemeClr val="accent1">
+              <a:shade val="50000"/>
+            </a:schemeClr>
+          </a:lnRef>
+          <a:fillRef idx="1">
+            <a:schemeClr val="accent1"/>
+          </a:fillRef>
+          <a:effectRef idx="0">
+            <a:schemeClr val="accent1"/>
+          </a:effectRef>
+          <a:fontRef idx="minor">
+            <a:schemeClr val="lt1"/>
+          </a:fontRef>
+        </p:style>
+        <p:txBody>
+          <a:bodyPr rtlCol="0" anchor="ctr"/>
+          <a:lstStyle/>
+          <a:p>
+            <a:pPr algn="ctr"/>
+            <a:r>
+              <a:rPr lang="en-IN" sz="3200" b="1" dirty="0">
+                <a:solidFill>
+                  <a:srgbClr val="FF0000"/>
+                </a:solidFill>
+                <a:hlinkClick r:id="rId4" action="ppaction://hlinksldjump"/>
+              </a:rPr>
+              <a:t>Next</a:t>
+            </a:r>
+            <a:endParaRPr lang="en-IN" sz="3200" b="1" dirty="0">
+              <a:solidFill>
+                <a:srgbClr val="FF0000"/>
+              </a:solidFill>
+            </a:endParaRPr>
+          </a:p>
+        </p:txBody>
+      </p:sp>
     </p:spTree>
     <p:extLst>
       <p:ext uri="{BB962C8B-B14F-4D97-AF65-F5344CB8AC3E}">
-        <p14:creationId xmlns:p14="http://schemas.microsoft.com/office/powerpoint/2010/main" val="822260222"/>
+        <p14:creationId xmlns:p14="http://schemas.microsoft.com/office/powerpoint/2010/main" val="3309974908"/>
       </p:ext>
     </p:extLst>
   </p:cSld>
@@ -5943,1645 +6534,6 @@
           <p:cNvPr id="2" name="Title 1">
             <a:extLst>
               <a:ext uri="{FF2B5EF4-FFF2-40B4-BE49-F238E27FC236}">
-                <a16:creationId xmlns:a16="http://schemas.microsoft.com/office/drawing/2014/main" id="{70082A13-AE23-491D-9ABE-B07C9ED59377}"/>
-              </a:ext>
-            </a:extLst>
-          </p:cNvPr>
-          <p:cNvSpPr>
-            <a:spLocks noGrp="1"/>
-          </p:cNvSpPr>
-          <p:nvPr>
-            <p:ph type="title"/>
-          </p:nvPr>
-        </p:nvSpPr>
-        <p:spPr/>
-        <p:txBody>
-          <a:bodyPr/>
-          <a:lstStyle/>
-          <a:p>
-            <a:r>
-              <a:rPr lang="en-IN" sz="1800" b="1" u="sng" dirty="0">
-                <a:effectLst/>
-                <a:latin typeface="Times New Roman" panose="02020603050405020304" pitchFamily="18" charset="0"/>
-                <a:ea typeface="Times New Roman" panose="02020603050405020304" pitchFamily="18" charset="0"/>
-                <a:cs typeface="Mangal"/>
-              </a:rPr>
-              <a:t>DFD Level 2.5:</a:t>
-            </a:r>
-            <a:br>
-              <a:rPr lang="en-IN" sz="1800" dirty="0">
-                <a:effectLst/>
-                <a:latin typeface="Calibri" panose="020F0502020204030204" pitchFamily="34" charset="0"/>
-                <a:ea typeface="Times New Roman" panose="02020603050405020304" pitchFamily="18" charset="0"/>
-                <a:cs typeface="Mangal"/>
-              </a:rPr>
-            </a:br>
-            <a:endParaRPr lang="en-IN" dirty="0"/>
-          </a:p>
-        </p:txBody>
-      </p:sp>
-      <p:pic>
-        <p:nvPicPr>
-          <p:cNvPr id="4" name="Content Placeholder 3">
-            <a:extLst>
-              <a:ext uri="{FF2B5EF4-FFF2-40B4-BE49-F238E27FC236}">
-                <a16:creationId xmlns:a16="http://schemas.microsoft.com/office/drawing/2014/main" id="{88DA22C7-EAE8-49AF-AEAF-CE838CB86DD8}"/>
-              </a:ext>
-            </a:extLst>
-          </p:cNvPr>
-          <p:cNvPicPr>
-            <a:picLocks noGrp="1"/>
-          </p:cNvPicPr>
-          <p:nvPr>
-            <p:ph idx="1"/>
-          </p:nvPr>
-        </p:nvPicPr>
-        <p:blipFill>
-          <a:blip r:embed="rId2"/>
-          <a:stretch>
-            <a:fillRect/>
-          </a:stretch>
-        </p:blipFill>
-        <p:spPr>
-          <a:xfrm>
-            <a:off x="2962469" y="685800"/>
-            <a:ext cx="3977887" cy="3614738"/>
-          </a:xfrm>
-          <a:prstGeom prst="rect">
-            <a:avLst/>
-          </a:prstGeom>
-        </p:spPr>
-      </p:pic>
-    </p:spTree>
-    <p:extLst>
-      <p:ext uri="{BB962C8B-B14F-4D97-AF65-F5344CB8AC3E}">
-        <p14:creationId xmlns:p14="http://schemas.microsoft.com/office/powerpoint/2010/main" val="1248307395"/>
-      </p:ext>
-    </p:extLst>
-  </p:cSld>
-  <p:clrMapOvr>
-    <a:masterClrMapping/>
-  </p:clrMapOvr>
-</p:sld>
-</file>
-
-<file path=ppt/slides/slide2.xml><?xml version="1.0" encoding="utf-8"?>
-<p:sld xmlns:a="http://schemas.openxmlformats.org/drawingml/2006/main" xmlns:r="http://schemas.openxmlformats.org/officeDocument/2006/relationships" xmlns:p="http://schemas.openxmlformats.org/presentationml/2006/main">
-  <p:cSld>
-    <p:spTree>
-      <p:nvGrpSpPr>
-        <p:cNvPr id="1" name=""/>
-        <p:cNvGrpSpPr/>
-        <p:nvPr/>
-      </p:nvGrpSpPr>
-      <p:grpSpPr>
-        <a:xfrm>
-          <a:off x="0" y="0"/>
-          <a:ext cx="0" cy="0"/>
-          <a:chOff x="0" y="0"/>
-          <a:chExt cx="0" cy="0"/>
-        </a:xfrm>
-      </p:grpSpPr>
-      <p:sp>
-        <p:nvSpPr>
-          <p:cNvPr id="2" name="Title 1">
-            <a:extLst>
-              <a:ext uri="{FF2B5EF4-FFF2-40B4-BE49-F238E27FC236}">
-                <a16:creationId xmlns:a16="http://schemas.microsoft.com/office/drawing/2014/main" id="{BCBDB276-C626-416F-A922-60677718C69C}"/>
-              </a:ext>
-            </a:extLst>
-          </p:cNvPr>
-          <p:cNvSpPr>
-            <a:spLocks noGrp="1"/>
-          </p:cNvSpPr>
-          <p:nvPr>
-            <p:ph type="title"/>
-          </p:nvPr>
-        </p:nvSpPr>
-        <p:spPr>
-          <a:xfrm>
-            <a:off x="684212" y="314827"/>
-            <a:ext cx="8534400" cy="1507067"/>
-          </a:xfrm>
-        </p:spPr>
-        <p:txBody>
-          <a:bodyPr/>
-          <a:lstStyle/>
-          <a:p>
-            <a:r>
-              <a:rPr lang="en-US" dirty="0"/>
-              <a:t>Software requirement specification (</a:t>
-            </a:r>
-            <a:r>
-              <a:rPr lang="en-US" dirty="0" err="1"/>
-              <a:t>srs</a:t>
-            </a:r>
-            <a:r>
-              <a:rPr lang="en-US" dirty="0"/>
-              <a:t>)</a:t>
-            </a:r>
-            <a:endParaRPr lang="en-IN" dirty="0"/>
-          </a:p>
-        </p:txBody>
-      </p:sp>
-      <p:sp>
-        <p:nvSpPr>
-          <p:cNvPr id="3" name="Content Placeholder 2">
-            <a:extLst>
-              <a:ext uri="{FF2B5EF4-FFF2-40B4-BE49-F238E27FC236}">
-                <a16:creationId xmlns:a16="http://schemas.microsoft.com/office/drawing/2014/main" id="{B4556190-F286-4FA3-883A-3067910FD274}"/>
-              </a:ext>
-            </a:extLst>
-          </p:cNvPr>
-          <p:cNvSpPr>
-            <a:spLocks noGrp="1"/>
-          </p:cNvSpPr>
-          <p:nvPr>
-            <p:ph idx="1"/>
-          </p:nvPr>
-        </p:nvSpPr>
-        <p:spPr>
-          <a:xfrm>
-            <a:off x="684212" y="1908698"/>
-            <a:ext cx="8534400" cy="3719745"/>
-          </a:xfrm>
-        </p:spPr>
-        <p:txBody>
-          <a:bodyPr>
-            <a:normAutofit fontScale="85000" lnSpcReduction="10000"/>
-          </a:bodyPr>
-          <a:lstStyle/>
-          <a:p>
-            <a:pPr>
-              <a:buFont typeface="Wingdings" panose="05000000000000000000" pitchFamily="2" charset="2"/>
-              <a:buChar char="§"/>
-            </a:pPr>
-            <a:r>
-              <a:rPr lang="en-IN" sz="1800" dirty="0">
-                <a:effectLst/>
-                <a:latin typeface="Times New Roman" panose="02020603050405020304" pitchFamily="18" charset="0"/>
-                <a:ea typeface="Times New Roman" panose="02020603050405020304" pitchFamily="18" charset="0"/>
-                <a:cs typeface="Mangal"/>
-              </a:rPr>
-              <a:t>This document includes the software requirement specification(SRS) of the system. The overall working of the system and the requirements of the system is understood by this document. </a:t>
-            </a:r>
-          </a:p>
-          <a:p>
-            <a:pPr>
-              <a:buFont typeface="Wingdings" panose="05000000000000000000" pitchFamily="2" charset="2"/>
-              <a:buChar char="§"/>
-            </a:pPr>
-            <a:r>
-              <a:rPr lang="en-IN" sz="1800" dirty="0">
-                <a:effectLst/>
-                <a:latin typeface="Times New Roman" panose="02020603050405020304" pitchFamily="18" charset="0"/>
-                <a:ea typeface="Times New Roman" panose="02020603050405020304" pitchFamily="18" charset="0"/>
-                <a:cs typeface="Mangal"/>
-              </a:rPr>
-              <a:t>The extra curricular activities system is designed to help the college management to keep their students active in various extra curricular activities by participating in various individual and team events.</a:t>
-            </a:r>
-          </a:p>
-          <a:p>
-            <a:pPr>
-              <a:buFont typeface="Wingdings" panose="05000000000000000000" pitchFamily="2" charset="2"/>
-              <a:buChar char="§"/>
-            </a:pPr>
-            <a:r>
-              <a:rPr lang="en-IN" sz="1800" dirty="0">
-                <a:latin typeface="Times New Roman" panose="02020603050405020304" pitchFamily="18" charset="0"/>
-                <a:ea typeface="Times New Roman" panose="02020603050405020304" pitchFamily="18" charset="0"/>
-                <a:cs typeface="Mangal"/>
-              </a:rPr>
-              <a:t>PURPOSE</a:t>
-            </a:r>
-          </a:p>
-          <a:p>
-            <a:pPr>
-              <a:buFont typeface="Wingdings" panose="05000000000000000000" pitchFamily="2" charset="2"/>
-              <a:buChar char="§"/>
-            </a:pPr>
-            <a:r>
-              <a:rPr lang="en-IN" sz="1800" dirty="0">
-                <a:effectLst/>
-                <a:latin typeface="Times New Roman" panose="02020603050405020304" pitchFamily="18" charset="0"/>
-                <a:ea typeface="Times New Roman" panose="02020603050405020304" pitchFamily="18" charset="0"/>
-                <a:cs typeface="Mangal"/>
-              </a:rPr>
-              <a:t>The purpose of developing extra curricular activities system is to provide the platform for the students to participate in various individual and team events conducted by the  college. This also helps the college management to make their students actively taking part in extra curricular activities along with the curriculum. </a:t>
-            </a:r>
-          </a:p>
-          <a:p>
-            <a:pPr>
-              <a:buFont typeface="Wingdings" panose="05000000000000000000" pitchFamily="2" charset="2"/>
-              <a:buChar char="§"/>
-            </a:pPr>
-            <a:r>
-              <a:rPr lang="en-IN" sz="1800" dirty="0">
-                <a:effectLst/>
-                <a:latin typeface="Times New Roman" panose="02020603050405020304" pitchFamily="18" charset="0"/>
-                <a:ea typeface="Times New Roman" panose="02020603050405020304" pitchFamily="18" charset="0"/>
-                <a:cs typeface="Mangal"/>
-              </a:rPr>
-              <a:t>The team events will help the students to communicate with various other students of their department and the students will learn to cope up when they are in team. This also encourages the students to participate and motivates them into different fields other than only studies.</a:t>
-            </a:r>
-            <a:endParaRPr lang="en-IN" sz="1800" dirty="0">
-              <a:effectLst/>
-              <a:latin typeface="Calibri" panose="020F0502020204030204" pitchFamily="34" charset="0"/>
-              <a:ea typeface="Times New Roman" panose="02020603050405020304" pitchFamily="18" charset="0"/>
-              <a:cs typeface="Mangal"/>
-            </a:endParaRPr>
-          </a:p>
-          <a:p>
-            <a:pPr>
-              <a:buFont typeface="Wingdings" panose="05000000000000000000" pitchFamily="2" charset="2"/>
-              <a:buChar char="§"/>
-            </a:pPr>
-            <a:endParaRPr lang="en-IN" sz="1800" dirty="0">
-              <a:effectLst/>
-              <a:latin typeface="Calibri" panose="020F0502020204030204" pitchFamily="34" charset="0"/>
-              <a:ea typeface="Times New Roman" panose="02020603050405020304" pitchFamily="18" charset="0"/>
-              <a:cs typeface="Mangal"/>
-            </a:endParaRPr>
-          </a:p>
-          <a:p>
-            <a:pPr>
-              <a:buFont typeface="Wingdings" panose="05000000000000000000" pitchFamily="2" charset="2"/>
-              <a:buChar char="§"/>
-            </a:pPr>
-            <a:endParaRPr lang="en-IN" dirty="0"/>
-          </a:p>
-        </p:txBody>
-      </p:sp>
-    </p:spTree>
-    <p:extLst>
-      <p:ext uri="{BB962C8B-B14F-4D97-AF65-F5344CB8AC3E}">
-        <p14:creationId xmlns:p14="http://schemas.microsoft.com/office/powerpoint/2010/main" val="3897586137"/>
-      </p:ext>
-    </p:extLst>
-  </p:cSld>
-  <p:clrMapOvr>
-    <a:masterClrMapping/>
-  </p:clrMapOvr>
-</p:sld>
-</file>
-
-<file path=ppt/slides/slide3.xml><?xml version="1.0" encoding="utf-8"?>
-<p:sld xmlns:a="http://schemas.openxmlformats.org/drawingml/2006/main" xmlns:r="http://schemas.openxmlformats.org/officeDocument/2006/relationships" xmlns:p="http://schemas.openxmlformats.org/presentationml/2006/main">
-  <p:cSld>
-    <p:spTree>
-      <p:nvGrpSpPr>
-        <p:cNvPr id="1" name=""/>
-        <p:cNvGrpSpPr/>
-        <p:nvPr/>
-      </p:nvGrpSpPr>
-      <p:grpSpPr>
-        <a:xfrm>
-          <a:off x="0" y="0"/>
-          <a:ext cx="0" cy="0"/>
-          <a:chOff x="0" y="0"/>
-          <a:chExt cx="0" cy="0"/>
-        </a:xfrm>
-      </p:grpSpPr>
-      <p:sp>
-        <p:nvSpPr>
-          <p:cNvPr id="2" name="Title 1">
-            <a:extLst>
-              <a:ext uri="{FF2B5EF4-FFF2-40B4-BE49-F238E27FC236}">
-                <a16:creationId xmlns:a16="http://schemas.microsoft.com/office/drawing/2014/main" id="{8ACCB6D9-6B38-43B1-A409-5DD4BCAFD640}"/>
-              </a:ext>
-            </a:extLst>
-          </p:cNvPr>
-          <p:cNvSpPr>
-            <a:spLocks noGrp="1"/>
-          </p:cNvSpPr>
-          <p:nvPr>
-            <p:ph type="title"/>
-          </p:nvPr>
-        </p:nvSpPr>
-        <p:spPr/>
-        <p:txBody>
-          <a:bodyPr/>
-          <a:lstStyle/>
-          <a:p>
-            <a:endParaRPr lang="en-IN"/>
-          </a:p>
-        </p:txBody>
-      </p:sp>
-      <p:sp>
-        <p:nvSpPr>
-          <p:cNvPr id="3" name="Content Placeholder 2">
-            <a:extLst>
-              <a:ext uri="{FF2B5EF4-FFF2-40B4-BE49-F238E27FC236}">
-                <a16:creationId xmlns:a16="http://schemas.microsoft.com/office/drawing/2014/main" id="{38785D02-E75F-4511-9A6D-E62F9FD92FC9}"/>
-              </a:ext>
-            </a:extLst>
-          </p:cNvPr>
-          <p:cNvSpPr>
-            <a:spLocks noGrp="1"/>
-          </p:cNvSpPr>
-          <p:nvPr>
-            <p:ph idx="1"/>
-          </p:nvPr>
-        </p:nvSpPr>
-        <p:spPr/>
-        <p:txBody>
-          <a:bodyPr>
-            <a:normAutofit fontScale="62500" lnSpcReduction="20000"/>
-          </a:bodyPr>
-          <a:lstStyle/>
-          <a:p>
-            <a:pPr algn="just">
-              <a:lnSpc>
-                <a:spcPct val="107000"/>
-              </a:lnSpc>
-              <a:spcAft>
-                <a:spcPts val="800"/>
-              </a:spcAft>
-            </a:pPr>
-            <a:r>
-              <a:rPr lang="en-IN" sz="1800" b="1" dirty="0">
-                <a:effectLst/>
-                <a:latin typeface="Times New Roman" panose="02020603050405020304" pitchFamily="18" charset="0"/>
-                <a:ea typeface="Times New Roman" panose="02020603050405020304" pitchFamily="18" charset="0"/>
-                <a:cs typeface="Mangal"/>
-              </a:rPr>
-              <a:t>Project Scope and Product Features</a:t>
-            </a:r>
-            <a:endParaRPr lang="en-IN" sz="1800" dirty="0">
-              <a:effectLst/>
-              <a:latin typeface="Calibri" panose="020F0502020204030204" pitchFamily="34" charset="0"/>
-              <a:ea typeface="Times New Roman" panose="02020603050405020304" pitchFamily="18" charset="0"/>
-              <a:cs typeface="Mangal"/>
-            </a:endParaRPr>
-          </a:p>
-          <a:p>
-            <a:pPr algn="just">
-              <a:lnSpc>
-                <a:spcPct val="107000"/>
-              </a:lnSpc>
-              <a:spcAft>
-                <a:spcPts val="800"/>
-              </a:spcAft>
-            </a:pPr>
-            <a:r>
-              <a:rPr lang="en-IN" sz="1800" dirty="0">
-                <a:effectLst/>
-                <a:latin typeface="Times New Roman" panose="02020603050405020304" pitchFamily="18" charset="0"/>
-                <a:ea typeface="Times New Roman" panose="02020603050405020304" pitchFamily="18" charset="0"/>
-                <a:cs typeface="Mangal"/>
-              </a:rPr>
-              <a:t>The features of this system are as follows:</a:t>
-            </a:r>
-            <a:endParaRPr lang="en-IN" sz="1800" dirty="0">
-              <a:effectLst/>
-              <a:latin typeface="Calibri" panose="020F0502020204030204" pitchFamily="34" charset="0"/>
-              <a:ea typeface="Times New Roman" panose="02020603050405020304" pitchFamily="18" charset="0"/>
-              <a:cs typeface="Mangal"/>
-            </a:endParaRPr>
-          </a:p>
-          <a:p>
-            <a:pPr marL="342900" lvl="0" indent="-342900" algn="just">
-              <a:lnSpc>
-                <a:spcPct val="107000"/>
-              </a:lnSpc>
-              <a:buFont typeface="Symbol" panose="05050102010706020507" pitchFamily="18" charset="2"/>
-              <a:buChar char=""/>
-            </a:pPr>
-            <a:r>
-              <a:rPr lang="en-IN" sz="1800" dirty="0">
-                <a:effectLst/>
-                <a:latin typeface="Times New Roman" panose="02020603050405020304" pitchFamily="18" charset="0"/>
-                <a:ea typeface="Times New Roman" panose="02020603050405020304" pitchFamily="18" charset="0"/>
-                <a:cs typeface="Mangal"/>
-              </a:rPr>
-              <a:t>The student of the college must register to the system by entering all their details along with their course details. Once the student is registered to the website the student can login using their valid login credentials provided at the time of registration.</a:t>
-            </a:r>
-            <a:endParaRPr lang="en-IN" sz="1800" dirty="0">
-              <a:effectLst/>
-              <a:latin typeface="Calibri" panose="020F0502020204030204" pitchFamily="34" charset="0"/>
-              <a:ea typeface="Times New Roman" panose="02020603050405020304" pitchFamily="18" charset="0"/>
-              <a:cs typeface="Mangal"/>
-            </a:endParaRPr>
-          </a:p>
-          <a:p>
-            <a:pPr marL="342900" lvl="0" indent="-342900" algn="just">
-              <a:lnSpc>
-                <a:spcPct val="107000"/>
-              </a:lnSpc>
-              <a:buFont typeface="Symbol" panose="05050102010706020507" pitchFamily="18" charset="2"/>
-              <a:buChar char=""/>
-            </a:pPr>
-            <a:r>
-              <a:rPr lang="en-IN" sz="1800" dirty="0">
-                <a:effectLst/>
-                <a:latin typeface="Times New Roman" panose="02020603050405020304" pitchFamily="18" charset="0"/>
-                <a:ea typeface="Times New Roman" panose="02020603050405020304" pitchFamily="18" charset="0"/>
-                <a:cs typeface="Mangal"/>
-              </a:rPr>
-              <a:t>As the student login to the system they can view the various events in department wise or crosswise hosted by the staff. If the department wise event suits the student they can participate in those events. The student of one department cannot take part in the events of other departments. The student can either participate in the individual events or team events. </a:t>
-            </a:r>
-            <a:endParaRPr lang="en-IN" sz="1800" dirty="0">
-              <a:effectLst/>
-              <a:latin typeface="Calibri" panose="020F0502020204030204" pitchFamily="34" charset="0"/>
-              <a:ea typeface="Times New Roman" panose="02020603050405020304" pitchFamily="18" charset="0"/>
-              <a:cs typeface="Mangal"/>
-            </a:endParaRPr>
-          </a:p>
-          <a:p>
-            <a:pPr marL="342900" lvl="0" indent="-342900" algn="just">
-              <a:lnSpc>
-                <a:spcPct val="107000"/>
-              </a:lnSpc>
-              <a:buFont typeface="Symbol" panose="05050102010706020507" pitchFamily="18" charset="2"/>
-              <a:buChar char=""/>
-            </a:pPr>
-            <a:r>
-              <a:rPr lang="en-IN" sz="1800" dirty="0">
-                <a:effectLst/>
-                <a:latin typeface="Times New Roman" panose="02020603050405020304" pitchFamily="18" charset="0"/>
-                <a:ea typeface="Times New Roman" panose="02020603050405020304" pitchFamily="18" charset="0"/>
-                <a:cs typeface="Mangal"/>
-              </a:rPr>
-              <a:t>If the student wants to take part in the team event, then the student must create a team of 11 members and the token ID of all the team members must be entered only then the student can participate in the team event. In the individual event, the student can give the details of the event such as the scheduled date and the rules of the events and then the student can take part in the event.</a:t>
-            </a:r>
-            <a:endParaRPr lang="en-IN" sz="1800" dirty="0">
-              <a:effectLst/>
-              <a:latin typeface="Calibri" panose="020F0502020204030204" pitchFamily="34" charset="0"/>
-              <a:ea typeface="Times New Roman" panose="02020603050405020304" pitchFamily="18" charset="0"/>
-              <a:cs typeface="Mangal"/>
-            </a:endParaRPr>
-          </a:p>
-          <a:p>
-            <a:pPr marL="342900" lvl="0" indent="-342900" algn="just">
-              <a:lnSpc>
-                <a:spcPct val="107000"/>
-              </a:lnSpc>
-              <a:buFont typeface="Symbol" panose="05050102010706020507" pitchFamily="18" charset="2"/>
-              <a:buChar char=""/>
-            </a:pPr>
-            <a:r>
-              <a:rPr lang="en-IN" sz="1800" dirty="0">
-                <a:effectLst/>
-                <a:latin typeface="Times New Roman" panose="02020603050405020304" pitchFamily="18" charset="0"/>
-                <a:ea typeface="Times New Roman" panose="02020603050405020304" pitchFamily="18" charset="0"/>
-                <a:cs typeface="Mangal"/>
-              </a:rPr>
-              <a:t>On the schedule date of the event, the attendance will be taken by the staff to check the presence of all the participants. Once the event is complete, result of the event is published by the staff. The winners of first, second and third place are verified by the staff. The points for first, second and third place is different and is generated by the system. Results of all the other participants are generated automatically by the system.</a:t>
-            </a:r>
-            <a:endParaRPr lang="en-IN" sz="1800" dirty="0">
-              <a:effectLst/>
-              <a:latin typeface="Calibri" panose="020F0502020204030204" pitchFamily="34" charset="0"/>
-              <a:ea typeface="Times New Roman" panose="02020603050405020304" pitchFamily="18" charset="0"/>
-              <a:cs typeface="Mangal"/>
-            </a:endParaRPr>
-          </a:p>
-          <a:p>
-            <a:pPr marL="342900" lvl="0" indent="-342900" algn="just">
-              <a:lnSpc>
-                <a:spcPct val="107000"/>
-              </a:lnSpc>
-              <a:spcAft>
-                <a:spcPts val="800"/>
-              </a:spcAft>
-              <a:buFont typeface="Symbol" panose="05050102010706020507" pitchFamily="18" charset="2"/>
-              <a:buChar char=""/>
-            </a:pPr>
-            <a:r>
-              <a:rPr lang="en-IN" sz="1800" dirty="0">
-                <a:effectLst/>
-                <a:latin typeface="Times New Roman" panose="02020603050405020304" pitchFamily="18" charset="0"/>
-                <a:ea typeface="Times New Roman" panose="02020603050405020304" pitchFamily="18" charset="0"/>
-                <a:cs typeface="Mangal"/>
-              </a:rPr>
-              <a:t>The student can view the results of the events in which they have participated. If there is any mistake or error in the result, the student can raise the complaint report to the staff. The staff can view the mistake in the result and make the correction and republish the result. The staff can also reject complaint issue raised by the student.</a:t>
-            </a:r>
-            <a:endParaRPr lang="en-IN" sz="1800" dirty="0">
-              <a:effectLst/>
-              <a:latin typeface="Calibri" panose="020F0502020204030204" pitchFamily="34" charset="0"/>
-              <a:ea typeface="Times New Roman" panose="02020603050405020304" pitchFamily="18" charset="0"/>
-              <a:cs typeface="Mangal"/>
-            </a:endParaRPr>
-          </a:p>
-          <a:p>
-            <a:endParaRPr lang="en-IN" dirty="0"/>
-          </a:p>
-        </p:txBody>
-      </p:sp>
-    </p:spTree>
-    <p:extLst>
-      <p:ext uri="{BB962C8B-B14F-4D97-AF65-F5344CB8AC3E}">
-        <p14:creationId xmlns:p14="http://schemas.microsoft.com/office/powerpoint/2010/main" val="286583581"/>
-      </p:ext>
-    </p:extLst>
-  </p:cSld>
-  <p:clrMapOvr>
-    <a:masterClrMapping/>
-  </p:clrMapOvr>
-</p:sld>
-</file>
-
-<file path=ppt/slides/slide4.xml><?xml version="1.0" encoding="utf-8"?>
-<p:sld xmlns:a="http://schemas.openxmlformats.org/drawingml/2006/main" xmlns:r="http://schemas.openxmlformats.org/officeDocument/2006/relationships" xmlns:p="http://schemas.openxmlformats.org/presentationml/2006/main">
-  <p:cSld>
-    <p:spTree>
-      <p:nvGrpSpPr>
-        <p:cNvPr id="1" name=""/>
-        <p:cNvGrpSpPr/>
-        <p:nvPr/>
-      </p:nvGrpSpPr>
-      <p:grpSpPr>
-        <a:xfrm>
-          <a:off x="0" y="0"/>
-          <a:ext cx="0" cy="0"/>
-          <a:chOff x="0" y="0"/>
-          <a:chExt cx="0" cy="0"/>
-        </a:xfrm>
-      </p:grpSpPr>
-      <p:sp>
-        <p:nvSpPr>
-          <p:cNvPr id="2" name="Title 1">
-            <a:extLst>
-              <a:ext uri="{FF2B5EF4-FFF2-40B4-BE49-F238E27FC236}">
-                <a16:creationId xmlns:a16="http://schemas.microsoft.com/office/drawing/2014/main" id="{8DAB48B7-2222-4080-AD51-65ED1553FCB7}"/>
-              </a:ext>
-            </a:extLst>
-          </p:cNvPr>
-          <p:cNvSpPr>
-            <a:spLocks noGrp="1"/>
-          </p:cNvSpPr>
-          <p:nvPr>
-            <p:ph type="title"/>
-          </p:nvPr>
-        </p:nvSpPr>
-        <p:spPr/>
-        <p:txBody>
-          <a:bodyPr/>
-          <a:lstStyle/>
-          <a:p>
-            <a:endParaRPr lang="en-IN"/>
-          </a:p>
-        </p:txBody>
-      </p:sp>
-      <p:sp>
-        <p:nvSpPr>
-          <p:cNvPr id="3" name="Content Placeholder 2">
-            <a:extLst>
-              <a:ext uri="{FF2B5EF4-FFF2-40B4-BE49-F238E27FC236}">
-                <a16:creationId xmlns:a16="http://schemas.microsoft.com/office/drawing/2014/main" id="{DBC1414C-3A3D-4D63-AEC2-73CED7C2BFE2}"/>
-              </a:ext>
-            </a:extLst>
-          </p:cNvPr>
-          <p:cNvSpPr>
-            <a:spLocks noGrp="1"/>
-          </p:cNvSpPr>
-          <p:nvPr>
-            <p:ph idx="1"/>
-          </p:nvPr>
-        </p:nvSpPr>
-        <p:spPr/>
-        <p:txBody>
-          <a:bodyPr>
-            <a:normAutofit lnSpcReduction="10000"/>
-          </a:bodyPr>
-          <a:lstStyle/>
-          <a:p>
-            <a:pPr algn="just">
-              <a:lnSpc>
-                <a:spcPct val="107000"/>
-              </a:lnSpc>
-              <a:spcAft>
-                <a:spcPts val="800"/>
-              </a:spcAft>
-            </a:pPr>
-            <a:r>
-              <a:rPr lang="en-IN" sz="1800" b="1" dirty="0">
-                <a:effectLst/>
-                <a:latin typeface="Times New Roman" panose="02020603050405020304" pitchFamily="18" charset="0"/>
-                <a:ea typeface="Times New Roman" panose="02020603050405020304" pitchFamily="18" charset="0"/>
-                <a:cs typeface="Mangal"/>
-              </a:rPr>
-              <a:t>User interface</a:t>
-            </a:r>
-            <a:endParaRPr lang="en-IN" sz="1800" dirty="0">
-              <a:effectLst/>
-              <a:latin typeface="Calibri" panose="020F0502020204030204" pitchFamily="34" charset="0"/>
-              <a:ea typeface="Times New Roman" panose="02020603050405020304" pitchFamily="18" charset="0"/>
-              <a:cs typeface="Mangal"/>
-            </a:endParaRPr>
-          </a:p>
-          <a:p>
-            <a:pPr algn="just">
-              <a:lnSpc>
-                <a:spcPct val="107000"/>
-              </a:lnSpc>
-              <a:spcAft>
-                <a:spcPts val="800"/>
-              </a:spcAft>
-            </a:pPr>
-            <a:r>
-              <a:rPr lang="en-IN" sz="1800" dirty="0">
-                <a:effectLst/>
-                <a:latin typeface="Times New Roman" panose="02020603050405020304" pitchFamily="18" charset="0"/>
-                <a:ea typeface="Times New Roman" panose="02020603050405020304" pitchFamily="18" charset="0"/>
-                <a:cs typeface="Mangal"/>
-              </a:rPr>
-              <a:t>This includes the users of the system. The system is used by three of its users.</a:t>
-            </a:r>
-            <a:endParaRPr lang="en-IN" sz="1800" dirty="0">
-              <a:effectLst/>
-              <a:latin typeface="Calibri" panose="020F0502020204030204" pitchFamily="34" charset="0"/>
-              <a:ea typeface="Times New Roman" panose="02020603050405020304" pitchFamily="18" charset="0"/>
-              <a:cs typeface="Mangal"/>
-            </a:endParaRPr>
-          </a:p>
-          <a:p>
-            <a:pPr marL="342900" lvl="0" indent="-342900" algn="just">
-              <a:lnSpc>
-                <a:spcPct val="107000"/>
-              </a:lnSpc>
-              <a:buFont typeface="Symbol" panose="05050102010706020507" pitchFamily="18" charset="2"/>
-              <a:buChar char=""/>
-            </a:pPr>
-            <a:r>
-              <a:rPr lang="en-IN" sz="1800" b="1" dirty="0">
-                <a:effectLst/>
-                <a:latin typeface="Times New Roman" panose="02020603050405020304" pitchFamily="18" charset="0"/>
-                <a:ea typeface="Times New Roman" panose="02020603050405020304" pitchFamily="18" charset="0"/>
-                <a:cs typeface="Mangal"/>
-              </a:rPr>
-              <a:t>Admin</a:t>
-            </a:r>
-            <a:r>
-              <a:rPr lang="en-IN" sz="1800" dirty="0">
-                <a:effectLst/>
-                <a:latin typeface="Times New Roman" panose="02020603050405020304" pitchFamily="18" charset="0"/>
-                <a:ea typeface="Times New Roman" panose="02020603050405020304" pitchFamily="18" charset="0"/>
-                <a:cs typeface="Mangal"/>
-              </a:rPr>
-              <a:t>: The one who manages the entire website. Admin monitors all the activities that happens in the webpage and also monitors the student and staff accounts.</a:t>
-            </a:r>
-            <a:endParaRPr lang="en-IN" sz="1800" dirty="0">
-              <a:effectLst/>
-              <a:latin typeface="Calibri" panose="020F0502020204030204" pitchFamily="34" charset="0"/>
-              <a:ea typeface="Times New Roman" panose="02020603050405020304" pitchFamily="18" charset="0"/>
-              <a:cs typeface="Mangal"/>
-            </a:endParaRPr>
-          </a:p>
-          <a:p>
-            <a:pPr marL="342900" lvl="0" indent="-342900" algn="just">
-              <a:lnSpc>
-                <a:spcPct val="107000"/>
-              </a:lnSpc>
-              <a:buFont typeface="Symbol" panose="05050102010706020507" pitchFamily="18" charset="2"/>
-              <a:buChar char=""/>
-            </a:pPr>
-            <a:r>
-              <a:rPr lang="en-IN" sz="1800" b="1" dirty="0">
-                <a:effectLst/>
-                <a:latin typeface="Times New Roman" panose="02020603050405020304" pitchFamily="18" charset="0"/>
-                <a:ea typeface="Times New Roman" panose="02020603050405020304" pitchFamily="18" charset="0"/>
-                <a:cs typeface="Mangal"/>
-              </a:rPr>
-              <a:t>Staff</a:t>
-            </a:r>
-            <a:r>
-              <a:rPr lang="en-IN" sz="1800" dirty="0">
-                <a:effectLst/>
-                <a:latin typeface="Times New Roman" panose="02020603050405020304" pitchFamily="18" charset="0"/>
-                <a:ea typeface="Times New Roman" panose="02020603050405020304" pitchFamily="18" charset="0"/>
-                <a:cs typeface="Mangal"/>
-              </a:rPr>
-              <a:t>: The staff is added by the admin. The staff must host the events and published results of the events. The staff must verify the first, second and third place results of the events.</a:t>
-            </a:r>
-            <a:endParaRPr lang="en-IN" sz="1800" dirty="0">
-              <a:effectLst/>
-              <a:latin typeface="Calibri" panose="020F0502020204030204" pitchFamily="34" charset="0"/>
-              <a:ea typeface="Times New Roman" panose="02020603050405020304" pitchFamily="18" charset="0"/>
-              <a:cs typeface="Mangal"/>
-            </a:endParaRPr>
-          </a:p>
-          <a:p>
-            <a:pPr marL="342900" lvl="0" indent="-342900" algn="just">
-              <a:lnSpc>
-                <a:spcPct val="107000"/>
-              </a:lnSpc>
-              <a:spcAft>
-                <a:spcPts val="800"/>
-              </a:spcAft>
-              <a:buFont typeface="Symbol" panose="05050102010706020507" pitchFamily="18" charset="2"/>
-              <a:buChar char=""/>
-            </a:pPr>
-            <a:r>
-              <a:rPr lang="en-IN" sz="1800" b="1" dirty="0">
-                <a:effectLst/>
-                <a:latin typeface="Times New Roman" panose="02020603050405020304" pitchFamily="18" charset="0"/>
-                <a:ea typeface="Times New Roman" panose="02020603050405020304" pitchFamily="18" charset="0"/>
-                <a:cs typeface="Mangal"/>
-              </a:rPr>
-              <a:t>Student</a:t>
-            </a:r>
-            <a:r>
-              <a:rPr lang="en-IN" sz="1800" dirty="0">
-                <a:effectLst/>
-                <a:latin typeface="Times New Roman" panose="02020603050405020304" pitchFamily="18" charset="0"/>
-                <a:ea typeface="Times New Roman" panose="02020603050405020304" pitchFamily="18" charset="0"/>
-                <a:cs typeface="Mangal"/>
-              </a:rPr>
-              <a:t>: Student has to register to the website to use the system. Student can view the various events available for them under their course or department. If they wish to take part in any of the events they can participate in it.</a:t>
-            </a:r>
-            <a:endParaRPr lang="en-IN" sz="1800" dirty="0">
-              <a:effectLst/>
-              <a:latin typeface="Calibri" panose="020F0502020204030204" pitchFamily="34" charset="0"/>
-              <a:ea typeface="Times New Roman" panose="02020603050405020304" pitchFamily="18" charset="0"/>
-              <a:cs typeface="Mangal"/>
-            </a:endParaRPr>
-          </a:p>
-          <a:p>
-            <a:endParaRPr lang="en-IN" dirty="0"/>
-          </a:p>
-        </p:txBody>
-      </p:sp>
-    </p:spTree>
-    <p:extLst>
-      <p:ext uri="{BB962C8B-B14F-4D97-AF65-F5344CB8AC3E}">
-        <p14:creationId xmlns:p14="http://schemas.microsoft.com/office/powerpoint/2010/main" val="1489015039"/>
-      </p:ext>
-    </p:extLst>
-  </p:cSld>
-  <p:clrMapOvr>
-    <a:masterClrMapping/>
-  </p:clrMapOvr>
-</p:sld>
-</file>
-
-<file path=ppt/slides/slide5.xml><?xml version="1.0" encoding="utf-8"?>
-<p:sld xmlns:a="http://schemas.openxmlformats.org/drawingml/2006/main" xmlns:r="http://schemas.openxmlformats.org/officeDocument/2006/relationships" xmlns:p="http://schemas.openxmlformats.org/presentationml/2006/main">
-  <p:cSld>
-    <p:spTree>
-      <p:nvGrpSpPr>
-        <p:cNvPr id="1" name=""/>
-        <p:cNvGrpSpPr/>
-        <p:nvPr/>
-      </p:nvGrpSpPr>
-      <p:grpSpPr>
-        <a:xfrm>
-          <a:off x="0" y="0"/>
-          <a:ext cx="0" cy="0"/>
-          <a:chOff x="0" y="0"/>
-          <a:chExt cx="0" cy="0"/>
-        </a:xfrm>
-      </p:grpSpPr>
-      <p:sp>
-        <p:nvSpPr>
-          <p:cNvPr id="2" name="Title 1">
-            <a:extLst>
-              <a:ext uri="{FF2B5EF4-FFF2-40B4-BE49-F238E27FC236}">
-                <a16:creationId xmlns:a16="http://schemas.microsoft.com/office/drawing/2014/main" id="{D03D1A1B-7A27-4FD7-A7F7-A96858105F1E}"/>
-              </a:ext>
-            </a:extLst>
-          </p:cNvPr>
-          <p:cNvSpPr>
-            <a:spLocks noGrp="1"/>
-          </p:cNvSpPr>
-          <p:nvPr>
-            <p:ph type="title"/>
-          </p:nvPr>
-        </p:nvSpPr>
-        <p:spPr/>
-        <p:txBody>
-          <a:bodyPr/>
-          <a:lstStyle/>
-          <a:p>
-            <a:endParaRPr lang="en-IN"/>
-          </a:p>
-        </p:txBody>
-      </p:sp>
-      <p:sp>
-        <p:nvSpPr>
-          <p:cNvPr id="3" name="Content Placeholder 2">
-            <a:extLst>
-              <a:ext uri="{FF2B5EF4-FFF2-40B4-BE49-F238E27FC236}">
-                <a16:creationId xmlns:a16="http://schemas.microsoft.com/office/drawing/2014/main" id="{67F5CB01-C386-44A7-8029-C0B3887D0C38}"/>
-              </a:ext>
-            </a:extLst>
-          </p:cNvPr>
-          <p:cNvSpPr>
-            <a:spLocks noGrp="1"/>
-          </p:cNvSpPr>
-          <p:nvPr>
-            <p:ph idx="1"/>
-          </p:nvPr>
-        </p:nvSpPr>
-        <p:spPr/>
-        <p:txBody>
-          <a:bodyPr>
-            <a:normAutofit fontScale="77500" lnSpcReduction="20000"/>
-          </a:bodyPr>
-          <a:lstStyle/>
-          <a:p>
-            <a:pPr algn="just">
-              <a:lnSpc>
-                <a:spcPct val="107000"/>
-              </a:lnSpc>
-              <a:spcAft>
-                <a:spcPts val="800"/>
-              </a:spcAft>
-            </a:pPr>
-            <a:r>
-              <a:rPr lang="en-IN" sz="1800" b="1" dirty="0">
-                <a:effectLst/>
-                <a:latin typeface="Times New Roman" panose="02020603050405020304" pitchFamily="18" charset="0"/>
-                <a:ea typeface="Times New Roman" panose="02020603050405020304" pitchFamily="18" charset="0"/>
-                <a:cs typeface="Mangal"/>
-              </a:rPr>
-              <a:t>Hardware interface</a:t>
-            </a:r>
-            <a:endParaRPr lang="en-IN" sz="1800" dirty="0">
-              <a:effectLst/>
-              <a:latin typeface="Calibri" panose="020F0502020204030204" pitchFamily="34" charset="0"/>
-              <a:ea typeface="Times New Roman" panose="02020603050405020304" pitchFamily="18" charset="0"/>
-              <a:cs typeface="Mangal"/>
-            </a:endParaRPr>
-          </a:p>
-          <a:p>
-            <a:pPr marL="342900" lvl="0" indent="-342900">
-              <a:lnSpc>
-                <a:spcPct val="107000"/>
-              </a:lnSpc>
-              <a:buFont typeface="Symbol" panose="05050102010706020507" pitchFamily="18" charset="2"/>
-              <a:buChar char=""/>
-            </a:pPr>
-            <a:r>
-              <a:rPr lang="en-IN" sz="1800" b="1" dirty="0">
-                <a:effectLst/>
-                <a:latin typeface="Times New Roman" panose="02020603050405020304" pitchFamily="18" charset="0"/>
-                <a:ea typeface="Times New Roman" panose="02020603050405020304" pitchFamily="18" charset="0"/>
-                <a:cs typeface="Mangal"/>
-              </a:rPr>
-              <a:t>Operating system:</a:t>
-            </a:r>
-            <a:r>
-              <a:rPr lang="en-IN" sz="1800" dirty="0">
-                <a:effectLst/>
-                <a:latin typeface="Times New Roman" panose="02020603050405020304" pitchFamily="18" charset="0"/>
-                <a:ea typeface="Times New Roman" panose="02020603050405020304" pitchFamily="18" charset="0"/>
-                <a:cs typeface="Mangal"/>
-              </a:rPr>
-              <a:t> Windows XP or higher</a:t>
-            </a:r>
-            <a:endParaRPr lang="en-IN" sz="1800" dirty="0">
-              <a:effectLst/>
-              <a:latin typeface="Calibri" panose="020F0502020204030204" pitchFamily="34" charset="0"/>
-              <a:ea typeface="Times New Roman" panose="02020603050405020304" pitchFamily="18" charset="0"/>
-              <a:cs typeface="Mangal"/>
-            </a:endParaRPr>
-          </a:p>
-          <a:p>
-            <a:pPr marL="342900" lvl="0" indent="-342900">
-              <a:lnSpc>
-                <a:spcPct val="107000"/>
-              </a:lnSpc>
-              <a:buFont typeface="Symbol" panose="05050102010706020507" pitchFamily="18" charset="2"/>
-              <a:buChar char=""/>
-            </a:pPr>
-            <a:r>
-              <a:rPr lang="en-IN" sz="1800" b="1" dirty="0">
-                <a:effectLst/>
-                <a:latin typeface="Times New Roman" panose="02020603050405020304" pitchFamily="18" charset="0"/>
-                <a:ea typeface="Times New Roman" panose="02020603050405020304" pitchFamily="18" charset="0"/>
-                <a:cs typeface="Mangal"/>
-              </a:rPr>
-              <a:t>Hard disk:</a:t>
-            </a:r>
-            <a:r>
-              <a:rPr lang="en-IN" sz="1800" dirty="0">
-                <a:effectLst/>
-                <a:latin typeface="Times New Roman" panose="02020603050405020304" pitchFamily="18" charset="0"/>
-                <a:ea typeface="Times New Roman" panose="02020603050405020304" pitchFamily="18" charset="0"/>
-                <a:cs typeface="Mangal"/>
-              </a:rPr>
-              <a:t> 40 GB hard disk</a:t>
-            </a:r>
-            <a:endParaRPr lang="en-IN" sz="1800" dirty="0">
-              <a:effectLst/>
-              <a:latin typeface="Calibri" panose="020F0502020204030204" pitchFamily="34" charset="0"/>
-              <a:ea typeface="Times New Roman" panose="02020603050405020304" pitchFamily="18" charset="0"/>
-              <a:cs typeface="Mangal"/>
-            </a:endParaRPr>
-          </a:p>
-          <a:p>
-            <a:pPr marL="342900" lvl="0" indent="-342900">
-              <a:lnSpc>
-                <a:spcPct val="107000"/>
-              </a:lnSpc>
-              <a:buFont typeface="Symbol" panose="05050102010706020507" pitchFamily="18" charset="2"/>
-              <a:buChar char=""/>
-            </a:pPr>
-            <a:r>
-              <a:rPr lang="en-IN" sz="1800" b="1" dirty="0">
-                <a:effectLst/>
-                <a:latin typeface="Times New Roman" panose="02020603050405020304" pitchFamily="18" charset="0"/>
-                <a:ea typeface="Times New Roman" panose="02020603050405020304" pitchFamily="18" charset="0"/>
-                <a:cs typeface="Mangal"/>
-              </a:rPr>
-              <a:t>RAM:</a:t>
-            </a:r>
-            <a:r>
-              <a:rPr lang="en-IN" sz="1800" dirty="0">
-                <a:effectLst/>
-                <a:latin typeface="Times New Roman" panose="02020603050405020304" pitchFamily="18" charset="0"/>
-                <a:ea typeface="Times New Roman" panose="02020603050405020304" pitchFamily="18" charset="0"/>
-                <a:cs typeface="Mangal"/>
-              </a:rPr>
-              <a:t> 1 GB RAM</a:t>
-            </a:r>
-            <a:endParaRPr lang="en-IN" sz="1800" dirty="0">
-              <a:effectLst/>
-              <a:latin typeface="Calibri" panose="020F0502020204030204" pitchFamily="34" charset="0"/>
-              <a:ea typeface="Times New Roman" panose="02020603050405020304" pitchFamily="18" charset="0"/>
-              <a:cs typeface="Mangal"/>
-            </a:endParaRPr>
-          </a:p>
-          <a:p>
-            <a:pPr marL="342900" lvl="0" indent="-342900">
-              <a:lnSpc>
-                <a:spcPct val="107000"/>
-              </a:lnSpc>
-              <a:spcAft>
-                <a:spcPts val="800"/>
-              </a:spcAft>
-              <a:buFont typeface="Symbol" panose="05050102010706020507" pitchFamily="18" charset="2"/>
-              <a:buChar char=""/>
-            </a:pPr>
-            <a:r>
-              <a:rPr lang="en-IN" sz="1800" b="1" dirty="0">
-                <a:effectLst/>
-                <a:latin typeface="Times New Roman" panose="02020603050405020304" pitchFamily="18" charset="0"/>
-                <a:ea typeface="Times New Roman" panose="02020603050405020304" pitchFamily="18" charset="0"/>
-                <a:cs typeface="Mangal"/>
-              </a:rPr>
-              <a:t>Processor:</a:t>
-            </a:r>
-            <a:r>
-              <a:rPr lang="en-IN" sz="1800" dirty="0">
-                <a:effectLst/>
-                <a:latin typeface="Times New Roman" panose="02020603050405020304" pitchFamily="18" charset="0"/>
-                <a:ea typeface="Times New Roman" panose="02020603050405020304" pitchFamily="18" charset="0"/>
-                <a:cs typeface="Mangal"/>
-              </a:rPr>
-              <a:t> Intel Pentium or above</a:t>
-            </a:r>
-            <a:endParaRPr lang="en-IN" sz="1800" dirty="0">
-              <a:effectLst/>
-              <a:latin typeface="Calibri" panose="020F0502020204030204" pitchFamily="34" charset="0"/>
-              <a:ea typeface="Times New Roman" panose="02020603050405020304" pitchFamily="18" charset="0"/>
-              <a:cs typeface="Mangal"/>
-            </a:endParaRPr>
-          </a:p>
-          <a:p>
-            <a:pPr algn="just">
-              <a:lnSpc>
-                <a:spcPct val="107000"/>
-              </a:lnSpc>
-              <a:spcAft>
-                <a:spcPts val="800"/>
-              </a:spcAft>
-            </a:pPr>
-            <a:r>
-              <a:rPr lang="en-IN" sz="1800" b="1" dirty="0">
-                <a:effectLst/>
-                <a:latin typeface="Times New Roman" panose="02020603050405020304" pitchFamily="18" charset="0"/>
-                <a:ea typeface="Times New Roman" panose="02020603050405020304" pitchFamily="18" charset="0"/>
-                <a:cs typeface="Mangal"/>
-              </a:rPr>
-              <a:t>3.1.3 Software interface</a:t>
-            </a:r>
-            <a:endParaRPr lang="en-IN" sz="1800" dirty="0">
-              <a:effectLst/>
-              <a:latin typeface="Calibri" panose="020F0502020204030204" pitchFamily="34" charset="0"/>
-              <a:ea typeface="Times New Roman" panose="02020603050405020304" pitchFamily="18" charset="0"/>
-              <a:cs typeface="Mangal"/>
-            </a:endParaRPr>
-          </a:p>
-          <a:p>
-            <a:pPr marL="342900" lvl="0" indent="-342900">
-              <a:lnSpc>
-                <a:spcPct val="107000"/>
-              </a:lnSpc>
-              <a:buFont typeface="Symbol" panose="05050102010706020507" pitchFamily="18" charset="2"/>
-              <a:buChar char=""/>
-            </a:pPr>
-            <a:r>
-              <a:rPr lang="en-IN" sz="1800" dirty="0">
-                <a:effectLst/>
-                <a:latin typeface="Times New Roman" panose="02020603050405020304" pitchFamily="18" charset="0"/>
-                <a:ea typeface="Times New Roman" panose="02020603050405020304" pitchFamily="18" charset="0"/>
-                <a:cs typeface="Mangal"/>
-              </a:rPr>
-              <a:t>XAMPP 1.8.2</a:t>
-            </a:r>
-            <a:endParaRPr lang="en-IN" sz="1800" dirty="0">
-              <a:effectLst/>
-              <a:latin typeface="Calibri" panose="020F0502020204030204" pitchFamily="34" charset="0"/>
-              <a:ea typeface="Times New Roman" panose="02020603050405020304" pitchFamily="18" charset="0"/>
-              <a:cs typeface="Mangal"/>
-            </a:endParaRPr>
-          </a:p>
-          <a:p>
-            <a:pPr marL="342900" lvl="0" indent="-342900">
-              <a:lnSpc>
-                <a:spcPct val="107000"/>
-              </a:lnSpc>
-              <a:buFont typeface="Symbol" panose="05050102010706020507" pitchFamily="18" charset="2"/>
-              <a:buChar char=""/>
-            </a:pPr>
-            <a:r>
-              <a:rPr lang="en-IN" sz="1800" dirty="0">
-                <a:effectLst/>
-                <a:latin typeface="Times New Roman" panose="02020603050405020304" pitchFamily="18" charset="0"/>
-                <a:ea typeface="Times New Roman" panose="02020603050405020304" pitchFamily="18" charset="0"/>
-                <a:cs typeface="Mangal"/>
-              </a:rPr>
-              <a:t>Apache server</a:t>
-            </a:r>
-            <a:endParaRPr lang="en-IN" sz="1800" dirty="0">
-              <a:effectLst/>
-              <a:latin typeface="Calibri" panose="020F0502020204030204" pitchFamily="34" charset="0"/>
-              <a:ea typeface="Times New Roman" panose="02020603050405020304" pitchFamily="18" charset="0"/>
-              <a:cs typeface="Mangal"/>
-            </a:endParaRPr>
-          </a:p>
-          <a:p>
-            <a:pPr marL="342900" lvl="0" indent="-342900">
-              <a:lnSpc>
-                <a:spcPct val="107000"/>
-              </a:lnSpc>
-              <a:spcAft>
-                <a:spcPts val="800"/>
-              </a:spcAft>
-              <a:buFont typeface="Symbol" panose="05050102010706020507" pitchFamily="18" charset="2"/>
-              <a:buChar char=""/>
-            </a:pPr>
-            <a:r>
-              <a:rPr lang="en-IN" sz="1800" dirty="0">
-                <a:effectLst/>
-                <a:latin typeface="Times New Roman" panose="02020603050405020304" pitchFamily="18" charset="0"/>
-                <a:ea typeface="Times New Roman" panose="02020603050405020304" pitchFamily="18" charset="0"/>
-                <a:cs typeface="Mangal"/>
-              </a:rPr>
-              <a:t>PHP 5.4</a:t>
-            </a:r>
-            <a:endParaRPr lang="en-IN" sz="1800" dirty="0">
-              <a:effectLst/>
-              <a:latin typeface="Calibri" panose="020F0502020204030204" pitchFamily="34" charset="0"/>
-              <a:ea typeface="Times New Roman" panose="02020603050405020304" pitchFamily="18" charset="0"/>
-              <a:cs typeface="Mangal"/>
-            </a:endParaRPr>
-          </a:p>
-          <a:p>
-            <a:pPr marL="342900" lvl="0" indent="-342900">
-              <a:lnSpc>
-                <a:spcPct val="107000"/>
-              </a:lnSpc>
-              <a:spcAft>
-                <a:spcPts val="800"/>
-              </a:spcAft>
-              <a:buFont typeface="Symbol" panose="05050102010706020507" pitchFamily="18" charset="2"/>
-              <a:buChar char=""/>
-            </a:pPr>
-            <a:r>
-              <a:rPr lang="en-IN" sz="1800" dirty="0">
-                <a:effectLst/>
-                <a:latin typeface="Times New Roman" panose="02020603050405020304" pitchFamily="18" charset="0"/>
-                <a:ea typeface="Times New Roman" panose="02020603050405020304" pitchFamily="18" charset="0"/>
-                <a:cs typeface="Mangal"/>
-              </a:rPr>
-              <a:t>MYSQL server 5.5</a:t>
-            </a:r>
-            <a:endParaRPr lang="en-IN" sz="1800" dirty="0">
-              <a:effectLst/>
-              <a:latin typeface="Calibri" panose="020F0502020204030204" pitchFamily="34" charset="0"/>
-              <a:ea typeface="Times New Roman" panose="02020603050405020304" pitchFamily="18" charset="0"/>
-              <a:cs typeface="Mangal"/>
-            </a:endParaRPr>
-          </a:p>
-          <a:p>
-            <a:pPr marL="342900" lvl="0" indent="-342900">
-              <a:lnSpc>
-                <a:spcPct val="107000"/>
-              </a:lnSpc>
-              <a:spcAft>
-                <a:spcPts val="800"/>
-              </a:spcAft>
-              <a:buFont typeface="Symbol" panose="05050102010706020507" pitchFamily="18" charset="2"/>
-              <a:buChar char=""/>
-            </a:pPr>
-            <a:r>
-              <a:rPr lang="en-IN" sz="1800" dirty="0">
-                <a:effectLst/>
-                <a:latin typeface="Times New Roman" panose="02020603050405020304" pitchFamily="18" charset="0"/>
-                <a:ea typeface="Times New Roman" panose="02020603050405020304" pitchFamily="18" charset="0"/>
-                <a:cs typeface="Mangal"/>
-              </a:rPr>
-              <a:t>Adobe </a:t>
-            </a:r>
-            <a:r>
-              <a:rPr lang="en-IN" sz="1800" dirty="0" err="1">
-                <a:effectLst/>
-                <a:latin typeface="Times New Roman" panose="02020603050405020304" pitchFamily="18" charset="0"/>
-                <a:ea typeface="Times New Roman" panose="02020603050405020304" pitchFamily="18" charset="0"/>
-                <a:cs typeface="Mangal"/>
-              </a:rPr>
-              <a:t>dreamweaver</a:t>
-            </a:r>
-            <a:r>
-              <a:rPr lang="en-IN" sz="1800" dirty="0">
-                <a:effectLst/>
-                <a:latin typeface="Times New Roman" panose="02020603050405020304" pitchFamily="18" charset="0"/>
-                <a:ea typeface="Times New Roman" panose="02020603050405020304" pitchFamily="18" charset="0"/>
-                <a:cs typeface="Mangal"/>
-              </a:rPr>
-              <a:t> CS 6.0</a:t>
-            </a:r>
-            <a:endParaRPr lang="en-IN" sz="1800" dirty="0">
-              <a:effectLst/>
-              <a:latin typeface="Calibri" panose="020F0502020204030204" pitchFamily="34" charset="0"/>
-              <a:ea typeface="Times New Roman" panose="02020603050405020304" pitchFamily="18" charset="0"/>
-              <a:cs typeface="Mangal"/>
-            </a:endParaRPr>
-          </a:p>
-          <a:p>
-            <a:endParaRPr lang="en-IN" dirty="0"/>
-          </a:p>
-        </p:txBody>
-      </p:sp>
-    </p:spTree>
-    <p:extLst>
-      <p:ext uri="{BB962C8B-B14F-4D97-AF65-F5344CB8AC3E}">
-        <p14:creationId xmlns:p14="http://schemas.microsoft.com/office/powerpoint/2010/main" val="186987343"/>
-      </p:ext>
-    </p:extLst>
-  </p:cSld>
-  <p:clrMapOvr>
-    <a:masterClrMapping/>
-  </p:clrMapOvr>
-</p:sld>
-</file>
-
-<file path=ppt/slides/slide6.xml><?xml version="1.0" encoding="utf-8"?>
-<p:sld xmlns:a="http://schemas.openxmlformats.org/drawingml/2006/main" xmlns:r="http://schemas.openxmlformats.org/officeDocument/2006/relationships" xmlns:p="http://schemas.openxmlformats.org/presentationml/2006/main">
-  <p:cSld>
-    <p:spTree>
-      <p:nvGrpSpPr>
-        <p:cNvPr id="1" name=""/>
-        <p:cNvGrpSpPr/>
-        <p:nvPr/>
-      </p:nvGrpSpPr>
-      <p:grpSpPr>
-        <a:xfrm>
-          <a:off x="0" y="0"/>
-          <a:ext cx="0" cy="0"/>
-          <a:chOff x="0" y="0"/>
-          <a:chExt cx="0" cy="0"/>
-        </a:xfrm>
-      </p:grpSpPr>
-      <p:sp>
-        <p:nvSpPr>
-          <p:cNvPr id="2" name="Title 1">
-            <a:extLst>
-              <a:ext uri="{FF2B5EF4-FFF2-40B4-BE49-F238E27FC236}">
-                <a16:creationId xmlns:a16="http://schemas.microsoft.com/office/drawing/2014/main" id="{62F8EA29-F31D-4356-8984-60A88C36153D}"/>
-              </a:ext>
-            </a:extLst>
-          </p:cNvPr>
-          <p:cNvSpPr>
-            <a:spLocks noGrp="1"/>
-          </p:cNvSpPr>
-          <p:nvPr>
-            <p:ph type="title"/>
-          </p:nvPr>
-        </p:nvSpPr>
-        <p:spPr/>
-        <p:txBody>
-          <a:bodyPr/>
-          <a:lstStyle/>
-          <a:p>
-            <a:endParaRPr lang="en-IN"/>
-          </a:p>
-        </p:txBody>
-      </p:sp>
-      <p:sp>
-        <p:nvSpPr>
-          <p:cNvPr id="3" name="Content Placeholder 2">
-            <a:extLst>
-              <a:ext uri="{FF2B5EF4-FFF2-40B4-BE49-F238E27FC236}">
-                <a16:creationId xmlns:a16="http://schemas.microsoft.com/office/drawing/2014/main" id="{12026798-7BFC-4A45-B5BB-6DFD8FD1E15D}"/>
-              </a:ext>
-            </a:extLst>
-          </p:cNvPr>
-          <p:cNvSpPr>
-            <a:spLocks noGrp="1"/>
-          </p:cNvSpPr>
-          <p:nvPr>
-            <p:ph idx="1"/>
-          </p:nvPr>
-        </p:nvSpPr>
-        <p:spPr/>
-        <p:txBody>
-          <a:bodyPr>
-            <a:normAutofit fontScale="40000" lnSpcReduction="20000"/>
-          </a:bodyPr>
-          <a:lstStyle/>
-          <a:p>
-            <a:pPr algn="just">
-              <a:lnSpc>
-                <a:spcPct val="107000"/>
-              </a:lnSpc>
-              <a:spcAft>
-                <a:spcPts val="800"/>
-              </a:spcAft>
-            </a:pPr>
-            <a:r>
-              <a:rPr lang="en-IN" sz="1800" b="1" dirty="0">
-                <a:effectLst/>
-                <a:latin typeface="Times New Roman" panose="02020603050405020304" pitchFamily="18" charset="0"/>
-                <a:ea typeface="Times New Roman" panose="02020603050405020304" pitchFamily="18" charset="0"/>
-                <a:cs typeface="Mangal"/>
-              </a:rPr>
-              <a:t>Functional requirements</a:t>
-            </a:r>
-            <a:endParaRPr lang="en-IN" sz="1800" dirty="0">
-              <a:effectLst/>
-              <a:latin typeface="Calibri" panose="020F0502020204030204" pitchFamily="34" charset="0"/>
-              <a:ea typeface="Times New Roman" panose="02020603050405020304" pitchFamily="18" charset="0"/>
-              <a:cs typeface="Mangal"/>
-            </a:endParaRPr>
-          </a:p>
-          <a:p>
-            <a:pPr algn="just">
-              <a:lnSpc>
-                <a:spcPct val="107000"/>
-              </a:lnSpc>
-              <a:spcAft>
-                <a:spcPts val="800"/>
-              </a:spcAft>
-            </a:pPr>
-            <a:r>
-              <a:rPr lang="en-IN" sz="1800" dirty="0">
-                <a:effectLst/>
-                <a:latin typeface="Times New Roman" panose="02020603050405020304" pitchFamily="18" charset="0"/>
-                <a:ea typeface="Times New Roman" panose="02020603050405020304" pitchFamily="18" charset="0"/>
-                <a:cs typeface="Mangal"/>
-              </a:rPr>
-              <a:t>This includes the features of the various modules of the project.</a:t>
-            </a:r>
-            <a:endParaRPr lang="en-IN" sz="1800" dirty="0">
-              <a:effectLst/>
-              <a:latin typeface="Calibri" panose="020F0502020204030204" pitchFamily="34" charset="0"/>
-              <a:ea typeface="Times New Roman" panose="02020603050405020304" pitchFamily="18" charset="0"/>
-              <a:cs typeface="Mangal"/>
-            </a:endParaRPr>
-          </a:p>
-          <a:p>
-            <a:pPr marL="342900" lvl="0" indent="-342900" algn="just">
-              <a:lnSpc>
-                <a:spcPct val="107000"/>
-              </a:lnSpc>
-              <a:buFont typeface="Symbol" panose="05050102010706020507" pitchFamily="18" charset="2"/>
-              <a:buChar char=""/>
-            </a:pPr>
-            <a:r>
-              <a:rPr lang="en-IN" sz="1800" b="1" dirty="0">
-                <a:effectLst/>
-                <a:latin typeface="Times New Roman" panose="02020603050405020304" pitchFamily="18" charset="0"/>
-                <a:ea typeface="Times New Roman" panose="02020603050405020304" pitchFamily="18" charset="0"/>
-                <a:cs typeface="Mangal"/>
-              </a:rPr>
-              <a:t>Admin module</a:t>
-            </a:r>
-            <a:r>
-              <a:rPr lang="en-IN" sz="1800" dirty="0">
-                <a:effectLst/>
-                <a:latin typeface="Times New Roman" panose="02020603050405020304" pitchFamily="18" charset="0"/>
-                <a:ea typeface="Times New Roman" panose="02020603050405020304" pitchFamily="18" charset="0"/>
-                <a:cs typeface="Mangal"/>
-              </a:rPr>
-              <a:t>: Admin is the one who manages the entire website and also has the full authority over all the activities of the extra curricular activities system. The admin monitors the other users of the website. </a:t>
-            </a:r>
-            <a:endParaRPr lang="en-IN" sz="1800" dirty="0">
-              <a:effectLst/>
-              <a:latin typeface="Calibri" panose="020F0502020204030204" pitchFamily="34" charset="0"/>
-              <a:ea typeface="Times New Roman" panose="02020603050405020304" pitchFamily="18" charset="0"/>
-              <a:cs typeface="Mangal"/>
-            </a:endParaRPr>
-          </a:p>
-          <a:p>
-            <a:pPr marL="342900" lvl="0" indent="-342900" algn="just">
-              <a:lnSpc>
-                <a:spcPct val="107000"/>
-              </a:lnSpc>
-              <a:buFont typeface="Symbol" panose="05050102010706020507" pitchFamily="18" charset="2"/>
-              <a:buChar char=""/>
-            </a:pPr>
-            <a:r>
-              <a:rPr lang="en-IN" sz="1800" b="1" dirty="0">
-                <a:effectLst/>
-                <a:latin typeface="Times New Roman" panose="02020603050405020304" pitchFamily="18" charset="0"/>
-                <a:ea typeface="Times New Roman" panose="02020603050405020304" pitchFamily="18" charset="0"/>
-                <a:cs typeface="Mangal"/>
-              </a:rPr>
-              <a:t>Staff module</a:t>
-            </a:r>
-            <a:r>
-              <a:rPr lang="en-IN" sz="1800" dirty="0">
-                <a:effectLst/>
-                <a:latin typeface="Times New Roman" panose="02020603050405020304" pitchFamily="18" charset="0"/>
-                <a:ea typeface="Times New Roman" panose="02020603050405020304" pitchFamily="18" charset="0"/>
-                <a:cs typeface="Mangal"/>
-              </a:rPr>
-              <a:t>: Staff will be added by the admin. The staff can view the student and activate the students by verifying them. The staff can host the events as well as they can publish the results of the events.</a:t>
-            </a:r>
-            <a:endParaRPr lang="en-IN" sz="1800" dirty="0">
-              <a:effectLst/>
-              <a:latin typeface="Calibri" panose="020F0502020204030204" pitchFamily="34" charset="0"/>
-              <a:ea typeface="Times New Roman" panose="02020603050405020304" pitchFamily="18" charset="0"/>
-              <a:cs typeface="Mangal"/>
-            </a:endParaRPr>
-          </a:p>
-          <a:p>
-            <a:pPr marL="342900" lvl="0" indent="-342900" algn="just">
-              <a:lnSpc>
-                <a:spcPct val="107000"/>
-              </a:lnSpc>
-              <a:buFont typeface="Symbol" panose="05050102010706020507" pitchFamily="18" charset="2"/>
-              <a:buChar char=""/>
-            </a:pPr>
-            <a:r>
-              <a:rPr lang="en-IN" sz="1800" b="1" dirty="0">
-                <a:effectLst/>
-                <a:latin typeface="Times New Roman" panose="02020603050405020304" pitchFamily="18" charset="0"/>
-                <a:ea typeface="Times New Roman" panose="02020603050405020304" pitchFamily="18" charset="0"/>
-                <a:cs typeface="Mangal"/>
-              </a:rPr>
-              <a:t>Student module</a:t>
-            </a:r>
-            <a:r>
-              <a:rPr lang="en-IN" sz="1800" dirty="0">
-                <a:effectLst/>
-                <a:latin typeface="Times New Roman" panose="02020603050405020304" pitchFamily="18" charset="0"/>
-                <a:ea typeface="Times New Roman" panose="02020603050405020304" pitchFamily="18" charset="0"/>
-                <a:cs typeface="Mangal"/>
-              </a:rPr>
-              <a:t>: this model allows the students can register and login to the system. Once the student login they can give the various events hosted by the staff. If a student wishes to participate in the event they can take part in the events of their department or course.</a:t>
-            </a:r>
-            <a:endParaRPr lang="en-IN" sz="1800" dirty="0">
-              <a:effectLst/>
-              <a:latin typeface="Calibri" panose="020F0502020204030204" pitchFamily="34" charset="0"/>
-              <a:ea typeface="Times New Roman" panose="02020603050405020304" pitchFamily="18" charset="0"/>
-              <a:cs typeface="Mangal"/>
-            </a:endParaRPr>
-          </a:p>
-          <a:p>
-            <a:pPr marL="342900" lvl="0" indent="-342900" algn="just">
-              <a:lnSpc>
-                <a:spcPct val="107000"/>
-              </a:lnSpc>
-              <a:buFont typeface="Symbol" panose="05050102010706020507" pitchFamily="18" charset="2"/>
-              <a:buChar char=""/>
-            </a:pPr>
-            <a:r>
-              <a:rPr lang="en-IN" sz="1800" b="1" dirty="0">
-                <a:effectLst/>
-                <a:latin typeface="Times New Roman" panose="02020603050405020304" pitchFamily="18" charset="0"/>
-                <a:ea typeface="Times New Roman" panose="02020603050405020304" pitchFamily="18" charset="0"/>
-                <a:cs typeface="Mangal"/>
-              </a:rPr>
-              <a:t>Settings module</a:t>
-            </a:r>
-            <a:r>
-              <a:rPr lang="en-IN" sz="1800" dirty="0">
-                <a:effectLst/>
-                <a:latin typeface="Times New Roman" panose="02020603050405020304" pitchFamily="18" charset="0"/>
-                <a:ea typeface="Times New Roman" panose="02020603050405020304" pitchFamily="18" charset="0"/>
-                <a:cs typeface="Mangal"/>
-              </a:rPr>
-              <a:t>: This module is available only for the admin. The admin will add the point settings for different events. They we can add the details of the course that are available in the college. Here the admin will add the staff, the staff are the  lecturers of the college who must host the events.</a:t>
-            </a:r>
-            <a:endParaRPr lang="en-IN" sz="1800" dirty="0">
-              <a:effectLst/>
-              <a:latin typeface="Calibri" panose="020F0502020204030204" pitchFamily="34" charset="0"/>
-              <a:ea typeface="Times New Roman" panose="02020603050405020304" pitchFamily="18" charset="0"/>
-              <a:cs typeface="Mangal"/>
-            </a:endParaRPr>
-          </a:p>
-          <a:p>
-            <a:pPr marL="342900" lvl="0" indent="-342900" algn="just">
-              <a:lnSpc>
-                <a:spcPct val="107000"/>
-              </a:lnSpc>
-              <a:buFont typeface="Symbol" panose="05050102010706020507" pitchFamily="18" charset="2"/>
-              <a:buChar char=""/>
-            </a:pPr>
-            <a:r>
-              <a:rPr lang="en-IN" sz="1800" b="1" dirty="0">
-                <a:effectLst/>
-                <a:latin typeface="Times New Roman" panose="02020603050405020304" pitchFamily="18" charset="0"/>
-                <a:ea typeface="Times New Roman" panose="02020603050405020304" pitchFamily="18" charset="0"/>
-                <a:cs typeface="Mangal"/>
-              </a:rPr>
-              <a:t>Event module</a:t>
-            </a:r>
-            <a:r>
-              <a:rPr lang="en-IN" sz="1800" dirty="0">
-                <a:effectLst/>
-                <a:latin typeface="Times New Roman" panose="02020603050405020304" pitchFamily="18" charset="0"/>
-                <a:ea typeface="Times New Roman" panose="02020603050405020304" pitchFamily="18" charset="0"/>
-                <a:cs typeface="Mangal"/>
-              </a:rPr>
-              <a:t>: In the event module, the staff can publish the events. The events published by the staff is verified by the admin. If the event is verified to be true and approved by the admin only then the event is available to view for the students. </a:t>
-            </a:r>
-            <a:endParaRPr lang="en-IN" sz="1800" dirty="0">
-              <a:effectLst/>
-              <a:latin typeface="Calibri" panose="020F0502020204030204" pitchFamily="34" charset="0"/>
-              <a:ea typeface="Times New Roman" panose="02020603050405020304" pitchFamily="18" charset="0"/>
-              <a:cs typeface="Mangal"/>
-            </a:endParaRPr>
-          </a:p>
-          <a:p>
-            <a:pPr marL="342900" lvl="0" indent="-342900" algn="just">
-              <a:lnSpc>
-                <a:spcPct val="107000"/>
-              </a:lnSpc>
-              <a:buFont typeface="Symbol" panose="05050102010706020507" pitchFamily="18" charset="2"/>
-              <a:buChar char=""/>
-            </a:pPr>
-            <a:r>
-              <a:rPr lang="en-IN" sz="1800" b="1" dirty="0">
-                <a:effectLst/>
-                <a:latin typeface="Times New Roman" panose="02020603050405020304" pitchFamily="18" charset="0"/>
-                <a:ea typeface="Times New Roman" panose="02020603050405020304" pitchFamily="18" charset="0"/>
-                <a:cs typeface="Mangal"/>
-              </a:rPr>
-              <a:t>Registration module</a:t>
-            </a:r>
-            <a:r>
-              <a:rPr lang="en-IN" sz="1800" dirty="0">
-                <a:effectLst/>
-                <a:latin typeface="Times New Roman" panose="02020603050405020304" pitchFamily="18" charset="0"/>
-                <a:ea typeface="Times New Roman" panose="02020603050405020304" pitchFamily="18" charset="0"/>
-                <a:cs typeface="Mangal"/>
-              </a:rPr>
-              <a:t>: In this module, the students can make the registration by entering all their details along with their course details. Once the student makes the registration they can login using the valid login credentials they have provided at the time of registration.</a:t>
-            </a:r>
-            <a:endParaRPr lang="en-IN" sz="1800" dirty="0">
-              <a:effectLst/>
-              <a:latin typeface="Calibri" panose="020F0502020204030204" pitchFamily="34" charset="0"/>
-              <a:ea typeface="Times New Roman" panose="02020603050405020304" pitchFamily="18" charset="0"/>
-              <a:cs typeface="Mangal"/>
-            </a:endParaRPr>
-          </a:p>
-          <a:p>
-            <a:pPr marL="342900" lvl="0" indent="-342900" algn="just">
-              <a:lnSpc>
-                <a:spcPct val="107000"/>
-              </a:lnSpc>
-              <a:buFont typeface="Symbol" panose="05050102010706020507" pitchFamily="18" charset="2"/>
-              <a:buChar char=""/>
-            </a:pPr>
-            <a:r>
-              <a:rPr lang="en-IN" sz="1800" b="1" dirty="0">
-                <a:effectLst/>
-                <a:latin typeface="Times New Roman" panose="02020603050405020304" pitchFamily="18" charset="0"/>
-                <a:ea typeface="Times New Roman" panose="02020603050405020304" pitchFamily="18" charset="0"/>
-                <a:cs typeface="Mangal"/>
-              </a:rPr>
-              <a:t>Event participation module</a:t>
-            </a:r>
-            <a:r>
-              <a:rPr lang="en-IN" sz="1800" dirty="0">
-                <a:effectLst/>
-                <a:latin typeface="Times New Roman" panose="02020603050405020304" pitchFamily="18" charset="0"/>
-                <a:ea typeface="Times New Roman" panose="02020603050405020304" pitchFamily="18" charset="0"/>
-                <a:cs typeface="Mangal"/>
-              </a:rPr>
-              <a:t>: In this module, student can view the events  by department wise or course wise. If the department wise event suits the student then the student can take part in that particular department course event. One department student cannot take part in any other department events. Student can view individual or team events. If the student wants to take part in the team event then the student must make the team of 11 members and must enter the token ID of all the team members, only then the student can take part in the team event. In the individual event, the student can view the details of the event such as the scheduled date and rules of events and then the student can participate in the event.</a:t>
-            </a:r>
-            <a:endParaRPr lang="en-IN" sz="1800" dirty="0">
-              <a:effectLst/>
-              <a:latin typeface="Calibri" panose="020F0502020204030204" pitchFamily="34" charset="0"/>
-              <a:ea typeface="Times New Roman" panose="02020603050405020304" pitchFamily="18" charset="0"/>
-              <a:cs typeface="Mangal"/>
-            </a:endParaRPr>
-          </a:p>
-          <a:p>
-            <a:pPr marL="342900" lvl="0" indent="-342900" algn="just">
-              <a:lnSpc>
-                <a:spcPct val="107000"/>
-              </a:lnSpc>
-              <a:buFont typeface="Symbol" panose="05050102010706020507" pitchFamily="18" charset="2"/>
-              <a:buChar char=""/>
-            </a:pPr>
-            <a:r>
-              <a:rPr lang="en-IN" sz="1800" b="1" dirty="0">
-                <a:effectLst/>
-                <a:latin typeface="Times New Roman" panose="02020603050405020304" pitchFamily="18" charset="0"/>
-                <a:ea typeface="Times New Roman" panose="02020603050405020304" pitchFamily="18" charset="0"/>
-                <a:cs typeface="Mangal"/>
-              </a:rPr>
-              <a:t>Event result module</a:t>
-            </a:r>
-            <a:r>
-              <a:rPr lang="en-IN" sz="1800" dirty="0">
-                <a:effectLst/>
-                <a:latin typeface="Times New Roman" panose="02020603050405020304" pitchFamily="18" charset="0"/>
-                <a:ea typeface="Times New Roman" panose="02020603050405020304" pitchFamily="18" charset="0"/>
-                <a:cs typeface="Mangal"/>
-              </a:rPr>
-              <a:t>: In this module, on the day of scheduled event the staff must take the attendance of the students in the list of participants and the attendance report will be submitted. The staff must publish the result of the events, here the staff must verify the first place, second place and third place results of the participants. The first, second and third place result will have the different points and the result of other participants will be generated automatically by the system.</a:t>
-            </a:r>
-            <a:endParaRPr lang="en-IN" sz="1800" dirty="0">
-              <a:effectLst/>
-              <a:latin typeface="Calibri" panose="020F0502020204030204" pitchFamily="34" charset="0"/>
-              <a:ea typeface="Times New Roman" panose="02020603050405020304" pitchFamily="18" charset="0"/>
-              <a:cs typeface="Mangal"/>
-            </a:endParaRPr>
-          </a:p>
-          <a:p>
-            <a:pPr marL="342900" lvl="0" indent="-342900" algn="just">
-              <a:lnSpc>
-                <a:spcPct val="107000"/>
-              </a:lnSpc>
-              <a:spcAft>
-                <a:spcPts val="800"/>
-              </a:spcAft>
-              <a:buFont typeface="Symbol" panose="05050102010706020507" pitchFamily="18" charset="2"/>
-              <a:buChar char=""/>
-            </a:pPr>
-            <a:r>
-              <a:rPr lang="en-IN" sz="1800" b="1" dirty="0">
-                <a:effectLst/>
-                <a:latin typeface="Times New Roman" panose="02020603050405020304" pitchFamily="18" charset="0"/>
-                <a:ea typeface="Times New Roman" panose="02020603050405020304" pitchFamily="18" charset="0"/>
-                <a:cs typeface="Mangal"/>
-              </a:rPr>
-              <a:t>Complaint report module: </a:t>
-            </a:r>
-            <a:r>
-              <a:rPr lang="en-IN" sz="1800" dirty="0">
-                <a:effectLst/>
-                <a:latin typeface="Times New Roman" panose="02020603050405020304" pitchFamily="18" charset="0"/>
-                <a:ea typeface="Times New Roman" panose="02020603050405020304" pitchFamily="18" charset="0"/>
-                <a:cs typeface="Mangal"/>
-              </a:rPr>
-              <a:t>This module allows students to raise a complaint issue  to the staff regarding the event result published. Since the first place, second place and the third place results are verified by the staff, if there is any mistake in the result then the student can complain to the staff for correction and the staff has the authority to accept the complaint or reject it.</a:t>
-            </a:r>
-            <a:endParaRPr lang="en-IN" sz="1800" dirty="0">
-              <a:effectLst/>
-              <a:latin typeface="Calibri" panose="020F0502020204030204" pitchFamily="34" charset="0"/>
-              <a:ea typeface="Times New Roman" panose="02020603050405020304" pitchFamily="18" charset="0"/>
-              <a:cs typeface="Mangal"/>
-            </a:endParaRPr>
-          </a:p>
-          <a:p>
-            <a:endParaRPr lang="en-IN" dirty="0"/>
-          </a:p>
-        </p:txBody>
-      </p:sp>
-    </p:spTree>
-    <p:extLst>
-      <p:ext uri="{BB962C8B-B14F-4D97-AF65-F5344CB8AC3E}">
-        <p14:creationId xmlns:p14="http://schemas.microsoft.com/office/powerpoint/2010/main" val="3899240504"/>
-      </p:ext>
-    </p:extLst>
-  </p:cSld>
-  <p:clrMapOvr>
-    <a:masterClrMapping/>
-  </p:clrMapOvr>
-</p:sld>
-</file>
-
-<file path=ppt/slides/slide7.xml><?xml version="1.0" encoding="utf-8"?>
-<p:sld xmlns:a="http://schemas.openxmlformats.org/drawingml/2006/main" xmlns:r="http://schemas.openxmlformats.org/officeDocument/2006/relationships" xmlns:p="http://schemas.openxmlformats.org/presentationml/2006/main">
-  <p:cSld>
-    <p:spTree>
-      <p:nvGrpSpPr>
-        <p:cNvPr id="1" name=""/>
-        <p:cNvGrpSpPr/>
-        <p:nvPr/>
-      </p:nvGrpSpPr>
-      <p:grpSpPr>
-        <a:xfrm>
-          <a:off x="0" y="0"/>
-          <a:ext cx="0" cy="0"/>
-          <a:chOff x="0" y="0"/>
-          <a:chExt cx="0" cy="0"/>
-        </a:xfrm>
-      </p:grpSpPr>
-      <p:sp>
-        <p:nvSpPr>
-          <p:cNvPr id="2" name="Title 1">
-            <a:extLst>
-              <a:ext uri="{FF2B5EF4-FFF2-40B4-BE49-F238E27FC236}">
                 <a16:creationId xmlns:a16="http://schemas.microsoft.com/office/drawing/2014/main" id="{3350C6F0-BDE1-467C-89C0-F0DDE8AEA224}"/>
               </a:ext>
             </a:extLst>
@@ -7665,7 +6617,7 @@
 </p:sld>
 </file>
 
-<file path=ppt/slides/slide8.xml><?xml version="1.0" encoding="utf-8"?>
+<file path=ppt/slides/slide15.xml><?xml version="1.0" encoding="utf-8"?>
 <p:sld xmlns:a="http://schemas.openxmlformats.org/drawingml/2006/main" xmlns:r="http://schemas.openxmlformats.org/officeDocument/2006/relationships" xmlns:p="http://schemas.openxmlformats.org/presentationml/2006/main">
   <p:cSld>
     <p:spTree>
@@ -7815,6 +6767,2673 @@
 </p:sld>
 </file>
 
+<file path=ppt/slides/slide16.xml><?xml version="1.0" encoding="utf-8"?>
+<p:sld xmlns:a="http://schemas.openxmlformats.org/drawingml/2006/main" xmlns:r="http://schemas.openxmlformats.org/officeDocument/2006/relationships" xmlns:p="http://schemas.openxmlformats.org/presentationml/2006/main">
+  <p:cSld>
+    <p:spTree>
+      <p:nvGrpSpPr>
+        <p:cNvPr id="1" name=""/>
+        <p:cNvGrpSpPr/>
+        <p:nvPr/>
+      </p:nvGrpSpPr>
+      <p:grpSpPr>
+        <a:xfrm>
+          <a:off x="0" y="0"/>
+          <a:ext cx="0" cy="0"/>
+          <a:chOff x="0" y="0"/>
+          <a:chExt cx="0" cy="0"/>
+        </a:xfrm>
+      </p:grpSpPr>
+      <p:sp>
+        <p:nvSpPr>
+          <p:cNvPr id="2" name="Title 1">
+            <a:extLst>
+              <a:ext uri="{FF2B5EF4-FFF2-40B4-BE49-F238E27FC236}">
+                <a16:creationId xmlns:a16="http://schemas.microsoft.com/office/drawing/2014/main" id="{D8460327-E2D0-4224-AA1B-B0259A1A143C}"/>
+              </a:ext>
+            </a:extLst>
+          </p:cNvPr>
+          <p:cNvSpPr>
+            <a:spLocks noGrp="1"/>
+          </p:cNvSpPr>
+          <p:nvPr>
+            <p:ph type="title"/>
+          </p:nvPr>
+        </p:nvSpPr>
+        <p:spPr/>
+        <p:txBody>
+          <a:bodyPr/>
+          <a:lstStyle/>
+          <a:p>
+            <a:r>
+              <a:rPr lang="en-IN" sz="1800" b="1" u="sng" dirty="0">
+                <a:effectLst/>
+                <a:latin typeface="Times New Roman" panose="02020603050405020304" pitchFamily="18" charset="0"/>
+                <a:ea typeface="Times New Roman" panose="02020603050405020304" pitchFamily="18" charset="0"/>
+                <a:cs typeface="Mangal"/>
+              </a:rPr>
+              <a:t>Top Level: DFD (Level 1</a:t>
+            </a:r>
+            <a:r>
+              <a:rPr lang="en-IN" sz="1800" u="sng" dirty="0">
+                <a:effectLst/>
+                <a:latin typeface="Times New Roman" panose="02020603050405020304" pitchFamily="18" charset="0"/>
+                <a:ea typeface="Times New Roman" panose="02020603050405020304" pitchFamily="18" charset="0"/>
+                <a:cs typeface="Mangal"/>
+              </a:rPr>
+              <a:t>):</a:t>
+            </a:r>
+            <a:br>
+              <a:rPr lang="en-IN" sz="1800" dirty="0">
+                <a:effectLst/>
+                <a:latin typeface="Calibri" panose="020F0502020204030204" pitchFamily="34" charset="0"/>
+                <a:ea typeface="Times New Roman" panose="02020603050405020304" pitchFamily="18" charset="0"/>
+                <a:cs typeface="Mangal"/>
+              </a:rPr>
+            </a:br>
+            <a:endParaRPr lang="en-IN" dirty="0"/>
+          </a:p>
+        </p:txBody>
+      </p:sp>
+      <p:pic>
+        <p:nvPicPr>
+          <p:cNvPr id="4" name="Content Placeholder 3">
+            <a:extLst>
+              <a:ext uri="{FF2B5EF4-FFF2-40B4-BE49-F238E27FC236}">
+                <a16:creationId xmlns:a16="http://schemas.microsoft.com/office/drawing/2014/main" id="{07E2FD5E-B860-429B-A397-F79B1D963E91}"/>
+              </a:ext>
+            </a:extLst>
+          </p:cNvPr>
+          <p:cNvPicPr>
+            <a:picLocks noGrp="1"/>
+          </p:cNvPicPr>
+          <p:nvPr>
+            <p:ph idx="1"/>
+          </p:nvPr>
+        </p:nvPicPr>
+        <p:blipFill>
+          <a:blip r:embed="rId2"/>
+          <a:stretch>
+            <a:fillRect/>
+          </a:stretch>
+        </p:blipFill>
+        <p:spPr>
+          <a:xfrm>
+            <a:off x="3443938" y="872594"/>
+            <a:ext cx="3655029" cy="3614738"/>
+          </a:xfrm>
+          <a:prstGeom prst="rect">
+            <a:avLst/>
+          </a:prstGeom>
+        </p:spPr>
+      </p:pic>
+    </p:spTree>
+    <p:extLst>
+      <p:ext uri="{BB962C8B-B14F-4D97-AF65-F5344CB8AC3E}">
+        <p14:creationId xmlns:p14="http://schemas.microsoft.com/office/powerpoint/2010/main" val="3063440578"/>
+      </p:ext>
+    </p:extLst>
+  </p:cSld>
+  <p:clrMapOvr>
+    <a:masterClrMapping/>
+  </p:clrMapOvr>
+</p:sld>
+</file>
+
+<file path=ppt/slides/slide17.xml><?xml version="1.0" encoding="utf-8"?>
+<p:sld xmlns:a="http://schemas.openxmlformats.org/drawingml/2006/main" xmlns:r="http://schemas.openxmlformats.org/officeDocument/2006/relationships" xmlns:p="http://schemas.openxmlformats.org/presentationml/2006/main">
+  <p:cSld>
+    <p:spTree>
+      <p:nvGrpSpPr>
+        <p:cNvPr id="1" name=""/>
+        <p:cNvGrpSpPr/>
+        <p:nvPr/>
+      </p:nvGrpSpPr>
+      <p:grpSpPr>
+        <a:xfrm>
+          <a:off x="0" y="0"/>
+          <a:ext cx="0" cy="0"/>
+          <a:chOff x="0" y="0"/>
+          <a:chExt cx="0" cy="0"/>
+        </a:xfrm>
+      </p:grpSpPr>
+      <p:sp>
+        <p:nvSpPr>
+          <p:cNvPr id="2" name="Title 1">
+            <a:extLst>
+              <a:ext uri="{FF2B5EF4-FFF2-40B4-BE49-F238E27FC236}">
+                <a16:creationId xmlns:a16="http://schemas.microsoft.com/office/drawing/2014/main" id="{D1F6E4D4-10D3-4616-B36D-872A3377DA9D}"/>
+              </a:ext>
+            </a:extLst>
+          </p:cNvPr>
+          <p:cNvSpPr>
+            <a:spLocks noGrp="1"/>
+          </p:cNvSpPr>
+          <p:nvPr>
+            <p:ph type="title"/>
+          </p:nvPr>
+        </p:nvSpPr>
+        <p:spPr/>
+        <p:txBody>
+          <a:bodyPr/>
+          <a:lstStyle/>
+          <a:p>
+            <a:r>
+              <a:rPr lang="en-IN" sz="1800" b="1" u="sng" dirty="0">
+                <a:effectLst/>
+                <a:latin typeface="Times New Roman" panose="02020603050405020304" pitchFamily="18" charset="0"/>
+                <a:ea typeface="Times New Roman" panose="02020603050405020304" pitchFamily="18" charset="0"/>
+                <a:cs typeface="Mangal"/>
+              </a:rPr>
+              <a:t>DFD Level 2.1:</a:t>
+            </a:r>
+            <a:br>
+              <a:rPr lang="en-IN" sz="1800" dirty="0">
+                <a:effectLst/>
+                <a:latin typeface="Calibri" panose="020F0502020204030204" pitchFamily="34" charset="0"/>
+                <a:ea typeface="Times New Roman" panose="02020603050405020304" pitchFamily="18" charset="0"/>
+                <a:cs typeface="Mangal"/>
+              </a:rPr>
+            </a:br>
+            <a:endParaRPr lang="en-IN" dirty="0"/>
+          </a:p>
+        </p:txBody>
+      </p:sp>
+      <p:pic>
+        <p:nvPicPr>
+          <p:cNvPr id="4" name="Content Placeholder 3">
+            <a:extLst>
+              <a:ext uri="{FF2B5EF4-FFF2-40B4-BE49-F238E27FC236}">
+                <a16:creationId xmlns:a16="http://schemas.microsoft.com/office/drawing/2014/main" id="{E002425E-0BA1-40D9-8CBD-C43DE764F6C3}"/>
+              </a:ext>
+            </a:extLst>
+          </p:cNvPr>
+          <p:cNvPicPr>
+            <a:picLocks noGrp="1"/>
+          </p:cNvPicPr>
+          <p:nvPr>
+            <p:ph idx="1"/>
+          </p:nvPr>
+        </p:nvPicPr>
+        <p:blipFill>
+          <a:blip r:embed="rId2"/>
+          <a:stretch>
+            <a:fillRect/>
+          </a:stretch>
+        </p:blipFill>
+        <p:spPr>
+          <a:xfrm>
+            <a:off x="2939656" y="685800"/>
+            <a:ext cx="4023513" cy="3614738"/>
+          </a:xfrm>
+          <a:prstGeom prst="rect">
+            <a:avLst/>
+          </a:prstGeom>
+        </p:spPr>
+      </p:pic>
+    </p:spTree>
+    <p:extLst>
+      <p:ext uri="{BB962C8B-B14F-4D97-AF65-F5344CB8AC3E}">
+        <p14:creationId xmlns:p14="http://schemas.microsoft.com/office/powerpoint/2010/main" val="1314661718"/>
+      </p:ext>
+    </p:extLst>
+  </p:cSld>
+  <p:clrMapOvr>
+    <a:masterClrMapping/>
+  </p:clrMapOvr>
+</p:sld>
+</file>
+
+<file path=ppt/slides/slide18.xml><?xml version="1.0" encoding="utf-8"?>
+<p:sld xmlns:a="http://schemas.openxmlformats.org/drawingml/2006/main" xmlns:r="http://schemas.openxmlformats.org/officeDocument/2006/relationships" xmlns:p="http://schemas.openxmlformats.org/presentationml/2006/main">
+  <p:cSld>
+    <p:spTree>
+      <p:nvGrpSpPr>
+        <p:cNvPr id="1" name=""/>
+        <p:cNvGrpSpPr/>
+        <p:nvPr/>
+      </p:nvGrpSpPr>
+      <p:grpSpPr>
+        <a:xfrm>
+          <a:off x="0" y="0"/>
+          <a:ext cx="0" cy="0"/>
+          <a:chOff x="0" y="0"/>
+          <a:chExt cx="0" cy="0"/>
+        </a:xfrm>
+      </p:grpSpPr>
+      <p:sp>
+        <p:nvSpPr>
+          <p:cNvPr id="2" name="Title 1">
+            <a:extLst>
+              <a:ext uri="{FF2B5EF4-FFF2-40B4-BE49-F238E27FC236}">
+                <a16:creationId xmlns:a16="http://schemas.microsoft.com/office/drawing/2014/main" id="{BE9C62CD-4042-45F8-B60A-0A13AB226AE2}"/>
+              </a:ext>
+            </a:extLst>
+          </p:cNvPr>
+          <p:cNvSpPr>
+            <a:spLocks noGrp="1"/>
+          </p:cNvSpPr>
+          <p:nvPr>
+            <p:ph type="title"/>
+          </p:nvPr>
+        </p:nvSpPr>
+        <p:spPr/>
+        <p:txBody>
+          <a:bodyPr/>
+          <a:lstStyle/>
+          <a:p>
+            <a:r>
+              <a:rPr lang="en-IN" sz="1800" b="1" u="sng" dirty="0">
+                <a:effectLst/>
+                <a:latin typeface="Times New Roman" panose="02020603050405020304" pitchFamily="18" charset="0"/>
+                <a:ea typeface="Times New Roman" panose="02020603050405020304" pitchFamily="18" charset="0"/>
+                <a:cs typeface="Mangal"/>
+              </a:rPr>
+              <a:t>DFD Level 2.2:</a:t>
+            </a:r>
+            <a:br>
+              <a:rPr lang="en-IN" sz="1800" dirty="0">
+                <a:effectLst/>
+                <a:latin typeface="Calibri" panose="020F0502020204030204" pitchFamily="34" charset="0"/>
+                <a:ea typeface="Times New Roman" panose="02020603050405020304" pitchFamily="18" charset="0"/>
+                <a:cs typeface="Mangal"/>
+              </a:rPr>
+            </a:br>
+            <a:endParaRPr lang="en-IN" dirty="0"/>
+          </a:p>
+        </p:txBody>
+      </p:sp>
+      <p:pic>
+        <p:nvPicPr>
+          <p:cNvPr id="4" name="Content Placeholder 3">
+            <a:extLst>
+              <a:ext uri="{FF2B5EF4-FFF2-40B4-BE49-F238E27FC236}">
+                <a16:creationId xmlns:a16="http://schemas.microsoft.com/office/drawing/2014/main" id="{3A63DAD9-AEB8-4604-809E-295B6A4473C4}"/>
+              </a:ext>
+            </a:extLst>
+          </p:cNvPr>
+          <p:cNvPicPr>
+            <a:picLocks noGrp="1"/>
+          </p:cNvPicPr>
+          <p:nvPr>
+            <p:ph idx="1"/>
+          </p:nvPr>
+        </p:nvPicPr>
+        <p:blipFill>
+          <a:blip r:embed="rId2"/>
+          <a:stretch>
+            <a:fillRect/>
+          </a:stretch>
+        </p:blipFill>
+        <p:spPr>
+          <a:xfrm>
+            <a:off x="2765141" y="685800"/>
+            <a:ext cx="4382704" cy="3614738"/>
+          </a:xfrm>
+          <a:prstGeom prst="rect">
+            <a:avLst/>
+          </a:prstGeom>
+        </p:spPr>
+      </p:pic>
+    </p:spTree>
+    <p:extLst>
+      <p:ext uri="{BB962C8B-B14F-4D97-AF65-F5344CB8AC3E}">
+        <p14:creationId xmlns:p14="http://schemas.microsoft.com/office/powerpoint/2010/main" val="1259665726"/>
+      </p:ext>
+    </p:extLst>
+  </p:cSld>
+  <p:clrMapOvr>
+    <a:masterClrMapping/>
+  </p:clrMapOvr>
+</p:sld>
+</file>
+
+<file path=ppt/slides/slide19.xml><?xml version="1.0" encoding="utf-8"?>
+<p:sld xmlns:a="http://schemas.openxmlformats.org/drawingml/2006/main" xmlns:r="http://schemas.openxmlformats.org/officeDocument/2006/relationships" xmlns:p="http://schemas.openxmlformats.org/presentationml/2006/main">
+  <p:cSld>
+    <p:spTree>
+      <p:nvGrpSpPr>
+        <p:cNvPr id="1" name=""/>
+        <p:cNvGrpSpPr/>
+        <p:nvPr/>
+      </p:nvGrpSpPr>
+      <p:grpSpPr>
+        <a:xfrm>
+          <a:off x="0" y="0"/>
+          <a:ext cx="0" cy="0"/>
+          <a:chOff x="0" y="0"/>
+          <a:chExt cx="0" cy="0"/>
+        </a:xfrm>
+      </p:grpSpPr>
+      <p:sp>
+        <p:nvSpPr>
+          <p:cNvPr id="2" name="Title 1">
+            <a:extLst>
+              <a:ext uri="{FF2B5EF4-FFF2-40B4-BE49-F238E27FC236}">
+                <a16:creationId xmlns:a16="http://schemas.microsoft.com/office/drawing/2014/main" id="{075CA7D8-1DEC-4C88-A8C4-099A61818967}"/>
+              </a:ext>
+            </a:extLst>
+          </p:cNvPr>
+          <p:cNvSpPr>
+            <a:spLocks noGrp="1"/>
+          </p:cNvSpPr>
+          <p:nvPr>
+            <p:ph type="title"/>
+          </p:nvPr>
+        </p:nvSpPr>
+        <p:spPr/>
+        <p:txBody>
+          <a:bodyPr/>
+          <a:lstStyle/>
+          <a:p>
+            <a:r>
+              <a:rPr lang="en-IN" sz="1800" b="1" u="sng" dirty="0">
+                <a:effectLst/>
+                <a:latin typeface="Times New Roman" panose="02020603050405020304" pitchFamily="18" charset="0"/>
+                <a:ea typeface="Times New Roman" panose="02020603050405020304" pitchFamily="18" charset="0"/>
+                <a:cs typeface="Mangal"/>
+              </a:rPr>
+              <a:t>DFD Level 2.3:</a:t>
+            </a:r>
+            <a:br>
+              <a:rPr lang="en-IN" sz="1800" dirty="0">
+                <a:effectLst/>
+                <a:latin typeface="Calibri" panose="020F0502020204030204" pitchFamily="34" charset="0"/>
+                <a:ea typeface="Times New Roman" panose="02020603050405020304" pitchFamily="18" charset="0"/>
+                <a:cs typeface="Mangal"/>
+              </a:rPr>
+            </a:br>
+            <a:endParaRPr lang="en-IN" dirty="0"/>
+          </a:p>
+        </p:txBody>
+      </p:sp>
+      <p:pic>
+        <p:nvPicPr>
+          <p:cNvPr id="4" name="Content Placeholder 3">
+            <a:extLst>
+              <a:ext uri="{FF2B5EF4-FFF2-40B4-BE49-F238E27FC236}">
+                <a16:creationId xmlns:a16="http://schemas.microsoft.com/office/drawing/2014/main" id="{FA844AE0-11D6-4DC9-A70E-A610108D5551}"/>
+              </a:ext>
+            </a:extLst>
+          </p:cNvPr>
+          <p:cNvPicPr>
+            <a:picLocks noGrp="1"/>
+          </p:cNvPicPr>
+          <p:nvPr>
+            <p:ph idx="1"/>
+          </p:nvPr>
+        </p:nvPicPr>
+        <p:blipFill>
+          <a:blip r:embed="rId2"/>
+          <a:stretch>
+            <a:fillRect/>
+          </a:stretch>
+        </p:blipFill>
+        <p:spPr>
+          <a:xfrm>
+            <a:off x="2468679" y="685800"/>
+            <a:ext cx="4965468" cy="3614738"/>
+          </a:xfrm>
+          <a:prstGeom prst="rect">
+            <a:avLst/>
+          </a:prstGeom>
+        </p:spPr>
+      </p:pic>
+    </p:spTree>
+    <p:extLst>
+      <p:ext uri="{BB962C8B-B14F-4D97-AF65-F5344CB8AC3E}">
+        <p14:creationId xmlns:p14="http://schemas.microsoft.com/office/powerpoint/2010/main" val="180868274"/>
+      </p:ext>
+    </p:extLst>
+  </p:cSld>
+  <p:clrMapOvr>
+    <a:masterClrMapping/>
+  </p:clrMapOvr>
+</p:sld>
+</file>
+
+<file path=ppt/slides/slide2.xml><?xml version="1.0" encoding="utf-8"?>
+<p:sld xmlns:a="http://schemas.openxmlformats.org/drawingml/2006/main" xmlns:r="http://schemas.openxmlformats.org/officeDocument/2006/relationships" xmlns:p="http://schemas.openxmlformats.org/presentationml/2006/main">
+  <p:cSld>
+    <p:spTree>
+      <p:nvGrpSpPr>
+        <p:cNvPr id="1" name=""/>
+        <p:cNvGrpSpPr/>
+        <p:nvPr/>
+      </p:nvGrpSpPr>
+      <p:grpSpPr>
+        <a:xfrm>
+          <a:off x="0" y="0"/>
+          <a:ext cx="0" cy="0"/>
+          <a:chOff x="0" y="0"/>
+          <a:chExt cx="0" cy="0"/>
+        </a:xfrm>
+      </p:grpSpPr>
+      <p:sp>
+        <p:nvSpPr>
+          <p:cNvPr id="5" name="TextBox 4">
+            <a:extLst>
+              <a:ext uri="{FF2B5EF4-FFF2-40B4-BE49-F238E27FC236}">
+                <a16:creationId xmlns:a16="http://schemas.microsoft.com/office/drawing/2014/main" id="{C6EF3A73-7C3F-489C-8AAF-7C2DCA02B6E6}"/>
+              </a:ext>
+            </a:extLst>
+          </p:cNvPr>
+          <p:cNvSpPr txBox="1"/>
+          <p:nvPr/>
+        </p:nvSpPr>
+        <p:spPr>
+          <a:xfrm>
+            <a:off x="1356360" y="1135381"/>
+            <a:ext cx="9067800" cy="2585323"/>
+          </a:xfrm>
+          <a:prstGeom prst="rect">
+            <a:avLst/>
+          </a:prstGeom>
+          <a:noFill/>
+        </p:spPr>
+        <p:txBody>
+          <a:bodyPr wrap="square">
+            <a:spAutoFit/>
+          </a:bodyPr>
+          <a:lstStyle/>
+          <a:p>
+            <a:pPr algn="ctr"/>
+            <a:r>
+              <a:rPr lang="en-US" sz="5400" b="1" dirty="0">
+                <a:solidFill>
+                  <a:srgbClr val="FF0066"/>
+                </a:solidFill>
+              </a:rPr>
+              <a:t>SDM COLLEGE </a:t>
+            </a:r>
+            <a:br>
+              <a:rPr lang="en-US" sz="5400" dirty="0"/>
+            </a:br>
+            <a:r>
+              <a:rPr lang="en-US" sz="5400" b="1" dirty="0">
+                <a:solidFill>
+                  <a:schemeClr val="tx1">
+                    <a:lumMod val="95000"/>
+                  </a:schemeClr>
+                </a:solidFill>
+              </a:rPr>
+              <a:t>EXTRA-CURRICULAR ACTIVITY MANAGEMENT</a:t>
+            </a:r>
+            <a:endParaRPr lang="en-IN" sz="5400" b="1" dirty="0">
+              <a:solidFill>
+                <a:schemeClr val="tx1">
+                  <a:lumMod val="95000"/>
+                </a:schemeClr>
+              </a:solidFill>
+            </a:endParaRPr>
+          </a:p>
+        </p:txBody>
+      </p:sp>
+    </p:spTree>
+    <p:extLst>
+      <p:ext uri="{BB962C8B-B14F-4D97-AF65-F5344CB8AC3E}">
+        <p14:creationId xmlns:p14="http://schemas.microsoft.com/office/powerpoint/2010/main" val="2299828993"/>
+      </p:ext>
+    </p:extLst>
+  </p:cSld>
+  <p:clrMapOvr>
+    <a:masterClrMapping/>
+  </p:clrMapOvr>
+</p:sld>
+</file>
+
+<file path=ppt/slides/slide20.xml><?xml version="1.0" encoding="utf-8"?>
+<p:sld xmlns:a="http://schemas.openxmlformats.org/drawingml/2006/main" xmlns:r="http://schemas.openxmlformats.org/officeDocument/2006/relationships" xmlns:p="http://schemas.openxmlformats.org/presentationml/2006/main">
+  <p:cSld>
+    <p:spTree>
+      <p:nvGrpSpPr>
+        <p:cNvPr id="1" name=""/>
+        <p:cNvGrpSpPr/>
+        <p:nvPr/>
+      </p:nvGrpSpPr>
+      <p:grpSpPr>
+        <a:xfrm>
+          <a:off x="0" y="0"/>
+          <a:ext cx="0" cy="0"/>
+          <a:chOff x="0" y="0"/>
+          <a:chExt cx="0" cy="0"/>
+        </a:xfrm>
+      </p:grpSpPr>
+      <p:sp>
+        <p:nvSpPr>
+          <p:cNvPr id="2" name="Title 1">
+            <a:extLst>
+              <a:ext uri="{FF2B5EF4-FFF2-40B4-BE49-F238E27FC236}">
+                <a16:creationId xmlns:a16="http://schemas.microsoft.com/office/drawing/2014/main" id="{99CA40C9-EAB6-4E6C-B60C-9789F207F827}"/>
+              </a:ext>
+            </a:extLst>
+          </p:cNvPr>
+          <p:cNvSpPr>
+            <a:spLocks noGrp="1"/>
+          </p:cNvSpPr>
+          <p:nvPr>
+            <p:ph type="title"/>
+          </p:nvPr>
+        </p:nvSpPr>
+        <p:spPr/>
+        <p:txBody>
+          <a:bodyPr/>
+          <a:lstStyle/>
+          <a:p>
+            <a:r>
+              <a:rPr lang="en-IN" sz="1800" b="1" u="sng" dirty="0">
+                <a:effectLst/>
+                <a:latin typeface="Times New Roman" panose="02020603050405020304" pitchFamily="18" charset="0"/>
+                <a:ea typeface="Times New Roman" panose="02020603050405020304" pitchFamily="18" charset="0"/>
+                <a:cs typeface="Mangal"/>
+              </a:rPr>
+              <a:t>DFD Level 2.4:</a:t>
+            </a:r>
+            <a:br>
+              <a:rPr lang="en-IN" sz="1800" dirty="0">
+                <a:effectLst/>
+                <a:latin typeface="Calibri" panose="020F0502020204030204" pitchFamily="34" charset="0"/>
+                <a:ea typeface="Times New Roman" panose="02020603050405020304" pitchFamily="18" charset="0"/>
+                <a:cs typeface="Mangal"/>
+              </a:rPr>
+            </a:br>
+            <a:endParaRPr lang="en-IN" dirty="0"/>
+          </a:p>
+        </p:txBody>
+      </p:sp>
+      <p:pic>
+        <p:nvPicPr>
+          <p:cNvPr id="4" name="Content Placeholder 3">
+            <a:extLst>
+              <a:ext uri="{FF2B5EF4-FFF2-40B4-BE49-F238E27FC236}">
+                <a16:creationId xmlns:a16="http://schemas.microsoft.com/office/drawing/2014/main" id="{76256B95-CE57-4DD9-855C-AA6E932E66BE}"/>
+              </a:ext>
+            </a:extLst>
+          </p:cNvPr>
+          <p:cNvPicPr>
+            <a:picLocks noGrp="1"/>
+          </p:cNvPicPr>
+          <p:nvPr>
+            <p:ph idx="1"/>
+          </p:nvPr>
+        </p:nvPicPr>
+        <p:blipFill>
+          <a:blip r:embed="rId2"/>
+          <a:stretch>
+            <a:fillRect/>
+          </a:stretch>
+        </p:blipFill>
+        <p:spPr>
+          <a:xfrm>
+            <a:off x="2714476" y="685800"/>
+            <a:ext cx="4473874" cy="3614738"/>
+          </a:xfrm>
+          <a:prstGeom prst="rect">
+            <a:avLst/>
+          </a:prstGeom>
+        </p:spPr>
+      </p:pic>
+    </p:spTree>
+    <p:extLst>
+      <p:ext uri="{BB962C8B-B14F-4D97-AF65-F5344CB8AC3E}">
+        <p14:creationId xmlns:p14="http://schemas.microsoft.com/office/powerpoint/2010/main" val="822260222"/>
+      </p:ext>
+    </p:extLst>
+  </p:cSld>
+  <p:clrMapOvr>
+    <a:masterClrMapping/>
+  </p:clrMapOvr>
+</p:sld>
+</file>
+
+<file path=ppt/slides/slide21.xml><?xml version="1.0" encoding="utf-8"?>
+<p:sld xmlns:a="http://schemas.openxmlformats.org/drawingml/2006/main" xmlns:r="http://schemas.openxmlformats.org/officeDocument/2006/relationships" xmlns:p="http://schemas.openxmlformats.org/presentationml/2006/main">
+  <p:cSld>
+    <p:spTree>
+      <p:nvGrpSpPr>
+        <p:cNvPr id="1" name=""/>
+        <p:cNvGrpSpPr/>
+        <p:nvPr/>
+      </p:nvGrpSpPr>
+      <p:grpSpPr>
+        <a:xfrm>
+          <a:off x="0" y="0"/>
+          <a:ext cx="0" cy="0"/>
+          <a:chOff x="0" y="0"/>
+          <a:chExt cx="0" cy="0"/>
+        </a:xfrm>
+      </p:grpSpPr>
+      <p:sp>
+        <p:nvSpPr>
+          <p:cNvPr id="2" name="Title 1">
+            <a:extLst>
+              <a:ext uri="{FF2B5EF4-FFF2-40B4-BE49-F238E27FC236}">
+                <a16:creationId xmlns:a16="http://schemas.microsoft.com/office/drawing/2014/main" id="{70082A13-AE23-491D-9ABE-B07C9ED59377}"/>
+              </a:ext>
+            </a:extLst>
+          </p:cNvPr>
+          <p:cNvSpPr>
+            <a:spLocks noGrp="1"/>
+          </p:cNvSpPr>
+          <p:nvPr>
+            <p:ph type="title"/>
+          </p:nvPr>
+        </p:nvSpPr>
+        <p:spPr/>
+        <p:txBody>
+          <a:bodyPr/>
+          <a:lstStyle/>
+          <a:p>
+            <a:r>
+              <a:rPr lang="en-IN" sz="1800" b="1" u="sng" dirty="0">
+                <a:effectLst/>
+                <a:latin typeface="Times New Roman" panose="02020603050405020304" pitchFamily="18" charset="0"/>
+                <a:ea typeface="Times New Roman" panose="02020603050405020304" pitchFamily="18" charset="0"/>
+                <a:cs typeface="Mangal"/>
+              </a:rPr>
+              <a:t>DFD Level 2.5:</a:t>
+            </a:r>
+            <a:br>
+              <a:rPr lang="en-IN" sz="1800" dirty="0">
+                <a:effectLst/>
+                <a:latin typeface="Calibri" panose="020F0502020204030204" pitchFamily="34" charset="0"/>
+                <a:ea typeface="Times New Roman" panose="02020603050405020304" pitchFamily="18" charset="0"/>
+                <a:cs typeface="Mangal"/>
+              </a:rPr>
+            </a:br>
+            <a:endParaRPr lang="en-IN" dirty="0"/>
+          </a:p>
+        </p:txBody>
+      </p:sp>
+      <p:pic>
+        <p:nvPicPr>
+          <p:cNvPr id="4" name="Content Placeholder 3">
+            <a:extLst>
+              <a:ext uri="{FF2B5EF4-FFF2-40B4-BE49-F238E27FC236}">
+                <a16:creationId xmlns:a16="http://schemas.microsoft.com/office/drawing/2014/main" id="{88DA22C7-EAE8-49AF-AEAF-CE838CB86DD8}"/>
+              </a:ext>
+            </a:extLst>
+          </p:cNvPr>
+          <p:cNvPicPr>
+            <a:picLocks noGrp="1"/>
+          </p:cNvPicPr>
+          <p:nvPr>
+            <p:ph idx="1"/>
+          </p:nvPr>
+        </p:nvPicPr>
+        <p:blipFill>
+          <a:blip r:embed="rId2"/>
+          <a:stretch>
+            <a:fillRect/>
+          </a:stretch>
+        </p:blipFill>
+        <p:spPr>
+          <a:xfrm>
+            <a:off x="2962469" y="685800"/>
+            <a:ext cx="3977887" cy="3614738"/>
+          </a:xfrm>
+          <a:prstGeom prst="rect">
+            <a:avLst/>
+          </a:prstGeom>
+        </p:spPr>
+      </p:pic>
+    </p:spTree>
+    <p:extLst>
+      <p:ext uri="{BB962C8B-B14F-4D97-AF65-F5344CB8AC3E}">
+        <p14:creationId xmlns:p14="http://schemas.microsoft.com/office/powerpoint/2010/main" val="1248307395"/>
+      </p:ext>
+    </p:extLst>
+  </p:cSld>
+  <p:clrMapOvr>
+    <a:masterClrMapping/>
+  </p:clrMapOvr>
+</p:sld>
+</file>
+
+<file path=ppt/slides/slide3.xml><?xml version="1.0" encoding="utf-8"?>
+<p:sld xmlns:a="http://schemas.openxmlformats.org/drawingml/2006/main" xmlns:r="http://schemas.openxmlformats.org/officeDocument/2006/relationships" xmlns:p="http://schemas.openxmlformats.org/presentationml/2006/main">
+  <p:cSld>
+    <p:spTree>
+      <p:nvGrpSpPr>
+        <p:cNvPr id="1" name=""/>
+        <p:cNvGrpSpPr/>
+        <p:nvPr/>
+      </p:nvGrpSpPr>
+      <p:grpSpPr>
+        <a:xfrm>
+          <a:off x="0" y="0"/>
+          <a:ext cx="0" cy="0"/>
+          <a:chOff x="0" y="0"/>
+          <a:chExt cx="0" cy="0"/>
+        </a:xfrm>
+      </p:grpSpPr>
+      <p:sp>
+        <p:nvSpPr>
+          <p:cNvPr id="2" name="Title 1">
+            <a:extLst>
+              <a:ext uri="{FF2B5EF4-FFF2-40B4-BE49-F238E27FC236}">
+                <a16:creationId xmlns:a16="http://schemas.microsoft.com/office/drawing/2014/main" id="{BCBDB276-C626-416F-A922-60677718C69C}"/>
+              </a:ext>
+            </a:extLst>
+          </p:cNvPr>
+          <p:cNvSpPr>
+            <a:spLocks noGrp="1"/>
+          </p:cNvSpPr>
+          <p:nvPr>
+            <p:ph type="title"/>
+          </p:nvPr>
+        </p:nvSpPr>
+        <p:spPr>
+          <a:xfrm>
+            <a:off x="684212" y="314827"/>
+            <a:ext cx="8534400" cy="1507067"/>
+          </a:xfrm>
+        </p:spPr>
+        <p:txBody>
+          <a:bodyPr/>
+          <a:lstStyle/>
+          <a:p>
+            <a:r>
+              <a:rPr lang="en-US" b="1" dirty="0">
+                <a:solidFill>
+                  <a:schemeClr val="accent6"/>
+                </a:solidFill>
+              </a:rPr>
+              <a:t>Software requirement specification (</a:t>
+            </a:r>
+            <a:r>
+              <a:rPr lang="en-US" b="1" dirty="0" err="1">
+                <a:solidFill>
+                  <a:schemeClr val="accent6"/>
+                </a:solidFill>
+              </a:rPr>
+              <a:t>srs</a:t>
+            </a:r>
+            <a:r>
+              <a:rPr lang="en-US" b="1" dirty="0">
+                <a:solidFill>
+                  <a:schemeClr val="accent6"/>
+                </a:solidFill>
+              </a:rPr>
+              <a:t>)</a:t>
+            </a:r>
+            <a:endParaRPr lang="en-IN" b="1" dirty="0">
+              <a:solidFill>
+                <a:schemeClr val="accent6"/>
+              </a:solidFill>
+            </a:endParaRPr>
+          </a:p>
+        </p:txBody>
+      </p:sp>
+      <p:sp>
+        <p:nvSpPr>
+          <p:cNvPr id="3" name="Content Placeholder 2">
+            <a:extLst>
+              <a:ext uri="{FF2B5EF4-FFF2-40B4-BE49-F238E27FC236}">
+                <a16:creationId xmlns:a16="http://schemas.microsoft.com/office/drawing/2014/main" id="{B4556190-F286-4FA3-883A-3067910FD274}"/>
+              </a:ext>
+            </a:extLst>
+          </p:cNvPr>
+          <p:cNvSpPr>
+            <a:spLocks noGrp="1"/>
+          </p:cNvSpPr>
+          <p:nvPr>
+            <p:ph idx="1"/>
+          </p:nvPr>
+        </p:nvSpPr>
+        <p:spPr>
+          <a:xfrm>
+            <a:off x="684212" y="1908698"/>
+            <a:ext cx="11226434" cy="4703117"/>
+          </a:xfrm>
+        </p:spPr>
+        <p:txBody>
+          <a:bodyPr>
+            <a:noAutofit/>
+          </a:bodyPr>
+          <a:lstStyle/>
+          <a:p>
+            <a:pPr>
+              <a:buFont typeface="Wingdings" panose="05000000000000000000" pitchFamily="2" charset="2"/>
+              <a:buChar char="§"/>
+            </a:pPr>
+            <a:r>
+              <a:rPr lang="en-IN" sz="1800" dirty="0">
+                <a:solidFill>
+                  <a:schemeClr val="tx1"/>
+                </a:solidFill>
+                <a:effectLst/>
+                <a:latin typeface="Times New Roman" panose="02020603050405020304" pitchFamily="18" charset="0"/>
+                <a:ea typeface="Times New Roman" panose="02020603050405020304" pitchFamily="18" charset="0"/>
+                <a:cs typeface="Mangal"/>
+              </a:rPr>
+              <a:t>This document includes the software requirement specification(SRS) of the system. The overall working of the system and the requirements of the system is understood by this document. </a:t>
+            </a:r>
+          </a:p>
+          <a:p>
+            <a:pPr>
+              <a:buFont typeface="Wingdings" panose="05000000000000000000" pitchFamily="2" charset="2"/>
+              <a:buChar char="§"/>
+            </a:pPr>
+            <a:r>
+              <a:rPr lang="en-IN" sz="1800" dirty="0">
+                <a:solidFill>
+                  <a:schemeClr val="tx1"/>
+                </a:solidFill>
+                <a:effectLst/>
+                <a:latin typeface="Times New Roman" panose="02020603050405020304" pitchFamily="18" charset="0"/>
+                <a:ea typeface="Times New Roman" panose="02020603050405020304" pitchFamily="18" charset="0"/>
+                <a:cs typeface="Mangal"/>
+              </a:rPr>
+              <a:t>The extra curricular activities system is designed to help the college management to keep their students active in various extra curricular activities by participating in various individual and team events.</a:t>
+            </a:r>
+          </a:p>
+          <a:p>
+            <a:pPr>
+              <a:buFont typeface="Wingdings" panose="05000000000000000000" pitchFamily="2" charset="2"/>
+              <a:buChar char="§"/>
+            </a:pPr>
+            <a:r>
+              <a:rPr lang="en-IN" sz="1800" dirty="0">
+                <a:solidFill>
+                  <a:schemeClr val="accent6"/>
+                </a:solidFill>
+                <a:latin typeface="Times New Roman" panose="02020603050405020304" pitchFamily="18" charset="0"/>
+                <a:ea typeface="Times New Roman" panose="02020603050405020304" pitchFamily="18" charset="0"/>
+                <a:cs typeface="Mangal"/>
+              </a:rPr>
+              <a:t>PURPOSE</a:t>
+            </a:r>
+          </a:p>
+          <a:p>
+            <a:pPr>
+              <a:buFont typeface="Wingdings" panose="05000000000000000000" pitchFamily="2" charset="2"/>
+              <a:buChar char="§"/>
+            </a:pPr>
+            <a:r>
+              <a:rPr lang="en-IN" sz="1800" dirty="0">
+                <a:solidFill>
+                  <a:schemeClr val="tx1"/>
+                </a:solidFill>
+                <a:effectLst/>
+                <a:latin typeface="Times New Roman" panose="02020603050405020304" pitchFamily="18" charset="0"/>
+                <a:ea typeface="Times New Roman" panose="02020603050405020304" pitchFamily="18" charset="0"/>
+                <a:cs typeface="Mangal"/>
+              </a:rPr>
+              <a:t>The purpose of developing extra curricular activities system is to provide the platform for the students to participate in various individual and team events conducted by the  college. This also helps the college management to make their students actively taking part in extra curricular activities along with the curriculum. </a:t>
+            </a:r>
+          </a:p>
+          <a:p>
+            <a:pPr>
+              <a:buFont typeface="Wingdings" panose="05000000000000000000" pitchFamily="2" charset="2"/>
+              <a:buChar char="§"/>
+            </a:pPr>
+            <a:r>
+              <a:rPr lang="en-IN" sz="1800" dirty="0">
+                <a:solidFill>
+                  <a:schemeClr val="tx1"/>
+                </a:solidFill>
+                <a:effectLst/>
+                <a:latin typeface="Times New Roman" panose="02020603050405020304" pitchFamily="18" charset="0"/>
+                <a:ea typeface="Times New Roman" panose="02020603050405020304" pitchFamily="18" charset="0"/>
+                <a:cs typeface="Mangal"/>
+              </a:rPr>
+              <a:t>The team events will help the students to communicate with various other students of their department and the students will learn to cope up when they are in team. This also encourages the students to participate and motivates them into different fields other than only studies.</a:t>
+            </a:r>
+            <a:endParaRPr lang="en-IN" sz="1800" dirty="0">
+              <a:solidFill>
+                <a:schemeClr val="tx1"/>
+              </a:solidFill>
+              <a:effectLst/>
+              <a:latin typeface="Calibri" panose="020F0502020204030204" pitchFamily="34" charset="0"/>
+              <a:ea typeface="Times New Roman" panose="02020603050405020304" pitchFamily="18" charset="0"/>
+              <a:cs typeface="Mangal"/>
+            </a:endParaRPr>
+          </a:p>
+          <a:p>
+            <a:pPr>
+              <a:buFont typeface="Wingdings" panose="05000000000000000000" pitchFamily="2" charset="2"/>
+              <a:buChar char="§"/>
+            </a:pPr>
+            <a:endParaRPr lang="en-IN" sz="1800" dirty="0">
+              <a:solidFill>
+                <a:schemeClr val="tx1"/>
+              </a:solidFill>
+              <a:effectLst/>
+              <a:latin typeface="Calibri" panose="020F0502020204030204" pitchFamily="34" charset="0"/>
+              <a:ea typeface="Times New Roman" panose="02020603050405020304" pitchFamily="18" charset="0"/>
+              <a:cs typeface="Mangal"/>
+            </a:endParaRPr>
+          </a:p>
+          <a:p>
+            <a:pPr>
+              <a:buFont typeface="Wingdings" panose="05000000000000000000" pitchFamily="2" charset="2"/>
+              <a:buChar char="§"/>
+            </a:pPr>
+            <a:endParaRPr lang="en-IN" sz="1800" dirty="0">
+              <a:solidFill>
+                <a:schemeClr val="tx1"/>
+              </a:solidFill>
+            </a:endParaRPr>
+          </a:p>
+        </p:txBody>
+      </p:sp>
+    </p:spTree>
+    <p:extLst>
+      <p:ext uri="{BB962C8B-B14F-4D97-AF65-F5344CB8AC3E}">
+        <p14:creationId xmlns:p14="http://schemas.microsoft.com/office/powerpoint/2010/main" val="3897586137"/>
+      </p:ext>
+    </p:extLst>
+  </p:cSld>
+  <p:clrMapOvr>
+    <a:masterClrMapping/>
+  </p:clrMapOvr>
+</p:sld>
+</file>
+
+<file path=ppt/slides/slide4.xml><?xml version="1.0" encoding="utf-8"?>
+<p:sld xmlns:a="http://schemas.openxmlformats.org/drawingml/2006/main" xmlns:r="http://schemas.openxmlformats.org/officeDocument/2006/relationships" xmlns:p="http://schemas.openxmlformats.org/presentationml/2006/main">
+  <p:cSld>
+    <p:spTree>
+      <p:nvGrpSpPr>
+        <p:cNvPr id="1" name=""/>
+        <p:cNvGrpSpPr/>
+        <p:nvPr/>
+      </p:nvGrpSpPr>
+      <p:grpSpPr>
+        <a:xfrm>
+          <a:off x="0" y="0"/>
+          <a:ext cx="0" cy="0"/>
+          <a:chOff x="0" y="0"/>
+          <a:chExt cx="0" cy="0"/>
+        </a:xfrm>
+      </p:grpSpPr>
+      <p:sp>
+        <p:nvSpPr>
+          <p:cNvPr id="3" name="Content Placeholder 2">
+            <a:extLst>
+              <a:ext uri="{FF2B5EF4-FFF2-40B4-BE49-F238E27FC236}">
+                <a16:creationId xmlns:a16="http://schemas.microsoft.com/office/drawing/2014/main" id="{38785D02-E75F-4511-9A6D-E62F9FD92FC9}"/>
+              </a:ext>
+            </a:extLst>
+          </p:cNvPr>
+          <p:cNvSpPr>
+            <a:spLocks noGrp="1"/>
+          </p:cNvSpPr>
+          <p:nvPr>
+            <p:ph idx="4294967295"/>
+          </p:nvPr>
+        </p:nvSpPr>
+        <p:spPr>
+          <a:xfrm>
+            <a:off x="-1" y="685800"/>
+            <a:ext cx="10964985" cy="5511800"/>
+          </a:xfrm>
+        </p:spPr>
+        <p:txBody>
+          <a:bodyPr>
+            <a:normAutofit fontScale="92500" lnSpcReduction="20000"/>
+          </a:bodyPr>
+          <a:lstStyle/>
+          <a:p>
+            <a:pPr algn="just">
+              <a:lnSpc>
+                <a:spcPct val="107000"/>
+              </a:lnSpc>
+              <a:spcAft>
+                <a:spcPts val="800"/>
+              </a:spcAft>
+            </a:pPr>
+            <a:r>
+              <a:rPr lang="en-IN" sz="1800" b="1" dirty="0">
+                <a:solidFill>
+                  <a:schemeClr val="accent6"/>
+                </a:solidFill>
+                <a:effectLst/>
+                <a:latin typeface="Times New Roman" panose="02020603050405020304" pitchFamily="18" charset="0"/>
+                <a:ea typeface="Times New Roman" panose="02020603050405020304" pitchFamily="18" charset="0"/>
+                <a:cs typeface="Mangal"/>
+              </a:rPr>
+              <a:t>Project Scope and Product Features</a:t>
+            </a:r>
+            <a:endParaRPr lang="en-IN" sz="1800" dirty="0">
+              <a:solidFill>
+                <a:schemeClr val="accent6"/>
+              </a:solidFill>
+              <a:effectLst/>
+              <a:latin typeface="Calibri" panose="020F0502020204030204" pitchFamily="34" charset="0"/>
+              <a:ea typeface="Times New Roman" panose="02020603050405020304" pitchFamily="18" charset="0"/>
+              <a:cs typeface="Mangal"/>
+            </a:endParaRPr>
+          </a:p>
+          <a:p>
+            <a:pPr algn="just">
+              <a:lnSpc>
+                <a:spcPct val="107000"/>
+              </a:lnSpc>
+              <a:spcAft>
+                <a:spcPts val="800"/>
+              </a:spcAft>
+            </a:pPr>
+            <a:r>
+              <a:rPr lang="en-IN" sz="1800" dirty="0">
+                <a:solidFill>
+                  <a:schemeClr val="tx1"/>
+                </a:solidFill>
+                <a:effectLst/>
+                <a:latin typeface="Times New Roman" panose="02020603050405020304" pitchFamily="18" charset="0"/>
+                <a:ea typeface="Times New Roman" panose="02020603050405020304" pitchFamily="18" charset="0"/>
+                <a:cs typeface="Mangal"/>
+              </a:rPr>
+              <a:t>The features of this system are as follows:</a:t>
+            </a:r>
+            <a:endParaRPr lang="en-IN" sz="1800" dirty="0">
+              <a:solidFill>
+                <a:schemeClr val="tx1"/>
+              </a:solidFill>
+              <a:effectLst/>
+              <a:latin typeface="Calibri" panose="020F0502020204030204" pitchFamily="34" charset="0"/>
+              <a:ea typeface="Times New Roman" panose="02020603050405020304" pitchFamily="18" charset="0"/>
+              <a:cs typeface="Mangal"/>
+            </a:endParaRPr>
+          </a:p>
+          <a:p>
+            <a:pPr marL="342900" lvl="0" indent="-342900" algn="just">
+              <a:lnSpc>
+                <a:spcPct val="107000"/>
+              </a:lnSpc>
+              <a:buFont typeface="Symbol" panose="05050102010706020507" pitchFamily="18" charset="2"/>
+              <a:buChar char=""/>
+            </a:pPr>
+            <a:r>
+              <a:rPr lang="en-IN" sz="1800" dirty="0">
+                <a:solidFill>
+                  <a:schemeClr val="tx1"/>
+                </a:solidFill>
+                <a:effectLst/>
+                <a:latin typeface="Times New Roman" panose="02020603050405020304" pitchFamily="18" charset="0"/>
+                <a:ea typeface="Times New Roman" panose="02020603050405020304" pitchFamily="18" charset="0"/>
+                <a:cs typeface="Mangal"/>
+              </a:rPr>
+              <a:t>The student of the college must register to the system by entering all their details along with their course details. Once the student is registered to the website the student can login using their valid login credentials provided at the time of registration.</a:t>
+            </a:r>
+            <a:endParaRPr lang="en-IN" sz="1800" dirty="0">
+              <a:solidFill>
+                <a:schemeClr val="tx1"/>
+              </a:solidFill>
+              <a:effectLst/>
+              <a:latin typeface="Calibri" panose="020F0502020204030204" pitchFamily="34" charset="0"/>
+              <a:ea typeface="Times New Roman" panose="02020603050405020304" pitchFamily="18" charset="0"/>
+              <a:cs typeface="Mangal"/>
+            </a:endParaRPr>
+          </a:p>
+          <a:p>
+            <a:pPr marL="342900" lvl="0" indent="-342900" algn="just">
+              <a:lnSpc>
+                <a:spcPct val="107000"/>
+              </a:lnSpc>
+              <a:buFont typeface="Symbol" panose="05050102010706020507" pitchFamily="18" charset="2"/>
+              <a:buChar char=""/>
+            </a:pPr>
+            <a:r>
+              <a:rPr lang="en-IN" sz="1800" dirty="0">
+                <a:solidFill>
+                  <a:schemeClr val="tx1"/>
+                </a:solidFill>
+                <a:effectLst/>
+                <a:latin typeface="Times New Roman" panose="02020603050405020304" pitchFamily="18" charset="0"/>
+                <a:ea typeface="Times New Roman" panose="02020603050405020304" pitchFamily="18" charset="0"/>
+                <a:cs typeface="Mangal"/>
+              </a:rPr>
+              <a:t>As the student login to the system they can view the various events in department wise or crosswise hosted by the staff. If the department wise event suits the student they can participate in those events. The student of one department cannot take part in the events of other departments. The student can either participate in the individual events or team events. </a:t>
+            </a:r>
+            <a:endParaRPr lang="en-IN" sz="1800" dirty="0">
+              <a:solidFill>
+                <a:schemeClr val="tx1"/>
+              </a:solidFill>
+              <a:effectLst/>
+              <a:latin typeface="Calibri" panose="020F0502020204030204" pitchFamily="34" charset="0"/>
+              <a:ea typeface="Times New Roman" panose="02020603050405020304" pitchFamily="18" charset="0"/>
+              <a:cs typeface="Mangal"/>
+            </a:endParaRPr>
+          </a:p>
+          <a:p>
+            <a:pPr marL="342900" lvl="0" indent="-342900" algn="just">
+              <a:lnSpc>
+                <a:spcPct val="107000"/>
+              </a:lnSpc>
+              <a:buFont typeface="Symbol" panose="05050102010706020507" pitchFamily="18" charset="2"/>
+              <a:buChar char=""/>
+            </a:pPr>
+            <a:r>
+              <a:rPr lang="en-IN" sz="1800" dirty="0">
+                <a:solidFill>
+                  <a:schemeClr val="tx1"/>
+                </a:solidFill>
+                <a:effectLst/>
+                <a:latin typeface="Times New Roman" panose="02020603050405020304" pitchFamily="18" charset="0"/>
+                <a:ea typeface="Times New Roman" panose="02020603050405020304" pitchFamily="18" charset="0"/>
+                <a:cs typeface="Mangal"/>
+              </a:rPr>
+              <a:t>If the student wants to take part in the team event, then the student must create a team of 11 members and the token ID of all the team members must be entered only then the student can participate in the team event. In the individual event, the student can give the details of the event such as the scheduled date and the rules of the events and then the student can take part in the event.</a:t>
+            </a:r>
+            <a:endParaRPr lang="en-IN" sz="1800" dirty="0">
+              <a:solidFill>
+                <a:schemeClr val="tx1"/>
+              </a:solidFill>
+              <a:effectLst/>
+              <a:latin typeface="Calibri" panose="020F0502020204030204" pitchFamily="34" charset="0"/>
+              <a:ea typeface="Times New Roman" panose="02020603050405020304" pitchFamily="18" charset="0"/>
+              <a:cs typeface="Mangal"/>
+            </a:endParaRPr>
+          </a:p>
+          <a:p>
+            <a:pPr marL="342900" lvl="0" indent="-342900" algn="just">
+              <a:lnSpc>
+                <a:spcPct val="107000"/>
+              </a:lnSpc>
+              <a:buFont typeface="Symbol" panose="05050102010706020507" pitchFamily="18" charset="2"/>
+              <a:buChar char=""/>
+            </a:pPr>
+            <a:r>
+              <a:rPr lang="en-IN" sz="1800" dirty="0">
+                <a:solidFill>
+                  <a:schemeClr val="tx1"/>
+                </a:solidFill>
+                <a:effectLst/>
+                <a:latin typeface="Times New Roman" panose="02020603050405020304" pitchFamily="18" charset="0"/>
+                <a:ea typeface="Times New Roman" panose="02020603050405020304" pitchFamily="18" charset="0"/>
+                <a:cs typeface="Mangal"/>
+              </a:rPr>
+              <a:t>On the schedule date of the event, the attendance will be taken by the staff to check the presence of all the participants. Once the event is complete, result of the event is published by the staff. The winners of first, second and third place are verified by the staff. The points for first, second and third place is different and is generated by the system. Results of all the other participants are generated automatically by the system.</a:t>
+            </a:r>
+            <a:endParaRPr lang="en-IN" sz="1800" dirty="0">
+              <a:solidFill>
+                <a:schemeClr val="tx1"/>
+              </a:solidFill>
+              <a:effectLst/>
+              <a:latin typeface="Calibri" panose="020F0502020204030204" pitchFamily="34" charset="0"/>
+              <a:ea typeface="Times New Roman" panose="02020603050405020304" pitchFamily="18" charset="0"/>
+              <a:cs typeface="Mangal"/>
+            </a:endParaRPr>
+          </a:p>
+          <a:p>
+            <a:pPr marL="342900" lvl="0" indent="-342900" algn="just">
+              <a:lnSpc>
+                <a:spcPct val="107000"/>
+              </a:lnSpc>
+              <a:spcAft>
+                <a:spcPts val="800"/>
+              </a:spcAft>
+              <a:buFont typeface="Symbol" panose="05050102010706020507" pitchFamily="18" charset="2"/>
+              <a:buChar char=""/>
+            </a:pPr>
+            <a:r>
+              <a:rPr lang="en-IN" sz="1800" dirty="0">
+                <a:solidFill>
+                  <a:schemeClr val="tx1"/>
+                </a:solidFill>
+                <a:effectLst/>
+                <a:latin typeface="Times New Roman" panose="02020603050405020304" pitchFamily="18" charset="0"/>
+                <a:ea typeface="Times New Roman" panose="02020603050405020304" pitchFamily="18" charset="0"/>
+                <a:cs typeface="Mangal"/>
+              </a:rPr>
+              <a:t>The student can view the results of the events in which they have participated. If there is any mistake or error in the result, the student can raise the complaint report to the staff. The staff can view the mistake in the result and make the correction and republish the result. The staff can also reject complaint issue raised by the student.</a:t>
+            </a:r>
+            <a:endParaRPr lang="en-IN" sz="1800" dirty="0">
+              <a:solidFill>
+                <a:schemeClr val="tx1"/>
+              </a:solidFill>
+              <a:effectLst/>
+              <a:latin typeface="Calibri" panose="020F0502020204030204" pitchFamily="34" charset="0"/>
+              <a:ea typeface="Times New Roman" panose="02020603050405020304" pitchFamily="18" charset="0"/>
+              <a:cs typeface="Mangal"/>
+            </a:endParaRPr>
+          </a:p>
+          <a:p>
+            <a:endParaRPr lang="en-IN" dirty="0">
+              <a:solidFill>
+                <a:schemeClr val="tx1"/>
+              </a:solidFill>
+            </a:endParaRPr>
+          </a:p>
+        </p:txBody>
+      </p:sp>
+    </p:spTree>
+    <p:extLst>
+      <p:ext uri="{BB962C8B-B14F-4D97-AF65-F5344CB8AC3E}">
+        <p14:creationId xmlns:p14="http://schemas.microsoft.com/office/powerpoint/2010/main" val="286583581"/>
+      </p:ext>
+    </p:extLst>
+  </p:cSld>
+  <p:clrMapOvr>
+    <a:masterClrMapping/>
+  </p:clrMapOvr>
+</p:sld>
+</file>
+
+<file path=ppt/slides/slide5.xml><?xml version="1.0" encoding="utf-8"?>
+<p:sld xmlns:a="http://schemas.openxmlformats.org/drawingml/2006/main" xmlns:r="http://schemas.openxmlformats.org/officeDocument/2006/relationships" xmlns:p="http://schemas.openxmlformats.org/presentationml/2006/main">
+  <p:cSld>
+    <p:spTree>
+      <p:nvGrpSpPr>
+        <p:cNvPr id="1" name=""/>
+        <p:cNvGrpSpPr/>
+        <p:nvPr/>
+      </p:nvGrpSpPr>
+      <p:grpSpPr>
+        <a:xfrm>
+          <a:off x="0" y="0"/>
+          <a:ext cx="0" cy="0"/>
+          <a:chOff x="0" y="0"/>
+          <a:chExt cx="0" cy="0"/>
+        </a:xfrm>
+      </p:grpSpPr>
+      <p:sp>
+        <p:nvSpPr>
+          <p:cNvPr id="3" name="Content Placeholder 2">
+            <a:extLst>
+              <a:ext uri="{FF2B5EF4-FFF2-40B4-BE49-F238E27FC236}">
+                <a16:creationId xmlns:a16="http://schemas.microsoft.com/office/drawing/2014/main" id="{67F5CB01-C386-44A7-8029-C0B3887D0C38}"/>
+              </a:ext>
+            </a:extLst>
+          </p:cNvPr>
+          <p:cNvSpPr>
+            <a:spLocks noGrp="1"/>
+          </p:cNvSpPr>
+          <p:nvPr>
+            <p:ph idx="4294967295"/>
+          </p:nvPr>
+        </p:nvSpPr>
+        <p:spPr>
+          <a:xfrm>
+            <a:off x="0" y="685799"/>
+            <a:ext cx="11558954" cy="6011985"/>
+          </a:xfrm>
+        </p:spPr>
+        <p:txBody>
+          <a:bodyPr>
+            <a:normAutofit/>
+          </a:bodyPr>
+          <a:lstStyle/>
+          <a:p>
+            <a:pPr algn="just">
+              <a:lnSpc>
+                <a:spcPct val="107000"/>
+              </a:lnSpc>
+              <a:spcAft>
+                <a:spcPts val="800"/>
+              </a:spcAft>
+            </a:pPr>
+            <a:r>
+              <a:rPr lang="en-IN" sz="1800" b="1" dirty="0">
+                <a:solidFill>
+                  <a:schemeClr val="accent6"/>
+                </a:solidFill>
+                <a:effectLst/>
+                <a:latin typeface="Times New Roman" panose="02020603050405020304" pitchFamily="18" charset="0"/>
+                <a:ea typeface="Times New Roman" panose="02020603050405020304" pitchFamily="18" charset="0"/>
+                <a:cs typeface="Mangal"/>
+              </a:rPr>
+              <a:t>Hardware interface</a:t>
+            </a:r>
+            <a:endParaRPr lang="en-IN" sz="1800" dirty="0">
+              <a:solidFill>
+                <a:schemeClr val="accent6"/>
+              </a:solidFill>
+              <a:effectLst/>
+              <a:latin typeface="Calibri" panose="020F0502020204030204" pitchFamily="34" charset="0"/>
+              <a:ea typeface="Times New Roman" panose="02020603050405020304" pitchFamily="18" charset="0"/>
+              <a:cs typeface="Mangal"/>
+            </a:endParaRPr>
+          </a:p>
+          <a:p>
+            <a:pPr marL="342900" lvl="0" indent="-342900">
+              <a:lnSpc>
+                <a:spcPct val="107000"/>
+              </a:lnSpc>
+              <a:buFont typeface="Symbol" panose="05050102010706020507" pitchFamily="18" charset="2"/>
+              <a:buChar char=""/>
+            </a:pPr>
+            <a:r>
+              <a:rPr lang="en-IN" sz="1800" b="1" dirty="0">
+                <a:solidFill>
+                  <a:schemeClr val="tx1">
+                    <a:lumMod val="95000"/>
+                  </a:schemeClr>
+                </a:solidFill>
+                <a:effectLst/>
+                <a:latin typeface="Times New Roman" panose="02020603050405020304" pitchFamily="18" charset="0"/>
+                <a:ea typeface="Times New Roman" panose="02020603050405020304" pitchFamily="18" charset="0"/>
+                <a:cs typeface="Mangal"/>
+              </a:rPr>
+              <a:t>Operating system:</a:t>
+            </a:r>
+            <a:r>
+              <a:rPr lang="en-IN" sz="1800" dirty="0">
+                <a:solidFill>
+                  <a:schemeClr val="tx1">
+                    <a:lumMod val="95000"/>
+                  </a:schemeClr>
+                </a:solidFill>
+                <a:effectLst/>
+                <a:latin typeface="Times New Roman" panose="02020603050405020304" pitchFamily="18" charset="0"/>
+                <a:ea typeface="Times New Roman" panose="02020603050405020304" pitchFamily="18" charset="0"/>
+                <a:cs typeface="Mangal"/>
+              </a:rPr>
+              <a:t> Windows XP or higher</a:t>
+            </a:r>
+            <a:endParaRPr lang="en-IN" sz="1800" dirty="0">
+              <a:solidFill>
+                <a:schemeClr val="tx1">
+                  <a:lumMod val="95000"/>
+                </a:schemeClr>
+              </a:solidFill>
+              <a:effectLst/>
+              <a:latin typeface="Calibri" panose="020F0502020204030204" pitchFamily="34" charset="0"/>
+              <a:ea typeface="Times New Roman" panose="02020603050405020304" pitchFamily="18" charset="0"/>
+              <a:cs typeface="Mangal"/>
+            </a:endParaRPr>
+          </a:p>
+          <a:p>
+            <a:pPr marL="342900" lvl="0" indent="-342900">
+              <a:lnSpc>
+                <a:spcPct val="107000"/>
+              </a:lnSpc>
+              <a:buFont typeface="Symbol" panose="05050102010706020507" pitchFamily="18" charset="2"/>
+              <a:buChar char=""/>
+            </a:pPr>
+            <a:r>
+              <a:rPr lang="en-IN" sz="1800" b="1" dirty="0">
+                <a:solidFill>
+                  <a:schemeClr val="tx1">
+                    <a:lumMod val="95000"/>
+                  </a:schemeClr>
+                </a:solidFill>
+                <a:effectLst/>
+                <a:latin typeface="Times New Roman" panose="02020603050405020304" pitchFamily="18" charset="0"/>
+                <a:ea typeface="Times New Roman" panose="02020603050405020304" pitchFamily="18" charset="0"/>
+                <a:cs typeface="Mangal"/>
+              </a:rPr>
+              <a:t>Hard disk:</a:t>
+            </a:r>
+            <a:r>
+              <a:rPr lang="en-IN" sz="1800" dirty="0">
+                <a:solidFill>
+                  <a:schemeClr val="tx1">
+                    <a:lumMod val="95000"/>
+                  </a:schemeClr>
+                </a:solidFill>
+                <a:effectLst/>
+                <a:latin typeface="Times New Roman" panose="02020603050405020304" pitchFamily="18" charset="0"/>
+                <a:ea typeface="Times New Roman" panose="02020603050405020304" pitchFamily="18" charset="0"/>
+                <a:cs typeface="Mangal"/>
+              </a:rPr>
+              <a:t> 40 GB hard disk</a:t>
+            </a:r>
+            <a:endParaRPr lang="en-IN" sz="1800" dirty="0">
+              <a:solidFill>
+                <a:schemeClr val="tx1">
+                  <a:lumMod val="95000"/>
+                </a:schemeClr>
+              </a:solidFill>
+              <a:effectLst/>
+              <a:latin typeface="Calibri" panose="020F0502020204030204" pitchFamily="34" charset="0"/>
+              <a:ea typeface="Times New Roman" panose="02020603050405020304" pitchFamily="18" charset="0"/>
+              <a:cs typeface="Mangal"/>
+            </a:endParaRPr>
+          </a:p>
+          <a:p>
+            <a:pPr marL="342900" lvl="0" indent="-342900">
+              <a:lnSpc>
+                <a:spcPct val="107000"/>
+              </a:lnSpc>
+              <a:buFont typeface="Symbol" panose="05050102010706020507" pitchFamily="18" charset="2"/>
+              <a:buChar char=""/>
+            </a:pPr>
+            <a:r>
+              <a:rPr lang="en-IN" sz="1800" b="1" dirty="0">
+                <a:solidFill>
+                  <a:schemeClr val="tx1">
+                    <a:lumMod val="95000"/>
+                  </a:schemeClr>
+                </a:solidFill>
+                <a:effectLst/>
+                <a:latin typeface="Times New Roman" panose="02020603050405020304" pitchFamily="18" charset="0"/>
+                <a:ea typeface="Times New Roman" panose="02020603050405020304" pitchFamily="18" charset="0"/>
+                <a:cs typeface="Mangal"/>
+              </a:rPr>
+              <a:t>RAM:</a:t>
+            </a:r>
+            <a:r>
+              <a:rPr lang="en-IN" sz="1800" dirty="0">
+                <a:solidFill>
+                  <a:schemeClr val="tx1">
+                    <a:lumMod val="95000"/>
+                  </a:schemeClr>
+                </a:solidFill>
+                <a:effectLst/>
+                <a:latin typeface="Times New Roman" panose="02020603050405020304" pitchFamily="18" charset="0"/>
+                <a:ea typeface="Times New Roman" panose="02020603050405020304" pitchFamily="18" charset="0"/>
+                <a:cs typeface="Mangal"/>
+              </a:rPr>
+              <a:t> 1 GB RAM</a:t>
+            </a:r>
+            <a:endParaRPr lang="en-IN" sz="1800" dirty="0">
+              <a:solidFill>
+                <a:schemeClr val="tx1">
+                  <a:lumMod val="95000"/>
+                </a:schemeClr>
+              </a:solidFill>
+              <a:effectLst/>
+              <a:latin typeface="Calibri" panose="020F0502020204030204" pitchFamily="34" charset="0"/>
+              <a:ea typeface="Times New Roman" panose="02020603050405020304" pitchFamily="18" charset="0"/>
+              <a:cs typeface="Mangal"/>
+            </a:endParaRPr>
+          </a:p>
+          <a:p>
+            <a:pPr marL="342900" lvl="0" indent="-342900">
+              <a:lnSpc>
+                <a:spcPct val="107000"/>
+              </a:lnSpc>
+              <a:spcAft>
+                <a:spcPts val="800"/>
+              </a:spcAft>
+              <a:buFont typeface="Symbol" panose="05050102010706020507" pitchFamily="18" charset="2"/>
+              <a:buChar char=""/>
+            </a:pPr>
+            <a:r>
+              <a:rPr lang="en-IN" sz="1800" b="1" dirty="0">
+                <a:solidFill>
+                  <a:schemeClr val="tx1">
+                    <a:lumMod val="95000"/>
+                  </a:schemeClr>
+                </a:solidFill>
+                <a:effectLst/>
+                <a:latin typeface="Times New Roman" panose="02020603050405020304" pitchFamily="18" charset="0"/>
+                <a:ea typeface="Times New Roman" panose="02020603050405020304" pitchFamily="18" charset="0"/>
+                <a:cs typeface="Mangal"/>
+              </a:rPr>
+              <a:t>Processor:</a:t>
+            </a:r>
+            <a:r>
+              <a:rPr lang="en-IN" sz="1800" dirty="0">
+                <a:solidFill>
+                  <a:schemeClr val="tx1">
+                    <a:lumMod val="95000"/>
+                  </a:schemeClr>
+                </a:solidFill>
+                <a:effectLst/>
+                <a:latin typeface="Times New Roman" panose="02020603050405020304" pitchFamily="18" charset="0"/>
+                <a:ea typeface="Times New Roman" panose="02020603050405020304" pitchFamily="18" charset="0"/>
+                <a:cs typeface="Mangal"/>
+              </a:rPr>
+              <a:t> Intel Pentium or above</a:t>
+            </a:r>
+            <a:endParaRPr lang="en-IN" sz="1800" dirty="0">
+              <a:solidFill>
+                <a:schemeClr val="tx1">
+                  <a:lumMod val="95000"/>
+                </a:schemeClr>
+              </a:solidFill>
+              <a:effectLst/>
+              <a:latin typeface="Calibri" panose="020F0502020204030204" pitchFamily="34" charset="0"/>
+              <a:ea typeface="Times New Roman" panose="02020603050405020304" pitchFamily="18" charset="0"/>
+              <a:cs typeface="Mangal"/>
+            </a:endParaRPr>
+          </a:p>
+          <a:p>
+            <a:pPr algn="just">
+              <a:lnSpc>
+                <a:spcPct val="107000"/>
+              </a:lnSpc>
+              <a:spcAft>
+                <a:spcPts val="800"/>
+              </a:spcAft>
+            </a:pPr>
+            <a:r>
+              <a:rPr lang="en-IN" sz="1800" b="1" dirty="0">
+                <a:solidFill>
+                  <a:schemeClr val="accent6"/>
+                </a:solidFill>
+                <a:effectLst/>
+                <a:latin typeface="Times New Roman" panose="02020603050405020304" pitchFamily="18" charset="0"/>
+                <a:ea typeface="Times New Roman" panose="02020603050405020304" pitchFamily="18" charset="0"/>
+                <a:cs typeface="Mangal"/>
+              </a:rPr>
+              <a:t>3.1.3 Software interface</a:t>
+            </a:r>
+            <a:endParaRPr lang="en-IN" sz="1800" b="1" dirty="0">
+              <a:solidFill>
+                <a:schemeClr val="accent6"/>
+              </a:solidFill>
+              <a:effectLst/>
+              <a:latin typeface="Calibri" panose="020F0502020204030204" pitchFamily="34" charset="0"/>
+              <a:ea typeface="Times New Roman" panose="02020603050405020304" pitchFamily="18" charset="0"/>
+              <a:cs typeface="Mangal"/>
+            </a:endParaRPr>
+          </a:p>
+          <a:p>
+            <a:pPr marL="342900" lvl="0" indent="-342900">
+              <a:lnSpc>
+                <a:spcPct val="107000"/>
+              </a:lnSpc>
+              <a:buFont typeface="Symbol" panose="05050102010706020507" pitchFamily="18" charset="2"/>
+              <a:buChar char=""/>
+            </a:pPr>
+            <a:r>
+              <a:rPr lang="en-IN" sz="1800" dirty="0">
+                <a:solidFill>
+                  <a:schemeClr val="tx1">
+                    <a:lumMod val="95000"/>
+                  </a:schemeClr>
+                </a:solidFill>
+                <a:effectLst/>
+                <a:latin typeface="Times New Roman" panose="02020603050405020304" pitchFamily="18" charset="0"/>
+                <a:ea typeface="Times New Roman" panose="02020603050405020304" pitchFamily="18" charset="0"/>
+                <a:cs typeface="Mangal"/>
+              </a:rPr>
+              <a:t>XAMPP 1.8.2</a:t>
+            </a:r>
+            <a:endParaRPr lang="en-IN" sz="1800" dirty="0">
+              <a:solidFill>
+                <a:schemeClr val="tx1">
+                  <a:lumMod val="95000"/>
+                </a:schemeClr>
+              </a:solidFill>
+              <a:effectLst/>
+              <a:latin typeface="Calibri" panose="020F0502020204030204" pitchFamily="34" charset="0"/>
+              <a:ea typeface="Times New Roman" panose="02020603050405020304" pitchFamily="18" charset="0"/>
+              <a:cs typeface="Mangal"/>
+            </a:endParaRPr>
+          </a:p>
+          <a:p>
+            <a:pPr marL="342900" lvl="0" indent="-342900">
+              <a:lnSpc>
+                <a:spcPct val="107000"/>
+              </a:lnSpc>
+              <a:buFont typeface="Symbol" panose="05050102010706020507" pitchFamily="18" charset="2"/>
+              <a:buChar char=""/>
+            </a:pPr>
+            <a:r>
+              <a:rPr lang="en-IN" sz="1800" dirty="0">
+                <a:solidFill>
+                  <a:schemeClr val="tx1">
+                    <a:lumMod val="95000"/>
+                  </a:schemeClr>
+                </a:solidFill>
+                <a:effectLst/>
+                <a:latin typeface="Times New Roman" panose="02020603050405020304" pitchFamily="18" charset="0"/>
+                <a:ea typeface="Times New Roman" panose="02020603050405020304" pitchFamily="18" charset="0"/>
+                <a:cs typeface="Mangal"/>
+              </a:rPr>
+              <a:t>Apache server</a:t>
+            </a:r>
+            <a:endParaRPr lang="en-IN" sz="1800" dirty="0">
+              <a:solidFill>
+                <a:schemeClr val="tx1">
+                  <a:lumMod val="95000"/>
+                </a:schemeClr>
+              </a:solidFill>
+              <a:effectLst/>
+              <a:latin typeface="Calibri" panose="020F0502020204030204" pitchFamily="34" charset="0"/>
+              <a:ea typeface="Times New Roman" panose="02020603050405020304" pitchFamily="18" charset="0"/>
+              <a:cs typeface="Mangal"/>
+            </a:endParaRPr>
+          </a:p>
+          <a:p>
+            <a:pPr marL="342900" lvl="0" indent="-342900">
+              <a:lnSpc>
+                <a:spcPct val="107000"/>
+              </a:lnSpc>
+              <a:spcAft>
+                <a:spcPts val="800"/>
+              </a:spcAft>
+              <a:buFont typeface="Symbol" panose="05050102010706020507" pitchFamily="18" charset="2"/>
+              <a:buChar char=""/>
+            </a:pPr>
+            <a:r>
+              <a:rPr lang="en-IN" sz="1800" dirty="0">
+                <a:solidFill>
+                  <a:schemeClr val="tx1">
+                    <a:lumMod val="95000"/>
+                  </a:schemeClr>
+                </a:solidFill>
+                <a:effectLst/>
+                <a:latin typeface="Times New Roman" panose="02020603050405020304" pitchFamily="18" charset="0"/>
+                <a:ea typeface="Times New Roman" panose="02020603050405020304" pitchFamily="18" charset="0"/>
+                <a:cs typeface="Mangal"/>
+              </a:rPr>
+              <a:t>PHP 5.4</a:t>
+            </a:r>
+            <a:endParaRPr lang="en-IN" sz="1800" dirty="0">
+              <a:solidFill>
+                <a:schemeClr val="tx1">
+                  <a:lumMod val="95000"/>
+                </a:schemeClr>
+              </a:solidFill>
+              <a:effectLst/>
+              <a:latin typeface="Calibri" panose="020F0502020204030204" pitchFamily="34" charset="0"/>
+              <a:ea typeface="Times New Roman" panose="02020603050405020304" pitchFamily="18" charset="0"/>
+              <a:cs typeface="Mangal"/>
+            </a:endParaRPr>
+          </a:p>
+          <a:p>
+            <a:pPr marL="342900" lvl="0" indent="-342900">
+              <a:lnSpc>
+                <a:spcPct val="107000"/>
+              </a:lnSpc>
+              <a:spcAft>
+                <a:spcPts val="800"/>
+              </a:spcAft>
+              <a:buFont typeface="Symbol" panose="05050102010706020507" pitchFamily="18" charset="2"/>
+              <a:buChar char=""/>
+            </a:pPr>
+            <a:r>
+              <a:rPr lang="en-IN" sz="1800" dirty="0">
+                <a:solidFill>
+                  <a:schemeClr val="tx1">
+                    <a:lumMod val="95000"/>
+                  </a:schemeClr>
+                </a:solidFill>
+                <a:effectLst/>
+                <a:latin typeface="Times New Roman" panose="02020603050405020304" pitchFamily="18" charset="0"/>
+                <a:ea typeface="Times New Roman" panose="02020603050405020304" pitchFamily="18" charset="0"/>
+                <a:cs typeface="Mangal"/>
+              </a:rPr>
+              <a:t>MYSQL server 5.5</a:t>
+            </a:r>
+            <a:endParaRPr lang="en-IN" sz="1800" dirty="0">
+              <a:solidFill>
+                <a:schemeClr val="tx1">
+                  <a:lumMod val="95000"/>
+                </a:schemeClr>
+              </a:solidFill>
+              <a:effectLst/>
+              <a:latin typeface="Calibri" panose="020F0502020204030204" pitchFamily="34" charset="0"/>
+              <a:ea typeface="Times New Roman" panose="02020603050405020304" pitchFamily="18" charset="0"/>
+              <a:cs typeface="Mangal"/>
+            </a:endParaRPr>
+          </a:p>
+          <a:p>
+            <a:pPr marL="342900" lvl="0" indent="-342900">
+              <a:lnSpc>
+                <a:spcPct val="107000"/>
+              </a:lnSpc>
+              <a:spcAft>
+                <a:spcPts val="800"/>
+              </a:spcAft>
+              <a:buFont typeface="Symbol" panose="05050102010706020507" pitchFamily="18" charset="2"/>
+              <a:buChar char=""/>
+            </a:pPr>
+            <a:r>
+              <a:rPr lang="en-IN" sz="1800" dirty="0">
+                <a:solidFill>
+                  <a:schemeClr val="tx1">
+                    <a:lumMod val="95000"/>
+                  </a:schemeClr>
+                </a:solidFill>
+                <a:effectLst/>
+                <a:latin typeface="Times New Roman" panose="02020603050405020304" pitchFamily="18" charset="0"/>
+                <a:ea typeface="Times New Roman" panose="02020603050405020304" pitchFamily="18" charset="0"/>
+                <a:cs typeface="Mangal"/>
+              </a:rPr>
+              <a:t>Adobe </a:t>
+            </a:r>
+            <a:r>
+              <a:rPr lang="en-IN" sz="1800" dirty="0" err="1">
+                <a:solidFill>
+                  <a:schemeClr val="tx1">
+                    <a:lumMod val="95000"/>
+                  </a:schemeClr>
+                </a:solidFill>
+                <a:effectLst/>
+                <a:latin typeface="Times New Roman" panose="02020603050405020304" pitchFamily="18" charset="0"/>
+                <a:ea typeface="Times New Roman" panose="02020603050405020304" pitchFamily="18" charset="0"/>
+                <a:cs typeface="Mangal"/>
+              </a:rPr>
+              <a:t>dreamweaver</a:t>
+            </a:r>
+            <a:r>
+              <a:rPr lang="en-IN" sz="1800" dirty="0">
+                <a:solidFill>
+                  <a:schemeClr val="tx1">
+                    <a:lumMod val="95000"/>
+                  </a:schemeClr>
+                </a:solidFill>
+                <a:effectLst/>
+                <a:latin typeface="Times New Roman" panose="02020603050405020304" pitchFamily="18" charset="0"/>
+                <a:ea typeface="Times New Roman" panose="02020603050405020304" pitchFamily="18" charset="0"/>
+                <a:cs typeface="Mangal"/>
+              </a:rPr>
+              <a:t> CS 6.0</a:t>
+            </a:r>
+            <a:endParaRPr lang="en-IN" sz="1800" dirty="0">
+              <a:solidFill>
+                <a:schemeClr val="tx1">
+                  <a:lumMod val="95000"/>
+                </a:schemeClr>
+              </a:solidFill>
+              <a:effectLst/>
+              <a:latin typeface="Calibri" panose="020F0502020204030204" pitchFamily="34" charset="0"/>
+              <a:ea typeface="Times New Roman" panose="02020603050405020304" pitchFamily="18" charset="0"/>
+              <a:cs typeface="Mangal"/>
+            </a:endParaRPr>
+          </a:p>
+          <a:p>
+            <a:endParaRPr lang="en-IN" dirty="0">
+              <a:solidFill>
+                <a:schemeClr val="tx1">
+                  <a:lumMod val="95000"/>
+                </a:schemeClr>
+              </a:solidFill>
+            </a:endParaRPr>
+          </a:p>
+        </p:txBody>
+      </p:sp>
+    </p:spTree>
+    <p:extLst>
+      <p:ext uri="{BB962C8B-B14F-4D97-AF65-F5344CB8AC3E}">
+        <p14:creationId xmlns:p14="http://schemas.microsoft.com/office/powerpoint/2010/main" val="186987343"/>
+      </p:ext>
+    </p:extLst>
+  </p:cSld>
+  <p:clrMapOvr>
+    <a:masterClrMapping/>
+  </p:clrMapOvr>
+</p:sld>
+</file>
+
+<file path=ppt/slides/slide6.xml><?xml version="1.0" encoding="utf-8"?>
+<p:sld xmlns:a="http://schemas.openxmlformats.org/drawingml/2006/main" xmlns:r="http://schemas.openxmlformats.org/officeDocument/2006/relationships" xmlns:p="http://schemas.openxmlformats.org/presentationml/2006/main">
+  <p:cSld>
+    <p:spTree>
+      <p:nvGrpSpPr>
+        <p:cNvPr id="1" name=""/>
+        <p:cNvGrpSpPr/>
+        <p:nvPr/>
+      </p:nvGrpSpPr>
+      <p:grpSpPr>
+        <a:xfrm>
+          <a:off x="0" y="0"/>
+          <a:ext cx="0" cy="0"/>
+          <a:chOff x="0" y="0"/>
+          <a:chExt cx="0" cy="0"/>
+        </a:xfrm>
+      </p:grpSpPr>
+      <p:sp>
+        <p:nvSpPr>
+          <p:cNvPr id="3" name="Content Placeholder 2">
+            <a:extLst>
+              <a:ext uri="{FF2B5EF4-FFF2-40B4-BE49-F238E27FC236}">
+                <a16:creationId xmlns:a16="http://schemas.microsoft.com/office/drawing/2014/main" id="{DBC1414C-3A3D-4D63-AEC2-73CED7C2BFE2}"/>
+              </a:ext>
+            </a:extLst>
+          </p:cNvPr>
+          <p:cNvSpPr>
+            <a:spLocks noGrp="1"/>
+          </p:cNvSpPr>
+          <p:nvPr>
+            <p:ph idx="4294967295"/>
+          </p:nvPr>
+        </p:nvSpPr>
+        <p:spPr>
+          <a:xfrm>
+            <a:off x="0" y="685800"/>
+            <a:ext cx="11049000" cy="5722620"/>
+          </a:xfrm>
+        </p:spPr>
+        <p:txBody>
+          <a:bodyPr>
+            <a:normAutofit/>
+          </a:bodyPr>
+          <a:lstStyle/>
+          <a:p>
+            <a:pPr algn="just">
+              <a:lnSpc>
+                <a:spcPct val="107000"/>
+              </a:lnSpc>
+              <a:spcAft>
+                <a:spcPts val="800"/>
+              </a:spcAft>
+            </a:pPr>
+            <a:r>
+              <a:rPr lang="en-IN" sz="2400" b="1" dirty="0">
+                <a:solidFill>
+                  <a:schemeClr val="accent6"/>
+                </a:solidFill>
+                <a:effectLst/>
+                <a:latin typeface="Times New Roman" panose="02020603050405020304" pitchFamily="18" charset="0"/>
+                <a:ea typeface="Times New Roman" panose="02020603050405020304" pitchFamily="18" charset="0"/>
+                <a:cs typeface="Mangal"/>
+              </a:rPr>
+              <a:t>User interface</a:t>
+            </a:r>
+            <a:endParaRPr lang="en-IN" sz="2400" dirty="0">
+              <a:solidFill>
+                <a:schemeClr val="accent6"/>
+              </a:solidFill>
+              <a:effectLst/>
+              <a:latin typeface="Calibri" panose="020F0502020204030204" pitchFamily="34" charset="0"/>
+              <a:ea typeface="Times New Roman" panose="02020603050405020304" pitchFamily="18" charset="0"/>
+              <a:cs typeface="Mangal"/>
+            </a:endParaRPr>
+          </a:p>
+          <a:p>
+            <a:pPr algn="just">
+              <a:lnSpc>
+                <a:spcPct val="107000"/>
+              </a:lnSpc>
+              <a:spcAft>
+                <a:spcPts val="800"/>
+              </a:spcAft>
+            </a:pPr>
+            <a:r>
+              <a:rPr lang="en-IN" sz="2400" dirty="0">
+                <a:solidFill>
+                  <a:schemeClr val="tx1"/>
+                </a:solidFill>
+                <a:effectLst/>
+                <a:latin typeface="Times New Roman" panose="02020603050405020304" pitchFamily="18" charset="0"/>
+                <a:ea typeface="Times New Roman" panose="02020603050405020304" pitchFamily="18" charset="0"/>
+                <a:cs typeface="Mangal"/>
+              </a:rPr>
+              <a:t>This includes the users of the system. The system is used by three of its users.</a:t>
+            </a:r>
+            <a:endParaRPr lang="en-IN" sz="2400" dirty="0">
+              <a:solidFill>
+                <a:schemeClr val="tx1"/>
+              </a:solidFill>
+              <a:effectLst/>
+              <a:latin typeface="Calibri" panose="020F0502020204030204" pitchFamily="34" charset="0"/>
+              <a:ea typeface="Times New Roman" panose="02020603050405020304" pitchFamily="18" charset="0"/>
+              <a:cs typeface="Mangal"/>
+            </a:endParaRPr>
+          </a:p>
+          <a:p>
+            <a:pPr marL="342900" lvl="0" indent="-342900" algn="just">
+              <a:lnSpc>
+                <a:spcPct val="107000"/>
+              </a:lnSpc>
+              <a:buFont typeface="Symbol" panose="05050102010706020507" pitchFamily="18" charset="2"/>
+              <a:buChar char=""/>
+            </a:pPr>
+            <a:r>
+              <a:rPr lang="en-IN" sz="2400" b="1" dirty="0">
+                <a:solidFill>
+                  <a:schemeClr val="accent6"/>
+                </a:solidFill>
+                <a:effectLst/>
+                <a:latin typeface="Times New Roman" panose="02020603050405020304" pitchFamily="18" charset="0"/>
+                <a:ea typeface="Times New Roman" panose="02020603050405020304" pitchFamily="18" charset="0"/>
+                <a:cs typeface="Mangal"/>
+              </a:rPr>
+              <a:t>Admin</a:t>
+            </a:r>
+            <a:r>
+              <a:rPr lang="en-IN" sz="2400" dirty="0">
+                <a:solidFill>
+                  <a:schemeClr val="accent6"/>
+                </a:solidFill>
+                <a:effectLst/>
+                <a:latin typeface="Times New Roman" panose="02020603050405020304" pitchFamily="18" charset="0"/>
+                <a:ea typeface="Times New Roman" panose="02020603050405020304" pitchFamily="18" charset="0"/>
+                <a:cs typeface="Mangal"/>
+              </a:rPr>
+              <a:t>:</a:t>
+            </a:r>
+            <a:r>
+              <a:rPr lang="en-IN" sz="2400" dirty="0">
+                <a:solidFill>
+                  <a:schemeClr val="tx1"/>
+                </a:solidFill>
+                <a:effectLst/>
+                <a:latin typeface="Times New Roman" panose="02020603050405020304" pitchFamily="18" charset="0"/>
+                <a:ea typeface="Times New Roman" panose="02020603050405020304" pitchFamily="18" charset="0"/>
+                <a:cs typeface="Mangal"/>
+              </a:rPr>
+              <a:t> The one who manages the entire website. Admin monitors all the activities that happens in the webpage and also monitors the student and staff accounts.</a:t>
+            </a:r>
+            <a:endParaRPr lang="en-IN" sz="2400" dirty="0">
+              <a:solidFill>
+                <a:schemeClr val="tx1"/>
+              </a:solidFill>
+              <a:effectLst/>
+              <a:latin typeface="Calibri" panose="020F0502020204030204" pitchFamily="34" charset="0"/>
+              <a:ea typeface="Times New Roman" panose="02020603050405020304" pitchFamily="18" charset="0"/>
+              <a:cs typeface="Mangal"/>
+            </a:endParaRPr>
+          </a:p>
+          <a:p>
+            <a:pPr marL="342900" lvl="0" indent="-342900" algn="just">
+              <a:lnSpc>
+                <a:spcPct val="107000"/>
+              </a:lnSpc>
+              <a:buFont typeface="Symbol" panose="05050102010706020507" pitchFamily="18" charset="2"/>
+              <a:buChar char=""/>
+            </a:pPr>
+            <a:r>
+              <a:rPr lang="en-IN" sz="2400" b="1" dirty="0">
+                <a:solidFill>
+                  <a:schemeClr val="accent6"/>
+                </a:solidFill>
+                <a:effectLst/>
+                <a:latin typeface="Times New Roman" panose="02020603050405020304" pitchFamily="18" charset="0"/>
+                <a:ea typeface="Times New Roman" panose="02020603050405020304" pitchFamily="18" charset="0"/>
+                <a:cs typeface="Mangal"/>
+              </a:rPr>
+              <a:t>Staff</a:t>
+            </a:r>
+            <a:r>
+              <a:rPr lang="en-IN" sz="2400" dirty="0">
+                <a:solidFill>
+                  <a:schemeClr val="accent6"/>
+                </a:solidFill>
+                <a:effectLst/>
+                <a:latin typeface="Times New Roman" panose="02020603050405020304" pitchFamily="18" charset="0"/>
+                <a:ea typeface="Times New Roman" panose="02020603050405020304" pitchFamily="18" charset="0"/>
+                <a:cs typeface="Mangal"/>
+              </a:rPr>
+              <a:t>: </a:t>
+            </a:r>
+            <a:r>
+              <a:rPr lang="en-IN" sz="2400" dirty="0">
+                <a:solidFill>
+                  <a:schemeClr val="tx1"/>
+                </a:solidFill>
+                <a:effectLst/>
+                <a:latin typeface="Times New Roman" panose="02020603050405020304" pitchFamily="18" charset="0"/>
+                <a:ea typeface="Times New Roman" panose="02020603050405020304" pitchFamily="18" charset="0"/>
+                <a:cs typeface="Mangal"/>
+              </a:rPr>
+              <a:t>The staff is added by the admin. The staff must host the events and published results of the events. The staff must verify the first, second and third place results of the events.</a:t>
+            </a:r>
+            <a:endParaRPr lang="en-IN" sz="2400" dirty="0">
+              <a:solidFill>
+                <a:schemeClr val="tx1"/>
+              </a:solidFill>
+              <a:effectLst/>
+              <a:latin typeface="Calibri" panose="020F0502020204030204" pitchFamily="34" charset="0"/>
+              <a:ea typeface="Times New Roman" panose="02020603050405020304" pitchFamily="18" charset="0"/>
+              <a:cs typeface="Mangal"/>
+            </a:endParaRPr>
+          </a:p>
+          <a:p>
+            <a:pPr marL="342900" lvl="0" indent="-342900" algn="just">
+              <a:lnSpc>
+                <a:spcPct val="107000"/>
+              </a:lnSpc>
+              <a:spcAft>
+                <a:spcPts val="800"/>
+              </a:spcAft>
+              <a:buFont typeface="Symbol" panose="05050102010706020507" pitchFamily="18" charset="2"/>
+              <a:buChar char=""/>
+            </a:pPr>
+            <a:r>
+              <a:rPr lang="en-IN" sz="2400" b="1" dirty="0">
+                <a:solidFill>
+                  <a:schemeClr val="accent6"/>
+                </a:solidFill>
+                <a:effectLst/>
+                <a:latin typeface="Times New Roman" panose="02020603050405020304" pitchFamily="18" charset="0"/>
+                <a:ea typeface="Times New Roman" panose="02020603050405020304" pitchFamily="18" charset="0"/>
+                <a:cs typeface="Mangal"/>
+              </a:rPr>
+              <a:t>Student</a:t>
+            </a:r>
+            <a:r>
+              <a:rPr lang="en-IN" sz="2400" dirty="0">
+                <a:solidFill>
+                  <a:schemeClr val="accent6"/>
+                </a:solidFill>
+                <a:effectLst/>
+                <a:latin typeface="Times New Roman" panose="02020603050405020304" pitchFamily="18" charset="0"/>
+                <a:ea typeface="Times New Roman" panose="02020603050405020304" pitchFamily="18" charset="0"/>
+                <a:cs typeface="Mangal"/>
+              </a:rPr>
+              <a:t>: </a:t>
+            </a:r>
+            <a:r>
+              <a:rPr lang="en-IN" sz="2400" dirty="0">
+                <a:solidFill>
+                  <a:schemeClr val="tx1"/>
+                </a:solidFill>
+                <a:effectLst/>
+                <a:latin typeface="Times New Roman" panose="02020603050405020304" pitchFamily="18" charset="0"/>
+                <a:ea typeface="Times New Roman" panose="02020603050405020304" pitchFamily="18" charset="0"/>
+                <a:cs typeface="Mangal"/>
+              </a:rPr>
+              <a:t>Student has to register to the website to use the system. Student can view the various events available for them under their course or department. If they wish to take part in any of the events they can participate in it.</a:t>
+            </a:r>
+            <a:endParaRPr lang="en-IN" sz="2400" dirty="0">
+              <a:solidFill>
+                <a:schemeClr val="tx1"/>
+              </a:solidFill>
+              <a:effectLst/>
+              <a:latin typeface="Calibri" panose="020F0502020204030204" pitchFamily="34" charset="0"/>
+              <a:ea typeface="Times New Roman" panose="02020603050405020304" pitchFamily="18" charset="0"/>
+              <a:cs typeface="Mangal"/>
+            </a:endParaRPr>
+          </a:p>
+          <a:p>
+            <a:endParaRPr lang="en-IN" sz="2400" dirty="0">
+              <a:solidFill>
+                <a:schemeClr val="tx1"/>
+              </a:solidFill>
+            </a:endParaRPr>
+          </a:p>
+        </p:txBody>
+      </p:sp>
+    </p:spTree>
+    <p:extLst>
+      <p:ext uri="{BB962C8B-B14F-4D97-AF65-F5344CB8AC3E}">
+        <p14:creationId xmlns:p14="http://schemas.microsoft.com/office/powerpoint/2010/main" val="1489015039"/>
+      </p:ext>
+    </p:extLst>
+  </p:cSld>
+  <p:clrMapOvr>
+    <a:masterClrMapping/>
+  </p:clrMapOvr>
+</p:sld>
+</file>
+
+<file path=ppt/slides/slide7.xml><?xml version="1.0" encoding="utf-8"?>
+<p:sld xmlns:a="http://schemas.openxmlformats.org/drawingml/2006/main" xmlns:r="http://schemas.openxmlformats.org/officeDocument/2006/relationships" xmlns:p="http://schemas.openxmlformats.org/presentationml/2006/main">
+  <p:cSld>
+    <p:spTree>
+      <p:nvGrpSpPr>
+        <p:cNvPr id="1" name=""/>
+        <p:cNvGrpSpPr/>
+        <p:nvPr/>
+      </p:nvGrpSpPr>
+      <p:grpSpPr>
+        <a:xfrm>
+          <a:off x="0" y="0"/>
+          <a:ext cx="0" cy="0"/>
+          <a:chOff x="0" y="0"/>
+          <a:chExt cx="0" cy="0"/>
+        </a:xfrm>
+      </p:grpSpPr>
+      <p:sp>
+        <p:nvSpPr>
+          <p:cNvPr id="5" name="Rectangle: Rounded Corners 4">
+            <a:extLst>
+              <a:ext uri="{FF2B5EF4-FFF2-40B4-BE49-F238E27FC236}">
+                <a16:creationId xmlns:a16="http://schemas.microsoft.com/office/drawing/2014/main" id="{8DBB2ADB-1799-41C6-BEA7-83109837BA9C}"/>
+              </a:ext>
+            </a:extLst>
+          </p:cNvPr>
+          <p:cNvSpPr/>
+          <p:nvPr/>
+        </p:nvSpPr>
+        <p:spPr>
+          <a:xfrm>
+            <a:off x="426720" y="4094480"/>
+            <a:ext cx="2722880" cy="721360"/>
+          </a:xfrm>
+          <a:prstGeom prst="roundRect">
+            <a:avLst/>
+          </a:prstGeom>
+          <a:gradFill flip="none" rotWithShape="1">
+            <a:gsLst>
+              <a:gs pos="0">
+                <a:schemeClr val="tx2">
+                  <a:lumMod val="40000"/>
+                  <a:lumOff val="60000"/>
+                  <a:shade val="30000"/>
+                  <a:satMod val="115000"/>
+                </a:schemeClr>
+              </a:gs>
+              <a:gs pos="50000">
+                <a:schemeClr val="tx2">
+                  <a:lumMod val="40000"/>
+                  <a:lumOff val="60000"/>
+                  <a:shade val="67500"/>
+                  <a:satMod val="115000"/>
+                </a:schemeClr>
+              </a:gs>
+              <a:gs pos="100000">
+                <a:schemeClr val="tx2">
+                  <a:lumMod val="40000"/>
+                  <a:lumOff val="60000"/>
+                  <a:shade val="100000"/>
+                  <a:satMod val="115000"/>
+                </a:schemeClr>
+              </a:gs>
+            </a:gsLst>
+            <a:lin ang="13500000" scaled="1"/>
+            <a:tileRect/>
+          </a:gradFill>
+        </p:spPr>
+        <p:style>
+          <a:lnRef idx="2">
+            <a:schemeClr val="accent1">
+              <a:shade val="50000"/>
+            </a:schemeClr>
+          </a:lnRef>
+          <a:fillRef idx="1">
+            <a:schemeClr val="accent1"/>
+          </a:fillRef>
+          <a:effectRef idx="0">
+            <a:schemeClr val="accent1"/>
+          </a:effectRef>
+          <a:fontRef idx="minor">
+            <a:schemeClr val="lt1"/>
+          </a:fontRef>
+        </p:style>
+        <p:txBody>
+          <a:bodyPr rtlCol="0" anchor="ctr"/>
+          <a:lstStyle/>
+          <a:p>
+            <a:pPr algn="ctr"/>
+            <a:r>
+              <a:rPr lang="en-IN" sz="3200" b="1" dirty="0">
+                <a:solidFill>
+                  <a:srgbClr val="FF0000"/>
+                </a:solidFill>
+                <a:hlinkClick r:id="rId2" action="ppaction://hlinksldjump"/>
+              </a:rPr>
+              <a:t>Admin</a:t>
+            </a:r>
+            <a:endParaRPr lang="en-IN" sz="3200" b="1" dirty="0">
+              <a:solidFill>
+                <a:srgbClr val="FF0000"/>
+              </a:solidFill>
+            </a:endParaRPr>
+          </a:p>
+        </p:txBody>
+      </p:sp>
+      <p:sp>
+        <p:nvSpPr>
+          <p:cNvPr id="8" name="Rectangle: Rounded Corners 7">
+            <a:hlinkClick r:id="rId3" action="ppaction://hlinksldjump"/>
+            <a:extLst>
+              <a:ext uri="{FF2B5EF4-FFF2-40B4-BE49-F238E27FC236}">
+                <a16:creationId xmlns:a16="http://schemas.microsoft.com/office/drawing/2014/main" id="{2854BA09-3EB4-4EDE-9E5E-1D69F5685AD2}"/>
+              </a:ext>
+            </a:extLst>
+          </p:cNvPr>
+          <p:cNvSpPr/>
+          <p:nvPr/>
+        </p:nvSpPr>
+        <p:spPr>
+          <a:xfrm>
+            <a:off x="4394200" y="4094480"/>
+            <a:ext cx="2722880" cy="721360"/>
+          </a:xfrm>
+          <a:prstGeom prst="roundRect">
+            <a:avLst/>
+          </a:prstGeom>
+          <a:gradFill flip="none" rotWithShape="1">
+            <a:gsLst>
+              <a:gs pos="0">
+                <a:schemeClr val="tx2">
+                  <a:lumMod val="40000"/>
+                  <a:lumOff val="60000"/>
+                  <a:shade val="30000"/>
+                  <a:satMod val="115000"/>
+                </a:schemeClr>
+              </a:gs>
+              <a:gs pos="50000">
+                <a:schemeClr val="tx2">
+                  <a:lumMod val="40000"/>
+                  <a:lumOff val="60000"/>
+                  <a:shade val="67500"/>
+                  <a:satMod val="115000"/>
+                </a:schemeClr>
+              </a:gs>
+              <a:gs pos="100000">
+                <a:schemeClr val="tx2">
+                  <a:lumMod val="40000"/>
+                  <a:lumOff val="60000"/>
+                  <a:shade val="100000"/>
+                  <a:satMod val="115000"/>
+                </a:schemeClr>
+              </a:gs>
+            </a:gsLst>
+            <a:lin ang="13500000" scaled="1"/>
+            <a:tileRect/>
+          </a:gradFill>
+        </p:spPr>
+        <p:style>
+          <a:lnRef idx="2">
+            <a:schemeClr val="accent1">
+              <a:shade val="50000"/>
+            </a:schemeClr>
+          </a:lnRef>
+          <a:fillRef idx="1">
+            <a:schemeClr val="accent1"/>
+          </a:fillRef>
+          <a:effectRef idx="0">
+            <a:schemeClr val="accent1"/>
+          </a:effectRef>
+          <a:fontRef idx="minor">
+            <a:schemeClr val="lt1"/>
+          </a:fontRef>
+        </p:style>
+        <p:txBody>
+          <a:bodyPr rtlCol="0" anchor="ctr"/>
+          <a:lstStyle/>
+          <a:p>
+            <a:pPr algn="ctr"/>
+            <a:r>
+              <a:rPr lang="en-IN" sz="3200" b="1" dirty="0">
+                <a:solidFill>
+                  <a:srgbClr val="FF0000"/>
+                </a:solidFill>
+                <a:hlinkClick r:id="rId3" action="ppaction://hlinksldjump"/>
+              </a:rPr>
+              <a:t>Staff</a:t>
+            </a:r>
+            <a:endParaRPr lang="en-IN" sz="3200" b="1" dirty="0">
+              <a:solidFill>
+                <a:srgbClr val="FF0000"/>
+              </a:solidFill>
+            </a:endParaRPr>
+          </a:p>
+        </p:txBody>
+      </p:sp>
+      <p:sp>
+        <p:nvSpPr>
+          <p:cNvPr id="9" name="Rectangle: Rounded Corners 8">
+            <a:extLst>
+              <a:ext uri="{FF2B5EF4-FFF2-40B4-BE49-F238E27FC236}">
+                <a16:creationId xmlns:a16="http://schemas.microsoft.com/office/drawing/2014/main" id="{85AA9170-FE4C-4946-B14B-CF6478395B21}"/>
+              </a:ext>
+            </a:extLst>
+          </p:cNvPr>
+          <p:cNvSpPr/>
+          <p:nvPr/>
+        </p:nvSpPr>
+        <p:spPr>
+          <a:xfrm>
+            <a:off x="8361680" y="4094480"/>
+            <a:ext cx="2722880" cy="721360"/>
+          </a:xfrm>
+          <a:prstGeom prst="roundRect">
+            <a:avLst/>
+          </a:prstGeom>
+          <a:gradFill flip="none" rotWithShape="1">
+            <a:gsLst>
+              <a:gs pos="0">
+                <a:schemeClr val="tx2">
+                  <a:lumMod val="40000"/>
+                  <a:lumOff val="60000"/>
+                  <a:shade val="30000"/>
+                  <a:satMod val="115000"/>
+                </a:schemeClr>
+              </a:gs>
+              <a:gs pos="50000">
+                <a:schemeClr val="tx2">
+                  <a:lumMod val="40000"/>
+                  <a:lumOff val="60000"/>
+                  <a:shade val="67500"/>
+                  <a:satMod val="115000"/>
+                </a:schemeClr>
+              </a:gs>
+              <a:gs pos="100000">
+                <a:schemeClr val="tx2">
+                  <a:lumMod val="40000"/>
+                  <a:lumOff val="60000"/>
+                  <a:shade val="100000"/>
+                  <a:satMod val="115000"/>
+                </a:schemeClr>
+              </a:gs>
+            </a:gsLst>
+            <a:lin ang="13500000" scaled="1"/>
+            <a:tileRect/>
+          </a:gradFill>
+        </p:spPr>
+        <p:style>
+          <a:lnRef idx="2">
+            <a:schemeClr val="accent1">
+              <a:shade val="50000"/>
+            </a:schemeClr>
+          </a:lnRef>
+          <a:fillRef idx="1">
+            <a:schemeClr val="accent1"/>
+          </a:fillRef>
+          <a:effectRef idx="0">
+            <a:schemeClr val="accent1"/>
+          </a:effectRef>
+          <a:fontRef idx="minor">
+            <a:schemeClr val="lt1"/>
+          </a:fontRef>
+        </p:style>
+        <p:txBody>
+          <a:bodyPr rtlCol="0" anchor="ctr"/>
+          <a:lstStyle/>
+          <a:p>
+            <a:pPr algn="ctr"/>
+            <a:r>
+              <a:rPr lang="en-IN" sz="3200" b="1" dirty="0">
+                <a:solidFill>
+                  <a:srgbClr val="FF0000"/>
+                </a:solidFill>
+                <a:hlinkClick r:id="rId4" action="ppaction://hlinksldjump"/>
+              </a:rPr>
+              <a:t>Student</a:t>
+            </a:r>
+            <a:endParaRPr lang="en-IN" sz="3200" b="1" dirty="0">
+              <a:solidFill>
+                <a:srgbClr val="FF0000"/>
+              </a:solidFill>
+            </a:endParaRPr>
+          </a:p>
+        </p:txBody>
+      </p:sp>
+      <p:sp>
+        <p:nvSpPr>
+          <p:cNvPr id="11" name="TextBox 10">
+            <a:extLst>
+              <a:ext uri="{FF2B5EF4-FFF2-40B4-BE49-F238E27FC236}">
+                <a16:creationId xmlns:a16="http://schemas.microsoft.com/office/drawing/2014/main" id="{3214B715-D84F-4A31-8B54-84814E8DF1EE}"/>
+              </a:ext>
+            </a:extLst>
+          </p:cNvPr>
+          <p:cNvSpPr txBox="1"/>
+          <p:nvPr/>
+        </p:nvSpPr>
+        <p:spPr>
+          <a:xfrm>
+            <a:off x="670560" y="731521"/>
+            <a:ext cx="10535920" cy="2517549"/>
+          </a:xfrm>
+          <a:prstGeom prst="rect">
+            <a:avLst/>
+          </a:prstGeom>
+          <a:noFill/>
+        </p:spPr>
+        <p:txBody>
+          <a:bodyPr wrap="square" rtlCol="0">
+            <a:spAutoFit/>
+          </a:bodyPr>
+          <a:lstStyle/>
+          <a:p>
+            <a:pPr algn="just">
+              <a:lnSpc>
+                <a:spcPct val="107000"/>
+              </a:lnSpc>
+              <a:spcAft>
+                <a:spcPts val="800"/>
+              </a:spcAft>
+            </a:pPr>
+            <a:r>
+              <a:rPr lang="en-IN" sz="5400" b="1" dirty="0">
+                <a:solidFill>
+                  <a:schemeClr val="bg1"/>
+                </a:solidFill>
+                <a:effectLst/>
+                <a:latin typeface="Times New Roman" panose="02020603050405020304" pitchFamily="18" charset="0"/>
+                <a:ea typeface="Times New Roman" panose="02020603050405020304" pitchFamily="18" charset="0"/>
+                <a:cs typeface="Mangal"/>
+              </a:rPr>
+              <a:t>Functional requirements</a:t>
+            </a:r>
+            <a:endParaRPr lang="en-IN" sz="5400" dirty="0">
+              <a:solidFill>
+                <a:schemeClr val="bg1"/>
+              </a:solidFill>
+              <a:effectLst/>
+              <a:latin typeface="Calibri" panose="020F0502020204030204" pitchFamily="34" charset="0"/>
+              <a:ea typeface="Times New Roman" panose="02020603050405020304" pitchFamily="18" charset="0"/>
+              <a:cs typeface="Mangal"/>
+            </a:endParaRPr>
+          </a:p>
+          <a:p>
+            <a:pPr algn="just">
+              <a:lnSpc>
+                <a:spcPct val="107000"/>
+              </a:lnSpc>
+              <a:spcAft>
+                <a:spcPts val="800"/>
+              </a:spcAft>
+            </a:pPr>
+            <a:r>
+              <a:rPr lang="en-IN" sz="3200" dirty="0">
+                <a:solidFill>
+                  <a:schemeClr val="bg1"/>
+                </a:solidFill>
+                <a:effectLst/>
+                <a:latin typeface="Times New Roman" panose="02020603050405020304" pitchFamily="18" charset="0"/>
+                <a:ea typeface="Times New Roman" panose="02020603050405020304" pitchFamily="18" charset="0"/>
+                <a:cs typeface="Mangal"/>
+              </a:rPr>
+              <a:t>This includes the features of the various modules of the project.</a:t>
+            </a:r>
+            <a:endParaRPr lang="en-IN" sz="3200" dirty="0">
+              <a:solidFill>
+                <a:schemeClr val="bg1"/>
+              </a:solidFill>
+              <a:effectLst/>
+              <a:latin typeface="Calibri" panose="020F0502020204030204" pitchFamily="34" charset="0"/>
+              <a:ea typeface="Times New Roman" panose="02020603050405020304" pitchFamily="18" charset="0"/>
+              <a:cs typeface="Mangal"/>
+            </a:endParaRPr>
+          </a:p>
+          <a:p>
+            <a:endParaRPr lang="en-IN" dirty="0"/>
+          </a:p>
+        </p:txBody>
+      </p:sp>
+    </p:spTree>
+    <p:extLst>
+      <p:ext uri="{BB962C8B-B14F-4D97-AF65-F5344CB8AC3E}">
+        <p14:creationId xmlns:p14="http://schemas.microsoft.com/office/powerpoint/2010/main" val="795408563"/>
+      </p:ext>
+    </p:extLst>
+  </p:cSld>
+  <p:clrMapOvr>
+    <a:masterClrMapping/>
+  </p:clrMapOvr>
+</p:sld>
+</file>
+
+<file path=ppt/slides/slide8.xml><?xml version="1.0" encoding="utf-8"?>
+<p:sld xmlns:a="http://schemas.openxmlformats.org/drawingml/2006/main" xmlns:r="http://schemas.openxmlformats.org/officeDocument/2006/relationships" xmlns:p="http://schemas.openxmlformats.org/presentationml/2006/main">
+  <p:cSld>
+    <p:spTree>
+      <p:nvGrpSpPr>
+        <p:cNvPr id="1" name=""/>
+        <p:cNvGrpSpPr/>
+        <p:nvPr/>
+      </p:nvGrpSpPr>
+      <p:grpSpPr>
+        <a:xfrm>
+          <a:off x="0" y="0"/>
+          <a:ext cx="0" cy="0"/>
+          <a:chOff x="0" y="0"/>
+          <a:chExt cx="0" cy="0"/>
+        </a:xfrm>
+      </p:grpSpPr>
+      <p:sp>
+        <p:nvSpPr>
+          <p:cNvPr id="2" name="TextBox 1">
+            <a:extLst>
+              <a:ext uri="{FF2B5EF4-FFF2-40B4-BE49-F238E27FC236}">
+                <a16:creationId xmlns:a16="http://schemas.microsoft.com/office/drawing/2014/main" id="{E37C48FD-B4C8-4E5A-9B09-25ECA91021B7}"/>
+              </a:ext>
+            </a:extLst>
+          </p:cNvPr>
+          <p:cNvSpPr txBox="1"/>
+          <p:nvPr/>
+        </p:nvSpPr>
+        <p:spPr>
+          <a:xfrm>
+            <a:off x="924560" y="985520"/>
+            <a:ext cx="10109200" cy="4832092"/>
+          </a:xfrm>
+          <a:prstGeom prst="rect">
+            <a:avLst/>
+          </a:prstGeom>
+          <a:noFill/>
+        </p:spPr>
+        <p:txBody>
+          <a:bodyPr wrap="square" rtlCol="0">
+            <a:spAutoFit/>
+          </a:bodyPr>
+          <a:lstStyle/>
+          <a:p>
+            <a:r>
+              <a:rPr lang="en-IN" sz="2800" dirty="0">
+                <a:effectLst/>
+                <a:latin typeface="Times New Roman" panose="02020603050405020304" pitchFamily="18" charset="0"/>
+                <a:ea typeface="Times New Roman" panose="02020603050405020304" pitchFamily="18" charset="0"/>
+                <a:cs typeface="Mangal"/>
+              </a:rPr>
+              <a:t>Admin is the one who manages the entire website and also has the full authority over all the activities of the extra curricular activities system. The admin monitors the other users of the website.</a:t>
+            </a:r>
+          </a:p>
+          <a:p>
+            <a:endParaRPr lang="en-IN" sz="2800" dirty="0">
+              <a:latin typeface="Times New Roman" panose="02020603050405020304" pitchFamily="18" charset="0"/>
+              <a:cs typeface="Mangal"/>
+            </a:endParaRPr>
+          </a:p>
+          <a:p>
+            <a:r>
+              <a:rPr lang="en-IN" sz="2800" b="1" dirty="0">
+                <a:solidFill>
+                  <a:schemeClr val="accent6"/>
+                </a:solidFill>
+                <a:effectLst/>
+                <a:latin typeface="Times New Roman" panose="02020603050405020304" pitchFamily="18" charset="0"/>
+                <a:ea typeface="Times New Roman" panose="02020603050405020304" pitchFamily="18" charset="0"/>
+                <a:cs typeface="Mangal"/>
+              </a:rPr>
+              <a:t>Settings module</a:t>
+            </a:r>
+            <a:r>
+              <a:rPr lang="en-IN" sz="2800" dirty="0">
+                <a:effectLst/>
+                <a:latin typeface="Times New Roman" panose="02020603050405020304" pitchFamily="18" charset="0"/>
+                <a:ea typeface="Times New Roman" panose="02020603050405020304" pitchFamily="18" charset="0"/>
+                <a:cs typeface="Mangal"/>
+              </a:rPr>
+              <a:t>: This module is available only for the admin. The admin will add the point settings for different events. They we can add the details of the course that are available in the college. Here the admin will add the staff, the staff are the  lecturers of the college who must host the events.</a:t>
+            </a:r>
+            <a:endParaRPr lang="en-IN" sz="2800" dirty="0">
+              <a:effectLst/>
+              <a:latin typeface="Calibri" panose="020F0502020204030204" pitchFamily="34" charset="0"/>
+              <a:ea typeface="Times New Roman" panose="02020603050405020304" pitchFamily="18" charset="0"/>
+              <a:cs typeface="Mangal"/>
+            </a:endParaRPr>
+          </a:p>
+          <a:p>
+            <a:endParaRPr lang="en-IN" sz="2800" dirty="0">
+              <a:latin typeface="Times New Roman" panose="02020603050405020304" pitchFamily="18" charset="0"/>
+              <a:cs typeface="Mangal"/>
+            </a:endParaRPr>
+          </a:p>
+          <a:p>
+            <a:endParaRPr lang="en-IN" sz="2800" dirty="0"/>
+          </a:p>
+        </p:txBody>
+      </p:sp>
+      <p:sp>
+        <p:nvSpPr>
+          <p:cNvPr id="5" name="Rectangle: Rounded Corners 4">
+            <a:extLst>
+              <a:ext uri="{FF2B5EF4-FFF2-40B4-BE49-F238E27FC236}">
+                <a16:creationId xmlns:a16="http://schemas.microsoft.com/office/drawing/2014/main" id="{8333B27A-AF3B-4408-B548-D3BE3B609C76}"/>
+              </a:ext>
+            </a:extLst>
+          </p:cNvPr>
+          <p:cNvSpPr/>
+          <p:nvPr/>
+        </p:nvSpPr>
+        <p:spPr>
+          <a:xfrm>
+            <a:off x="8310880" y="5511800"/>
+            <a:ext cx="2722880" cy="721360"/>
+          </a:xfrm>
+          <a:prstGeom prst="roundRect">
+            <a:avLst>
+              <a:gd name="adj" fmla="val 50000"/>
+            </a:avLst>
+          </a:prstGeom>
+          <a:gradFill flip="none" rotWithShape="1">
+            <a:gsLst>
+              <a:gs pos="0">
+                <a:schemeClr val="tx2">
+                  <a:lumMod val="40000"/>
+                  <a:lumOff val="60000"/>
+                  <a:shade val="30000"/>
+                  <a:satMod val="115000"/>
+                </a:schemeClr>
+              </a:gs>
+              <a:gs pos="50000">
+                <a:schemeClr val="tx2">
+                  <a:lumMod val="40000"/>
+                  <a:lumOff val="60000"/>
+                  <a:shade val="67500"/>
+                  <a:satMod val="115000"/>
+                </a:schemeClr>
+              </a:gs>
+              <a:gs pos="100000">
+                <a:schemeClr val="tx2">
+                  <a:lumMod val="40000"/>
+                  <a:lumOff val="60000"/>
+                  <a:shade val="100000"/>
+                  <a:satMod val="115000"/>
+                </a:schemeClr>
+              </a:gs>
+            </a:gsLst>
+            <a:lin ang="13500000" scaled="1"/>
+            <a:tileRect/>
+          </a:gradFill>
+        </p:spPr>
+        <p:style>
+          <a:lnRef idx="2">
+            <a:schemeClr val="accent1">
+              <a:shade val="50000"/>
+            </a:schemeClr>
+          </a:lnRef>
+          <a:fillRef idx="1">
+            <a:schemeClr val="accent1"/>
+          </a:fillRef>
+          <a:effectRef idx="0">
+            <a:schemeClr val="accent1"/>
+          </a:effectRef>
+          <a:fontRef idx="minor">
+            <a:schemeClr val="lt1"/>
+          </a:fontRef>
+        </p:style>
+        <p:txBody>
+          <a:bodyPr rtlCol="0" anchor="ctr"/>
+          <a:lstStyle/>
+          <a:p>
+            <a:pPr algn="ctr"/>
+            <a:r>
+              <a:rPr lang="en-IN" sz="3200" b="1" dirty="0">
+                <a:solidFill>
+                  <a:srgbClr val="FF0000"/>
+                </a:solidFill>
+                <a:hlinkClick r:id="rId2" action="ppaction://hlinksldjump"/>
+              </a:rPr>
+              <a:t>Next</a:t>
+            </a:r>
+            <a:endParaRPr lang="en-IN" sz="3200" b="1" dirty="0">
+              <a:solidFill>
+                <a:srgbClr val="FF0000"/>
+              </a:solidFill>
+            </a:endParaRPr>
+          </a:p>
+        </p:txBody>
+      </p:sp>
+    </p:spTree>
+    <p:extLst>
+      <p:ext uri="{BB962C8B-B14F-4D97-AF65-F5344CB8AC3E}">
+        <p14:creationId xmlns:p14="http://schemas.microsoft.com/office/powerpoint/2010/main" val="2021439051"/>
+      </p:ext>
+    </p:extLst>
+  </p:cSld>
+  <p:clrMapOvr>
+    <a:masterClrMapping/>
+  </p:clrMapOvr>
+</p:sld>
+</file>
+
 <file path=ppt/slides/slide9.xml><?xml version="1.0" encoding="utf-8"?>
 <p:sld xmlns:a="http://schemas.openxmlformats.org/drawingml/2006/main" xmlns:r="http://schemas.openxmlformats.org/officeDocument/2006/relationships" xmlns:p="http://schemas.openxmlformats.org/presentationml/2006/main">
   <p:cSld>
@@ -7832,93 +9451,159 @@
           <a:chExt cx="0" cy="0"/>
         </a:xfrm>
       </p:grpSpPr>
-      <p:sp>
-        <p:nvSpPr>
-          <p:cNvPr id="2" name="Title 1">
+      <p:pic>
+        <p:nvPicPr>
+          <p:cNvPr id="3" name="Picture 2">
             <a:extLst>
               <a:ext uri="{FF2B5EF4-FFF2-40B4-BE49-F238E27FC236}">
-                <a16:creationId xmlns:a16="http://schemas.microsoft.com/office/drawing/2014/main" id="{D8460327-E2D0-4224-AA1B-B0259A1A143C}"/>
-              </a:ext>
-            </a:extLst>
-          </p:cNvPr>
-          <p:cNvSpPr>
-            <a:spLocks noGrp="1"/>
-          </p:cNvSpPr>
-          <p:nvPr>
-            <p:ph type="title"/>
-          </p:nvPr>
-        </p:nvSpPr>
-        <p:spPr/>
-        <p:txBody>
-          <a:bodyPr/>
-          <a:lstStyle/>
-          <a:p>
-            <a:r>
-              <a:rPr lang="en-IN" sz="1800" b="1" u="sng" dirty="0">
-                <a:effectLst/>
-                <a:latin typeface="Times New Roman" panose="02020603050405020304" pitchFamily="18" charset="0"/>
-                <a:ea typeface="Times New Roman" panose="02020603050405020304" pitchFamily="18" charset="0"/>
-                <a:cs typeface="Mangal"/>
-              </a:rPr>
-              <a:t>Top Level: DFD (Level 1</a:t>
-            </a:r>
-            <a:r>
-              <a:rPr lang="en-IN" sz="1800" u="sng" dirty="0">
-                <a:effectLst/>
-                <a:latin typeface="Times New Roman" panose="02020603050405020304" pitchFamily="18" charset="0"/>
-                <a:ea typeface="Times New Roman" panose="02020603050405020304" pitchFamily="18" charset="0"/>
-                <a:cs typeface="Mangal"/>
-              </a:rPr>
-              <a:t>):</a:t>
-            </a:r>
-            <a:br>
-              <a:rPr lang="en-IN" sz="1800" dirty="0">
-                <a:effectLst/>
-                <a:latin typeface="Calibri" panose="020F0502020204030204" pitchFamily="34" charset="0"/>
-                <a:ea typeface="Times New Roman" panose="02020603050405020304" pitchFamily="18" charset="0"/>
-                <a:cs typeface="Mangal"/>
-              </a:rPr>
-            </a:br>
-            <a:endParaRPr lang="en-IN" dirty="0"/>
-          </a:p>
-        </p:txBody>
-      </p:sp>
-      <p:pic>
-        <p:nvPicPr>
-          <p:cNvPr id="4" name="Content Placeholder 3">
-            <a:extLst>
-              <a:ext uri="{FF2B5EF4-FFF2-40B4-BE49-F238E27FC236}">
-                <a16:creationId xmlns:a16="http://schemas.microsoft.com/office/drawing/2014/main" id="{07E2FD5E-B860-429B-A397-F79B1D963E91}"/>
+                <a16:creationId xmlns:a16="http://schemas.microsoft.com/office/drawing/2014/main" id="{2F5E3B17-AB3F-4C53-9F8C-1A972D484060}"/>
               </a:ext>
             </a:extLst>
           </p:cNvPr>
           <p:cNvPicPr>
-            <a:picLocks noGrp="1"/>
+            <a:picLocks noChangeAspect="1"/>
           </p:cNvPicPr>
-          <p:nvPr>
-            <p:ph idx="1"/>
-          </p:nvPr>
+          <p:nvPr/>
         </p:nvPicPr>
-        <p:blipFill>
+        <p:blipFill rotWithShape="1">
           <a:blip r:embed="rId2"/>
-          <a:stretch>
-            <a:fillRect/>
-          </a:stretch>
+          <a:srcRect l="10329" t="11517" r="12649"/>
+          <a:stretch/>
         </p:blipFill>
         <p:spPr>
           <a:xfrm>
-            <a:off x="3123898" y="685800"/>
-            <a:ext cx="3655029" cy="3614738"/>
+            <a:off x="254000" y="1422400"/>
+            <a:ext cx="5581598" cy="3606800"/>
           </a:xfrm>
           <a:prstGeom prst="rect">
             <a:avLst/>
           </a:prstGeom>
         </p:spPr>
       </p:pic>
+      <p:pic>
+        <p:nvPicPr>
+          <p:cNvPr id="5" name="Picture 4">
+            <a:extLst>
+              <a:ext uri="{FF2B5EF4-FFF2-40B4-BE49-F238E27FC236}">
+                <a16:creationId xmlns:a16="http://schemas.microsoft.com/office/drawing/2014/main" id="{F000B785-A56F-40FE-9365-5DA38B0D6AE6}"/>
+              </a:ext>
+            </a:extLst>
+          </p:cNvPr>
+          <p:cNvPicPr>
+            <a:picLocks noChangeAspect="1"/>
+          </p:cNvPicPr>
+          <p:nvPr/>
+        </p:nvPicPr>
+        <p:blipFill rotWithShape="1">
+          <a:blip r:embed="rId3"/>
+          <a:srcRect l="10347" t="13024" r="10927"/>
+          <a:stretch/>
+        </p:blipFill>
+        <p:spPr>
+          <a:xfrm>
+            <a:off x="6177280" y="1388443"/>
+            <a:ext cx="5858479" cy="3640758"/>
+          </a:xfrm>
+          <a:prstGeom prst="rect">
+            <a:avLst/>
+          </a:prstGeom>
+        </p:spPr>
+      </p:pic>
+      <p:sp>
+        <p:nvSpPr>
+          <p:cNvPr id="6" name="Rectangle: Rounded Corners 5">
+            <a:extLst>
+              <a:ext uri="{FF2B5EF4-FFF2-40B4-BE49-F238E27FC236}">
+                <a16:creationId xmlns:a16="http://schemas.microsoft.com/office/drawing/2014/main" id="{DCCCB79F-6A26-4FF3-8F23-FF0C7EAA6A0C}"/>
+              </a:ext>
+            </a:extLst>
+          </p:cNvPr>
+          <p:cNvSpPr/>
+          <p:nvPr/>
+        </p:nvSpPr>
+        <p:spPr>
+          <a:xfrm>
+            <a:off x="8930640" y="5709920"/>
+            <a:ext cx="2722880" cy="721360"/>
+          </a:xfrm>
+          <a:prstGeom prst="roundRect">
+            <a:avLst>
+              <a:gd name="adj" fmla="val 16667"/>
+            </a:avLst>
+          </a:prstGeom>
+          <a:gradFill flip="none" rotWithShape="1">
+            <a:gsLst>
+              <a:gs pos="0">
+                <a:schemeClr val="tx2">
+                  <a:lumMod val="40000"/>
+                  <a:lumOff val="60000"/>
+                  <a:shade val="30000"/>
+                  <a:satMod val="115000"/>
+                </a:schemeClr>
+              </a:gs>
+              <a:gs pos="50000">
+                <a:schemeClr val="tx2">
+                  <a:lumMod val="40000"/>
+                  <a:lumOff val="60000"/>
+                  <a:shade val="67500"/>
+                  <a:satMod val="115000"/>
+                </a:schemeClr>
+              </a:gs>
+              <a:gs pos="100000">
+                <a:schemeClr val="tx2">
+                  <a:lumMod val="40000"/>
+                  <a:lumOff val="60000"/>
+                  <a:shade val="100000"/>
+                  <a:satMod val="115000"/>
+                </a:schemeClr>
+              </a:gs>
+            </a:gsLst>
+            <a:lin ang="13500000" scaled="1"/>
+            <a:tileRect/>
+          </a:gradFill>
+        </p:spPr>
+        <p:style>
+          <a:lnRef idx="2">
+            <a:schemeClr val="accent1">
+              <a:shade val="50000"/>
+            </a:schemeClr>
+          </a:lnRef>
+          <a:fillRef idx="1">
+            <a:schemeClr val="accent1"/>
+          </a:fillRef>
+          <a:effectRef idx="0">
+            <a:schemeClr val="accent1"/>
+          </a:effectRef>
+          <a:fontRef idx="minor">
+            <a:schemeClr val="lt1"/>
+          </a:fontRef>
+        </p:style>
+        <p:txBody>
+          <a:bodyPr rtlCol="0" anchor="ctr"/>
+          <a:lstStyle/>
+          <a:p>
+            <a:pPr algn="ctr"/>
+            <a:r>
+              <a:rPr lang="en-IN" sz="3200" b="1" dirty="0">
+                <a:solidFill>
+                  <a:srgbClr val="FF0000"/>
+                </a:solidFill>
+                <a:hlinkClick r:id="rId4" action="ppaction://hlinksldjump"/>
+              </a:rPr>
+              <a:t>Back</a:t>
+            </a:r>
+            <a:endParaRPr lang="en-IN" sz="3200" b="1" dirty="0">
+              <a:solidFill>
+                <a:srgbClr val="FF0000"/>
+              </a:solidFill>
+            </a:endParaRPr>
+          </a:p>
+        </p:txBody>
+      </p:sp>
     </p:spTree>
     <p:extLst>
       <p:ext uri="{BB962C8B-B14F-4D97-AF65-F5344CB8AC3E}">
-        <p14:creationId xmlns:p14="http://schemas.microsoft.com/office/powerpoint/2010/main" val="3063440578"/>
+        <p14:creationId xmlns:p14="http://schemas.microsoft.com/office/powerpoint/2010/main" val="2367424408"/>
       </p:ext>
     </p:extLst>
   </p:cSld>

--- a/Project Docs/Presentation.pptx
+++ b/Project Docs/Presentation.pptx
@@ -18,14 +18,13 @@
     <p:sldId id="274" r:id="rId12"/>
     <p:sldId id="276" r:id="rId13"/>
     <p:sldId id="277" r:id="rId14"/>
-    <p:sldId id="262" r:id="rId15"/>
-    <p:sldId id="263" r:id="rId16"/>
-    <p:sldId id="264" r:id="rId17"/>
-    <p:sldId id="265" r:id="rId18"/>
-    <p:sldId id="266" r:id="rId19"/>
-    <p:sldId id="267" r:id="rId20"/>
-    <p:sldId id="268" r:id="rId21"/>
-    <p:sldId id="269" r:id="rId22"/>
+    <p:sldId id="264" r:id="rId15"/>
+    <p:sldId id="265" r:id="rId16"/>
+    <p:sldId id="266" r:id="rId17"/>
+    <p:sldId id="267" r:id="rId18"/>
+    <p:sldId id="268" r:id="rId19"/>
+    <p:sldId id="269" r:id="rId20"/>
+    <p:sldId id="278" r:id="rId21"/>
   </p:sldIdLst>
   <p:sldSz cx="12192000" cy="6858000"/>
   <p:notesSz cx="6858000" cy="9144000"/>
@@ -6534,7 +6533,7 @@
           <p:cNvPr id="2" name="Title 1">
             <a:extLst>
               <a:ext uri="{FF2B5EF4-FFF2-40B4-BE49-F238E27FC236}">
-                <a16:creationId xmlns:a16="http://schemas.microsoft.com/office/drawing/2014/main" id="{3350C6F0-BDE1-467C-89C0-F0DDE8AEA224}"/>
+                <a16:creationId xmlns:a16="http://schemas.microsoft.com/office/drawing/2014/main" id="{D8460327-E2D0-4224-AA1B-B0259A1A143C}"/>
               </a:ext>
             </a:extLst>
           </p:cNvPr>
@@ -6545,9 +6544,16 @@
             <p:ph type="title"/>
           </p:nvPr>
         </p:nvSpPr>
-        <p:spPr/>
-        <p:txBody>
-          <a:bodyPr/>
+        <p:spPr>
+          <a:xfrm>
+            <a:off x="781867" y="523783"/>
+            <a:ext cx="8534400" cy="1083076"/>
+          </a:xfrm>
+        </p:spPr>
+        <p:txBody>
+          <a:bodyPr>
+            <a:normAutofit fontScale="90000"/>
+          </a:bodyPr>
           <a:lstStyle/>
           <a:p>
             <a:r>
@@ -6555,34 +6561,35 @@
                 <a:effectLst/>
                 <a:latin typeface="Times New Roman" panose="02020603050405020304" pitchFamily="18" charset="0"/>
                 <a:ea typeface="Times New Roman" panose="02020603050405020304" pitchFamily="18" charset="0"/>
+                <a:cs typeface="Mangal"/>
               </a:rPr>
-              <a:t>Data flow diagram</a:t>
-            </a:r>
-            <a:endParaRPr lang="en-IN" dirty="0"/>
-          </a:p>
-        </p:txBody>
-      </p:sp>
-      <p:sp>
-        <p:nvSpPr>
-          <p:cNvPr id="3" name="Content Placeholder 2">
-            <a:extLst>
-              <a:ext uri="{FF2B5EF4-FFF2-40B4-BE49-F238E27FC236}">
-                <a16:creationId xmlns:a16="http://schemas.microsoft.com/office/drawing/2014/main" id="{52606BC8-2DFD-4112-ADD6-6AC4B91F21EE}"/>
-              </a:ext>
-            </a:extLst>
-          </p:cNvPr>
-          <p:cNvSpPr>
-            <a:spLocks noGrp="1"/>
-          </p:cNvSpPr>
-          <p:nvPr>
-            <p:ph idx="1"/>
-          </p:nvPr>
-        </p:nvSpPr>
-        <p:spPr/>
-        <p:txBody>
-          <a:bodyPr/>
-          <a:lstStyle/>
-          <a:p>
+              <a:t>DATA flow diagram (DFD)</a:t>
+            </a:r>
+            <a:br>
+              <a:rPr lang="en-IN" sz="1800" b="1" dirty="0">
+                <a:effectLst/>
+                <a:latin typeface="Times New Roman" panose="02020603050405020304" pitchFamily="18" charset="0"/>
+                <a:ea typeface="Times New Roman" panose="02020603050405020304" pitchFamily="18" charset="0"/>
+                <a:cs typeface="Mangal"/>
+              </a:rPr>
+            </a:br>
+            <a:br>
+              <a:rPr lang="en-IN" sz="1800" b="1" dirty="0">
+                <a:effectLst/>
+                <a:latin typeface="Times New Roman" panose="02020603050405020304" pitchFamily="18" charset="0"/>
+                <a:ea typeface="Times New Roman" panose="02020603050405020304" pitchFamily="18" charset="0"/>
+                <a:cs typeface="Mangal"/>
+              </a:rPr>
+            </a:br>
+            <a:r>
+              <a:rPr lang="en-IN" sz="1800" b="1" dirty="0">
+                <a:effectLst/>
+                <a:latin typeface="Times New Roman" panose="02020603050405020304" pitchFamily="18" charset="0"/>
+                <a:ea typeface="Times New Roman" panose="02020603050405020304" pitchFamily="18" charset="0"/>
+                <a:cs typeface="Mangal"/>
+              </a:rPr>
+              <a:t>Top Level: DFD (Level 1</a:t>
+            </a:r>
             <a:r>
               <a:rPr lang="en-IN" sz="1800" dirty="0">
                 <a:effectLst/>
@@ -6590,24 +6597,56 @@
                 <a:ea typeface="Times New Roman" panose="02020603050405020304" pitchFamily="18" charset="0"/>
                 <a:cs typeface="Mangal"/>
               </a:rPr>
-              <a:t>The data flow diagram is pictorial representation of the flow of data in the system. Through this diagram the communication between various modules of the system is represented. The data flow diagram is very essential because this will let the developer understand the actual picture of the system. The data flow diagram will tell the developers how the coding of the system must be done. This diagram will connect each and every module to one another and makes the system complete.</a:t>
-            </a:r>
-            <a:endParaRPr lang="en-IN" sz="1800" dirty="0">
-              <a:effectLst/>
-              <a:latin typeface="Calibri" panose="020F0502020204030204" pitchFamily="34" charset="0"/>
-              <a:ea typeface="Times New Roman" panose="02020603050405020304" pitchFamily="18" charset="0"/>
-              <a:cs typeface="Mangal"/>
-            </a:endParaRPr>
-          </a:p>
-          <a:p>
+              <a:t>):</a:t>
+            </a:r>
+            <a:br>
+              <a:rPr lang="en-IN" sz="1800" dirty="0">
+                <a:effectLst/>
+                <a:latin typeface="Calibri" panose="020F0502020204030204" pitchFamily="34" charset="0"/>
+                <a:ea typeface="Times New Roman" panose="02020603050405020304" pitchFamily="18" charset="0"/>
+                <a:cs typeface="Mangal"/>
+              </a:rPr>
+            </a:br>
             <a:endParaRPr lang="en-IN" dirty="0"/>
           </a:p>
         </p:txBody>
       </p:sp>
+      <p:pic>
+        <p:nvPicPr>
+          <p:cNvPr id="4" name="Content Placeholder 3">
+            <a:extLst>
+              <a:ext uri="{FF2B5EF4-FFF2-40B4-BE49-F238E27FC236}">
+                <a16:creationId xmlns:a16="http://schemas.microsoft.com/office/drawing/2014/main" id="{07E2FD5E-B860-429B-A397-F79B1D963E91}"/>
+              </a:ext>
+            </a:extLst>
+          </p:cNvPr>
+          <p:cNvPicPr>
+            <a:picLocks noGrp="1"/>
+          </p:cNvPicPr>
+          <p:nvPr>
+            <p:ph idx="1"/>
+          </p:nvPr>
+        </p:nvPicPr>
+        <p:blipFill>
+          <a:blip r:embed="rId2"/>
+          <a:stretch>
+            <a:fillRect/>
+          </a:stretch>
+        </p:blipFill>
+        <p:spPr>
+          <a:xfrm>
+            <a:off x="2958077" y="1606859"/>
+            <a:ext cx="4499166" cy="4350058"/>
+          </a:xfrm>
+          <a:prstGeom prst="rect">
+            <a:avLst/>
+          </a:prstGeom>
+        </p:spPr>
+      </p:pic>
     </p:spTree>
     <p:extLst>
       <p:ext uri="{BB962C8B-B14F-4D97-AF65-F5344CB8AC3E}">
-        <p14:creationId xmlns:p14="http://schemas.microsoft.com/office/powerpoint/2010/main" val="4276229892"/>
+        <p14:creationId xmlns:p14="http://schemas.microsoft.com/office/powerpoint/2010/main" val="3063440578"/>
       </p:ext>
     </p:extLst>
   </p:cSld>
@@ -6639,7 +6678,7 @@
           <p:cNvPr id="2" name="Title 1">
             <a:extLst>
               <a:ext uri="{FF2B5EF4-FFF2-40B4-BE49-F238E27FC236}">
-                <a16:creationId xmlns:a16="http://schemas.microsoft.com/office/drawing/2014/main" id="{ABC91AC7-8F2F-446B-BBBA-3AC392ECC9D1}"/>
+                <a16:creationId xmlns:a16="http://schemas.microsoft.com/office/drawing/2014/main" id="{D1F6E4D4-10D3-4616-B36D-872A3377DA9D}"/>
               </a:ext>
             </a:extLst>
           </p:cNvPr>
@@ -6650,93 +6689,44 @@
             <p:ph type="title"/>
           </p:nvPr>
         </p:nvSpPr>
-        <p:spPr/>
+        <p:spPr>
+          <a:xfrm>
+            <a:off x="471148" y="248575"/>
+            <a:ext cx="8534400" cy="1014026"/>
+          </a:xfrm>
+        </p:spPr>
         <p:txBody>
           <a:bodyPr/>
           <a:lstStyle/>
           <a:p>
             <a:r>
-              <a:rPr lang="en-IN" sz="3600" b="1" dirty="0">
+              <a:rPr lang="en-IN" sz="1800" b="1" dirty="0">
                 <a:effectLst/>
                 <a:latin typeface="Times New Roman" panose="02020603050405020304" pitchFamily="18" charset="0"/>
                 <a:ea typeface="Times New Roman" panose="02020603050405020304" pitchFamily="18" charset="0"/>
                 <a:cs typeface="Mangal"/>
               </a:rPr>
-              <a:t>Context flow diagram</a:t>
-            </a:r>
-            <a:br>
-              <a:rPr lang="en-IN" sz="3600" dirty="0">
-                <a:effectLst/>
-                <a:latin typeface="Calibri" panose="020F0502020204030204" pitchFamily="34" charset="0"/>
-                <a:ea typeface="Times New Roman" panose="02020603050405020304" pitchFamily="18" charset="0"/>
-                <a:cs typeface="Mangal"/>
-              </a:rPr>
-            </a:br>
+              <a:t>DFD Level  2.1:</a:t>
+            </a:r>
             <a:endParaRPr lang="en-IN" dirty="0"/>
           </a:p>
         </p:txBody>
       </p:sp>
-      <p:sp>
-        <p:nvSpPr>
-          <p:cNvPr id="3" name="Content Placeholder 2">
+      <p:pic>
+        <p:nvPicPr>
+          <p:cNvPr id="4" name="Content Placeholder 3">
             <a:extLst>
               <a:ext uri="{FF2B5EF4-FFF2-40B4-BE49-F238E27FC236}">
-                <a16:creationId xmlns:a16="http://schemas.microsoft.com/office/drawing/2014/main" id="{9D5B31BB-2C40-4360-8BD9-15FA062B43D3}"/>
+                <a16:creationId xmlns:a16="http://schemas.microsoft.com/office/drawing/2014/main" id="{E002425E-0BA1-40D9-8CBD-C43DE764F6C3}"/>
               </a:ext>
             </a:extLst>
           </p:cNvPr>
-          <p:cNvSpPr>
-            <a:spLocks noGrp="1"/>
-          </p:cNvSpPr>
+          <p:cNvPicPr>
+            <a:picLocks noGrp="1"/>
+          </p:cNvPicPr>
           <p:nvPr>
             <p:ph idx="1"/>
           </p:nvPr>
-        </p:nvSpPr>
-        <p:spPr/>
-        <p:txBody>
-          <a:bodyPr/>
-          <a:lstStyle/>
-          <a:p>
-            <a:pPr algn="just">
-              <a:lnSpc>
-                <a:spcPct val="107000"/>
-              </a:lnSpc>
-              <a:spcAft>
-                <a:spcPts val="800"/>
-              </a:spcAft>
-            </a:pPr>
-            <a:r>
-              <a:rPr lang="en-IN" sz="1800" dirty="0">
-                <a:effectLst/>
-                <a:latin typeface="Times New Roman" panose="02020603050405020304" pitchFamily="18" charset="0"/>
-                <a:ea typeface="Times New Roman" panose="02020603050405020304" pitchFamily="18" charset="0"/>
-                <a:cs typeface="Mangal"/>
-              </a:rPr>
-              <a:t>Context flow diagram is nothing but the data flow diagram itself. In the context flow diagram, the communication between the system and its various utilities are shown. This diagram shows the relationship of the system in brief. In this diagram the representation of the users of the system with the database of the system is shown.</a:t>
-            </a:r>
-            <a:endParaRPr lang="en-IN" sz="1800" dirty="0">
-              <a:effectLst/>
-              <a:latin typeface="Calibri" panose="020F0502020204030204" pitchFamily="34" charset="0"/>
-              <a:ea typeface="Times New Roman" panose="02020603050405020304" pitchFamily="18" charset="0"/>
-              <a:cs typeface="Mangal"/>
-            </a:endParaRPr>
-          </a:p>
-          <a:p>
-            <a:endParaRPr lang="en-IN" dirty="0"/>
-          </a:p>
-        </p:txBody>
-      </p:sp>
-      <p:pic>
-        <p:nvPicPr>
-          <p:cNvPr id="4" name="Picture 3">
-            <a:extLst>
-              <a:ext uri="{FF2B5EF4-FFF2-40B4-BE49-F238E27FC236}">
-                <a16:creationId xmlns:a16="http://schemas.microsoft.com/office/drawing/2014/main" id="{B266E57E-E8B0-4BBE-B867-269F53AFCE3D}"/>
-              </a:ext>
-            </a:extLst>
-          </p:cNvPr>
-          <p:cNvPicPr/>
-          <p:nvPr/>
         </p:nvPicPr>
         <p:blipFill>
           <a:blip r:embed="rId2"/>
@@ -6746,8 +6736,8 @@
         </p:blipFill>
         <p:spPr>
           <a:xfrm>
-            <a:off x="3113507" y="2956264"/>
-            <a:ext cx="2982493" cy="1799538"/>
+            <a:off x="2655570" y="1262601"/>
+            <a:ext cx="5192290" cy="4676560"/>
           </a:xfrm>
           <a:prstGeom prst="rect">
             <a:avLst/>
@@ -6757,7 +6747,7 @@
     </p:spTree>
     <p:extLst>
       <p:ext uri="{BB962C8B-B14F-4D97-AF65-F5344CB8AC3E}">
-        <p14:creationId xmlns:p14="http://schemas.microsoft.com/office/powerpoint/2010/main" val="3312565968"/>
+        <p14:creationId xmlns:p14="http://schemas.microsoft.com/office/powerpoint/2010/main" val="1314661718"/>
       </p:ext>
     </p:extLst>
   </p:cSld>
@@ -6789,7 +6779,7 @@
           <p:cNvPr id="2" name="Title 1">
             <a:extLst>
               <a:ext uri="{FF2B5EF4-FFF2-40B4-BE49-F238E27FC236}">
-                <a16:creationId xmlns:a16="http://schemas.microsoft.com/office/drawing/2014/main" id="{D8460327-E2D0-4224-AA1B-B0259A1A143C}"/>
+                <a16:creationId xmlns:a16="http://schemas.microsoft.com/office/drawing/2014/main" id="{BE9C62CD-4042-45F8-B60A-0A13AB226AE2}"/>
               </a:ext>
             </a:extLst>
           </p:cNvPr>
@@ -6800,37 +6790,25 @@
             <p:ph type="title"/>
           </p:nvPr>
         </p:nvSpPr>
-        <p:spPr/>
+        <p:spPr>
+          <a:xfrm>
+            <a:off x="689293" y="685800"/>
+            <a:ext cx="8534400" cy="863106"/>
+          </a:xfrm>
+        </p:spPr>
         <p:txBody>
           <a:bodyPr/>
           <a:lstStyle/>
           <a:p>
             <a:r>
-              <a:rPr lang="en-IN" sz="1800" b="1" u="sng" dirty="0">
+              <a:rPr lang="en-IN" sz="1800" b="1" dirty="0">
                 <a:effectLst/>
                 <a:latin typeface="Times New Roman" panose="02020603050405020304" pitchFamily="18" charset="0"/>
                 <a:ea typeface="Times New Roman" panose="02020603050405020304" pitchFamily="18" charset="0"/>
                 <a:cs typeface="Mangal"/>
               </a:rPr>
-              <a:t>Top Level: DFD (Level 1</a:t>
-            </a:r>
-            <a:r>
-              <a:rPr lang="en-IN" sz="1800" u="sng" dirty="0">
-                <a:effectLst/>
-                <a:latin typeface="Times New Roman" panose="02020603050405020304" pitchFamily="18" charset="0"/>
-                <a:ea typeface="Times New Roman" panose="02020603050405020304" pitchFamily="18" charset="0"/>
-                <a:cs typeface="Mangal"/>
-              </a:rPr>
-              <a:t>):</a:t>
-            </a:r>
-            <a:br>
-              <a:rPr lang="en-IN" sz="1800" dirty="0">
-                <a:effectLst/>
-                <a:latin typeface="Calibri" panose="020F0502020204030204" pitchFamily="34" charset="0"/>
-                <a:ea typeface="Times New Roman" panose="02020603050405020304" pitchFamily="18" charset="0"/>
-                <a:cs typeface="Mangal"/>
-              </a:rPr>
-            </a:br>
+              <a:t>DFD Level  2.2:</a:t>
+            </a:r>
             <a:endParaRPr lang="en-IN" dirty="0"/>
           </a:p>
         </p:txBody>
@@ -6840,7 +6818,7 @@
           <p:cNvPr id="4" name="Content Placeholder 3">
             <a:extLst>
               <a:ext uri="{FF2B5EF4-FFF2-40B4-BE49-F238E27FC236}">
-                <a16:creationId xmlns:a16="http://schemas.microsoft.com/office/drawing/2014/main" id="{07E2FD5E-B860-429B-A397-F79B1D963E91}"/>
+                <a16:creationId xmlns:a16="http://schemas.microsoft.com/office/drawing/2014/main" id="{3A63DAD9-AEB8-4604-809E-295B6A4473C4}"/>
               </a:ext>
             </a:extLst>
           </p:cNvPr>
@@ -6859,8 +6837,8 @@
         </p:blipFill>
         <p:spPr>
           <a:xfrm>
-            <a:off x="3443938" y="872594"/>
-            <a:ext cx="3655029" cy="3614738"/>
+            <a:off x="2765141" y="1548906"/>
+            <a:ext cx="5233640" cy="4623294"/>
           </a:xfrm>
           <a:prstGeom prst="rect">
             <a:avLst/>
@@ -6870,7 +6848,7 @@
     </p:spTree>
     <p:extLst>
       <p:ext uri="{BB962C8B-B14F-4D97-AF65-F5344CB8AC3E}">
-        <p14:creationId xmlns:p14="http://schemas.microsoft.com/office/powerpoint/2010/main" val="3063440578"/>
+        <p14:creationId xmlns:p14="http://schemas.microsoft.com/office/powerpoint/2010/main" val="1259665726"/>
       </p:ext>
     </p:extLst>
   </p:cSld>
@@ -6902,7 +6880,7 @@
           <p:cNvPr id="2" name="Title 1">
             <a:extLst>
               <a:ext uri="{FF2B5EF4-FFF2-40B4-BE49-F238E27FC236}">
-                <a16:creationId xmlns:a16="http://schemas.microsoft.com/office/drawing/2014/main" id="{D1F6E4D4-10D3-4616-B36D-872A3377DA9D}"/>
+                <a16:creationId xmlns:a16="http://schemas.microsoft.com/office/drawing/2014/main" id="{075CA7D8-1DEC-4C88-A8C4-099A61818967}"/>
               </a:ext>
             </a:extLst>
           </p:cNvPr>
@@ -6913,28 +6891,25 @@
             <p:ph type="title"/>
           </p:nvPr>
         </p:nvSpPr>
-        <p:spPr/>
+        <p:spPr>
+          <a:xfrm>
+            <a:off x="684213" y="594804"/>
+            <a:ext cx="8534400" cy="996271"/>
+          </a:xfrm>
+        </p:spPr>
         <p:txBody>
           <a:bodyPr/>
           <a:lstStyle/>
           <a:p>
             <a:r>
-              <a:rPr lang="en-IN" sz="1800" b="1" u="sng" dirty="0">
+              <a:rPr lang="en-IN" sz="1800" b="1" dirty="0">
                 <a:effectLst/>
                 <a:latin typeface="Times New Roman" panose="02020603050405020304" pitchFamily="18" charset="0"/>
                 <a:ea typeface="Times New Roman" panose="02020603050405020304" pitchFamily="18" charset="0"/>
                 <a:cs typeface="Mangal"/>
               </a:rPr>
-              <a:t>DFD Level 2.1:</a:t>
-            </a:r>
-            <a:br>
-              <a:rPr lang="en-IN" sz="1800" dirty="0">
-                <a:effectLst/>
-                <a:latin typeface="Calibri" panose="020F0502020204030204" pitchFamily="34" charset="0"/>
-                <a:ea typeface="Times New Roman" panose="02020603050405020304" pitchFamily="18" charset="0"/>
-                <a:cs typeface="Mangal"/>
-              </a:rPr>
-            </a:br>
+              <a:t>DFD Level 2.3:</a:t>
+            </a:r>
             <a:endParaRPr lang="en-IN" dirty="0"/>
           </a:p>
         </p:txBody>
@@ -6944,7 +6919,7 @@
           <p:cNvPr id="4" name="Content Placeholder 3">
             <a:extLst>
               <a:ext uri="{FF2B5EF4-FFF2-40B4-BE49-F238E27FC236}">
-                <a16:creationId xmlns:a16="http://schemas.microsoft.com/office/drawing/2014/main" id="{E002425E-0BA1-40D9-8CBD-C43DE764F6C3}"/>
+                <a16:creationId xmlns:a16="http://schemas.microsoft.com/office/drawing/2014/main" id="{FA844AE0-11D6-4DC9-A70E-A610108D5551}"/>
               </a:ext>
             </a:extLst>
           </p:cNvPr>
@@ -6963,8 +6938,8 @@
         </p:blipFill>
         <p:spPr>
           <a:xfrm>
-            <a:off x="2939656" y="685800"/>
-            <a:ext cx="4023513" cy="3614738"/>
+            <a:off x="2362147" y="1591075"/>
+            <a:ext cx="5601124" cy="4241554"/>
           </a:xfrm>
           <a:prstGeom prst="rect">
             <a:avLst/>
@@ -6974,7 +6949,7 @@
     </p:spTree>
     <p:extLst>
       <p:ext uri="{BB962C8B-B14F-4D97-AF65-F5344CB8AC3E}">
-        <p14:creationId xmlns:p14="http://schemas.microsoft.com/office/powerpoint/2010/main" val="1314661718"/>
+        <p14:creationId xmlns:p14="http://schemas.microsoft.com/office/powerpoint/2010/main" val="180868274"/>
       </p:ext>
     </p:extLst>
   </p:cSld>
@@ -7006,7 +6981,7 @@
           <p:cNvPr id="2" name="Title 1">
             <a:extLst>
               <a:ext uri="{FF2B5EF4-FFF2-40B4-BE49-F238E27FC236}">
-                <a16:creationId xmlns:a16="http://schemas.microsoft.com/office/drawing/2014/main" id="{BE9C62CD-4042-45F8-B60A-0A13AB226AE2}"/>
+                <a16:creationId xmlns:a16="http://schemas.microsoft.com/office/drawing/2014/main" id="{99CA40C9-EAB6-4E6C-B60C-9789F207F827}"/>
               </a:ext>
             </a:extLst>
           </p:cNvPr>
@@ -7017,28 +6992,25 @@
             <p:ph type="title"/>
           </p:nvPr>
         </p:nvSpPr>
-        <p:spPr/>
+        <p:spPr>
+          <a:xfrm>
+            <a:off x="684213" y="685800"/>
+            <a:ext cx="8534400" cy="916372"/>
+          </a:xfrm>
+        </p:spPr>
         <p:txBody>
           <a:bodyPr/>
           <a:lstStyle/>
           <a:p>
             <a:r>
-              <a:rPr lang="en-IN" sz="1800" b="1" u="sng" dirty="0">
+              <a:rPr lang="en-IN" sz="1800" b="1" dirty="0">
                 <a:effectLst/>
                 <a:latin typeface="Times New Roman" panose="02020603050405020304" pitchFamily="18" charset="0"/>
                 <a:ea typeface="Times New Roman" panose="02020603050405020304" pitchFamily="18" charset="0"/>
                 <a:cs typeface="Mangal"/>
               </a:rPr>
-              <a:t>DFD Level 2.2:</a:t>
-            </a:r>
-            <a:br>
-              <a:rPr lang="en-IN" sz="1800" dirty="0">
-                <a:effectLst/>
-                <a:latin typeface="Calibri" panose="020F0502020204030204" pitchFamily="34" charset="0"/>
-                <a:ea typeface="Times New Roman" panose="02020603050405020304" pitchFamily="18" charset="0"/>
-                <a:cs typeface="Mangal"/>
-              </a:rPr>
-            </a:br>
+              <a:t>DFD Level 2.4:</a:t>
+            </a:r>
             <a:endParaRPr lang="en-IN" dirty="0"/>
           </a:p>
         </p:txBody>
@@ -7048,7 +7020,7 @@
           <p:cNvPr id="4" name="Content Placeholder 3">
             <a:extLst>
               <a:ext uri="{FF2B5EF4-FFF2-40B4-BE49-F238E27FC236}">
-                <a16:creationId xmlns:a16="http://schemas.microsoft.com/office/drawing/2014/main" id="{3A63DAD9-AEB8-4604-809E-295B6A4473C4}"/>
+                <a16:creationId xmlns:a16="http://schemas.microsoft.com/office/drawing/2014/main" id="{76256B95-CE57-4DD9-855C-AA6E932E66BE}"/>
               </a:ext>
             </a:extLst>
           </p:cNvPr>
@@ -7067,8 +7039,8 @@
         </p:blipFill>
         <p:spPr>
           <a:xfrm>
-            <a:off x="2765141" y="685800"/>
-            <a:ext cx="4382704" cy="3614738"/>
+            <a:off x="2714476" y="1602172"/>
+            <a:ext cx="4920320" cy="4745362"/>
           </a:xfrm>
           <a:prstGeom prst="rect">
             <a:avLst/>
@@ -7078,7 +7050,7 @@
     </p:spTree>
     <p:extLst>
       <p:ext uri="{BB962C8B-B14F-4D97-AF65-F5344CB8AC3E}">
-        <p14:creationId xmlns:p14="http://schemas.microsoft.com/office/powerpoint/2010/main" val="1259665726"/>
+        <p14:creationId xmlns:p14="http://schemas.microsoft.com/office/powerpoint/2010/main" val="822260222"/>
       </p:ext>
     </p:extLst>
   </p:cSld>
@@ -7110,7 +7082,7 @@
           <p:cNvPr id="2" name="Title 1">
             <a:extLst>
               <a:ext uri="{FF2B5EF4-FFF2-40B4-BE49-F238E27FC236}">
-                <a16:creationId xmlns:a16="http://schemas.microsoft.com/office/drawing/2014/main" id="{075CA7D8-1DEC-4C88-A8C4-099A61818967}"/>
+                <a16:creationId xmlns:a16="http://schemas.microsoft.com/office/drawing/2014/main" id="{70082A13-AE23-491D-9ABE-B07C9ED59377}"/>
               </a:ext>
             </a:extLst>
           </p:cNvPr>
@@ -7121,28 +7093,25 @@
             <p:ph type="title"/>
           </p:nvPr>
         </p:nvSpPr>
-        <p:spPr/>
+        <p:spPr>
+          <a:xfrm>
+            <a:off x="684212" y="685800"/>
+            <a:ext cx="8534400" cy="943005"/>
+          </a:xfrm>
+        </p:spPr>
         <p:txBody>
           <a:bodyPr/>
           <a:lstStyle/>
           <a:p>
             <a:r>
-              <a:rPr lang="en-IN" sz="1800" b="1" u="sng" dirty="0">
+              <a:rPr lang="en-IN" sz="1800" b="1" dirty="0">
                 <a:effectLst/>
                 <a:latin typeface="Times New Roman" panose="02020603050405020304" pitchFamily="18" charset="0"/>
                 <a:ea typeface="Times New Roman" panose="02020603050405020304" pitchFamily="18" charset="0"/>
                 <a:cs typeface="Mangal"/>
               </a:rPr>
-              <a:t>DFD Level 2.3:</a:t>
-            </a:r>
-            <a:br>
-              <a:rPr lang="en-IN" sz="1800" dirty="0">
-                <a:effectLst/>
-                <a:latin typeface="Calibri" panose="020F0502020204030204" pitchFamily="34" charset="0"/>
-                <a:ea typeface="Times New Roman" panose="02020603050405020304" pitchFamily="18" charset="0"/>
-                <a:cs typeface="Mangal"/>
-              </a:rPr>
-            </a:br>
+              <a:t>DFD Level 2.5:</a:t>
+            </a:r>
             <a:endParaRPr lang="en-IN" dirty="0"/>
           </a:p>
         </p:txBody>
@@ -7152,7 +7121,7 @@
           <p:cNvPr id="4" name="Content Placeholder 3">
             <a:extLst>
               <a:ext uri="{FF2B5EF4-FFF2-40B4-BE49-F238E27FC236}">
-                <a16:creationId xmlns:a16="http://schemas.microsoft.com/office/drawing/2014/main" id="{FA844AE0-11D6-4DC9-A70E-A610108D5551}"/>
+                <a16:creationId xmlns:a16="http://schemas.microsoft.com/office/drawing/2014/main" id="{88DA22C7-EAE8-49AF-AEAF-CE838CB86DD8}"/>
               </a:ext>
             </a:extLst>
           </p:cNvPr>
@@ -7171,8 +7140,8 @@
         </p:blipFill>
         <p:spPr>
           <a:xfrm>
-            <a:off x="2468679" y="685800"/>
-            <a:ext cx="4965468" cy="3614738"/>
+            <a:off x="2962468" y="1628804"/>
+            <a:ext cx="4441509" cy="4345868"/>
           </a:xfrm>
           <a:prstGeom prst="rect">
             <a:avLst/>
@@ -7182,7 +7151,7 @@
     </p:spTree>
     <p:extLst>
       <p:ext uri="{BB962C8B-B14F-4D97-AF65-F5344CB8AC3E}">
-        <p14:creationId xmlns:p14="http://schemas.microsoft.com/office/powerpoint/2010/main" val="180868274"/>
+        <p14:creationId xmlns:p14="http://schemas.microsoft.com/office/powerpoint/2010/main" val="1248307395"/>
       </p:ext>
     </p:extLst>
   </p:cSld>
@@ -7243,11 +7212,14 @@
                 <a:solidFill>
                   <a:srgbClr val="FF0066"/>
                 </a:solidFill>
+                <a:latin typeface="Agency FB" panose="020B0503020202020204" pitchFamily="34" charset="0"/>
               </a:rPr>
               <a:t>SDM COLLEGE </a:t>
             </a:r>
             <a:br>
-              <a:rPr lang="en-US" sz="5400" dirty="0"/>
+              <a:rPr lang="en-US" sz="5400" dirty="0">
+                <a:latin typeface="Agency FB" panose="020B0503020202020204" pitchFamily="34" charset="0"/>
+              </a:rPr>
             </a:br>
             <a:r>
               <a:rPr lang="en-US" sz="5400" b="1" dirty="0">
@@ -7256,6 +7228,7 @@
                     <a:lumMod val="95000"/>
                   </a:schemeClr>
                 </a:solidFill>
+                <a:latin typeface="Agency FB" panose="020B0503020202020204" pitchFamily="34" charset="0"/>
               </a:rPr>
               <a:t>EXTRA-CURRICULAR ACTIVITY MANAGEMENT</a:t>
             </a:r>
@@ -7265,6 +7238,7 @@
                   <a:lumMod val="95000"/>
                 </a:schemeClr>
               </a:solidFill>
+              <a:latin typeface="Agency FB" panose="020B0503020202020204" pitchFamily="34" charset="0"/>
             </a:endParaRPr>
           </a:p>
         </p:txBody>
@@ -7304,7 +7278,7 @@
           <p:cNvPr id="2" name="Title 1">
             <a:extLst>
               <a:ext uri="{FF2B5EF4-FFF2-40B4-BE49-F238E27FC236}">
-                <a16:creationId xmlns:a16="http://schemas.microsoft.com/office/drawing/2014/main" id="{99CA40C9-EAB6-4E6C-B60C-9789F207F827}"/>
+                <a16:creationId xmlns:a16="http://schemas.microsoft.com/office/drawing/2014/main" id="{97F8C791-047A-4BBF-9885-FF96628F6F6E}"/>
               </a:ext>
             </a:extLst>
           </p:cNvPr>
@@ -7315,172 +7289,151 @@
             <p:ph type="title"/>
           </p:nvPr>
         </p:nvSpPr>
-        <p:spPr/>
+        <p:spPr>
+          <a:xfrm>
+            <a:off x="684212" y="1371270"/>
+            <a:ext cx="8534400" cy="3910944"/>
+          </a:xfrm>
+        </p:spPr>
         <p:txBody>
           <a:bodyPr/>
           <a:lstStyle/>
           <a:p>
-            <a:r>
-              <a:rPr lang="en-IN" sz="1800" b="1" u="sng" dirty="0">
-                <a:effectLst/>
-                <a:latin typeface="Times New Roman" panose="02020603050405020304" pitchFamily="18" charset="0"/>
-                <a:ea typeface="Times New Roman" panose="02020603050405020304" pitchFamily="18" charset="0"/>
-                <a:cs typeface="Mangal"/>
+            <a:pPr algn="ctr"/>
+            <a:r>
+              <a:rPr lang="en-US" sz="5400" b="1" cap="none" dirty="0">
+                <a:ln w="13462">
+                  <a:solidFill>
+                    <a:schemeClr val="bg1"/>
+                  </a:solidFill>
+                  <a:prstDash val="solid"/>
+                </a:ln>
+                <a:solidFill>
+                  <a:schemeClr val="tx1">
+                    <a:lumMod val="85000"/>
+                    <a:lumOff val="15000"/>
+                  </a:schemeClr>
+                </a:solidFill>
+                <a:effectLst>
+                  <a:outerShdw dist="38100" dir="2700000" algn="bl" rotWithShape="0">
+                    <a:schemeClr val="accent5"/>
+                  </a:outerShdw>
+                </a:effectLst>
+                <a:latin typeface="Agency FB" panose="020B0503020202020204" pitchFamily="34" charset="0"/>
               </a:rPr>
-              <a:t>DFD Level 2.4:</a:t>
+              <a:t>THANK YOU</a:t>
             </a:r>
             <a:br>
-              <a:rPr lang="en-IN" sz="1800" dirty="0">
-                <a:effectLst/>
-                <a:latin typeface="Calibri" panose="020F0502020204030204" pitchFamily="34" charset="0"/>
-                <a:ea typeface="Times New Roman" panose="02020603050405020304" pitchFamily="18" charset="0"/>
-                <a:cs typeface="Mangal"/>
+              <a:rPr lang="en-US" b="1" cap="none" dirty="0">
+                <a:ln w="12700">
+                  <a:solidFill>
+                    <a:schemeClr val="accent5"/>
+                  </a:solidFill>
+                  <a:prstDash val="solid"/>
+                </a:ln>
+                <a:pattFill prst="ltDnDiag">
+                  <a:fgClr>
+                    <a:schemeClr val="accent5">
+                      <a:lumMod val="60000"/>
+                      <a:lumOff val="40000"/>
+                    </a:schemeClr>
+                  </a:fgClr>
+                  <a:bgClr>
+                    <a:schemeClr val="bg1"/>
+                  </a:bgClr>
+                </a:pattFill>
               </a:rPr>
             </a:br>
             <a:endParaRPr lang="en-IN" dirty="0"/>
           </a:p>
         </p:txBody>
       </p:sp>
-      <p:pic>
-        <p:nvPicPr>
-          <p:cNvPr id="4" name="Content Placeholder 3">
+      <p:sp>
+        <p:nvSpPr>
+          <p:cNvPr id="3" name="Content Placeholder 2">
             <a:extLst>
               <a:ext uri="{FF2B5EF4-FFF2-40B4-BE49-F238E27FC236}">
-                <a16:creationId xmlns:a16="http://schemas.microsoft.com/office/drawing/2014/main" id="{76256B95-CE57-4DD9-855C-AA6E932E66BE}"/>
+                <a16:creationId xmlns:a16="http://schemas.microsoft.com/office/drawing/2014/main" id="{C604E85D-F58F-46AB-B8D6-300B17AA06D7}"/>
               </a:ext>
             </a:extLst>
           </p:cNvPr>
-          <p:cNvPicPr>
-            <a:picLocks noGrp="1"/>
-          </p:cNvPicPr>
+          <p:cNvSpPr>
+            <a:spLocks noGrp="1"/>
+          </p:cNvSpPr>
           <p:nvPr>
             <p:ph idx="1"/>
           </p:nvPr>
-        </p:nvPicPr>
-        <p:blipFill>
-          <a:blip r:embed="rId2"/>
-          <a:stretch>
-            <a:fillRect/>
-          </a:stretch>
-        </p:blipFill>
+        </p:nvSpPr>
         <p:spPr>
           <a:xfrm>
-            <a:off x="2714476" y="685800"/>
-            <a:ext cx="4473874" cy="3614738"/>
+            <a:off x="684212" y="3213717"/>
+            <a:ext cx="8534400" cy="1087350"/>
+          </a:xfrm>
+        </p:spPr>
+        <p:txBody>
+          <a:bodyPr/>
+          <a:lstStyle/>
+          <a:p>
+            <a:endParaRPr lang="en-IN"/>
+          </a:p>
+        </p:txBody>
+      </p:sp>
+      <p:sp>
+        <p:nvSpPr>
+          <p:cNvPr id="4" name="Rectangle 3">
+            <a:extLst>
+              <a:ext uri="{FF2B5EF4-FFF2-40B4-BE49-F238E27FC236}">
+                <a16:creationId xmlns:a16="http://schemas.microsoft.com/office/drawing/2014/main" id="{527A969B-100A-45EA-B26E-9E239E7F69FD}"/>
+              </a:ext>
+            </a:extLst>
+          </p:cNvPr>
+          <p:cNvSpPr/>
+          <p:nvPr/>
+        </p:nvSpPr>
+        <p:spPr>
+          <a:xfrm>
+            <a:off x="6003634" y="2967335"/>
+            <a:ext cx="184730" cy="923330"/>
           </a:xfrm>
           <a:prstGeom prst="rect">
             <a:avLst/>
           </a:prstGeom>
+          <a:noFill/>
         </p:spPr>
-      </p:pic>
+        <p:txBody>
+          <a:bodyPr wrap="none" lIns="91440" tIns="45720" rIns="91440" bIns="45720">
+            <a:spAutoFit/>
+          </a:bodyPr>
+          <a:lstStyle/>
+          <a:p>
+            <a:pPr algn="ctr"/>
+            <a:endParaRPr lang="en-US" sz="5400" b="1" cap="none" spc="0" dirty="0">
+              <a:ln w="12700">
+                <a:solidFill>
+                  <a:schemeClr val="accent5"/>
+                </a:solidFill>
+                <a:prstDash val="solid"/>
+              </a:ln>
+              <a:pattFill prst="ltDnDiag">
+                <a:fgClr>
+                  <a:schemeClr val="accent5">
+                    <a:lumMod val="60000"/>
+                    <a:lumOff val="40000"/>
+                  </a:schemeClr>
+                </a:fgClr>
+                <a:bgClr>
+                  <a:schemeClr val="bg1"/>
+                </a:bgClr>
+              </a:pattFill>
+              <a:effectLst/>
+            </a:endParaRPr>
+          </a:p>
+        </p:txBody>
+      </p:sp>
     </p:spTree>
     <p:extLst>
       <p:ext uri="{BB962C8B-B14F-4D97-AF65-F5344CB8AC3E}">
-        <p14:creationId xmlns:p14="http://schemas.microsoft.com/office/powerpoint/2010/main" val="822260222"/>
-      </p:ext>
-    </p:extLst>
-  </p:cSld>
-  <p:clrMapOvr>
-    <a:masterClrMapping/>
-  </p:clrMapOvr>
-</p:sld>
-</file>
-
-<file path=ppt/slides/slide21.xml><?xml version="1.0" encoding="utf-8"?>
-<p:sld xmlns:a="http://schemas.openxmlformats.org/drawingml/2006/main" xmlns:r="http://schemas.openxmlformats.org/officeDocument/2006/relationships" xmlns:p="http://schemas.openxmlformats.org/presentationml/2006/main">
-  <p:cSld>
-    <p:spTree>
-      <p:nvGrpSpPr>
-        <p:cNvPr id="1" name=""/>
-        <p:cNvGrpSpPr/>
-        <p:nvPr/>
-      </p:nvGrpSpPr>
-      <p:grpSpPr>
-        <a:xfrm>
-          <a:off x="0" y="0"/>
-          <a:ext cx="0" cy="0"/>
-          <a:chOff x="0" y="0"/>
-          <a:chExt cx="0" cy="0"/>
-        </a:xfrm>
-      </p:grpSpPr>
-      <p:sp>
-        <p:nvSpPr>
-          <p:cNvPr id="2" name="Title 1">
-            <a:extLst>
-              <a:ext uri="{FF2B5EF4-FFF2-40B4-BE49-F238E27FC236}">
-                <a16:creationId xmlns:a16="http://schemas.microsoft.com/office/drawing/2014/main" id="{70082A13-AE23-491D-9ABE-B07C9ED59377}"/>
-              </a:ext>
-            </a:extLst>
-          </p:cNvPr>
-          <p:cNvSpPr>
-            <a:spLocks noGrp="1"/>
-          </p:cNvSpPr>
-          <p:nvPr>
-            <p:ph type="title"/>
-          </p:nvPr>
-        </p:nvSpPr>
-        <p:spPr/>
-        <p:txBody>
-          <a:bodyPr/>
-          <a:lstStyle/>
-          <a:p>
-            <a:r>
-              <a:rPr lang="en-IN" sz="1800" b="1" u="sng" dirty="0">
-                <a:effectLst/>
-                <a:latin typeface="Times New Roman" panose="02020603050405020304" pitchFamily="18" charset="0"/>
-                <a:ea typeface="Times New Roman" panose="02020603050405020304" pitchFamily="18" charset="0"/>
-                <a:cs typeface="Mangal"/>
-              </a:rPr>
-              <a:t>DFD Level 2.5:</a:t>
-            </a:r>
-            <a:br>
-              <a:rPr lang="en-IN" sz="1800" dirty="0">
-                <a:effectLst/>
-                <a:latin typeface="Calibri" panose="020F0502020204030204" pitchFamily="34" charset="0"/>
-                <a:ea typeface="Times New Roman" panose="02020603050405020304" pitchFamily="18" charset="0"/>
-                <a:cs typeface="Mangal"/>
-              </a:rPr>
-            </a:br>
-            <a:endParaRPr lang="en-IN" dirty="0"/>
-          </a:p>
-        </p:txBody>
-      </p:sp>
-      <p:pic>
-        <p:nvPicPr>
-          <p:cNvPr id="4" name="Content Placeholder 3">
-            <a:extLst>
-              <a:ext uri="{FF2B5EF4-FFF2-40B4-BE49-F238E27FC236}">
-                <a16:creationId xmlns:a16="http://schemas.microsoft.com/office/drawing/2014/main" id="{88DA22C7-EAE8-49AF-AEAF-CE838CB86DD8}"/>
-              </a:ext>
-            </a:extLst>
-          </p:cNvPr>
-          <p:cNvPicPr>
-            <a:picLocks noGrp="1"/>
-          </p:cNvPicPr>
-          <p:nvPr>
-            <p:ph idx="1"/>
-          </p:nvPr>
-        </p:nvPicPr>
-        <p:blipFill>
-          <a:blip r:embed="rId2"/>
-          <a:stretch>
-            <a:fillRect/>
-          </a:stretch>
-        </p:blipFill>
-        <p:spPr>
-          <a:xfrm>
-            <a:off x="2962469" y="685800"/>
-            <a:ext cx="3977887" cy="3614738"/>
-          </a:xfrm>
-          <a:prstGeom prst="rect">
-            <a:avLst/>
-          </a:prstGeom>
-        </p:spPr>
-      </p:pic>
-    </p:spTree>
-    <p:extLst>
-      <p:ext uri="{BB962C8B-B14F-4D97-AF65-F5344CB8AC3E}">
-        <p14:creationId xmlns:p14="http://schemas.microsoft.com/office/powerpoint/2010/main" val="1248307395"/>
+        <p14:creationId xmlns:p14="http://schemas.microsoft.com/office/powerpoint/2010/main" val="3909483996"/>
       </p:ext>
     </p:extLst>
   </p:cSld>

--- a/Project Docs/Presentation.pptx
+++ b/Project Docs/Presentation.pptx
@@ -2,7 +2,7 @@
 <file path=ppt/presentation.xml><?xml version="1.0" encoding="utf-8"?>
 <p:presentation xmlns:a="http://schemas.openxmlformats.org/drawingml/2006/main" xmlns:r="http://schemas.openxmlformats.org/officeDocument/2006/relationships" xmlns:p="http://schemas.openxmlformats.org/presentationml/2006/main" saveSubsetFonts="1">
   <p:sldMasterIdLst>
-    <p:sldMasterId id="2147483660" r:id="rId1"/>
+    <p:sldMasterId id="2147483696" r:id="rId1"/>
   </p:sldMasterIdLst>
   <p:sldIdLst>
     <p:sldId id="256" r:id="rId2"/>
@@ -150,6 +150,44 @@
       </p:grpSpPr>
       <p:sp>
         <p:nvSpPr>
+          <p:cNvPr id="7" name="Rectangle 6"/>
+          <p:cNvSpPr/>
+          <p:nvPr/>
+        </p:nvSpPr>
+        <p:spPr>
+          <a:xfrm>
+            <a:off x="-6843" y="2059012"/>
+            <a:ext cx="12195668" cy="1828800"/>
+          </a:xfrm>
+          <a:prstGeom prst="rect">
+            <a:avLst/>
+          </a:prstGeom>
+          <a:solidFill>
+            <a:schemeClr val="tx1"/>
+          </a:solidFill>
+          <a:ln>
+            <a:noFill/>
+          </a:ln>
+        </p:spPr>
+        <p:style>
+          <a:lnRef idx="2">
+            <a:schemeClr val="accent1">
+              <a:shade val="50000"/>
+            </a:schemeClr>
+          </a:lnRef>
+          <a:fillRef idx="1">
+            <a:schemeClr val="accent1"/>
+          </a:fillRef>
+          <a:effectRef idx="0">
+            <a:schemeClr val="accent1"/>
+          </a:effectRef>
+          <a:fontRef idx="minor">
+            <a:schemeClr val="lt1"/>
+          </a:fontRef>
+        </p:style>
+      </p:sp>
+      <p:sp>
+        <p:nvSpPr>
           <p:cNvPr id="2" name="Title 1"/>
           <p:cNvSpPr>
             <a:spLocks noGrp="1"/>
@@ -160,19 +198,20 @@
         </p:nvSpPr>
         <p:spPr>
           <a:xfrm>
-            <a:off x="684212" y="685799"/>
-            <a:ext cx="8001000" cy="2971801"/>
+            <a:off x="365759" y="2166364"/>
+            <a:ext cx="11471565" cy="1739347"/>
           </a:xfrm>
         </p:spPr>
         <p:txBody>
-          <a:bodyPr anchor="b">
+          <a:bodyPr tIns="45720" bIns="45720" anchor="ctr">
             <a:normAutofit/>
           </a:bodyPr>
           <a:lstStyle>
-            <a:lvl1pPr algn="l">
-              <a:defRPr sz="4800">
-                <a:effectLst/>
-              </a:defRPr>
+            <a:lvl1pPr algn="ctr">
+              <a:lnSpc>
+                <a:spcPct val="80000"/>
+              </a:lnSpc>
+              <a:defRPr sz="6000" spc="150" baseline="0"/>
             </a:lvl1pPr>
           </a:lstStyle>
           <a:p>
@@ -196,104 +235,50 @@
         </p:nvSpPr>
         <p:spPr>
           <a:xfrm>
-            <a:off x="684212" y="3843867"/>
-            <a:ext cx="6400800" cy="1947333"/>
+            <a:off x="1524000" y="3996250"/>
+            <a:ext cx="9144000" cy="1309255"/>
           </a:xfrm>
         </p:spPr>
         <p:txBody>
-          <a:bodyPr anchor="t">
+          <a:bodyPr>
             <a:normAutofit/>
           </a:bodyPr>
           <a:lstStyle>
-            <a:lvl1pPr marL="0" indent="0" algn="l">
+            <a:lvl1pPr marL="0" indent="0" algn="ctr">
               <a:buNone/>
-              <a:defRPr sz="2100">
-                <a:solidFill>
-                  <a:schemeClr val="bg2">
-                    <a:lumMod val="75000"/>
-                  </a:schemeClr>
-                </a:solidFill>
-              </a:defRPr>
+              <a:defRPr sz="2000"/>
             </a:lvl1pPr>
             <a:lvl2pPr marL="457200" indent="0" algn="ctr">
               <a:buNone/>
-              <a:defRPr>
-                <a:solidFill>
-                  <a:schemeClr val="tx1">
-                    <a:tint val="75000"/>
-                  </a:schemeClr>
-                </a:solidFill>
-              </a:defRPr>
+              <a:defRPr sz="2000"/>
             </a:lvl2pPr>
             <a:lvl3pPr marL="914400" indent="0" algn="ctr">
               <a:buNone/>
-              <a:defRPr>
-                <a:solidFill>
-                  <a:schemeClr val="tx1">
-                    <a:tint val="75000"/>
-                  </a:schemeClr>
-                </a:solidFill>
-              </a:defRPr>
+              <a:defRPr sz="2000"/>
             </a:lvl3pPr>
             <a:lvl4pPr marL="1371600" indent="0" algn="ctr">
               <a:buNone/>
-              <a:defRPr>
-                <a:solidFill>
-                  <a:schemeClr val="tx1">
-                    <a:tint val="75000"/>
-                  </a:schemeClr>
-                </a:solidFill>
-              </a:defRPr>
+              <a:defRPr sz="2000"/>
             </a:lvl4pPr>
             <a:lvl5pPr marL="1828800" indent="0" algn="ctr">
               <a:buNone/>
-              <a:defRPr>
-                <a:solidFill>
-                  <a:schemeClr val="tx1">
-                    <a:tint val="75000"/>
-                  </a:schemeClr>
-                </a:solidFill>
-              </a:defRPr>
+              <a:defRPr sz="2000"/>
             </a:lvl5pPr>
             <a:lvl6pPr marL="2286000" indent="0" algn="ctr">
               <a:buNone/>
-              <a:defRPr>
-                <a:solidFill>
-                  <a:schemeClr val="tx1">
-                    <a:tint val="75000"/>
-                  </a:schemeClr>
-                </a:solidFill>
-              </a:defRPr>
+              <a:defRPr sz="2000"/>
             </a:lvl6pPr>
             <a:lvl7pPr marL="2743200" indent="0" algn="ctr">
               <a:buNone/>
-              <a:defRPr>
-                <a:solidFill>
-                  <a:schemeClr val="tx1">
-                    <a:tint val="75000"/>
-                  </a:schemeClr>
-                </a:solidFill>
-              </a:defRPr>
+              <a:defRPr sz="2000"/>
             </a:lvl7pPr>
             <a:lvl8pPr marL="3200400" indent="0" algn="ctr">
               <a:buNone/>
-              <a:defRPr>
-                <a:solidFill>
-                  <a:schemeClr val="tx1">
-                    <a:tint val="75000"/>
-                  </a:schemeClr>
-                </a:solidFill>
-              </a:defRPr>
+              <a:defRPr sz="2000"/>
             </a:lvl8pPr>
             <a:lvl9pPr marL="3657600" indent="0" algn="ctr">
               <a:buNone/>
-              <a:defRPr>
-                <a:solidFill>
-                  <a:schemeClr val="tx1">
-                    <a:tint val="75000"/>
-                  </a:schemeClr>
-                </a:solidFill>
-              </a:defRPr>
+              <a:defRPr sz="2000"/>
             </a:lvl9pPr>
           </a:lstStyle>
           <a:p>
@@ -370,185 +355,10 @@
           </a:p>
         </p:txBody>
       </p:sp>
-      <p:cxnSp>
-        <p:nvCxnSpPr>
-          <p:cNvPr id="16" name="Straight Connector 15"/>
-          <p:cNvCxnSpPr/>
-          <p:nvPr/>
-        </p:nvCxnSpPr>
-        <p:spPr>
-          <a:xfrm flipH="1">
-            <a:off x="8228012" y="8467"/>
-            <a:ext cx="3810000" cy="3810000"/>
-          </a:xfrm>
-          <a:prstGeom prst="line">
-            <a:avLst/>
-          </a:prstGeom>
-          <a:ln w="12700">
-            <a:solidFill>
-              <a:schemeClr val="tx1"/>
-            </a:solidFill>
-          </a:ln>
-        </p:spPr>
-        <p:style>
-          <a:lnRef idx="2">
-            <a:schemeClr val="accent1"/>
-          </a:lnRef>
-          <a:fillRef idx="0">
-            <a:schemeClr val="accent1"/>
-          </a:fillRef>
-          <a:effectRef idx="1">
-            <a:schemeClr val="accent1"/>
-          </a:effectRef>
-          <a:fontRef idx="minor">
-            <a:schemeClr val="tx1"/>
-          </a:fontRef>
-        </p:style>
-      </p:cxnSp>
-      <p:cxnSp>
-        <p:nvCxnSpPr>
-          <p:cNvPr id="17" name="Straight Connector 16"/>
-          <p:cNvCxnSpPr/>
-          <p:nvPr/>
-        </p:nvCxnSpPr>
-        <p:spPr>
-          <a:xfrm flipH="1">
-            <a:off x="6108170" y="91545"/>
-            <a:ext cx="6080655" cy="6080655"/>
-          </a:xfrm>
-          <a:prstGeom prst="line">
-            <a:avLst/>
-          </a:prstGeom>
-          <a:ln w="12700">
-            <a:solidFill>
-              <a:schemeClr val="tx1"/>
-            </a:solidFill>
-          </a:ln>
-        </p:spPr>
-        <p:style>
-          <a:lnRef idx="2">
-            <a:schemeClr val="accent1"/>
-          </a:lnRef>
-          <a:fillRef idx="0">
-            <a:schemeClr val="accent1"/>
-          </a:fillRef>
-          <a:effectRef idx="1">
-            <a:schemeClr val="accent1"/>
-          </a:effectRef>
-          <a:fontRef idx="minor">
-            <a:schemeClr val="tx1"/>
-          </a:fontRef>
-        </p:style>
-      </p:cxnSp>
-      <p:cxnSp>
-        <p:nvCxnSpPr>
-          <p:cNvPr id="19" name="Straight Connector 18"/>
-          <p:cNvCxnSpPr/>
-          <p:nvPr/>
-        </p:nvCxnSpPr>
-        <p:spPr>
-          <a:xfrm flipH="1">
-            <a:off x="7235825" y="228600"/>
-            <a:ext cx="4953000" cy="4953000"/>
-          </a:xfrm>
-          <a:prstGeom prst="line">
-            <a:avLst/>
-          </a:prstGeom>
-          <a:ln w="12700">
-            <a:solidFill>
-              <a:schemeClr val="tx1"/>
-            </a:solidFill>
-          </a:ln>
-        </p:spPr>
-        <p:style>
-          <a:lnRef idx="2">
-            <a:schemeClr val="accent1"/>
-          </a:lnRef>
-          <a:fillRef idx="0">
-            <a:schemeClr val="accent1"/>
-          </a:fillRef>
-          <a:effectRef idx="1">
-            <a:schemeClr val="accent1"/>
-          </a:effectRef>
-          <a:fontRef idx="minor">
-            <a:schemeClr val="tx1"/>
-          </a:fontRef>
-        </p:style>
-      </p:cxnSp>
-      <p:cxnSp>
-        <p:nvCxnSpPr>
-          <p:cNvPr id="21" name="Straight Connector 20"/>
-          <p:cNvCxnSpPr/>
-          <p:nvPr/>
-        </p:nvCxnSpPr>
-        <p:spPr>
-          <a:xfrm flipH="1">
-            <a:off x="7335837" y="32278"/>
-            <a:ext cx="4852989" cy="4852989"/>
-          </a:xfrm>
-          <a:prstGeom prst="line">
-            <a:avLst/>
-          </a:prstGeom>
-          <a:ln w="31750">
-            <a:solidFill>
-              <a:schemeClr val="tx1"/>
-            </a:solidFill>
-          </a:ln>
-        </p:spPr>
-        <p:style>
-          <a:lnRef idx="2">
-            <a:schemeClr val="accent1"/>
-          </a:lnRef>
-          <a:fillRef idx="0">
-            <a:schemeClr val="accent1"/>
-          </a:fillRef>
-          <a:effectRef idx="1">
-            <a:schemeClr val="accent1"/>
-          </a:effectRef>
-          <a:fontRef idx="minor">
-            <a:schemeClr val="tx1"/>
-          </a:fontRef>
-        </p:style>
-      </p:cxnSp>
-      <p:cxnSp>
-        <p:nvCxnSpPr>
-          <p:cNvPr id="23" name="Straight Connector 22"/>
-          <p:cNvCxnSpPr/>
-          <p:nvPr/>
-        </p:nvCxnSpPr>
-        <p:spPr>
-          <a:xfrm flipH="1">
-            <a:off x="7845426" y="609601"/>
-            <a:ext cx="4343399" cy="4343399"/>
-          </a:xfrm>
-          <a:prstGeom prst="line">
-            <a:avLst/>
-          </a:prstGeom>
-          <a:ln w="31750">
-            <a:solidFill>
-              <a:schemeClr val="tx1"/>
-            </a:solidFill>
-          </a:ln>
-        </p:spPr>
-        <p:style>
-          <a:lnRef idx="2">
-            <a:schemeClr val="accent1"/>
-          </a:lnRef>
-          <a:fillRef idx="0">
-            <a:schemeClr val="accent1"/>
-          </a:fillRef>
-          <a:effectRef idx="1">
-            <a:schemeClr val="accent1"/>
-          </a:effectRef>
-          <a:fontRef idx="minor">
-            <a:schemeClr val="tx1"/>
-          </a:fontRef>
-        </p:style>
-      </p:cxnSp>
     </p:spTree>
     <p:extLst>
       <p:ext uri="{BB962C8B-B14F-4D97-AF65-F5344CB8AC3E}">
-        <p14:creationId xmlns:p14="http://schemas.microsoft.com/office/powerpoint/2010/main" val="462792466"/>
+        <p14:creationId xmlns:p14="http://schemas.microsoft.com/office/powerpoint/2010/main" val="1761784127"/>
       </p:ext>
     </p:extLst>
   </p:cSld>
@@ -559,1812 +369,6 @@
 </file>
 
 <file path=ppt/slideLayouts/slideLayout10.xml><?xml version="1.0" encoding="utf-8"?>
-<p:sldLayout xmlns:a="http://schemas.openxmlformats.org/drawingml/2006/main" xmlns:r="http://schemas.openxmlformats.org/officeDocument/2006/relationships" xmlns:p="http://schemas.openxmlformats.org/presentationml/2006/main" preserve="1">
-  <p:cSld name="Panoramic Picture with Caption">
-    <p:spTree>
-      <p:nvGrpSpPr>
-        <p:cNvPr id="1" name=""/>
-        <p:cNvGrpSpPr/>
-        <p:nvPr/>
-      </p:nvGrpSpPr>
-      <p:grpSpPr>
-        <a:xfrm>
-          <a:off x="0" y="0"/>
-          <a:ext cx="0" cy="0"/>
-          <a:chOff x="0" y="0"/>
-          <a:chExt cx="0" cy="0"/>
-        </a:xfrm>
-      </p:grpSpPr>
-      <p:sp>
-        <p:nvSpPr>
-          <p:cNvPr id="2" name="Title 1"/>
-          <p:cNvSpPr>
-            <a:spLocks noGrp="1"/>
-          </p:cNvSpPr>
-          <p:nvPr>
-            <p:ph type="title"/>
-          </p:nvPr>
-        </p:nvSpPr>
-        <p:spPr/>
-        <p:txBody>
-          <a:bodyPr/>
-          <a:lstStyle/>
-          <a:p>
-            <a:r>
-              <a:rPr lang="en-US"/>
-              <a:t>Click to edit Master title style</a:t>
-            </a:r>
-            <a:endParaRPr lang="en-US" dirty="0"/>
-          </a:p>
-        </p:txBody>
-      </p:sp>
-      <p:sp>
-        <p:nvSpPr>
-          <p:cNvPr id="17" name="Picture Placeholder 2"/>
-          <p:cNvSpPr>
-            <a:spLocks noGrp="1" noChangeAspect="1"/>
-          </p:cNvSpPr>
-          <p:nvPr>
-            <p:ph type="pic" idx="13"/>
-          </p:nvPr>
-        </p:nvSpPr>
-        <p:spPr>
-          <a:xfrm>
-            <a:off x="685800" y="533400"/>
-            <a:ext cx="10818812" cy="3124200"/>
-          </a:xfrm>
-          <a:prstGeom prst="snip2DiagRect">
-            <a:avLst>
-              <a:gd name="adj1" fmla="val 10815"/>
-              <a:gd name="adj2" fmla="val 0"/>
-            </a:avLst>
-          </a:prstGeom>
-          <a:ln w="15875">
-            <a:solidFill>
-              <a:schemeClr val="tx1">
-                <a:alpha val="40000"/>
-              </a:schemeClr>
-            </a:solidFill>
-          </a:ln>
-          <a:effectLst>
-            <a:innerShdw blurRad="57150" dist="38100" dir="14460000">
-              <a:srgbClr val="000000">
-                <a:alpha val="70000"/>
-              </a:srgbClr>
-            </a:innerShdw>
-          </a:effectLst>
-        </p:spPr>
-        <p:txBody>
-          <a:bodyPr anchor="t">
-            <a:normAutofit/>
-          </a:bodyPr>
-          <a:lstStyle>
-            <a:lvl1pPr marL="0" indent="0" algn="ctr">
-              <a:buNone/>
-              <a:defRPr sz="1600"/>
-            </a:lvl1pPr>
-            <a:lvl2pPr marL="457200" indent="0">
-              <a:buNone/>
-              <a:defRPr sz="1600"/>
-            </a:lvl2pPr>
-            <a:lvl3pPr marL="914400" indent="0">
-              <a:buNone/>
-              <a:defRPr sz="1600"/>
-            </a:lvl3pPr>
-            <a:lvl4pPr marL="1371600" indent="0">
-              <a:buNone/>
-              <a:defRPr sz="1600"/>
-            </a:lvl4pPr>
-            <a:lvl5pPr marL="1828800" indent="0">
-              <a:buNone/>
-              <a:defRPr sz="1600"/>
-            </a:lvl5pPr>
-            <a:lvl6pPr marL="2286000" indent="0">
-              <a:buNone/>
-              <a:defRPr sz="1600"/>
-            </a:lvl6pPr>
-            <a:lvl7pPr marL="2743200" indent="0">
-              <a:buNone/>
-              <a:defRPr sz="1600"/>
-            </a:lvl7pPr>
-            <a:lvl8pPr marL="3200400" indent="0">
-              <a:buNone/>
-              <a:defRPr sz="1600"/>
-            </a:lvl8pPr>
-            <a:lvl9pPr marL="3657600" indent="0">
-              <a:buNone/>
-              <a:defRPr sz="1600"/>
-            </a:lvl9pPr>
-          </a:lstStyle>
-          <a:p>
-            <a:r>
-              <a:rPr lang="en-US"/>
-              <a:t>Click icon to add picture</a:t>
-            </a:r>
-            <a:endParaRPr lang="en-US" dirty="0"/>
-          </a:p>
-        </p:txBody>
-      </p:sp>
-      <p:sp>
-        <p:nvSpPr>
-          <p:cNvPr id="16" name="Text Placeholder 9"/>
-          <p:cNvSpPr>
-            <a:spLocks noGrp="1"/>
-          </p:cNvSpPr>
-          <p:nvPr>
-            <p:ph type="body" sz="quarter" idx="14"/>
-          </p:nvPr>
-        </p:nvSpPr>
-        <p:spPr>
-          <a:xfrm>
-            <a:off x="914402" y="3843867"/>
-            <a:ext cx="8304210" cy="457200"/>
-          </a:xfrm>
-        </p:spPr>
-        <p:txBody>
-          <a:bodyPr anchor="t">
-            <a:normAutofit/>
-          </a:bodyPr>
-          <a:lstStyle>
-            <a:lvl1pPr marL="0" indent="0">
-              <a:buFontTx/>
-              <a:buNone/>
-              <a:defRPr sz="1600"/>
-            </a:lvl1pPr>
-            <a:lvl2pPr marL="457200" indent="0">
-              <a:buFontTx/>
-              <a:buNone/>
-              <a:defRPr/>
-            </a:lvl2pPr>
-            <a:lvl3pPr marL="914400" indent="0">
-              <a:buFontTx/>
-              <a:buNone/>
-              <a:defRPr/>
-            </a:lvl3pPr>
-            <a:lvl4pPr marL="1371600" indent="0">
-              <a:buFontTx/>
-              <a:buNone/>
-              <a:defRPr/>
-            </a:lvl4pPr>
-            <a:lvl5pPr marL="1828800" indent="0">
-              <a:buFontTx/>
-              <a:buNone/>
-              <a:defRPr/>
-            </a:lvl5pPr>
-          </a:lstStyle>
-          <a:p>
-            <a:pPr lvl="0"/>
-            <a:r>
-              <a:rPr lang="en-US"/>
-              <a:t>Click to edit Master text styles</a:t>
-            </a:r>
-          </a:p>
-        </p:txBody>
-      </p:sp>
-      <p:sp>
-        <p:nvSpPr>
-          <p:cNvPr id="3" name="Date Placeholder 2"/>
-          <p:cNvSpPr>
-            <a:spLocks noGrp="1"/>
-          </p:cNvSpPr>
-          <p:nvPr>
-            <p:ph type="dt" sz="half" idx="10"/>
-          </p:nvPr>
-        </p:nvSpPr>
-        <p:spPr/>
-        <p:txBody>
-          <a:bodyPr/>
-          <a:lstStyle/>
-          <a:p>
-            <a:fld id="{BF68B1DA-85AE-4601-877C-5515C57D8413}" type="datetimeFigureOut">
-              <a:rPr lang="en-IN" smtClean="0"/>
-              <a:t>19-09-2021</a:t>
-            </a:fld>
-            <a:endParaRPr lang="en-IN"/>
-          </a:p>
-        </p:txBody>
-      </p:sp>
-      <p:sp>
-        <p:nvSpPr>
-          <p:cNvPr id="4" name="Footer Placeholder 3"/>
-          <p:cNvSpPr>
-            <a:spLocks noGrp="1"/>
-          </p:cNvSpPr>
-          <p:nvPr>
-            <p:ph type="ftr" sz="quarter" idx="11"/>
-          </p:nvPr>
-        </p:nvSpPr>
-        <p:spPr/>
-        <p:txBody>
-          <a:bodyPr/>
-          <a:lstStyle/>
-          <a:p>
-            <a:endParaRPr lang="en-IN"/>
-          </a:p>
-        </p:txBody>
-      </p:sp>
-      <p:sp>
-        <p:nvSpPr>
-          <p:cNvPr id="5" name="Slide Number Placeholder 4"/>
-          <p:cNvSpPr>
-            <a:spLocks noGrp="1"/>
-          </p:cNvSpPr>
-          <p:nvPr>
-            <p:ph type="sldNum" sz="quarter" idx="12"/>
-          </p:nvPr>
-        </p:nvSpPr>
-        <p:spPr/>
-        <p:txBody>
-          <a:bodyPr/>
-          <a:lstStyle/>
-          <a:p>
-            <a:fld id="{003DB5BE-F3BA-4392-AAF4-F8189CE57315}" type="slidenum">
-              <a:rPr lang="en-IN" smtClean="0"/>
-              <a:t>‹#›</a:t>
-            </a:fld>
-            <a:endParaRPr lang="en-IN"/>
-          </a:p>
-        </p:txBody>
-      </p:sp>
-    </p:spTree>
-    <p:extLst>
-      <p:ext uri="{BB962C8B-B14F-4D97-AF65-F5344CB8AC3E}">
-        <p14:creationId xmlns:p14="http://schemas.microsoft.com/office/powerpoint/2010/main" val="3041803189"/>
-      </p:ext>
-    </p:extLst>
-  </p:cSld>
-  <p:clrMapOvr>
-    <a:masterClrMapping/>
-  </p:clrMapOvr>
-</p:sldLayout>
-</file>
-
-<file path=ppt/slideLayouts/slideLayout11.xml><?xml version="1.0" encoding="utf-8"?>
-<p:sldLayout xmlns:a="http://schemas.openxmlformats.org/drawingml/2006/main" xmlns:r="http://schemas.openxmlformats.org/officeDocument/2006/relationships" xmlns:p="http://schemas.openxmlformats.org/presentationml/2006/main" preserve="1">
-  <p:cSld name="Title and Caption">
-    <p:spTree>
-      <p:nvGrpSpPr>
-        <p:cNvPr id="1" name=""/>
-        <p:cNvGrpSpPr/>
-        <p:nvPr/>
-      </p:nvGrpSpPr>
-      <p:grpSpPr>
-        <a:xfrm>
-          <a:off x="0" y="0"/>
-          <a:ext cx="0" cy="0"/>
-          <a:chOff x="0" y="0"/>
-          <a:chExt cx="0" cy="0"/>
-        </a:xfrm>
-      </p:grpSpPr>
-      <p:sp>
-        <p:nvSpPr>
-          <p:cNvPr id="2" name="Title 1"/>
-          <p:cNvSpPr>
-            <a:spLocks noGrp="1"/>
-          </p:cNvSpPr>
-          <p:nvPr>
-            <p:ph type="title"/>
-          </p:nvPr>
-        </p:nvSpPr>
-        <p:spPr>
-          <a:xfrm>
-            <a:off x="684213" y="685800"/>
-            <a:ext cx="10058400" cy="2743200"/>
-          </a:xfrm>
-        </p:spPr>
-        <p:txBody>
-          <a:bodyPr anchor="ctr">
-            <a:normAutofit/>
-          </a:bodyPr>
-          <a:lstStyle>
-            <a:lvl1pPr algn="l">
-              <a:defRPr sz="3200" b="0" cap="all"/>
-            </a:lvl1pPr>
-          </a:lstStyle>
-          <a:p>
-            <a:r>
-              <a:rPr lang="en-US"/>
-              <a:t>Click to edit Master title style</a:t>
-            </a:r>
-            <a:endParaRPr lang="en-US" dirty="0"/>
-          </a:p>
-        </p:txBody>
-      </p:sp>
-      <p:sp>
-        <p:nvSpPr>
-          <p:cNvPr id="3" name="Text Placeholder 2"/>
-          <p:cNvSpPr>
-            <a:spLocks noGrp="1"/>
-          </p:cNvSpPr>
-          <p:nvPr>
-            <p:ph type="body" idx="1"/>
-          </p:nvPr>
-        </p:nvSpPr>
-        <p:spPr>
-          <a:xfrm>
-            <a:off x="684212" y="4114800"/>
-            <a:ext cx="8535988" cy="1879600"/>
-          </a:xfrm>
-        </p:spPr>
-        <p:txBody>
-          <a:bodyPr anchor="ctr">
-            <a:normAutofit/>
-          </a:bodyPr>
-          <a:lstStyle>
-            <a:lvl1pPr marL="0" indent="0" algn="l">
-              <a:buNone/>
-              <a:defRPr sz="2000">
-                <a:solidFill>
-                  <a:schemeClr val="bg2">
-                    <a:lumMod val="75000"/>
-                  </a:schemeClr>
-                </a:solidFill>
-              </a:defRPr>
-            </a:lvl1pPr>
-            <a:lvl2pPr marL="457200" indent="0">
-              <a:buNone/>
-              <a:defRPr sz="1800">
-                <a:solidFill>
-                  <a:schemeClr val="tx1">
-                    <a:tint val="75000"/>
-                  </a:schemeClr>
-                </a:solidFill>
-              </a:defRPr>
-            </a:lvl2pPr>
-            <a:lvl3pPr marL="914400" indent="0">
-              <a:buNone/>
-              <a:defRPr sz="1600">
-                <a:solidFill>
-                  <a:schemeClr val="tx1">
-                    <a:tint val="75000"/>
-                  </a:schemeClr>
-                </a:solidFill>
-              </a:defRPr>
-            </a:lvl3pPr>
-            <a:lvl4pPr marL="1371600" indent="0">
-              <a:buNone/>
-              <a:defRPr sz="1400">
-                <a:solidFill>
-                  <a:schemeClr val="tx1">
-                    <a:tint val="75000"/>
-                  </a:schemeClr>
-                </a:solidFill>
-              </a:defRPr>
-            </a:lvl4pPr>
-            <a:lvl5pPr marL="1828800" indent="0">
-              <a:buNone/>
-              <a:defRPr sz="1400">
-                <a:solidFill>
-                  <a:schemeClr val="tx1">
-                    <a:tint val="75000"/>
-                  </a:schemeClr>
-                </a:solidFill>
-              </a:defRPr>
-            </a:lvl5pPr>
-            <a:lvl6pPr marL="2286000" indent="0">
-              <a:buNone/>
-              <a:defRPr sz="1400">
-                <a:solidFill>
-                  <a:schemeClr val="tx1">
-                    <a:tint val="75000"/>
-                  </a:schemeClr>
-                </a:solidFill>
-              </a:defRPr>
-            </a:lvl6pPr>
-            <a:lvl7pPr marL="2743200" indent="0">
-              <a:buNone/>
-              <a:defRPr sz="1400">
-                <a:solidFill>
-                  <a:schemeClr val="tx1">
-                    <a:tint val="75000"/>
-                  </a:schemeClr>
-                </a:solidFill>
-              </a:defRPr>
-            </a:lvl7pPr>
-            <a:lvl8pPr marL="3200400" indent="0">
-              <a:buNone/>
-              <a:defRPr sz="1400">
-                <a:solidFill>
-                  <a:schemeClr val="tx1">
-                    <a:tint val="75000"/>
-                  </a:schemeClr>
-                </a:solidFill>
-              </a:defRPr>
-            </a:lvl8pPr>
-            <a:lvl9pPr marL="3657600" indent="0">
-              <a:buNone/>
-              <a:defRPr sz="1400">
-                <a:solidFill>
-                  <a:schemeClr val="tx1">
-                    <a:tint val="75000"/>
-                  </a:schemeClr>
-                </a:solidFill>
-              </a:defRPr>
-            </a:lvl9pPr>
-          </a:lstStyle>
-          <a:p>
-            <a:pPr lvl="0"/>
-            <a:r>
-              <a:rPr lang="en-US"/>
-              <a:t>Click to edit Master text styles</a:t>
-            </a:r>
-          </a:p>
-        </p:txBody>
-      </p:sp>
-      <p:sp>
-        <p:nvSpPr>
-          <p:cNvPr id="4" name="Date Placeholder 3"/>
-          <p:cNvSpPr>
-            <a:spLocks noGrp="1"/>
-          </p:cNvSpPr>
-          <p:nvPr>
-            <p:ph type="dt" sz="half" idx="10"/>
-          </p:nvPr>
-        </p:nvSpPr>
-        <p:spPr/>
-        <p:txBody>
-          <a:bodyPr/>
-          <a:lstStyle/>
-          <a:p>
-            <a:fld id="{BF68B1DA-85AE-4601-877C-5515C57D8413}" type="datetimeFigureOut">
-              <a:rPr lang="en-IN" smtClean="0"/>
-              <a:t>19-09-2021</a:t>
-            </a:fld>
-            <a:endParaRPr lang="en-IN"/>
-          </a:p>
-        </p:txBody>
-      </p:sp>
-      <p:sp>
-        <p:nvSpPr>
-          <p:cNvPr id="5" name="Footer Placeholder 4"/>
-          <p:cNvSpPr>
-            <a:spLocks noGrp="1"/>
-          </p:cNvSpPr>
-          <p:nvPr>
-            <p:ph type="ftr" sz="quarter" idx="11"/>
-          </p:nvPr>
-        </p:nvSpPr>
-        <p:spPr/>
-        <p:txBody>
-          <a:bodyPr/>
-          <a:lstStyle/>
-          <a:p>
-            <a:endParaRPr lang="en-IN"/>
-          </a:p>
-        </p:txBody>
-      </p:sp>
-      <p:sp>
-        <p:nvSpPr>
-          <p:cNvPr id="6" name="Slide Number Placeholder 5"/>
-          <p:cNvSpPr>
-            <a:spLocks noGrp="1"/>
-          </p:cNvSpPr>
-          <p:nvPr>
-            <p:ph type="sldNum" sz="quarter" idx="12"/>
-          </p:nvPr>
-        </p:nvSpPr>
-        <p:spPr/>
-        <p:txBody>
-          <a:bodyPr/>
-          <a:lstStyle/>
-          <a:p>
-            <a:fld id="{003DB5BE-F3BA-4392-AAF4-F8189CE57315}" type="slidenum">
-              <a:rPr lang="en-IN" smtClean="0"/>
-              <a:t>‹#›</a:t>
-            </a:fld>
-            <a:endParaRPr lang="en-IN"/>
-          </a:p>
-        </p:txBody>
-      </p:sp>
-    </p:spTree>
-    <p:extLst>
-      <p:ext uri="{BB962C8B-B14F-4D97-AF65-F5344CB8AC3E}">
-        <p14:creationId xmlns:p14="http://schemas.microsoft.com/office/powerpoint/2010/main" val="1784880518"/>
-      </p:ext>
-    </p:extLst>
-  </p:cSld>
-  <p:clrMapOvr>
-    <a:masterClrMapping/>
-  </p:clrMapOvr>
-</p:sldLayout>
-</file>
-
-<file path=ppt/slideLayouts/slideLayout12.xml><?xml version="1.0" encoding="utf-8"?>
-<p:sldLayout xmlns:a="http://schemas.openxmlformats.org/drawingml/2006/main" xmlns:r="http://schemas.openxmlformats.org/officeDocument/2006/relationships" xmlns:p="http://schemas.openxmlformats.org/presentationml/2006/main" preserve="1">
-  <p:cSld name="Quote with Caption">
-    <p:spTree>
-      <p:nvGrpSpPr>
-        <p:cNvPr id="1" name=""/>
-        <p:cNvGrpSpPr/>
-        <p:nvPr/>
-      </p:nvGrpSpPr>
-      <p:grpSpPr>
-        <a:xfrm>
-          <a:off x="0" y="0"/>
-          <a:ext cx="0" cy="0"/>
-          <a:chOff x="0" y="0"/>
-          <a:chExt cx="0" cy="0"/>
-        </a:xfrm>
-      </p:grpSpPr>
-      <p:sp>
-        <p:nvSpPr>
-          <p:cNvPr id="2" name="Title 1"/>
-          <p:cNvSpPr>
-            <a:spLocks noGrp="1"/>
-          </p:cNvSpPr>
-          <p:nvPr>
-            <p:ph type="title"/>
-          </p:nvPr>
-        </p:nvSpPr>
-        <p:spPr>
-          <a:xfrm>
-            <a:off x="1141411" y="685800"/>
-            <a:ext cx="9144001" cy="2743200"/>
-          </a:xfrm>
-        </p:spPr>
-        <p:txBody>
-          <a:bodyPr anchor="ctr">
-            <a:normAutofit/>
-          </a:bodyPr>
-          <a:lstStyle>
-            <a:lvl1pPr algn="l">
-              <a:defRPr sz="3200" b="0" cap="all">
-                <a:solidFill>
-                  <a:schemeClr val="tx1"/>
-                </a:solidFill>
-              </a:defRPr>
-            </a:lvl1pPr>
-          </a:lstStyle>
-          <a:p>
-            <a:r>
-              <a:rPr lang="en-US"/>
-              <a:t>Click to edit Master title style</a:t>
-            </a:r>
-            <a:endParaRPr lang="en-US" dirty="0"/>
-          </a:p>
-        </p:txBody>
-      </p:sp>
-      <p:sp>
-        <p:nvSpPr>
-          <p:cNvPr id="10" name="Text Placeholder 9"/>
-          <p:cNvSpPr>
-            <a:spLocks noGrp="1"/>
-          </p:cNvSpPr>
-          <p:nvPr>
-            <p:ph type="body" sz="quarter" idx="13"/>
-          </p:nvPr>
-        </p:nvSpPr>
-        <p:spPr>
-          <a:xfrm>
-            <a:off x="1446212" y="3429000"/>
-            <a:ext cx="8534400" cy="381000"/>
-          </a:xfrm>
-        </p:spPr>
-        <p:txBody>
-          <a:bodyPr anchor="ctr"/>
-          <a:lstStyle>
-            <a:lvl1pPr marL="0" indent="0">
-              <a:buFontTx/>
-              <a:buNone/>
-              <a:defRPr/>
-            </a:lvl1pPr>
-            <a:lvl2pPr marL="457200" indent="0">
-              <a:buFontTx/>
-              <a:buNone/>
-              <a:defRPr/>
-            </a:lvl2pPr>
-            <a:lvl3pPr marL="914400" indent="0">
-              <a:buFontTx/>
-              <a:buNone/>
-              <a:defRPr/>
-            </a:lvl3pPr>
-            <a:lvl4pPr marL="1371600" indent="0">
-              <a:buFontTx/>
-              <a:buNone/>
-              <a:defRPr/>
-            </a:lvl4pPr>
-            <a:lvl5pPr marL="1828800" indent="0">
-              <a:buFontTx/>
-              <a:buNone/>
-              <a:defRPr/>
-            </a:lvl5pPr>
-          </a:lstStyle>
-          <a:p>
-            <a:pPr lvl="0"/>
-            <a:r>
-              <a:rPr lang="en-US"/>
-              <a:t>Click to edit Master text styles</a:t>
-            </a:r>
-          </a:p>
-        </p:txBody>
-      </p:sp>
-      <p:sp>
-        <p:nvSpPr>
-          <p:cNvPr id="3" name="Text Placeholder 2"/>
-          <p:cNvSpPr>
-            <a:spLocks noGrp="1"/>
-          </p:cNvSpPr>
-          <p:nvPr>
-            <p:ph type="body" idx="1"/>
-          </p:nvPr>
-        </p:nvSpPr>
-        <p:spPr>
-          <a:xfrm>
-            <a:off x="684213" y="4301067"/>
-            <a:ext cx="8534400" cy="1684865"/>
-          </a:xfrm>
-        </p:spPr>
-        <p:txBody>
-          <a:bodyPr anchor="ctr">
-            <a:normAutofit/>
-          </a:bodyPr>
-          <a:lstStyle>
-            <a:lvl1pPr marL="0" indent="0" algn="l">
-              <a:buNone/>
-              <a:defRPr sz="2000">
-                <a:solidFill>
-                  <a:schemeClr val="bg2">
-                    <a:lumMod val="75000"/>
-                  </a:schemeClr>
-                </a:solidFill>
-              </a:defRPr>
-            </a:lvl1pPr>
-            <a:lvl2pPr marL="457200" indent="0">
-              <a:buNone/>
-              <a:defRPr sz="1800">
-                <a:solidFill>
-                  <a:schemeClr val="tx1">
-                    <a:tint val="75000"/>
-                  </a:schemeClr>
-                </a:solidFill>
-              </a:defRPr>
-            </a:lvl2pPr>
-            <a:lvl3pPr marL="914400" indent="0">
-              <a:buNone/>
-              <a:defRPr sz="1600">
-                <a:solidFill>
-                  <a:schemeClr val="tx1">
-                    <a:tint val="75000"/>
-                  </a:schemeClr>
-                </a:solidFill>
-              </a:defRPr>
-            </a:lvl3pPr>
-            <a:lvl4pPr marL="1371600" indent="0">
-              <a:buNone/>
-              <a:defRPr sz="1400">
-                <a:solidFill>
-                  <a:schemeClr val="tx1">
-                    <a:tint val="75000"/>
-                  </a:schemeClr>
-                </a:solidFill>
-              </a:defRPr>
-            </a:lvl4pPr>
-            <a:lvl5pPr marL="1828800" indent="0">
-              <a:buNone/>
-              <a:defRPr sz="1400">
-                <a:solidFill>
-                  <a:schemeClr val="tx1">
-                    <a:tint val="75000"/>
-                  </a:schemeClr>
-                </a:solidFill>
-              </a:defRPr>
-            </a:lvl5pPr>
-            <a:lvl6pPr marL="2286000" indent="0">
-              <a:buNone/>
-              <a:defRPr sz="1400">
-                <a:solidFill>
-                  <a:schemeClr val="tx1">
-                    <a:tint val="75000"/>
-                  </a:schemeClr>
-                </a:solidFill>
-              </a:defRPr>
-            </a:lvl6pPr>
-            <a:lvl7pPr marL="2743200" indent="0">
-              <a:buNone/>
-              <a:defRPr sz="1400">
-                <a:solidFill>
-                  <a:schemeClr val="tx1">
-                    <a:tint val="75000"/>
-                  </a:schemeClr>
-                </a:solidFill>
-              </a:defRPr>
-            </a:lvl7pPr>
-            <a:lvl8pPr marL="3200400" indent="0">
-              <a:buNone/>
-              <a:defRPr sz="1400">
-                <a:solidFill>
-                  <a:schemeClr val="tx1">
-                    <a:tint val="75000"/>
-                  </a:schemeClr>
-                </a:solidFill>
-              </a:defRPr>
-            </a:lvl8pPr>
-            <a:lvl9pPr marL="3657600" indent="0">
-              <a:buNone/>
-              <a:defRPr sz="1400">
-                <a:solidFill>
-                  <a:schemeClr val="tx1">
-                    <a:tint val="75000"/>
-                  </a:schemeClr>
-                </a:solidFill>
-              </a:defRPr>
-            </a:lvl9pPr>
-          </a:lstStyle>
-          <a:p>
-            <a:pPr lvl="0"/>
-            <a:r>
-              <a:rPr lang="en-US"/>
-              <a:t>Click to edit Master text styles</a:t>
-            </a:r>
-          </a:p>
-        </p:txBody>
-      </p:sp>
-      <p:sp>
-        <p:nvSpPr>
-          <p:cNvPr id="4" name="Date Placeholder 3"/>
-          <p:cNvSpPr>
-            <a:spLocks noGrp="1"/>
-          </p:cNvSpPr>
-          <p:nvPr>
-            <p:ph type="dt" sz="half" idx="10"/>
-          </p:nvPr>
-        </p:nvSpPr>
-        <p:spPr/>
-        <p:txBody>
-          <a:bodyPr/>
-          <a:lstStyle/>
-          <a:p>
-            <a:fld id="{BF68B1DA-85AE-4601-877C-5515C57D8413}" type="datetimeFigureOut">
-              <a:rPr lang="en-IN" smtClean="0"/>
-              <a:t>19-09-2021</a:t>
-            </a:fld>
-            <a:endParaRPr lang="en-IN"/>
-          </a:p>
-        </p:txBody>
-      </p:sp>
-      <p:sp>
-        <p:nvSpPr>
-          <p:cNvPr id="5" name="Footer Placeholder 4"/>
-          <p:cNvSpPr>
-            <a:spLocks noGrp="1"/>
-          </p:cNvSpPr>
-          <p:nvPr>
-            <p:ph type="ftr" sz="quarter" idx="11"/>
-          </p:nvPr>
-        </p:nvSpPr>
-        <p:spPr/>
-        <p:txBody>
-          <a:bodyPr/>
-          <a:lstStyle/>
-          <a:p>
-            <a:endParaRPr lang="en-IN"/>
-          </a:p>
-        </p:txBody>
-      </p:sp>
-      <p:sp>
-        <p:nvSpPr>
-          <p:cNvPr id="6" name="Slide Number Placeholder 5"/>
-          <p:cNvSpPr>
-            <a:spLocks noGrp="1"/>
-          </p:cNvSpPr>
-          <p:nvPr>
-            <p:ph type="sldNum" sz="quarter" idx="12"/>
-          </p:nvPr>
-        </p:nvSpPr>
-        <p:spPr/>
-        <p:txBody>
-          <a:bodyPr/>
-          <a:lstStyle/>
-          <a:p>
-            <a:fld id="{003DB5BE-F3BA-4392-AAF4-F8189CE57315}" type="slidenum">
-              <a:rPr lang="en-IN" smtClean="0"/>
-              <a:t>‹#›</a:t>
-            </a:fld>
-            <a:endParaRPr lang="en-IN"/>
-          </a:p>
-        </p:txBody>
-      </p:sp>
-      <p:sp>
-        <p:nvSpPr>
-          <p:cNvPr id="14" name="TextBox 13"/>
-          <p:cNvSpPr txBox="1"/>
-          <p:nvPr/>
-        </p:nvSpPr>
-        <p:spPr>
-          <a:xfrm>
-            <a:off x="531812" y="812222"/>
-            <a:ext cx="609600" cy="584776"/>
-          </a:xfrm>
-          <a:prstGeom prst="rect">
-            <a:avLst/>
-          </a:prstGeom>
-        </p:spPr>
-        <p:txBody>
-          <a:bodyPr vert="horz" lIns="91440" tIns="45720" rIns="91440" bIns="45720" rtlCol="0" anchor="ctr">
-            <a:noAutofit/>
-          </a:bodyPr>
-          <a:lstStyle/>
-          <a:p>
-            <a:pPr lvl="0"/>
-            <a:r>
-              <a:rPr lang="en-US" sz="8000" dirty="0">
-                <a:solidFill>
-                  <a:schemeClr val="tx1"/>
-                </a:solidFill>
-                <a:effectLst/>
-              </a:rPr>
-              <a:t>“</a:t>
-            </a:r>
-          </a:p>
-        </p:txBody>
-      </p:sp>
-      <p:sp>
-        <p:nvSpPr>
-          <p:cNvPr id="15" name="TextBox 14"/>
-          <p:cNvSpPr txBox="1"/>
-          <p:nvPr/>
-        </p:nvSpPr>
-        <p:spPr>
-          <a:xfrm>
-            <a:off x="10285412" y="2768601"/>
-            <a:ext cx="609600" cy="584776"/>
-          </a:xfrm>
-          <a:prstGeom prst="rect">
-            <a:avLst/>
-          </a:prstGeom>
-        </p:spPr>
-        <p:txBody>
-          <a:bodyPr vert="horz" lIns="91440" tIns="45720" rIns="91440" bIns="45720" rtlCol="0" anchor="ctr">
-            <a:noAutofit/>
-          </a:bodyPr>
-          <a:lstStyle/>
-          <a:p>
-            <a:pPr lvl="0" algn="r"/>
-            <a:r>
-              <a:rPr lang="en-US" sz="8000" dirty="0">
-                <a:solidFill>
-                  <a:schemeClr val="tx1"/>
-                </a:solidFill>
-                <a:effectLst/>
-              </a:rPr>
-              <a:t>”</a:t>
-            </a:r>
-          </a:p>
-        </p:txBody>
-      </p:sp>
-    </p:spTree>
-    <p:extLst>
-      <p:ext uri="{BB962C8B-B14F-4D97-AF65-F5344CB8AC3E}">
-        <p14:creationId xmlns:p14="http://schemas.microsoft.com/office/powerpoint/2010/main" val="1975165529"/>
-      </p:ext>
-    </p:extLst>
-  </p:cSld>
-  <p:clrMapOvr>
-    <a:masterClrMapping/>
-  </p:clrMapOvr>
-</p:sldLayout>
-</file>
-
-<file path=ppt/slideLayouts/slideLayout13.xml><?xml version="1.0" encoding="utf-8"?>
-<p:sldLayout xmlns:a="http://schemas.openxmlformats.org/drawingml/2006/main" xmlns:r="http://schemas.openxmlformats.org/officeDocument/2006/relationships" xmlns:p="http://schemas.openxmlformats.org/presentationml/2006/main" preserve="1">
-  <p:cSld name="Name Card">
-    <p:spTree>
-      <p:nvGrpSpPr>
-        <p:cNvPr id="1" name=""/>
-        <p:cNvGrpSpPr/>
-        <p:nvPr/>
-      </p:nvGrpSpPr>
-      <p:grpSpPr>
-        <a:xfrm>
-          <a:off x="0" y="0"/>
-          <a:ext cx="0" cy="0"/>
-          <a:chOff x="0" y="0"/>
-          <a:chExt cx="0" cy="0"/>
-        </a:xfrm>
-      </p:grpSpPr>
-      <p:sp>
-        <p:nvSpPr>
-          <p:cNvPr id="2" name="Title 1"/>
-          <p:cNvSpPr>
-            <a:spLocks noGrp="1"/>
-          </p:cNvSpPr>
-          <p:nvPr>
-            <p:ph type="title"/>
-          </p:nvPr>
-        </p:nvSpPr>
-        <p:spPr>
-          <a:xfrm>
-            <a:off x="684212" y="3429000"/>
-            <a:ext cx="8534400" cy="1697400"/>
-          </a:xfrm>
-        </p:spPr>
-        <p:txBody>
-          <a:bodyPr anchor="b">
-            <a:normAutofit/>
-          </a:bodyPr>
-          <a:lstStyle>
-            <a:lvl1pPr algn="l">
-              <a:defRPr sz="3200" b="0" cap="all"/>
-            </a:lvl1pPr>
-          </a:lstStyle>
-          <a:p>
-            <a:r>
-              <a:rPr lang="en-US"/>
-              <a:t>Click to edit Master title style</a:t>
-            </a:r>
-            <a:endParaRPr lang="en-US" dirty="0"/>
-          </a:p>
-        </p:txBody>
-      </p:sp>
-      <p:sp>
-        <p:nvSpPr>
-          <p:cNvPr id="3" name="Text Placeholder 2"/>
-          <p:cNvSpPr>
-            <a:spLocks noGrp="1"/>
-          </p:cNvSpPr>
-          <p:nvPr>
-            <p:ph type="body" idx="1"/>
-          </p:nvPr>
-        </p:nvSpPr>
-        <p:spPr>
-          <a:xfrm>
-            <a:off x="684211" y="5132981"/>
-            <a:ext cx="8535990" cy="860400"/>
-          </a:xfrm>
-        </p:spPr>
-        <p:txBody>
-          <a:bodyPr anchor="t">
-            <a:normAutofit/>
-          </a:bodyPr>
-          <a:lstStyle>
-            <a:lvl1pPr marL="0" indent="0" algn="l">
-              <a:buNone/>
-              <a:defRPr sz="2000">
-                <a:solidFill>
-                  <a:schemeClr val="bg2">
-                    <a:lumMod val="75000"/>
-                  </a:schemeClr>
-                </a:solidFill>
-              </a:defRPr>
-            </a:lvl1pPr>
-            <a:lvl2pPr marL="457200" indent="0">
-              <a:buNone/>
-              <a:defRPr sz="1800">
-                <a:solidFill>
-                  <a:schemeClr val="tx1">
-                    <a:tint val="75000"/>
-                  </a:schemeClr>
-                </a:solidFill>
-              </a:defRPr>
-            </a:lvl2pPr>
-            <a:lvl3pPr marL="914400" indent="0">
-              <a:buNone/>
-              <a:defRPr sz="1600">
-                <a:solidFill>
-                  <a:schemeClr val="tx1">
-                    <a:tint val="75000"/>
-                  </a:schemeClr>
-                </a:solidFill>
-              </a:defRPr>
-            </a:lvl3pPr>
-            <a:lvl4pPr marL="1371600" indent="0">
-              <a:buNone/>
-              <a:defRPr sz="1400">
-                <a:solidFill>
-                  <a:schemeClr val="tx1">
-                    <a:tint val="75000"/>
-                  </a:schemeClr>
-                </a:solidFill>
-              </a:defRPr>
-            </a:lvl4pPr>
-            <a:lvl5pPr marL="1828800" indent="0">
-              <a:buNone/>
-              <a:defRPr sz="1400">
-                <a:solidFill>
-                  <a:schemeClr val="tx1">
-                    <a:tint val="75000"/>
-                  </a:schemeClr>
-                </a:solidFill>
-              </a:defRPr>
-            </a:lvl5pPr>
-            <a:lvl6pPr marL="2286000" indent="0">
-              <a:buNone/>
-              <a:defRPr sz="1400">
-                <a:solidFill>
-                  <a:schemeClr val="tx1">
-                    <a:tint val="75000"/>
-                  </a:schemeClr>
-                </a:solidFill>
-              </a:defRPr>
-            </a:lvl6pPr>
-            <a:lvl7pPr marL="2743200" indent="0">
-              <a:buNone/>
-              <a:defRPr sz="1400">
-                <a:solidFill>
-                  <a:schemeClr val="tx1">
-                    <a:tint val="75000"/>
-                  </a:schemeClr>
-                </a:solidFill>
-              </a:defRPr>
-            </a:lvl7pPr>
-            <a:lvl8pPr marL="3200400" indent="0">
-              <a:buNone/>
-              <a:defRPr sz="1400">
-                <a:solidFill>
-                  <a:schemeClr val="tx1">
-                    <a:tint val="75000"/>
-                  </a:schemeClr>
-                </a:solidFill>
-              </a:defRPr>
-            </a:lvl8pPr>
-            <a:lvl9pPr marL="3657600" indent="0">
-              <a:buNone/>
-              <a:defRPr sz="1400">
-                <a:solidFill>
-                  <a:schemeClr val="tx1">
-                    <a:tint val="75000"/>
-                  </a:schemeClr>
-                </a:solidFill>
-              </a:defRPr>
-            </a:lvl9pPr>
-          </a:lstStyle>
-          <a:p>
-            <a:pPr lvl="0"/>
-            <a:r>
-              <a:rPr lang="en-US"/>
-              <a:t>Click to edit Master text styles</a:t>
-            </a:r>
-          </a:p>
-        </p:txBody>
-      </p:sp>
-      <p:sp>
-        <p:nvSpPr>
-          <p:cNvPr id="4" name="Date Placeholder 3"/>
-          <p:cNvSpPr>
-            <a:spLocks noGrp="1"/>
-          </p:cNvSpPr>
-          <p:nvPr>
-            <p:ph type="dt" sz="half" idx="10"/>
-          </p:nvPr>
-        </p:nvSpPr>
-        <p:spPr/>
-        <p:txBody>
-          <a:bodyPr/>
-          <a:lstStyle/>
-          <a:p>
-            <a:fld id="{BF68B1DA-85AE-4601-877C-5515C57D8413}" type="datetimeFigureOut">
-              <a:rPr lang="en-IN" smtClean="0"/>
-              <a:t>19-09-2021</a:t>
-            </a:fld>
-            <a:endParaRPr lang="en-IN"/>
-          </a:p>
-        </p:txBody>
-      </p:sp>
-      <p:sp>
-        <p:nvSpPr>
-          <p:cNvPr id="5" name="Footer Placeholder 4"/>
-          <p:cNvSpPr>
-            <a:spLocks noGrp="1"/>
-          </p:cNvSpPr>
-          <p:nvPr>
-            <p:ph type="ftr" sz="quarter" idx="11"/>
-          </p:nvPr>
-        </p:nvSpPr>
-        <p:spPr/>
-        <p:txBody>
-          <a:bodyPr/>
-          <a:lstStyle/>
-          <a:p>
-            <a:endParaRPr lang="en-IN"/>
-          </a:p>
-        </p:txBody>
-      </p:sp>
-      <p:sp>
-        <p:nvSpPr>
-          <p:cNvPr id="6" name="Slide Number Placeholder 5"/>
-          <p:cNvSpPr>
-            <a:spLocks noGrp="1"/>
-          </p:cNvSpPr>
-          <p:nvPr>
-            <p:ph type="sldNum" sz="quarter" idx="12"/>
-          </p:nvPr>
-        </p:nvSpPr>
-        <p:spPr/>
-        <p:txBody>
-          <a:bodyPr/>
-          <a:lstStyle/>
-          <a:p>
-            <a:fld id="{003DB5BE-F3BA-4392-AAF4-F8189CE57315}" type="slidenum">
-              <a:rPr lang="en-IN" smtClean="0"/>
-              <a:t>‹#›</a:t>
-            </a:fld>
-            <a:endParaRPr lang="en-IN"/>
-          </a:p>
-        </p:txBody>
-      </p:sp>
-    </p:spTree>
-    <p:extLst>
-      <p:ext uri="{BB962C8B-B14F-4D97-AF65-F5344CB8AC3E}">
-        <p14:creationId xmlns:p14="http://schemas.microsoft.com/office/powerpoint/2010/main" val="1211295647"/>
-      </p:ext>
-    </p:extLst>
-  </p:cSld>
-  <p:clrMapOvr>
-    <a:masterClrMapping/>
-  </p:clrMapOvr>
-</p:sldLayout>
-</file>
-
-<file path=ppt/slideLayouts/slideLayout14.xml><?xml version="1.0" encoding="utf-8"?>
-<p:sldLayout xmlns:a="http://schemas.openxmlformats.org/drawingml/2006/main" xmlns:r="http://schemas.openxmlformats.org/officeDocument/2006/relationships" xmlns:p="http://schemas.openxmlformats.org/presentationml/2006/main" preserve="1">
-  <p:cSld name="Quote Name Card">
-    <p:spTree>
-      <p:nvGrpSpPr>
-        <p:cNvPr id="1" name=""/>
-        <p:cNvGrpSpPr/>
-        <p:nvPr/>
-      </p:nvGrpSpPr>
-      <p:grpSpPr>
-        <a:xfrm>
-          <a:off x="0" y="0"/>
-          <a:ext cx="0" cy="0"/>
-          <a:chOff x="0" y="0"/>
-          <a:chExt cx="0" cy="0"/>
-        </a:xfrm>
-      </p:grpSpPr>
-      <p:sp>
-        <p:nvSpPr>
-          <p:cNvPr id="2" name="Title 1"/>
-          <p:cNvSpPr>
-            <a:spLocks noGrp="1"/>
-          </p:cNvSpPr>
-          <p:nvPr>
-            <p:ph type="title"/>
-          </p:nvPr>
-        </p:nvSpPr>
-        <p:spPr>
-          <a:xfrm>
-            <a:off x="1141413" y="685800"/>
-            <a:ext cx="9144000" cy="2743200"/>
-          </a:xfrm>
-        </p:spPr>
-        <p:txBody>
-          <a:bodyPr anchor="ctr">
-            <a:normAutofit/>
-          </a:bodyPr>
-          <a:lstStyle>
-            <a:lvl1pPr algn="l">
-              <a:defRPr sz="3200" b="0" cap="all">
-                <a:solidFill>
-                  <a:schemeClr val="tx1"/>
-                </a:solidFill>
-              </a:defRPr>
-            </a:lvl1pPr>
-          </a:lstStyle>
-          <a:p>
-            <a:r>
-              <a:rPr lang="en-US"/>
-              <a:t>Click to edit Master title style</a:t>
-            </a:r>
-            <a:endParaRPr lang="en-US" dirty="0"/>
-          </a:p>
-        </p:txBody>
-      </p:sp>
-      <p:sp>
-        <p:nvSpPr>
-          <p:cNvPr id="10" name="Text Placeholder 9"/>
-          <p:cNvSpPr>
-            <a:spLocks noGrp="1"/>
-          </p:cNvSpPr>
-          <p:nvPr>
-            <p:ph type="body" sz="quarter" idx="13"/>
-          </p:nvPr>
-        </p:nvSpPr>
-        <p:spPr>
-          <a:xfrm>
-            <a:off x="684212" y="3928534"/>
-            <a:ext cx="8534401" cy="1049866"/>
-          </a:xfrm>
-        </p:spPr>
-        <p:txBody>
-          <a:bodyPr vert="horz" lIns="91440" tIns="45720" rIns="91440" bIns="45720" rtlCol="0" anchor="b">
-            <a:normAutofit/>
-          </a:bodyPr>
-          <a:lstStyle>
-            <a:lvl1pPr>
-              <a:buNone/>
-              <a:defRPr lang="en-US" sz="2400" b="0" cap="all" dirty="0">
-                <a:ln w="3175" cmpd="sng">
-                  <a:noFill/>
-                </a:ln>
-                <a:solidFill>
-                  <a:schemeClr val="tx1"/>
-                </a:solidFill>
-                <a:effectLst/>
-              </a:defRPr>
-            </a:lvl1pPr>
-          </a:lstStyle>
-          <a:p>
-            <a:pPr marL="0" lvl="0">
-              <a:spcBef>
-                <a:spcPct val="0"/>
-              </a:spcBef>
-              <a:buNone/>
-            </a:pPr>
-            <a:r>
-              <a:rPr lang="en-US"/>
-              <a:t>Click to edit Master text styles</a:t>
-            </a:r>
-          </a:p>
-        </p:txBody>
-      </p:sp>
-      <p:sp>
-        <p:nvSpPr>
-          <p:cNvPr id="3" name="Text Placeholder 2"/>
-          <p:cNvSpPr>
-            <a:spLocks noGrp="1"/>
-          </p:cNvSpPr>
-          <p:nvPr>
-            <p:ph type="body" idx="1"/>
-          </p:nvPr>
-        </p:nvSpPr>
-        <p:spPr>
-          <a:xfrm>
-            <a:off x="684211" y="4978400"/>
-            <a:ext cx="8534401" cy="1016000"/>
-          </a:xfrm>
-        </p:spPr>
-        <p:txBody>
-          <a:bodyPr anchor="t">
-            <a:normAutofit/>
-          </a:bodyPr>
-          <a:lstStyle>
-            <a:lvl1pPr marL="0" indent="0" algn="l">
-              <a:buNone/>
-              <a:defRPr sz="1800">
-                <a:solidFill>
-                  <a:schemeClr val="bg2">
-                    <a:lumMod val="75000"/>
-                  </a:schemeClr>
-                </a:solidFill>
-              </a:defRPr>
-            </a:lvl1pPr>
-            <a:lvl2pPr marL="457200" indent="0">
-              <a:buNone/>
-              <a:defRPr sz="1800">
-                <a:solidFill>
-                  <a:schemeClr val="tx1">
-                    <a:tint val="75000"/>
-                  </a:schemeClr>
-                </a:solidFill>
-              </a:defRPr>
-            </a:lvl2pPr>
-            <a:lvl3pPr marL="914400" indent="0">
-              <a:buNone/>
-              <a:defRPr sz="1600">
-                <a:solidFill>
-                  <a:schemeClr val="tx1">
-                    <a:tint val="75000"/>
-                  </a:schemeClr>
-                </a:solidFill>
-              </a:defRPr>
-            </a:lvl3pPr>
-            <a:lvl4pPr marL="1371600" indent="0">
-              <a:buNone/>
-              <a:defRPr sz="1400">
-                <a:solidFill>
-                  <a:schemeClr val="tx1">
-                    <a:tint val="75000"/>
-                  </a:schemeClr>
-                </a:solidFill>
-              </a:defRPr>
-            </a:lvl4pPr>
-            <a:lvl5pPr marL="1828800" indent="0">
-              <a:buNone/>
-              <a:defRPr sz="1400">
-                <a:solidFill>
-                  <a:schemeClr val="tx1">
-                    <a:tint val="75000"/>
-                  </a:schemeClr>
-                </a:solidFill>
-              </a:defRPr>
-            </a:lvl5pPr>
-            <a:lvl6pPr marL="2286000" indent="0">
-              <a:buNone/>
-              <a:defRPr sz="1400">
-                <a:solidFill>
-                  <a:schemeClr val="tx1">
-                    <a:tint val="75000"/>
-                  </a:schemeClr>
-                </a:solidFill>
-              </a:defRPr>
-            </a:lvl6pPr>
-            <a:lvl7pPr marL="2743200" indent="0">
-              <a:buNone/>
-              <a:defRPr sz="1400">
-                <a:solidFill>
-                  <a:schemeClr val="tx1">
-                    <a:tint val="75000"/>
-                  </a:schemeClr>
-                </a:solidFill>
-              </a:defRPr>
-            </a:lvl7pPr>
-            <a:lvl8pPr marL="3200400" indent="0">
-              <a:buNone/>
-              <a:defRPr sz="1400">
-                <a:solidFill>
-                  <a:schemeClr val="tx1">
-                    <a:tint val="75000"/>
-                  </a:schemeClr>
-                </a:solidFill>
-              </a:defRPr>
-            </a:lvl8pPr>
-            <a:lvl9pPr marL="3657600" indent="0">
-              <a:buNone/>
-              <a:defRPr sz="1400">
-                <a:solidFill>
-                  <a:schemeClr val="tx1">
-                    <a:tint val="75000"/>
-                  </a:schemeClr>
-                </a:solidFill>
-              </a:defRPr>
-            </a:lvl9pPr>
-          </a:lstStyle>
-          <a:p>
-            <a:pPr lvl="0"/>
-            <a:r>
-              <a:rPr lang="en-US"/>
-              <a:t>Click to edit Master text styles</a:t>
-            </a:r>
-          </a:p>
-        </p:txBody>
-      </p:sp>
-      <p:sp>
-        <p:nvSpPr>
-          <p:cNvPr id="4" name="Date Placeholder 3"/>
-          <p:cNvSpPr>
-            <a:spLocks noGrp="1"/>
-          </p:cNvSpPr>
-          <p:nvPr>
-            <p:ph type="dt" sz="half" idx="10"/>
-          </p:nvPr>
-        </p:nvSpPr>
-        <p:spPr/>
-        <p:txBody>
-          <a:bodyPr/>
-          <a:lstStyle/>
-          <a:p>
-            <a:fld id="{BF68B1DA-85AE-4601-877C-5515C57D8413}" type="datetimeFigureOut">
-              <a:rPr lang="en-IN" smtClean="0"/>
-              <a:t>19-09-2021</a:t>
-            </a:fld>
-            <a:endParaRPr lang="en-IN"/>
-          </a:p>
-        </p:txBody>
-      </p:sp>
-      <p:sp>
-        <p:nvSpPr>
-          <p:cNvPr id="5" name="Footer Placeholder 4"/>
-          <p:cNvSpPr>
-            <a:spLocks noGrp="1"/>
-          </p:cNvSpPr>
-          <p:nvPr>
-            <p:ph type="ftr" sz="quarter" idx="11"/>
-          </p:nvPr>
-        </p:nvSpPr>
-        <p:spPr/>
-        <p:txBody>
-          <a:bodyPr/>
-          <a:lstStyle/>
-          <a:p>
-            <a:endParaRPr lang="en-IN"/>
-          </a:p>
-        </p:txBody>
-      </p:sp>
-      <p:sp>
-        <p:nvSpPr>
-          <p:cNvPr id="6" name="Slide Number Placeholder 5"/>
-          <p:cNvSpPr>
-            <a:spLocks noGrp="1"/>
-          </p:cNvSpPr>
-          <p:nvPr>
-            <p:ph type="sldNum" sz="quarter" idx="12"/>
-          </p:nvPr>
-        </p:nvSpPr>
-        <p:spPr/>
-        <p:txBody>
-          <a:bodyPr/>
-          <a:lstStyle/>
-          <a:p>
-            <a:fld id="{003DB5BE-F3BA-4392-AAF4-F8189CE57315}" type="slidenum">
-              <a:rPr lang="en-IN" smtClean="0"/>
-              <a:t>‹#›</a:t>
-            </a:fld>
-            <a:endParaRPr lang="en-IN"/>
-          </a:p>
-        </p:txBody>
-      </p:sp>
-      <p:sp>
-        <p:nvSpPr>
-          <p:cNvPr id="11" name="TextBox 10"/>
-          <p:cNvSpPr txBox="1"/>
-          <p:nvPr/>
-        </p:nvSpPr>
-        <p:spPr>
-          <a:xfrm>
-            <a:off x="531812" y="812222"/>
-            <a:ext cx="609600" cy="584776"/>
-          </a:xfrm>
-          <a:prstGeom prst="rect">
-            <a:avLst/>
-          </a:prstGeom>
-        </p:spPr>
-        <p:txBody>
-          <a:bodyPr vert="horz" lIns="91440" tIns="45720" rIns="91440" bIns="45720" rtlCol="0" anchor="ctr">
-            <a:noAutofit/>
-          </a:bodyPr>
-          <a:lstStyle/>
-          <a:p>
-            <a:pPr lvl="0"/>
-            <a:r>
-              <a:rPr lang="en-US" sz="8000" dirty="0">
-                <a:solidFill>
-                  <a:schemeClr val="tx1"/>
-                </a:solidFill>
-                <a:effectLst/>
-              </a:rPr>
-              <a:t>“</a:t>
-            </a:r>
-          </a:p>
-        </p:txBody>
-      </p:sp>
-      <p:sp>
-        <p:nvSpPr>
-          <p:cNvPr id="12" name="TextBox 11"/>
-          <p:cNvSpPr txBox="1"/>
-          <p:nvPr/>
-        </p:nvSpPr>
-        <p:spPr>
-          <a:xfrm>
-            <a:off x="10285412" y="2768601"/>
-            <a:ext cx="609600" cy="584776"/>
-          </a:xfrm>
-          <a:prstGeom prst="rect">
-            <a:avLst/>
-          </a:prstGeom>
-        </p:spPr>
-        <p:txBody>
-          <a:bodyPr vert="horz" lIns="91440" tIns="45720" rIns="91440" bIns="45720" rtlCol="0" anchor="ctr">
-            <a:noAutofit/>
-          </a:bodyPr>
-          <a:lstStyle/>
-          <a:p>
-            <a:pPr lvl="0" algn="r"/>
-            <a:r>
-              <a:rPr lang="en-US" sz="8000" dirty="0">
-                <a:solidFill>
-                  <a:schemeClr val="tx1"/>
-                </a:solidFill>
-                <a:effectLst/>
-              </a:rPr>
-              <a:t>”</a:t>
-            </a:r>
-          </a:p>
-        </p:txBody>
-      </p:sp>
-    </p:spTree>
-    <p:extLst>
-      <p:ext uri="{BB962C8B-B14F-4D97-AF65-F5344CB8AC3E}">
-        <p14:creationId xmlns:p14="http://schemas.microsoft.com/office/powerpoint/2010/main" val="3268101158"/>
-      </p:ext>
-    </p:extLst>
-  </p:cSld>
-  <p:clrMapOvr>
-    <a:masterClrMapping/>
-  </p:clrMapOvr>
-</p:sldLayout>
-</file>
-
-<file path=ppt/slideLayouts/slideLayout15.xml><?xml version="1.0" encoding="utf-8"?>
-<p:sldLayout xmlns:a="http://schemas.openxmlformats.org/drawingml/2006/main" xmlns:r="http://schemas.openxmlformats.org/officeDocument/2006/relationships" xmlns:p="http://schemas.openxmlformats.org/presentationml/2006/main" preserve="1">
-  <p:cSld name="True or False">
-    <p:spTree>
-      <p:nvGrpSpPr>
-        <p:cNvPr id="1" name=""/>
-        <p:cNvGrpSpPr/>
-        <p:nvPr/>
-      </p:nvGrpSpPr>
-      <p:grpSpPr>
-        <a:xfrm>
-          <a:off x="0" y="0"/>
-          <a:ext cx="0" cy="0"/>
-          <a:chOff x="0" y="0"/>
-          <a:chExt cx="0" cy="0"/>
-        </a:xfrm>
-      </p:grpSpPr>
-      <p:sp>
-        <p:nvSpPr>
-          <p:cNvPr id="2" name="Title 1"/>
-          <p:cNvSpPr>
-            <a:spLocks noGrp="1"/>
-          </p:cNvSpPr>
-          <p:nvPr>
-            <p:ph type="title"/>
-          </p:nvPr>
-        </p:nvSpPr>
-        <p:spPr>
-          <a:xfrm>
-            <a:off x="684213" y="685800"/>
-            <a:ext cx="10058400" cy="2743200"/>
-          </a:xfrm>
-        </p:spPr>
-        <p:txBody>
-          <a:bodyPr vert="horz" lIns="91440" tIns="45720" rIns="91440" bIns="45720" rtlCol="0" anchor="ctr">
-            <a:normAutofit/>
-          </a:bodyPr>
-          <a:lstStyle>
-            <a:lvl1pPr>
-              <a:defRPr lang="en-US" b="0" dirty="0"/>
-            </a:lvl1pPr>
-          </a:lstStyle>
-          <a:p>
-            <a:pPr marL="0" lvl="0"/>
-            <a:r>
-              <a:rPr lang="en-US"/>
-              <a:t>Click to edit Master title style</a:t>
-            </a:r>
-            <a:endParaRPr lang="en-US" dirty="0"/>
-          </a:p>
-        </p:txBody>
-      </p:sp>
-      <p:sp>
-        <p:nvSpPr>
-          <p:cNvPr id="10" name="Text Placeholder 9"/>
-          <p:cNvSpPr>
-            <a:spLocks noGrp="1"/>
-          </p:cNvSpPr>
-          <p:nvPr>
-            <p:ph type="body" sz="quarter" idx="13"/>
-          </p:nvPr>
-        </p:nvSpPr>
-        <p:spPr>
-          <a:xfrm>
-            <a:off x="684212" y="3928534"/>
-            <a:ext cx="8534400" cy="838200"/>
-          </a:xfrm>
-        </p:spPr>
-        <p:txBody>
-          <a:bodyPr vert="horz" lIns="91440" tIns="45720" rIns="91440" bIns="45720" rtlCol="0" anchor="b">
-            <a:normAutofit/>
-          </a:bodyPr>
-          <a:lstStyle>
-            <a:lvl1pPr>
-              <a:buNone/>
-              <a:defRPr lang="en-US" sz="2400" b="0" cap="all" dirty="0">
-                <a:ln w="3175" cmpd="sng">
-                  <a:noFill/>
-                </a:ln>
-                <a:solidFill>
-                  <a:schemeClr val="tx1"/>
-                </a:solidFill>
-                <a:effectLst/>
-              </a:defRPr>
-            </a:lvl1pPr>
-          </a:lstStyle>
-          <a:p>
-            <a:pPr marL="0" lvl="0">
-              <a:spcBef>
-                <a:spcPct val="0"/>
-              </a:spcBef>
-              <a:buNone/>
-            </a:pPr>
-            <a:r>
-              <a:rPr lang="en-US"/>
-              <a:t>Click to edit Master text styles</a:t>
-            </a:r>
-          </a:p>
-        </p:txBody>
-      </p:sp>
-      <p:sp>
-        <p:nvSpPr>
-          <p:cNvPr id="3" name="Text Placeholder 2"/>
-          <p:cNvSpPr>
-            <a:spLocks noGrp="1"/>
-          </p:cNvSpPr>
-          <p:nvPr>
-            <p:ph type="body" idx="1"/>
-          </p:nvPr>
-        </p:nvSpPr>
-        <p:spPr>
-          <a:xfrm>
-            <a:off x="684211" y="4766732"/>
-            <a:ext cx="8534401" cy="1227667"/>
-          </a:xfrm>
-        </p:spPr>
-        <p:txBody>
-          <a:bodyPr anchor="t">
-            <a:normAutofit/>
-          </a:bodyPr>
-          <a:lstStyle>
-            <a:lvl1pPr marL="0" indent="0" algn="l">
-              <a:buNone/>
-              <a:defRPr sz="1800">
-                <a:solidFill>
-                  <a:schemeClr val="bg2">
-                    <a:lumMod val="75000"/>
-                  </a:schemeClr>
-                </a:solidFill>
-              </a:defRPr>
-            </a:lvl1pPr>
-            <a:lvl2pPr marL="457200" indent="0">
-              <a:buNone/>
-              <a:defRPr sz="1800">
-                <a:solidFill>
-                  <a:schemeClr val="tx1">
-                    <a:tint val="75000"/>
-                  </a:schemeClr>
-                </a:solidFill>
-              </a:defRPr>
-            </a:lvl2pPr>
-            <a:lvl3pPr marL="914400" indent="0">
-              <a:buNone/>
-              <a:defRPr sz="1600">
-                <a:solidFill>
-                  <a:schemeClr val="tx1">
-                    <a:tint val="75000"/>
-                  </a:schemeClr>
-                </a:solidFill>
-              </a:defRPr>
-            </a:lvl3pPr>
-            <a:lvl4pPr marL="1371600" indent="0">
-              <a:buNone/>
-              <a:defRPr sz="1400">
-                <a:solidFill>
-                  <a:schemeClr val="tx1">
-                    <a:tint val="75000"/>
-                  </a:schemeClr>
-                </a:solidFill>
-              </a:defRPr>
-            </a:lvl4pPr>
-            <a:lvl5pPr marL="1828800" indent="0">
-              <a:buNone/>
-              <a:defRPr sz="1400">
-                <a:solidFill>
-                  <a:schemeClr val="tx1">
-                    <a:tint val="75000"/>
-                  </a:schemeClr>
-                </a:solidFill>
-              </a:defRPr>
-            </a:lvl5pPr>
-            <a:lvl6pPr marL="2286000" indent="0">
-              <a:buNone/>
-              <a:defRPr sz="1400">
-                <a:solidFill>
-                  <a:schemeClr val="tx1">
-                    <a:tint val="75000"/>
-                  </a:schemeClr>
-                </a:solidFill>
-              </a:defRPr>
-            </a:lvl6pPr>
-            <a:lvl7pPr marL="2743200" indent="0">
-              <a:buNone/>
-              <a:defRPr sz="1400">
-                <a:solidFill>
-                  <a:schemeClr val="tx1">
-                    <a:tint val="75000"/>
-                  </a:schemeClr>
-                </a:solidFill>
-              </a:defRPr>
-            </a:lvl7pPr>
-            <a:lvl8pPr marL="3200400" indent="0">
-              <a:buNone/>
-              <a:defRPr sz="1400">
-                <a:solidFill>
-                  <a:schemeClr val="tx1">
-                    <a:tint val="75000"/>
-                  </a:schemeClr>
-                </a:solidFill>
-              </a:defRPr>
-            </a:lvl8pPr>
-            <a:lvl9pPr marL="3657600" indent="0">
-              <a:buNone/>
-              <a:defRPr sz="1400">
-                <a:solidFill>
-                  <a:schemeClr val="tx1">
-                    <a:tint val="75000"/>
-                  </a:schemeClr>
-                </a:solidFill>
-              </a:defRPr>
-            </a:lvl9pPr>
-          </a:lstStyle>
-          <a:p>
-            <a:pPr lvl="0"/>
-            <a:r>
-              <a:rPr lang="en-US"/>
-              <a:t>Click to edit Master text styles</a:t>
-            </a:r>
-          </a:p>
-        </p:txBody>
-      </p:sp>
-      <p:sp>
-        <p:nvSpPr>
-          <p:cNvPr id="4" name="Date Placeholder 3"/>
-          <p:cNvSpPr>
-            <a:spLocks noGrp="1"/>
-          </p:cNvSpPr>
-          <p:nvPr>
-            <p:ph type="dt" sz="half" idx="10"/>
-          </p:nvPr>
-        </p:nvSpPr>
-        <p:spPr/>
-        <p:txBody>
-          <a:bodyPr/>
-          <a:lstStyle/>
-          <a:p>
-            <a:fld id="{BF68B1DA-85AE-4601-877C-5515C57D8413}" type="datetimeFigureOut">
-              <a:rPr lang="en-IN" smtClean="0"/>
-              <a:t>19-09-2021</a:t>
-            </a:fld>
-            <a:endParaRPr lang="en-IN"/>
-          </a:p>
-        </p:txBody>
-      </p:sp>
-      <p:sp>
-        <p:nvSpPr>
-          <p:cNvPr id="5" name="Footer Placeholder 4"/>
-          <p:cNvSpPr>
-            <a:spLocks noGrp="1"/>
-          </p:cNvSpPr>
-          <p:nvPr>
-            <p:ph type="ftr" sz="quarter" idx="11"/>
-          </p:nvPr>
-        </p:nvSpPr>
-        <p:spPr/>
-        <p:txBody>
-          <a:bodyPr/>
-          <a:lstStyle/>
-          <a:p>
-            <a:endParaRPr lang="en-IN"/>
-          </a:p>
-        </p:txBody>
-      </p:sp>
-      <p:sp>
-        <p:nvSpPr>
-          <p:cNvPr id="6" name="Slide Number Placeholder 5"/>
-          <p:cNvSpPr>
-            <a:spLocks noGrp="1"/>
-          </p:cNvSpPr>
-          <p:nvPr>
-            <p:ph type="sldNum" sz="quarter" idx="12"/>
-          </p:nvPr>
-        </p:nvSpPr>
-        <p:spPr/>
-        <p:txBody>
-          <a:bodyPr/>
-          <a:lstStyle/>
-          <a:p>
-            <a:fld id="{003DB5BE-F3BA-4392-AAF4-F8189CE57315}" type="slidenum">
-              <a:rPr lang="en-IN" smtClean="0"/>
-              <a:t>‹#›</a:t>
-            </a:fld>
-            <a:endParaRPr lang="en-IN"/>
-          </a:p>
-        </p:txBody>
-      </p:sp>
-    </p:spTree>
-    <p:extLst>
-      <p:ext uri="{BB962C8B-B14F-4D97-AF65-F5344CB8AC3E}">
-        <p14:creationId xmlns:p14="http://schemas.microsoft.com/office/powerpoint/2010/main" val="3503746639"/>
-      </p:ext>
-    </p:extLst>
-  </p:cSld>
-  <p:clrMapOvr>
-    <a:masterClrMapping/>
-  </p:clrMapOvr>
-</p:sldLayout>
-</file>
-
-<file path=ppt/slideLayouts/slideLayout16.xml><?xml version="1.0" encoding="utf-8"?>
 <p:sldLayout xmlns:a="http://schemas.openxmlformats.org/drawingml/2006/main" xmlns:r="http://schemas.openxmlformats.org/officeDocument/2006/relationships" xmlns:p="http://schemas.openxmlformats.org/presentationml/2006/main" type="vertTx" preserve="1">
   <p:cSld name="Title and Vertical Text">
     <p:spTree>
@@ -2394,11 +398,7 @@
         <p:spPr/>
         <p:txBody>
           <a:bodyPr/>
-          <a:lstStyle>
-            <a:lvl1pPr algn="l">
-              <a:defRPr/>
-            </a:lvl1pPr>
-          </a:lstStyle>
+          <a:lstStyle/>
           <a:p>
             <a:r>
               <a:rPr lang="en-US"/>
@@ -2420,7 +420,7 @@
         </p:nvSpPr>
         <p:spPr/>
         <p:txBody>
-          <a:bodyPr vert="eaVert" anchor="t"/>
+          <a:bodyPr vert="eaVert"/>
           <a:lstStyle/>
           <a:p>
             <a:pPr lvl="0"/>
@@ -2528,7 +528,7 @@
     </p:spTree>
     <p:extLst>
       <p:ext uri="{BB962C8B-B14F-4D97-AF65-F5344CB8AC3E}">
-        <p14:creationId xmlns:p14="http://schemas.microsoft.com/office/powerpoint/2010/main" val="2162660043"/>
+        <p14:creationId xmlns:p14="http://schemas.microsoft.com/office/powerpoint/2010/main" val="1746297811"/>
       </p:ext>
     </p:extLst>
   </p:cSld>
@@ -2538,8 +538,8 @@
 </p:sldLayout>
 </file>
 
-<file path=ppt/slideLayouts/slideLayout17.xml><?xml version="1.0" encoding="utf-8"?>
-<p:sldLayout xmlns:a="http://schemas.openxmlformats.org/drawingml/2006/main" xmlns:r="http://schemas.openxmlformats.org/officeDocument/2006/relationships" xmlns:p="http://schemas.openxmlformats.org/presentationml/2006/main" type="vertTitleAndTx" preserve="1">
+<file path=ppt/slideLayouts/slideLayout11.xml><?xml version="1.0" encoding="utf-8"?>
+<p:sldLayout xmlns:a="http://schemas.openxmlformats.org/drawingml/2006/main" xmlns:r="http://schemas.openxmlformats.org/officeDocument/2006/relationships" xmlns:p="http://schemas.openxmlformats.org/presentationml/2006/main" showMasterSp="0" type="vertTitleAndTx" preserve="1">
   <p:cSld name="Vertical Title and Text">
     <p:spTree>
       <p:nvGrpSpPr>
@@ -2557,6 +557,44 @@
       </p:grpSpPr>
       <p:sp>
         <p:nvSpPr>
+          <p:cNvPr id="7" name="Rectangle 6"/>
+          <p:cNvSpPr/>
+          <p:nvPr/>
+        </p:nvSpPr>
+        <p:spPr>
+          <a:xfrm>
+            <a:off x="9019312" y="0"/>
+            <a:ext cx="2743200" cy="6858000"/>
+          </a:xfrm>
+          <a:prstGeom prst="rect">
+            <a:avLst/>
+          </a:prstGeom>
+          <a:solidFill>
+            <a:schemeClr val="tx1"/>
+          </a:solidFill>
+          <a:ln>
+            <a:noFill/>
+          </a:ln>
+        </p:spPr>
+        <p:style>
+          <a:lnRef idx="2">
+            <a:schemeClr val="accent1">
+              <a:shade val="50000"/>
+            </a:schemeClr>
+          </a:lnRef>
+          <a:fillRef idx="1">
+            <a:schemeClr val="accent1"/>
+          </a:fillRef>
+          <a:effectRef idx="0">
+            <a:schemeClr val="accent1"/>
+          </a:effectRef>
+          <a:fontRef idx="minor">
+            <a:schemeClr val="lt1"/>
+          </a:fontRef>
+        </p:style>
+      </p:sp>
+      <p:sp>
+        <p:nvSpPr>
           <p:cNvPr id="2" name="Vertical Title 1"/>
           <p:cNvSpPr>
             <a:spLocks noGrp="1"/>
@@ -2567,8 +605,8 @@
         </p:nvSpPr>
         <p:spPr>
           <a:xfrm>
-            <a:off x="8685212" y="685800"/>
-            <a:ext cx="2057400" cy="4572000"/>
+            <a:off x="9160624" y="274638"/>
+            <a:ext cx="2402380" cy="5897562"/>
           </a:xfrm>
         </p:spPr>
         <p:txBody>
@@ -2595,12 +633,12 @@
         </p:nvSpPr>
         <p:spPr>
           <a:xfrm>
-            <a:off x="685800" y="685800"/>
-            <a:ext cx="7823200" cy="5308600"/>
+            <a:off x="838199" y="274638"/>
+            <a:ext cx="7973291" cy="5897562"/>
           </a:xfrm>
         </p:spPr>
         <p:txBody>
-          <a:bodyPr vert="eaVert" anchor="t"/>
+          <a:bodyPr vert="eaVert"/>
           <a:lstStyle/>
           <a:p>
             <a:pPr lvl="0"/>
@@ -2650,7 +688,12 @@
             <p:ph type="dt" sz="half" idx="10"/>
           </p:nvPr>
         </p:nvSpPr>
-        <p:spPr/>
+        <p:spPr>
+          <a:xfrm>
+            <a:off x="838200" y="6422854"/>
+            <a:ext cx="2743196" cy="365125"/>
+          </a:xfrm>
+        </p:spPr>
         <p:txBody>
           <a:bodyPr/>
           <a:lstStyle/>
@@ -2673,7 +716,12 @@
             <p:ph type="ftr" sz="quarter" idx="11"/>
           </p:nvPr>
         </p:nvSpPr>
-        <p:spPr/>
+        <p:spPr>
+          <a:xfrm>
+            <a:off x="3776135" y="6422854"/>
+            <a:ext cx="4279669" cy="365125"/>
+          </a:xfrm>
+        </p:spPr>
         <p:txBody>
           <a:bodyPr/>
           <a:lstStyle/>
@@ -2692,7 +740,12 @@
             <p:ph type="sldNum" sz="quarter" idx="12"/>
           </p:nvPr>
         </p:nvSpPr>
-        <p:spPr/>
+        <p:spPr>
+          <a:xfrm>
+            <a:off x="8073048" y="6422854"/>
+            <a:ext cx="879759" cy="365125"/>
+          </a:xfrm>
+        </p:spPr>
         <p:txBody>
           <a:bodyPr/>
           <a:lstStyle/>
@@ -2708,7 +761,7 @@
     </p:spTree>
     <p:extLst>
       <p:ext uri="{BB962C8B-B14F-4D97-AF65-F5344CB8AC3E}">
-        <p14:creationId xmlns:p14="http://schemas.microsoft.com/office/powerpoint/2010/main" val="3939797864"/>
+        <p14:creationId xmlns:p14="http://schemas.microsoft.com/office/powerpoint/2010/main" val="178482947"/>
       </p:ext>
     </p:extLst>
   </p:cSld>
@@ -2770,7 +823,7 @@
         </p:nvSpPr>
         <p:spPr/>
         <p:txBody>
-          <a:bodyPr anchor="ctr"/>
+          <a:bodyPr/>
           <a:lstStyle/>
           <a:p>
             <a:pPr lvl="0"/>
@@ -2878,7 +931,7 @@
     </p:spTree>
     <p:extLst>
       <p:ext uri="{BB962C8B-B14F-4D97-AF65-F5344CB8AC3E}">
-        <p14:creationId xmlns:p14="http://schemas.microsoft.com/office/powerpoint/2010/main" val="1367346448"/>
+        <p14:creationId xmlns:p14="http://schemas.microsoft.com/office/powerpoint/2010/main" val="706916039"/>
       </p:ext>
     </p:extLst>
   </p:cSld>
@@ -2889,8 +942,13 @@
 </file>
 
 <file path=ppt/slideLayouts/slideLayout3.xml><?xml version="1.0" encoding="utf-8"?>
-<p:sldLayout xmlns:a="http://schemas.openxmlformats.org/drawingml/2006/main" xmlns:r="http://schemas.openxmlformats.org/officeDocument/2006/relationships" xmlns:p="http://schemas.openxmlformats.org/presentationml/2006/main" type="secHead" preserve="1">
+<p:sldLayout xmlns:a="http://schemas.openxmlformats.org/drawingml/2006/main" xmlns:r="http://schemas.openxmlformats.org/officeDocument/2006/relationships" xmlns:p="http://schemas.openxmlformats.org/presentationml/2006/main" showMasterSp="0" type="secHead" preserve="1">
   <p:cSld name="Section Header">
+    <p:bg>
+      <p:bgRef idx="1001">
+        <a:schemeClr val="bg1"/>
+      </p:bgRef>
+    </p:bg>
     <p:spTree>
       <p:nvGrpSpPr>
         <p:cNvPr id="1" name=""/>
@@ -2907,6 +965,44 @@
       </p:grpSpPr>
       <p:sp>
         <p:nvSpPr>
+          <p:cNvPr id="7" name="Rectangle 6"/>
+          <p:cNvSpPr/>
+          <p:nvPr/>
+        </p:nvSpPr>
+        <p:spPr>
+          <a:xfrm>
+            <a:off x="-6843" y="2059012"/>
+            <a:ext cx="12195668" cy="1828800"/>
+          </a:xfrm>
+          <a:prstGeom prst="rect">
+            <a:avLst/>
+          </a:prstGeom>
+          <a:solidFill>
+            <a:schemeClr val="tx2"/>
+          </a:solidFill>
+          <a:ln>
+            <a:noFill/>
+          </a:ln>
+        </p:spPr>
+        <p:style>
+          <a:lnRef idx="2">
+            <a:schemeClr val="accent1">
+              <a:shade val="50000"/>
+            </a:schemeClr>
+          </a:lnRef>
+          <a:fillRef idx="1">
+            <a:schemeClr val="accent1"/>
+          </a:fillRef>
+          <a:effectRef idx="0">
+            <a:schemeClr val="accent1"/>
+          </a:effectRef>
+          <a:fontRef idx="minor">
+            <a:schemeClr val="lt1"/>
+          </a:fontRef>
+        </p:style>
+      </p:sp>
+      <p:sp>
+        <p:nvSpPr>
           <p:cNvPr id="2" name="Title 1"/>
           <p:cNvSpPr>
             <a:spLocks noGrp="1"/>
@@ -2917,17 +1013,24 @@
         </p:nvSpPr>
         <p:spPr>
           <a:xfrm>
-            <a:off x="684211" y="2006600"/>
-            <a:ext cx="8534401" cy="2281600"/>
+            <a:off x="833191" y="2208879"/>
+            <a:ext cx="10515600" cy="1676400"/>
           </a:xfrm>
         </p:spPr>
         <p:txBody>
-          <a:bodyPr anchor="b">
-            <a:normAutofit/>
+          <a:bodyPr anchor="ctr">
+            <a:noAutofit/>
           </a:bodyPr>
           <a:lstStyle>
-            <a:lvl1pPr algn="l">
-              <a:defRPr sz="3600" b="0" cap="all"/>
+            <a:lvl1pPr algn="ctr">
+              <a:lnSpc>
+                <a:spcPct val="80000"/>
+              </a:lnSpc>
+              <a:defRPr sz="6000" b="0" spc="150" baseline="0">
+                <a:solidFill>
+                  <a:schemeClr val="bg1"/>
+                </a:solidFill>
+              </a:defRPr>
             </a:lvl1pPr>
           </a:lstStyle>
           <a:p>
@@ -2951,8 +1054,8 @@
         </p:nvSpPr>
         <p:spPr>
           <a:xfrm>
-            <a:off x="684213" y="4495800"/>
-            <a:ext cx="8534400" cy="1498600"/>
+            <a:off x="833191" y="4010334"/>
+            <a:ext cx="10515600" cy="1174639"/>
           </a:xfrm>
         </p:spPr>
         <p:txBody>
@@ -2960,13 +1063,11 @@
             <a:normAutofit/>
           </a:bodyPr>
           <a:lstStyle>
-            <a:lvl1pPr marL="0" indent="0" algn="l">
+            <a:lvl1pPr marL="0" indent="0" algn="ctr">
               <a:buNone/>
-              <a:defRPr sz="1800">
-                <a:solidFill>
-                  <a:schemeClr val="bg2">
-                    <a:lumMod val="75000"/>
-                  </a:schemeClr>
+              <a:defRPr sz="2000">
+                <a:solidFill>
+                  <a:schemeClr val="tx2"/>
                 </a:solidFill>
               </a:defRPr>
             </a:lvl1pPr>
@@ -3073,7 +1174,15 @@
         <p:spPr/>
         <p:txBody>
           <a:bodyPr/>
-          <a:lstStyle/>
+          <a:lstStyle>
+            <a:lvl1pPr>
+              <a:defRPr>
+                <a:solidFill>
+                  <a:schemeClr val="tx2"/>
+                </a:solidFill>
+              </a:defRPr>
+            </a:lvl1pPr>
+          </a:lstStyle>
           <a:p>
             <a:fld id="{BF68B1DA-85AE-4601-877C-5515C57D8413}" type="datetimeFigureOut">
               <a:rPr lang="en-IN" smtClean="0"/>
@@ -3096,7 +1205,15 @@
         <p:spPr/>
         <p:txBody>
           <a:bodyPr/>
-          <a:lstStyle/>
+          <a:lstStyle>
+            <a:lvl1pPr>
+              <a:defRPr>
+                <a:solidFill>
+                  <a:schemeClr val="tx2"/>
+                </a:solidFill>
+              </a:defRPr>
+            </a:lvl1pPr>
+          </a:lstStyle>
           <a:p>
             <a:endParaRPr lang="en-IN"/>
           </a:p>
@@ -3115,7 +1232,15 @@
         <p:spPr/>
         <p:txBody>
           <a:bodyPr/>
-          <a:lstStyle/>
+          <a:lstStyle>
+            <a:lvl1pPr>
+              <a:defRPr>
+                <a:solidFill>
+                  <a:schemeClr val="tx2"/>
+                </a:solidFill>
+              </a:defRPr>
+            </a:lvl1pPr>
+          </a:lstStyle>
           <a:p>
             <a:fld id="{003DB5BE-F3BA-4392-AAF4-F8189CE57315}" type="slidenum">
               <a:rPr lang="en-IN" smtClean="0"/>
@@ -3128,12 +1253,12 @@
     </p:spTree>
     <p:extLst>
       <p:ext uri="{BB962C8B-B14F-4D97-AF65-F5344CB8AC3E}">
-        <p14:creationId xmlns:p14="http://schemas.microsoft.com/office/powerpoint/2010/main" val="1564736458"/>
+        <p14:creationId xmlns:p14="http://schemas.microsoft.com/office/powerpoint/2010/main" val="1967915565"/>
       </p:ext>
     </p:extLst>
   </p:cSld>
   <p:clrMapOvr>
-    <a:masterClrMapping/>
+    <a:overrideClrMapping bg1="lt1" tx1="dk1" bg2="lt2" tx2="dk2" accent1="accent1" accent2="accent2" accent3="accent3" accent4="accent4" accent5="accent5" accent6="accent6" hlink="hlink" folHlink="folHlink"/>
   </p:clrMapOvr>
 </p:sldLayout>
 </file>
@@ -3157,7 +1282,7 @@
       </p:grpSpPr>
       <p:sp>
         <p:nvSpPr>
-          <p:cNvPr id="2" name="Title 1"/>
+          <p:cNvPr id="8" name="Title 7"/>
           <p:cNvSpPr>
             <a:spLocks noGrp="1"/>
           </p:cNvSpPr>
@@ -3190,15 +1315,41 @@
         </p:nvSpPr>
         <p:spPr>
           <a:xfrm>
-            <a:off x="684211" y="685800"/>
-            <a:ext cx="4937655" cy="3615267"/>
+            <a:off x="1205344" y="2011680"/>
+            <a:ext cx="4754880" cy="4206240"/>
           </a:xfrm>
         </p:spPr>
         <p:txBody>
-          <a:bodyPr>
-            <a:normAutofit/>
-          </a:bodyPr>
-          <a:lstStyle/>
+          <a:bodyPr/>
+          <a:lstStyle>
+            <a:lvl1pPr>
+              <a:defRPr sz="2200"/>
+            </a:lvl1pPr>
+            <a:lvl2pPr>
+              <a:defRPr sz="2000"/>
+            </a:lvl2pPr>
+            <a:lvl3pPr>
+              <a:defRPr sz="1800"/>
+            </a:lvl3pPr>
+            <a:lvl4pPr>
+              <a:defRPr sz="1600"/>
+            </a:lvl4pPr>
+            <a:lvl5pPr>
+              <a:defRPr sz="1600"/>
+            </a:lvl5pPr>
+            <a:lvl6pPr>
+              <a:defRPr sz="1600"/>
+            </a:lvl6pPr>
+            <a:lvl7pPr>
+              <a:defRPr sz="1600"/>
+            </a:lvl7pPr>
+            <a:lvl8pPr>
+              <a:defRPr sz="1600"/>
+            </a:lvl8pPr>
+            <a:lvl9pPr>
+              <a:defRPr sz="1600"/>
+            </a:lvl9pPr>
+          </a:lstStyle>
           <a:p>
             <a:pPr lvl="0"/>
             <a:r>
@@ -3249,15 +1400,41 @@
         </p:nvSpPr>
         <p:spPr>
           <a:xfrm>
-            <a:off x="5808133" y="685801"/>
-            <a:ext cx="4934479" cy="3615266"/>
+            <a:off x="6230391" y="2011680"/>
+            <a:ext cx="4754880" cy="4206240"/>
           </a:xfrm>
         </p:spPr>
         <p:txBody>
-          <a:bodyPr>
-            <a:normAutofit/>
-          </a:bodyPr>
-          <a:lstStyle/>
+          <a:bodyPr/>
+          <a:lstStyle>
+            <a:lvl1pPr>
+              <a:defRPr sz="2200"/>
+            </a:lvl1pPr>
+            <a:lvl2pPr>
+              <a:defRPr sz="2000"/>
+            </a:lvl2pPr>
+            <a:lvl3pPr>
+              <a:defRPr sz="1800"/>
+            </a:lvl3pPr>
+            <a:lvl4pPr>
+              <a:defRPr sz="1600"/>
+            </a:lvl4pPr>
+            <a:lvl5pPr>
+              <a:defRPr sz="1600"/>
+            </a:lvl5pPr>
+            <a:lvl6pPr>
+              <a:defRPr sz="1600"/>
+            </a:lvl6pPr>
+            <a:lvl7pPr>
+              <a:defRPr sz="1600"/>
+            </a:lvl7pPr>
+            <a:lvl8pPr>
+              <a:defRPr sz="1600"/>
+            </a:lvl8pPr>
+            <a:lvl9pPr>
+              <a:defRPr sz="1600"/>
+            </a:lvl9pPr>
+          </a:lstStyle>
           <a:p>
             <a:pPr lvl="0"/>
             <a:r>
@@ -3364,7 +1541,7 @@
     </p:spTree>
     <p:extLst>
       <p:ext uri="{BB962C8B-B14F-4D97-AF65-F5344CB8AC3E}">
-        <p14:creationId xmlns:p14="http://schemas.microsoft.com/office/powerpoint/2010/main" val="958366056"/>
+        <p14:creationId xmlns:p14="http://schemas.microsoft.com/office/powerpoint/2010/main" val="3522864679"/>
       </p:ext>
     </p:extLst>
   </p:cSld>
@@ -3393,7 +1570,7 @@
       </p:grpSpPr>
       <p:sp>
         <p:nvSpPr>
-          <p:cNvPr id="2" name="Title 1"/>
+          <p:cNvPr id="10" name="Title 9"/>
           <p:cNvSpPr>
             <a:spLocks noGrp="1"/>
           </p:cNvSpPr>
@@ -3404,11 +1581,7 @@
         <p:spPr/>
         <p:txBody>
           <a:bodyPr/>
-          <a:lstStyle>
-            <a:lvl1pPr>
-              <a:defRPr/>
-            </a:lvl1pPr>
-          </a:lstStyle>
+          <a:lstStyle/>
           <a:p>
             <a:r>
               <a:rPr lang="en-US"/>
@@ -3430,22 +1603,18 @@
         </p:nvSpPr>
         <p:spPr>
           <a:xfrm>
-            <a:off x="972080" y="685800"/>
-            <a:ext cx="4649787" cy="576262"/>
+            <a:off x="1207008" y="1913470"/>
+            <a:ext cx="4754880" cy="743094"/>
           </a:xfrm>
         </p:spPr>
         <p:txBody>
-          <a:bodyPr anchor="b">
-            <a:noAutofit/>
+          <a:bodyPr anchor="ctr">
+            <a:normAutofit/>
           </a:bodyPr>
           <a:lstStyle>
             <a:lvl1pPr marL="0" indent="0">
               <a:buNone/>
-              <a:defRPr sz="2800" b="0">
-                <a:solidFill>
-                  <a:schemeClr val="tx1"/>
-                </a:solidFill>
-              </a:defRPr>
+              <a:defRPr sz="2100" b="1"/>
             </a:lvl1pPr>
             <a:lvl2pPr marL="457200" indent="0">
               <a:buNone/>
@@ -3501,15 +1670,41 @@
         </p:nvSpPr>
         <p:spPr>
           <a:xfrm>
-            <a:off x="684211" y="1270529"/>
-            <a:ext cx="4937655" cy="3030538"/>
+            <a:off x="1207008" y="2656566"/>
+            <a:ext cx="4754880" cy="3566160"/>
           </a:xfrm>
         </p:spPr>
         <p:txBody>
-          <a:bodyPr anchor="t">
-            <a:normAutofit/>
-          </a:bodyPr>
-          <a:lstStyle/>
+          <a:bodyPr/>
+          <a:lstStyle>
+            <a:lvl1pPr>
+              <a:defRPr sz="2200"/>
+            </a:lvl1pPr>
+            <a:lvl2pPr>
+              <a:defRPr sz="2000"/>
+            </a:lvl2pPr>
+            <a:lvl3pPr>
+              <a:defRPr sz="1800"/>
+            </a:lvl3pPr>
+            <a:lvl4pPr>
+              <a:defRPr sz="1600"/>
+            </a:lvl4pPr>
+            <a:lvl5pPr>
+              <a:defRPr sz="1600"/>
+            </a:lvl5pPr>
+            <a:lvl6pPr>
+              <a:defRPr sz="1600"/>
+            </a:lvl6pPr>
+            <a:lvl7pPr>
+              <a:defRPr sz="1600"/>
+            </a:lvl7pPr>
+            <a:lvl8pPr>
+              <a:defRPr sz="1600"/>
+            </a:lvl8pPr>
+            <a:lvl9pPr>
+              <a:defRPr sz="1600"/>
+            </a:lvl9pPr>
+          </a:lstStyle>
           <a:p>
             <a:pPr lvl="0"/>
             <a:r>
@@ -3560,22 +1755,18 @@
         </p:nvSpPr>
         <p:spPr>
           <a:xfrm>
-            <a:off x="6079066" y="685800"/>
-            <a:ext cx="4665134" cy="576262"/>
+            <a:off x="6231230" y="1913470"/>
+            <a:ext cx="4754880" cy="743094"/>
           </a:xfrm>
         </p:spPr>
         <p:txBody>
-          <a:bodyPr anchor="b">
-            <a:noAutofit/>
+          <a:bodyPr anchor="ctr">
+            <a:normAutofit/>
           </a:bodyPr>
           <a:lstStyle>
             <a:lvl1pPr marL="0" indent="0">
               <a:buNone/>
-              <a:defRPr sz="2800" b="0">
-                <a:solidFill>
-                  <a:schemeClr val="tx1"/>
-                </a:solidFill>
-              </a:defRPr>
+              <a:defRPr sz="2100" b="1"/>
             </a:lvl1pPr>
             <a:lvl2pPr marL="457200" indent="0">
               <a:buNone/>
@@ -3631,15 +1822,41 @@
         </p:nvSpPr>
         <p:spPr>
           <a:xfrm>
-            <a:off x="5806545" y="1262062"/>
-            <a:ext cx="4929188" cy="3030538"/>
+            <a:off x="6231230" y="2656564"/>
+            <a:ext cx="4754880" cy="3566160"/>
           </a:xfrm>
         </p:spPr>
         <p:txBody>
-          <a:bodyPr anchor="t">
-            <a:normAutofit/>
-          </a:bodyPr>
-          <a:lstStyle/>
+          <a:bodyPr/>
+          <a:lstStyle>
+            <a:lvl1pPr>
+              <a:defRPr sz="2200"/>
+            </a:lvl1pPr>
+            <a:lvl2pPr>
+              <a:defRPr sz="2000"/>
+            </a:lvl2pPr>
+            <a:lvl3pPr>
+              <a:defRPr sz="1800"/>
+            </a:lvl3pPr>
+            <a:lvl4pPr>
+              <a:defRPr sz="1600"/>
+            </a:lvl4pPr>
+            <a:lvl5pPr>
+              <a:defRPr sz="1600"/>
+            </a:lvl5pPr>
+            <a:lvl6pPr>
+              <a:defRPr sz="1600"/>
+            </a:lvl6pPr>
+            <a:lvl7pPr>
+              <a:defRPr sz="1600"/>
+            </a:lvl7pPr>
+            <a:lvl8pPr>
+              <a:defRPr sz="1600"/>
+            </a:lvl8pPr>
+            <a:lvl9pPr>
+              <a:defRPr sz="1600"/>
+            </a:lvl9pPr>
+          </a:lstStyle>
           <a:p>
             <a:pPr lvl="0"/>
             <a:r>
@@ -3746,7 +1963,7 @@
     </p:spTree>
     <p:extLst>
       <p:ext uri="{BB962C8B-B14F-4D97-AF65-F5344CB8AC3E}">
-        <p14:creationId xmlns:p14="http://schemas.microsoft.com/office/powerpoint/2010/main" val="1902010171"/>
+        <p14:creationId xmlns:p14="http://schemas.microsoft.com/office/powerpoint/2010/main" val="2744597578"/>
       </p:ext>
     </p:extLst>
   </p:cSld>
@@ -3864,7 +2081,7 @@
     </p:spTree>
     <p:extLst>
       <p:ext uri="{BB962C8B-B14F-4D97-AF65-F5344CB8AC3E}">
-        <p14:creationId xmlns:p14="http://schemas.microsoft.com/office/powerpoint/2010/main" val="3779946886"/>
+        <p14:creationId xmlns:p14="http://schemas.microsoft.com/office/powerpoint/2010/main" val="264664444"/>
       </p:ext>
     </p:extLst>
   </p:cSld>
@@ -3875,7 +2092,7 @@
 </file>
 
 <file path=ppt/slideLayouts/slideLayout7.xml><?xml version="1.0" encoding="utf-8"?>
-<p:sldLayout xmlns:a="http://schemas.openxmlformats.org/drawingml/2006/main" xmlns:r="http://schemas.openxmlformats.org/officeDocument/2006/relationships" xmlns:p="http://schemas.openxmlformats.org/presentationml/2006/main" type="blank" preserve="1">
+<p:sldLayout xmlns:a="http://schemas.openxmlformats.org/drawingml/2006/main" xmlns:r="http://schemas.openxmlformats.org/officeDocument/2006/relationships" xmlns:p="http://schemas.openxmlformats.org/presentationml/2006/main" showMasterSp="0" type="blank" preserve="1">
   <p:cSld name="Blank">
     <p:spTree>
       <p:nvGrpSpPr>
@@ -3959,7 +2176,7 @@
     </p:spTree>
     <p:extLst>
       <p:ext uri="{BB962C8B-B14F-4D97-AF65-F5344CB8AC3E}">
-        <p14:creationId xmlns:p14="http://schemas.microsoft.com/office/powerpoint/2010/main" val="3865158245"/>
+        <p14:creationId xmlns:p14="http://schemas.microsoft.com/office/powerpoint/2010/main" val="332142873"/>
       </p:ext>
     </p:extLst>
   </p:cSld>
@@ -3988,7 +2205,7 @@
       </p:grpSpPr>
       <p:sp>
         <p:nvSpPr>
-          <p:cNvPr id="2" name="Title 1"/>
+          <p:cNvPr id="8" name="Title 7"/>
           <p:cNvSpPr>
             <a:spLocks noGrp="1"/>
           </p:cNvSpPr>
@@ -3996,21 +2213,10 @@
             <p:ph type="title"/>
           </p:nvPr>
         </p:nvSpPr>
-        <p:spPr>
-          <a:xfrm>
-            <a:off x="7085012" y="685800"/>
-            <a:ext cx="3657600" cy="1371600"/>
-          </a:xfrm>
-        </p:spPr>
-        <p:txBody>
-          <a:bodyPr anchor="b">
-            <a:normAutofit/>
-          </a:bodyPr>
-          <a:lstStyle>
-            <a:lvl1pPr algn="l">
-              <a:defRPr sz="2400" b="0"/>
-            </a:lvl1pPr>
-          </a:lstStyle>
+        <p:spPr/>
+        <p:txBody>
+          <a:bodyPr/>
+          <a:lstStyle/>
           <a:p>
             <a:r>
               <a:rPr lang="en-US"/>
@@ -4032,15 +2238,41 @@
         </p:nvSpPr>
         <p:spPr>
           <a:xfrm>
-            <a:off x="684212" y="685800"/>
-            <a:ext cx="5943601" cy="5308600"/>
+            <a:off x="1207008" y="2120054"/>
+            <a:ext cx="6126480" cy="4114800"/>
           </a:xfrm>
         </p:spPr>
         <p:txBody>
-          <a:bodyPr anchor="ctr">
-            <a:normAutofit/>
-          </a:bodyPr>
-          <a:lstStyle/>
+          <a:bodyPr/>
+          <a:lstStyle>
+            <a:lvl1pPr>
+              <a:defRPr sz="3200"/>
+            </a:lvl1pPr>
+            <a:lvl2pPr>
+              <a:defRPr sz="2800"/>
+            </a:lvl2pPr>
+            <a:lvl3pPr>
+              <a:defRPr sz="2400"/>
+            </a:lvl3pPr>
+            <a:lvl4pPr>
+              <a:defRPr sz="2000"/>
+            </a:lvl4pPr>
+            <a:lvl5pPr>
+              <a:defRPr sz="2000"/>
+            </a:lvl5pPr>
+            <a:lvl6pPr>
+              <a:defRPr sz="2000"/>
+            </a:lvl6pPr>
+            <a:lvl7pPr>
+              <a:defRPr sz="2000"/>
+            </a:lvl7pPr>
+            <a:lvl8pPr>
+              <a:defRPr sz="2000"/>
+            </a:lvl8pPr>
+            <a:lvl9pPr>
+              <a:defRPr sz="2000"/>
+            </a:lvl9pPr>
+          </a:lstStyle>
           <a:p>
             <a:pPr lvl="0"/>
             <a:r>
@@ -4091,299 +2323,19 @@
         </p:nvSpPr>
         <p:spPr>
           <a:xfrm>
-            <a:off x="7085012" y="2209799"/>
-            <a:ext cx="3657600" cy="2091267"/>
+            <a:off x="7789023" y="2147486"/>
+            <a:ext cx="3200400" cy="3432319"/>
           </a:xfrm>
         </p:spPr>
         <p:txBody>
-          <a:bodyPr anchor="t">
+          <a:bodyPr>
             <a:normAutofit/>
           </a:bodyPr>
           <a:lstStyle>
             <a:lvl1pPr marL="0" indent="0">
-              <a:buNone/>
-              <a:defRPr sz="1600"/>
-            </a:lvl1pPr>
-            <a:lvl2pPr marL="457200" indent="0">
-              <a:buNone/>
-              <a:defRPr sz="1200"/>
-            </a:lvl2pPr>
-            <a:lvl3pPr marL="914400" indent="0">
-              <a:buNone/>
-              <a:defRPr sz="1000"/>
-            </a:lvl3pPr>
-            <a:lvl4pPr marL="1371600" indent="0">
-              <a:buNone/>
-              <a:defRPr sz="900"/>
-            </a:lvl4pPr>
-            <a:lvl5pPr marL="1828800" indent="0">
-              <a:buNone/>
-              <a:defRPr sz="900"/>
-            </a:lvl5pPr>
-            <a:lvl6pPr marL="2286000" indent="0">
-              <a:buNone/>
-              <a:defRPr sz="900"/>
-            </a:lvl6pPr>
-            <a:lvl7pPr marL="2743200" indent="0">
-              <a:buNone/>
-              <a:defRPr sz="900"/>
-            </a:lvl7pPr>
-            <a:lvl8pPr marL="3200400" indent="0">
-              <a:buNone/>
-              <a:defRPr sz="900"/>
-            </a:lvl8pPr>
-            <a:lvl9pPr marL="3657600" indent="0">
-              <a:buNone/>
-              <a:defRPr sz="900"/>
-            </a:lvl9pPr>
-          </a:lstStyle>
-          <a:p>
-            <a:pPr lvl="0"/>
-            <a:r>
-              <a:rPr lang="en-US"/>
-              <a:t>Click to edit Master text styles</a:t>
-            </a:r>
-          </a:p>
-        </p:txBody>
-      </p:sp>
-      <p:sp>
-        <p:nvSpPr>
-          <p:cNvPr id="5" name="Date Placeholder 4"/>
-          <p:cNvSpPr>
-            <a:spLocks noGrp="1"/>
-          </p:cNvSpPr>
-          <p:nvPr>
-            <p:ph type="dt" sz="half" idx="10"/>
-          </p:nvPr>
-        </p:nvSpPr>
-        <p:spPr/>
-        <p:txBody>
-          <a:bodyPr/>
-          <a:lstStyle/>
-          <a:p>
-            <a:fld id="{BF68B1DA-85AE-4601-877C-5515C57D8413}" type="datetimeFigureOut">
-              <a:rPr lang="en-IN" smtClean="0"/>
-              <a:t>19-09-2021</a:t>
-            </a:fld>
-            <a:endParaRPr lang="en-IN"/>
-          </a:p>
-        </p:txBody>
-      </p:sp>
-      <p:sp>
-        <p:nvSpPr>
-          <p:cNvPr id="6" name="Footer Placeholder 5"/>
-          <p:cNvSpPr>
-            <a:spLocks noGrp="1"/>
-          </p:cNvSpPr>
-          <p:nvPr>
-            <p:ph type="ftr" sz="quarter" idx="11"/>
-          </p:nvPr>
-        </p:nvSpPr>
-        <p:spPr/>
-        <p:txBody>
-          <a:bodyPr/>
-          <a:lstStyle/>
-          <a:p>
-            <a:endParaRPr lang="en-IN"/>
-          </a:p>
-        </p:txBody>
-      </p:sp>
-      <p:sp>
-        <p:nvSpPr>
-          <p:cNvPr id="7" name="Slide Number Placeholder 6"/>
-          <p:cNvSpPr>
-            <a:spLocks noGrp="1"/>
-          </p:cNvSpPr>
-          <p:nvPr>
-            <p:ph type="sldNum" sz="quarter" idx="12"/>
-          </p:nvPr>
-        </p:nvSpPr>
-        <p:spPr/>
-        <p:txBody>
-          <a:bodyPr/>
-          <a:lstStyle/>
-          <a:p>
-            <a:fld id="{003DB5BE-F3BA-4392-AAF4-F8189CE57315}" type="slidenum">
-              <a:rPr lang="en-IN" smtClean="0"/>
-              <a:t>‹#›</a:t>
-            </a:fld>
-            <a:endParaRPr lang="en-IN"/>
-          </a:p>
-        </p:txBody>
-      </p:sp>
-    </p:spTree>
-    <p:extLst>
-      <p:ext uri="{BB962C8B-B14F-4D97-AF65-F5344CB8AC3E}">
-        <p14:creationId xmlns:p14="http://schemas.microsoft.com/office/powerpoint/2010/main" val="2679151195"/>
-      </p:ext>
-    </p:extLst>
-  </p:cSld>
-  <p:clrMapOvr>
-    <a:masterClrMapping/>
-  </p:clrMapOvr>
-</p:sldLayout>
-</file>
-
-<file path=ppt/slideLayouts/slideLayout9.xml><?xml version="1.0" encoding="utf-8"?>
-<p:sldLayout xmlns:a="http://schemas.openxmlformats.org/drawingml/2006/main" xmlns:r="http://schemas.openxmlformats.org/officeDocument/2006/relationships" xmlns:p="http://schemas.openxmlformats.org/presentationml/2006/main" type="picTx" preserve="1">
-  <p:cSld name="Picture with Caption">
-    <p:spTree>
-      <p:nvGrpSpPr>
-        <p:cNvPr id="1" name=""/>
-        <p:cNvGrpSpPr/>
-        <p:nvPr/>
-      </p:nvGrpSpPr>
-      <p:grpSpPr>
-        <a:xfrm>
-          <a:off x="0" y="0"/>
-          <a:ext cx="0" cy="0"/>
-          <a:chOff x="0" y="0"/>
-          <a:chExt cx="0" cy="0"/>
-        </a:xfrm>
-      </p:grpSpPr>
-      <p:sp>
-        <p:nvSpPr>
-          <p:cNvPr id="2" name="Title 1"/>
-          <p:cNvSpPr>
-            <a:spLocks noGrp="1"/>
-          </p:cNvSpPr>
-          <p:nvPr>
-            <p:ph type="title"/>
-          </p:nvPr>
-        </p:nvSpPr>
-        <p:spPr>
-          <a:xfrm>
-            <a:off x="4722812" y="1447800"/>
-            <a:ext cx="6019800" cy="1143000"/>
-          </a:xfrm>
-        </p:spPr>
-        <p:txBody>
-          <a:bodyPr anchor="b">
-            <a:normAutofit/>
-          </a:bodyPr>
-          <a:lstStyle>
-            <a:lvl1pPr algn="l">
-              <a:defRPr sz="2800" b="0"/>
-            </a:lvl1pPr>
-          </a:lstStyle>
-          <a:p>
-            <a:r>
-              <a:rPr lang="en-US"/>
-              <a:t>Click to edit Master title style</a:t>
-            </a:r>
-            <a:endParaRPr lang="en-US" dirty="0"/>
-          </a:p>
-        </p:txBody>
-      </p:sp>
-      <p:sp>
-        <p:nvSpPr>
-          <p:cNvPr id="14" name="Picture Placeholder 2"/>
-          <p:cNvSpPr>
-            <a:spLocks noGrp="1" noChangeAspect="1"/>
-          </p:cNvSpPr>
-          <p:nvPr>
-            <p:ph type="pic" idx="1"/>
-          </p:nvPr>
-        </p:nvSpPr>
-        <p:spPr>
-          <a:xfrm>
-            <a:off x="989012" y="914400"/>
-            <a:ext cx="3280974" cy="4572000"/>
-          </a:xfrm>
-          <a:prstGeom prst="snip2DiagRect">
-            <a:avLst>
-              <a:gd name="adj1" fmla="val 10815"/>
-              <a:gd name="adj2" fmla="val 0"/>
-            </a:avLst>
-          </a:prstGeom>
-          <a:ln w="15875">
-            <a:solidFill>
-              <a:schemeClr val="tx1">
-                <a:alpha val="40000"/>
-              </a:schemeClr>
-            </a:solidFill>
-          </a:ln>
-          <a:effectLst>
-            <a:innerShdw blurRad="57150" dist="38100" dir="14460000">
-              <a:srgbClr val="000000">
-                <a:alpha val="70000"/>
-              </a:srgbClr>
-            </a:innerShdw>
-          </a:effectLst>
-        </p:spPr>
-        <p:txBody>
-          <a:bodyPr anchor="t">
-            <a:normAutofit/>
-          </a:bodyPr>
-          <a:lstStyle>
-            <a:lvl1pPr marL="0" indent="0" algn="ctr">
-              <a:buNone/>
-              <a:defRPr sz="1600"/>
-            </a:lvl1pPr>
-            <a:lvl2pPr marL="457200" indent="0">
-              <a:buNone/>
-              <a:defRPr sz="1600"/>
-            </a:lvl2pPr>
-            <a:lvl3pPr marL="914400" indent="0">
-              <a:buNone/>
-              <a:defRPr sz="1600"/>
-            </a:lvl3pPr>
-            <a:lvl4pPr marL="1371600" indent="0">
-              <a:buNone/>
-              <a:defRPr sz="1600"/>
-            </a:lvl4pPr>
-            <a:lvl5pPr marL="1828800" indent="0">
-              <a:buNone/>
-              <a:defRPr sz="1600"/>
-            </a:lvl5pPr>
-            <a:lvl6pPr marL="2286000" indent="0">
-              <a:buNone/>
-              <a:defRPr sz="1600"/>
-            </a:lvl6pPr>
-            <a:lvl7pPr marL="2743200" indent="0">
-              <a:buNone/>
-              <a:defRPr sz="1600"/>
-            </a:lvl7pPr>
-            <a:lvl8pPr marL="3200400" indent="0">
-              <a:buNone/>
-              <a:defRPr sz="1600"/>
-            </a:lvl8pPr>
-            <a:lvl9pPr marL="3657600" indent="0">
-              <a:buNone/>
-              <a:defRPr sz="1600"/>
-            </a:lvl9pPr>
-          </a:lstStyle>
-          <a:p>
-            <a:r>
-              <a:rPr lang="en-US"/>
-              <a:t>Click icon to add picture</a:t>
-            </a:r>
-            <a:endParaRPr lang="en-US" dirty="0"/>
-          </a:p>
-        </p:txBody>
-      </p:sp>
-      <p:sp>
-        <p:nvSpPr>
-          <p:cNvPr id="4" name="Text Placeholder 3"/>
-          <p:cNvSpPr>
-            <a:spLocks noGrp="1"/>
-          </p:cNvSpPr>
-          <p:nvPr>
-            <p:ph type="body" sz="half" idx="2"/>
-          </p:nvPr>
-        </p:nvSpPr>
-        <p:spPr>
-          <a:xfrm>
-            <a:off x="4722812" y="2777066"/>
-            <a:ext cx="6021388" cy="2048933"/>
-          </a:xfrm>
-        </p:spPr>
-        <p:txBody>
-          <a:bodyPr anchor="t">
-            <a:normAutofit/>
-          </a:bodyPr>
-          <a:lstStyle>
-            <a:lvl1pPr marL="0" indent="0">
+              <a:lnSpc>
+                <a:spcPct val="95000"/>
+              </a:lnSpc>
               <a:buNone/>
               <a:defRPr sz="1800"/>
             </a:lvl1pPr>
@@ -4497,7 +2449,272 @@
     </p:spTree>
     <p:extLst>
       <p:ext uri="{BB962C8B-B14F-4D97-AF65-F5344CB8AC3E}">
-        <p14:creationId xmlns:p14="http://schemas.microsoft.com/office/powerpoint/2010/main" val="4213717264"/>
+        <p14:creationId xmlns:p14="http://schemas.microsoft.com/office/powerpoint/2010/main" val="3760859122"/>
+      </p:ext>
+    </p:extLst>
+  </p:cSld>
+  <p:clrMapOvr>
+    <a:masterClrMapping/>
+  </p:clrMapOvr>
+</p:sldLayout>
+</file>
+
+<file path=ppt/slideLayouts/slideLayout9.xml><?xml version="1.0" encoding="utf-8"?>
+<p:sldLayout xmlns:a="http://schemas.openxmlformats.org/drawingml/2006/main" xmlns:r="http://schemas.openxmlformats.org/officeDocument/2006/relationships" xmlns:p="http://schemas.openxmlformats.org/presentationml/2006/main" type="picTx" preserve="1">
+  <p:cSld name="Picture with Caption">
+    <p:spTree>
+      <p:nvGrpSpPr>
+        <p:cNvPr id="1" name=""/>
+        <p:cNvGrpSpPr/>
+        <p:nvPr/>
+      </p:nvGrpSpPr>
+      <p:grpSpPr>
+        <a:xfrm>
+          <a:off x="0" y="0"/>
+          <a:ext cx="0" cy="0"/>
+          <a:chOff x="0" y="0"/>
+          <a:chExt cx="0" cy="0"/>
+        </a:xfrm>
+      </p:grpSpPr>
+      <p:sp>
+        <p:nvSpPr>
+          <p:cNvPr id="8" name="Title 7"/>
+          <p:cNvSpPr>
+            <a:spLocks noGrp="1"/>
+          </p:cNvSpPr>
+          <p:nvPr>
+            <p:ph type="title"/>
+          </p:nvPr>
+        </p:nvSpPr>
+        <p:spPr/>
+        <p:txBody>
+          <a:bodyPr/>
+          <a:lstStyle/>
+          <a:p>
+            <a:r>
+              <a:rPr lang="en-US"/>
+              <a:t>Click to edit Master title style</a:t>
+            </a:r>
+            <a:endParaRPr lang="en-US" dirty="0"/>
+          </a:p>
+        </p:txBody>
+      </p:sp>
+      <p:sp>
+        <p:nvSpPr>
+          <p:cNvPr id="3" name="Picture Placeholder 2"/>
+          <p:cNvSpPr>
+            <a:spLocks noGrp="1" noChangeAspect="1"/>
+          </p:cNvSpPr>
+          <p:nvPr>
+            <p:ph type="pic" idx="1"/>
+          </p:nvPr>
+        </p:nvSpPr>
+        <p:spPr>
+          <a:xfrm>
+            <a:off x="1280160" y="2211494"/>
+            <a:ext cx="6126480" cy="3931920"/>
+          </a:xfrm>
+          <a:solidFill>
+            <a:schemeClr val="tx2">
+              <a:lumMod val="60000"/>
+              <a:lumOff val="40000"/>
+            </a:schemeClr>
+          </a:solidFill>
+        </p:spPr>
+        <p:txBody>
+          <a:bodyPr tIns="365760" anchor="t"/>
+          <a:lstStyle>
+            <a:lvl1pPr marL="0" indent="0" algn="ctr">
+              <a:buNone/>
+              <a:defRPr sz="3200">
+                <a:solidFill>
+                  <a:schemeClr val="tx1">
+                    <a:lumMod val="50000"/>
+                  </a:schemeClr>
+                </a:solidFill>
+              </a:defRPr>
+            </a:lvl1pPr>
+            <a:lvl2pPr marL="457200" indent="0">
+              <a:buNone/>
+              <a:defRPr sz="2800"/>
+            </a:lvl2pPr>
+            <a:lvl3pPr marL="914400" indent="0">
+              <a:buNone/>
+              <a:defRPr sz="2400"/>
+            </a:lvl3pPr>
+            <a:lvl4pPr marL="1371600" indent="0">
+              <a:buNone/>
+              <a:defRPr sz="2000"/>
+            </a:lvl4pPr>
+            <a:lvl5pPr marL="1828800" indent="0">
+              <a:buNone/>
+              <a:defRPr sz="2000"/>
+            </a:lvl5pPr>
+            <a:lvl6pPr marL="2286000" indent="0">
+              <a:buNone/>
+              <a:defRPr sz="2000"/>
+            </a:lvl6pPr>
+            <a:lvl7pPr marL="2743200" indent="0">
+              <a:buNone/>
+              <a:defRPr sz="2000"/>
+            </a:lvl7pPr>
+            <a:lvl8pPr marL="3200400" indent="0">
+              <a:buNone/>
+              <a:defRPr sz="2000"/>
+            </a:lvl8pPr>
+            <a:lvl9pPr marL="3657600" indent="0">
+              <a:buNone/>
+              <a:defRPr sz="2000"/>
+            </a:lvl9pPr>
+          </a:lstStyle>
+          <a:p>
+            <a:r>
+              <a:rPr lang="en-US"/>
+              <a:t>Click icon to add picture</a:t>
+            </a:r>
+            <a:endParaRPr lang="en-US" dirty="0"/>
+          </a:p>
+        </p:txBody>
+      </p:sp>
+      <p:sp>
+        <p:nvSpPr>
+          <p:cNvPr id="4" name="Text Placeholder 3"/>
+          <p:cNvSpPr>
+            <a:spLocks noGrp="1"/>
+          </p:cNvSpPr>
+          <p:nvPr>
+            <p:ph type="body" sz="half" idx="2"/>
+          </p:nvPr>
+        </p:nvSpPr>
+        <p:spPr>
+          <a:xfrm>
+            <a:off x="7790688" y="2150621"/>
+            <a:ext cx="3200400" cy="3429000"/>
+          </a:xfrm>
+        </p:spPr>
+        <p:txBody>
+          <a:bodyPr>
+            <a:normAutofit/>
+          </a:bodyPr>
+          <a:lstStyle>
+            <a:lvl1pPr marL="0" indent="0">
+              <a:lnSpc>
+                <a:spcPct val="95000"/>
+              </a:lnSpc>
+              <a:buNone/>
+              <a:defRPr sz="1800"/>
+            </a:lvl1pPr>
+            <a:lvl2pPr marL="457200" indent="0">
+              <a:buNone/>
+              <a:defRPr sz="1200"/>
+            </a:lvl2pPr>
+            <a:lvl3pPr marL="914400" indent="0">
+              <a:buNone/>
+              <a:defRPr sz="1000"/>
+            </a:lvl3pPr>
+            <a:lvl4pPr marL="1371600" indent="0">
+              <a:buNone/>
+              <a:defRPr sz="900"/>
+            </a:lvl4pPr>
+            <a:lvl5pPr marL="1828800" indent="0">
+              <a:buNone/>
+              <a:defRPr sz="900"/>
+            </a:lvl5pPr>
+            <a:lvl6pPr marL="2286000" indent="0">
+              <a:buNone/>
+              <a:defRPr sz="900"/>
+            </a:lvl6pPr>
+            <a:lvl7pPr marL="2743200" indent="0">
+              <a:buNone/>
+              <a:defRPr sz="900"/>
+            </a:lvl7pPr>
+            <a:lvl8pPr marL="3200400" indent="0">
+              <a:buNone/>
+              <a:defRPr sz="900"/>
+            </a:lvl8pPr>
+            <a:lvl9pPr marL="3657600" indent="0">
+              <a:buNone/>
+              <a:defRPr sz="900"/>
+            </a:lvl9pPr>
+          </a:lstStyle>
+          <a:p>
+            <a:pPr lvl="0"/>
+            <a:r>
+              <a:rPr lang="en-US"/>
+              <a:t>Click to edit Master text styles</a:t>
+            </a:r>
+          </a:p>
+        </p:txBody>
+      </p:sp>
+      <p:sp>
+        <p:nvSpPr>
+          <p:cNvPr id="5" name="Date Placeholder 4"/>
+          <p:cNvSpPr>
+            <a:spLocks noGrp="1"/>
+          </p:cNvSpPr>
+          <p:nvPr>
+            <p:ph type="dt" sz="half" idx="10"/>
+          </p:nvPr>
+        </p:nvSpPr>
+        <p:spPr/>
+        <p:txBody>
+          <a:bodyPr/>
+          <a:lstStyle/>
+          <a:p>
+            <a:fld id="{BF68B1DA-85AE-4601-877C-5515C57D8413}" type="datetimeFigureOut">
+              <a:rPr lang="en-IN" smtClean="0"/>
+              <a:t>19-09-2021</a:t>
+            </a:fld>
+            <a:endParaRPr lang="en-IN"/>
+          </a:p>
+        </p:txBody>
+      </p:sp>
+      <p:sp>
+        <p:nvSpPr>
+          <p:cNvPr id="6" name="Footer Placeholder 5"/>
+          <p:cNvSpPr>
+            <a:spLocks noGrp="1"/>
+          </p:cNvSpPr>
+          <p:nvPr>
+            <p:ph type="ftr" sz="quarter" idx="11"/>
+          </p:nvPr>
+        </p:nvSpPr>
+        <p:spPr/>
+        <p:txBody>
+          <a:bodyPr/>
+          <a:lstStyle/>
+          <a:p>
+            <a:endParaRPr lang="en-IN"/>
+          </a:p>
+        </p:txBody>
+      </p:sp>
+      <p:sp>
+        <p:nvSpPr>
+          <p:cNvPr id="7" name="Slide Number Placeholder 6"/>
+          <p:cNvSpPr>
+            <a:spLocks noGrp="1"/>
+          </p:cNvSpPr>
+          <p:nvPr>
+            <p:ph type="sldNum" sz="quarter" idx="12"/>
+          </p:nvPr>
+        </p:nvSpPr>
+        <p:spPr/>
+        <p:txBody>
+          <a:bodyPr/>
+          <a:lstStyle/>
+          <a:p>
+            <a:fld id="{003DB5BE-F3BA-4392-AAF4-F8189CE57315}" type="slidenum">
+              <a:rPr lang="en-IN" smtClean="0"/>
+              <a:t>‹#›</a:t>
+            </a:fld>
+            <a:endParaRPr lang="en-IN"/>
+          </a:p>
+        </p:txBody>
+      </p:sp>
+    </p:spTree>
+    <p:extLst>
+      <p:ext uri="{BB962C8B-B14F-4D97-AF65-F5344CB8AC3E}">
+        <p14:creationId xmlns:p14="http://schemas.microsoft.com/office/powerpoint/2010/main" val="287770328"/>
       </p:ext>
     </p:extLst>
   </p:cSld>
@@ -4511,7 +2728,7 @@
 <p:sldMaster xmlns:a="http://schemas.openxmlformats.org/drawingml/2006/main" xmlns:r="http://schemas.openxmlformats.org/officeDocument/2006/relationships" xmlns:p="http://schemas.openxmlformats.org/presentationml/2006/main">
   <p:cSld>
     <p:bg>
-      <p:bgRef idx="1002">
+      <p:bgRef idx="1001">
         <a:schemeClr val="bg2"/>
       </p:bgRef>
     </p:bg>
@@ -4529,196 +2746,44 @@
           <a:chExt cx="0" cy="0"/>
         </a:xfrm>
       </p:grpSpPr>
-      <p:grpSp>
-        <p:nvGrpSpPr>
-          <p:cNvPr id="7" name="Group 6"/>
-          <p:cNvGrpSpPr/>
+      <p:sp>
+        <p:nvSpPr>
+          <p:cNvPr id="7" name="Rectangle 6"/>
+          <p:cNvSpPr/>
           <p:nvPr/>
-        </p:nvGrpSpPr>
-        <p:grpSpPr>
+        </p:nvSpPr>
+        <p:spPr>
           <a:xfrm>
-            <a:off x="9206969" y="2963333"/>
-            <a:ext cx="2981858" cy="3208867"/>
-            <a:chOff x="9206969" y="2963333"/>
-            <a:chExt cx="2981858" cy="3208867"/>
+            <a:off x="483" y="176109"/>
+            <a:ext cx="12188952" cy="1645919"/>
           </a:xfrm>
-        </p:grpSpPr>
-        <p:cxnSp>
-          <p:nvCxnSpPr>
-            <p:cNvPr id="8" name="Straight Connector 7"/>
-            <p:cNvCxnSpPr/>
-            <p:nvPr/>
-          </p:nvCxnSpPr>
-          <p:spPr>
-            <a:xfrm flipH="1">
-              <a:off x="11276012" y="2963333"/>
-              <a:ext cx="912814" cy="912812"/>
-            </a:xfrm>
-            <a:prstGeom prst="line">
-              <a:avLst/>
-            </a:prstGeom>
-            <a:ln w="9525">
-              <a:solidFill>
-                <a:schemeClr val="tx1"/>
-              </a:solidFill>
-            </a:ln>
-          </p:spPr>
-          <p:style>
-            <a:lnRef idx="2">
-              <a:schemeClr val="accent1"/>
-            </a:lnRef>
-            <a:fillRef idx="0">
-              <a:schemeClr val="accent1"/>
-            </a:fillRef>
-            <a:effectRef idx="1">
-              <a:schemeClr val="accent1"/>
-            </a:effectRef>
-            <a:fontRef idx="minor">
-              <a:schemeClr val="tx1"/>
-            </a:fontRef>
-          </p:style>
-        </p:cxnSp>
-        <p:cxnSp>
-          <p:nvCxnSpPr>
-            <p:cNvPr id="9" name="Straight Connector 8"/>
-            <p:cNvCxnSpPr/>
-            <p:nvPr/>
-          </p:nvCxnSpPr>
-          <p:spPr>
-            <a:xfrm flipH="1">
-              <a:off x="9206969" y="3190344"/>
-              <a:ext cx="2981857" cy="2981856"/>
-            </a:xfrm>
-            <a:prstGeom prst="line">
-              <a:avLst/>
-            </a:prstGeom>
-            <a:ln w="9525">
-              <a:solidFill>
-                <a:schemeClr val="tx1"/>
-              </a:solidFill>
-            </a:ln>
-          </p:spPr>
-          <p:style>
-            <a:lnRef idx="2">
-              <a:schemeClr val="accent1"/>
-            </a:lnRef>
-            <a:fillRef idx="0">
-              <a:schemeClr val="accent1"/>
-            </a:fillRef>
-            <a:effectRef idx="1">
-              <a:schemeClr val="accent1"/>
-            </a:effectRef>
-            <a:fontRef idx="minor">
-              <a:schemeClr val="tx1"/>
-            </a:fontRef>
-          </p:style>
-        </p:cxnSp>
-        <p:cxnSp>
-          <p:nvCxnSpPr>
-            <p:cNvPr id="10" name="Straight Connector 9"/>
-            <p:cNvCxnSpPr/>
-            <p:nvPr/>
-          </p:nvCxnSpPr>
-          <p:spPr>
-            <a:xfrm flipH="1">
-              <a:off x="10292292" y="3285067"/>
-              <a:ext cx="1896534" cy="1896533"/>
-            </a:xfrm>
-            <a:prstGeom prst="line">
-              <a:avLst/>
-            </a:prstGeom>
-            <a:ln w="9525">
-              <a:solidFill>
-                <a:schemeClr val="tx1"/>
-              </a:solidFill>
-            </a:ln>
-          </p:spPr>
-          <p:style>
-            <a:lnRef idx="2">
-              <a:schemeClr val="accent1"/>
-            </a:lnRef>
-            <a:fillRef idx="0">
-              <a:schemeClr val="accent1"/>
-            </a:fillRef>
-            <a:effectRef idx="1">
-              <a:schemeClr val="accent1"/>
-            </a:effectRef>
-            <a:fontRef idx="minor">
-              <a:schemeClr val="tx1"/>
-            </a:fontRef>
-          </p:style>
-        </p:cxnSp>
-        <p:cxnSp>
-          <p:nvCxnSpPr>
-            <p:cNvPr id="11" name="Straight Connector 10"/>
-            <p:cNvCxnSpPr/>
-            <p:nvPr/>
-          </p:nvCxnSpPr>
-          <p:spPr>
-            <a:xfrm flipH="1">
-              <a:off x="10443103" y="3131080"/>
-              <a:ext cx="1745722" cy="1745720"/>
-            </a:xfrm>
-            <a:prstGeom prst="line">
-              <a:avLst/>
-            </a:prstGeom>
-            <a:ln w="28575">
-              <a:solidFill>
-                <a:schemeClr val="tx1"/>
-              </a:solidFill>
-            </a:ln>
-          </p:spPr>
-          <p:style>
-            <a:lnRef idx="2">
-              <a:schemeClr val="accent1"/>
-            </a:lnRef>
-            <a:fillRef idx="0">
-              <a:schemeClr val="accent1"/>
-            </a:fillRef>
-            <a:effectRef idx="1">
-              <a:schemeClr val="accent1"/>
-            </a:effectRef>
-            <a:fontRef idx="minor">
-              <a:schemeClr val="tx1"/>
-            </a:fontRef>
-          </p:style>
-        </p:cxnSp>
-        <p:cxnSp>
-          <p:nvCxnSpPr>
-            <p:cNvPr id="12" name="Straight Connector 11"/>
-            <p:cNvCxnSpPr/>
-            <p:nvPr/>
-          </p:nvCxnSpPr>
-          <p:spPr>
-            <a:xfrm flipH="1">
-              <a:off x="10918826" y="3683001"/>
-              <a:ext cx="1270001" cy="1269999"/>
-            </a:xfrm>
-            <a:prstGeom prst="line">
-              <a:avLst/>
-            </a:prstGeom>
-            <a:ln w="28575">
-              <a:solidFill>
-                <a:schemeClr val="tx1"/>
-              </a:solidFill>
-            </a:ln>
-          </p:spPr>
-          <p:style>
-            <a:lnRef idx="2">
-              <a:schemeClr val="accent1"/>
-            </a:lnRef>
-            <a:fillRef idx="0">
-              <a:schemeClr val="accent1"/>
-            </a:fillRef>
-            <a:effectRef idx="1">
-              <a:schemeClr val="accent1"/>
-            </a:effectRef>
-            <a:fontRef idx="minor">
-              <a:schemeClr val="tx1"/>
-            </a:fontRef>
-          </p:style>
-        </p:cxnSp>
-      </p:grpSp>
+          <a:prstGeom prst="rect">
+            <a:avLst/>
+          </a:prstGeom>
+          <a:solidFill>
+            <a:schemeClr val="tx1"/>
+          </a:solidFill>
+          <a:ln>
+            <a:noFill/>
+          </a:ln>
+        </p:spPr>
+        <p:style>
+          <a:lnRef idx="2">
+            <a:schemeClr val="accent1">
+              <a:shade val="50000"/>
+            </a:schemeClr>
+          </a:lnRef>
+          <a:fillRef idx="1">
+            <a:schemeClr val="accent1"/>
+          </a:fillRef>
+          <a:effectRef idx="0">
+            <a:schemeClr val="accent1"/>
+          </a:effectRef>
+          <a:fontRef idx="minor">
+            <a:schemeClr val="lt1"/>
+          </a:fontRef>
+        </p:style>
+      </p:sp>
       <p:sp>
         <p:nvSpPr>
           <p:cNvPr id="2" name="Title Placeholder 1"/>
@@ -4731,42 +2796,8 @@
         </p:nvSpPr>
         <p:spPr>
           <a:xfrm>
-            <a:off x="684212" y="4487332"/>
-            <a:ext cx="8534400" cy="1507067"/>
-          </a:xfrm>
-          <a:prstGeom prst="rect">
-            <a:avLst/>
-          </a:prstGeom>
-          <a:effectLst/>
-        </p:spPr>
-        <p:txBody>
-          <a:bodyPr vert="horz" lIns="91440" tIns="45720" rIns="91440" bIns="45720" rtlCol="0" anchor="ctr">
-            <a:normAutofit/>
-          </a:bodyPr>
-          <a:lstStyle/>
-          <a:p>
-            <a:r>
-              <a:rPr lang="en-US"/>
-              <a:t>Click to edit Master title style</a:t>
-            </a:r>
-            <a:endParaRPr lang="en-US" dirty="0"/>
-          </a:p>
-        </p:txBody>
-      </p:sp>
-      <p:sp>
-        <p:nvSpPr>
-          <p:cNvPr id="3" name="Text Placeholder 2"/>
-          <p:cNvSpPr>
-            <a:spLocks noGrp="1"/>
-          </p:cNvSpPr>
-          <p:nvPr>
-            <p:ph type="body" idx="1"/>
-          </p:nvPr>
-        </p:nvSpPr>
-        <p:spPr>
-          <a:xfrm>
-            <a:off x="684212" y="685800"/>
-            <a:ext cx="8534400" cy="3615267"/>
+            <a:off x="1202919" y="284176"/>
+            <a:ext cx="9784080" cy="1508760"/>
           </a:xfrm>
           <a:prstGeom prst="rect">
             <a:avLst/>
@@ -4778,38 +2809,9 @@
           </a:bodyPr>
           <a:lstStyle/>
           <a:p>
-            <a:pPr lvl="0"/>
             <a:r>
               <a:rPr lang="en-US"/>
-              <a:t>Click to edit Master text styles</a:t>
-            </a:r>
-          </a:p>
-          <a:p>
-            <a:pPr lvl="1"/>
-            <a:r>
-              <a:rPr lang="en-US"/>
-              <a:t>Second level</a:t>
-            </a:r>
-          </a:p>
-          <a:p>
-            <a:pPr lvl="2"/>
-            <a:r>
-              <a:rPr lang="en-US"/>
-              <a:t>Third level</a:t>
-            </a:r>
-          </a:p>
-          <a:p>
-            <a:pPr lvl="3"/>
-            <a:r>
-              <a:rPr lang="en-US"/>
-              <a:t>Fourth level</a:t>
-            </a:r>
-          </a:p>
-          <a:p>
-            <a:pPr lvl="4"/>
-            <a:r>
-              <a:rPr lang="en-US"/>
-              <a:t>Fifth level</a:t>
+              <a:t>Click to edit Master title style</a:t>
             </a:r>
             <a:endParaRPr lang="en-US" dirty="0"/>
           </a:p>
@@ -4817,35 +2819,93 @@
       </p:sp>
       <p:sp>
         <p:nvSpPr>
-          <p:cNvPr id="4" name="Date Placeholder 3"/>
+          <p:cNvPr id="3" name="Text Placeholder 2"/>
           <p:cNvSpPr>
             <a:spLocks noGrp="1"/>
           </p:cNvSpPr>
           <p:nvPr>
-            <p:ph type="dt" sz="half" idx="2"/>
+            <p:ph type="body" idx="1"/>
           </p:nvPr>
         </p:nvSpPr>
         <p:spPr>
           <a:xfrm>
-            <a:off x="9904412" y="6172200"/>
-            <a:ext cx="1600200" cy="365125"/>
+            <a:off x="1202919" y="2011680"/>
+            <a:ext cx="9784080" cy="4206240"/>
           </a:xfrm>
           <a:prstGeom prst="rect">
             <a:avLst/>
           </a:prstGeom>
         </p:spPr>
         <p:txBody>
-          <a:bodyPr vert="horz" lIns="91440" tIns="45720" rIns="91440" bIns="45720" rtlCol="0" anchor="t"/>
+          <a:bodyPr vert="horz" lIns="91440" tIns="45720" rIns="91440" bIns="45720" rtlCol="0">
+            <a:normAutofit/>
+          </a:bodyPr>
+          <a:lstStyle/>
+          <a:p>
+            <a:pPr lvl="0"/>
+            <a:r>
+              <a:rPr lang="en-US"/>
+              <a:t>Click to edit Master text styles</a:t>
+            </a:r>
+          </a:p>
+          <a:p>
+            <a:pPr lvl="1"/>
+            <a:r>
+              <a:rPr lang="en-US"/>
+              <a:t>Second level</a:t>
+            </a:r>
+          </a:p>
+          <a:p>
+            <a:pPr lvl="2"/>
+            <a:r>
+              <a:rPr lang="en-US"/>
+              <a:t>Third level</a:t>
+            </a:r>
+          </a:p>
+          <a:p>
+            <a:pPr lvl="3"/>
+            <a:r>
+              <a:rPr lang="en-US"/>
+              <a:t>Fourth level</a:t>
+            </a:r>
+          </a:p>
+          <a:p>
+            <a:pPr lvl="4"/>
+            <a:r>
+              <a:rPr lang="en-US"/>
+              <a:t>Fifth level</a:t>
+            </a:r>
+            <a:endParaRPr lang="en-US" dirty="0"/>
+          </a:p>
+        </p:txBody>
+      </p:sp>
+      <p:sp>
+        <p:nvSpPr>
+          <p:cNvPr id="4" name="Date Placeholder 3"/>
+          <p:cNvSpPr>
+            <a:spLocks noGrp="1"/>
+          </p:cNvSpPr>
+          <p:nvPr>
+            <p:ph type="dt" sz="half" idx="2"/>
+          </p:nvPr>
+        </p:nvSpPr>
+        <p:spPr>
+          <a:xfrm>
+            <a:off x="1202266" y="6422854"/>
+            <a:ext cx="3000894" cy="365125"/>
+          </a:xfrm>
+          <a:prstGeom prst="rect">
+            <a:avLst/>
+          </a:prstGeom>
+        </p:spPr>
+        <p:txBody>
+          <a:bodyPr vert="horz" lIns="91440" tIns="45720" rIns="45720" bIns="45720" rtlCol="0" anchor="ctr"/>
           <a:lstStyle>
-            <a:lvl1pPr algn="r">
-              <a:defRPr sz="1000" b="0" i="0">
-                <a:solidFill>
-                  <a:schemeClr val="bg2">
-                    <a:lumMod val="50000"/>
-                  </a:schemeClr>
-                </a:solidFill>
-                <a:effectLst/>
-                <a:latin typeface="+mn-lt"/>
+            <a:lvl1pPr algn="l">
+              <a:defRPr sz="1050">
+                <a:solidFill>
+                  <a:schemeClr val="tx1"/>
+                </a:solidFill>
               </a:defRPr>
             </a:lvl1pPr>
           </a:lstStyle>
@@ -4870,25 +2930,21 @@
         </p:nvSpPr>
         <p:spPr>
           <a:xfrm>
-            <a:off x="684212" y="6172200"/>
-            <a:ext cx="7543800" cy="365125"/>
+            <a:off x="5596471" y="6422854"/>
+            <a:ext cx="5044440" cy="365125"/>
           </a:xfrm>
           <a:prstGeom prst="rect">
             <a:avLst/>
           </a:prstGeom>
         </p:spPr>
         <p:txBody>
-          <a:bodyPr vert="horz" lIns="91440" tIns="45720" rIns="91440" bIns="45720" rtlCol="0" anchor="t"/>
+          <a:bodyPr vert="horz" lIns="91440" tIns="45720" rIns="91440" bIns="45720" rtlCol="0" anchor="ctr"/>
           <a:lstStyle>
-            <a:lvl1pPr algn="l">
-              <a:defRPr sz="1000" b="0" i="0">
-                <a:solidFill>
-                  <a:schemeClr val="bg2">
-                    <a:lumMod val="50000"/>
-                  </a:schemeClr>
-                </a:solidFill>
-                <a:effectLst/>
-                <a:latin typeface="+mn-lt"/>
+            <a:lvl1pPr algn="r">
+              <a:defRPr sz="1050">
+                <a:solidFill>
+                  <a:schemeClr val="tx1"/>
+                </a:solidFill>
               </a:defRPr>
             </a:lvl1pPr>
           </a:lstStyle>
@@ -4909,25 +2965,21 @@
         </p:nvSpPr>
         <p:spPr>
           <a:xfrm>
-            <a:off x="10363200" y="5578475"/>
-            <a:ext cx="1142245" cy="669925"/>
+            <a:off x="10658927" y="6422854"/>
+            <a:ext cx="946264" cy="365125"/>
           </a:xfrm>
           <a:prstGeom prst="rect">
             <a:avLst/>
           </a:prstGeom>
         </p:spPr>
         <p:txBody>
-          <a:bodyPr vert="horz" lIns="91440" tIns="45720" rIns="91440" bIns="45720" rtlCol="0" anchor="b"/>
+          <a:bodyPr vert="horz" lIns="45720" tIns="45720" rIns="91440" bIns="45720" rtlCol="0" anchor="ctr"/>
           <a:lstStyle>
-            <a:lvl1pPr algn="r">
-              <a:defRPr sz="3200" b="0" i="0">
-                <a:solidFill>
-                  <a:schemeClr val="bg2">
-                    <a:lumMod val="50000"/>
-                  </a:schemeClr>
-                </a:solidFill>
-                <a:effectLst/>
-                <a:latin typeface="+mn-lt"/>
+            <a:lvl1pPr algn="l">
+              <a:defRPr sz="1200" b="0">
+                <a:solidFill>
+                  <a:schemeClr val="tx1"/>
+                </a:solidFill>
               </a:defRPr>
             </a:lvl1pPr>
           </a:lstStyle>
@@ -4943,328 +2995,256 @@
     </p:spTree>
     <p:extLst>
       <p:ext uri="{BB962C8B-B14F-4D97-AF65-F5344CB8AC3E}">
-        <p14:creationId xmlns:p14="http://schemas.microsoft.com/office/powerpoint/2010/main" val="64908320"/>
+        <p14:creationId xmlns:p14="http://schemas.microsoft.com/office/powerpoint/2010/main" val="4267727655"/>
       </p:ext>
     </p:extLst>
   </p:cSld>
   <p:clrMap bg1="dk1" tx1="lt1" bg2="dk2" tx2="lt2" accent1="accent1" accent2="accent2" accent3="accent3" accent4="accent4" accent5="accent5" accent6="accent6" hlink="hlink" folHlink="folHlink"/>
   <p:sldLayoutIdLst>
-    <p:sldLayoutId id="2147483661" r:id="rId1"/>
-    <p:sldLayoutId id="2147483662" r:id="rId2"/>
-    <p:sldLayoutId id="2147483663" r:id="rId3"/>
-    <p:sldLayoutId id="2147483664" r:id="rId4"/>
-    <p:sldLayoutId id="2147483665" r:id="rId5"/>
-    <p:sldLayoutId id="2147483666" r:id="rId6"/>
-    <p:sldLayoutId id="2147483667" r:id="rId7"/>
-    <p:sldLayoutId id="2147483668" r:id="rId8"/>
-    <p:sldLayoutId id="2147483669" r:id="rId9"/>
-    <p:sldLayoutId id="2147483670" r:id="rId10"/>
-    <p:sldLayoutId id="2147483671" r:id="rId11"/>
-    <p:sldLayoutId id="2147483672" r:id="rId12"/>
-    <p:sldLayoutId id="2147483673" r:id="rId13"/>
-    <p:sldLayoutId id="2147483674" r:id="rId14"/>
-    <p:sldLayoutId id="2147483675" r:id="rId15"/>
-    <p:sldLayoutId id="2147483676" r:id="rId16"/>
-    <p:sldLayoutId id="2147483677" r:id="rId17"/>
+    <p:sldLayoutId id="2147483697" r:id="rId1"/>
+    <p:sldLayoutId id="2147483698" r:id="rId2"/>
+    <p:sldLayoutId id="2147483699" r:id="rId3"/>
+    <p:sldLayoutId id="2147483700" r:id="rId4"/>
+    <p:sldLayoutId id="2147483701" r:id="rId5"/>
+    <p:sldLayoutId id="2147483702" r:id="rId6"/>
+    <p:sldLayoutId id="2147483703" r:id="rId7"/>
+    <p:sldLayoutId id="2147483704" r:id="rId8"/>
+    <p:sldLayoutId id="2147483705" r:id="rId9"/>
+    <p:sldLayoutId id="2147483706" r:id="rId10"/>
+    <p:sldLayoutId id="2147483707" r:id="rId11"/>
   </p:sldLayoutIdLst>
   <p:txStyles>
     <p:titleStyle>
-      <a:lvl1pPr algn="l" defTabSz="457200" rtl="0" eaLnBrk="1" latinLnBrk="0" hangingPunct="1">
+      <a:lvl1pPr algn="l" defTabSz="914400" rtl="0" eaLnBrk="1" latinLnBrk="0" hangingPunct="1">
+        <a:lnSpc>
+          <a:spcPct val="85000"/>
+        </a:lnSpc>
         <a:spcBef>
           <a:spcPct val="0"/>
         </a:spcBef>
         <a:buNone/>
-        <a:defRPr sz="3600" kern="1200" cap="all">
-          <a:ln w="3175" cmpd="sng">
-            <a:noFill/>
-          </a:ln>
+        <a:defRPr sz="4000" kern="1200" cap="all" baseline="0">
           <a:solidFill>
-            <a:schemeClr val="tx1"/>
+            <a:schemeClr val="bg2"/>
           </a:solidFill>
-          <a:effectLst/>
           <a:latin typeface="+mj-lt"/>
           <a:ea typeface="+mj-ea"/>
           <a:cs typeface="+mj-cs"/>
         </a:defRPr>
       </a:lvl1pPr>
-      <a:lvl2pPr eaLnBrk="1" hangingPunct="1">
-        <a:defRPr>
-          <a:solidFill>
-            <a:schemeClr val="tx2"/>
-          </a:solidFill>
-        </a:defRPr>
-      </a:lvl2pPr>
-      <a:lvl3pPr eaLnBrk="1" hangingPunct="1">
-        <a:defRPr>
-          <a:solidFill>
-            <a:schemeClr val="tx2"/>
-          </a:solidFill>
-        </a:defRPr>
-      </a:lvl3pPr>
-      <a:lvl4pPr eaLnBrk="1" hangingPunct="1">
-        <a:defRPr>
-          <a:solidFill>
-            <a:schemeClr val="tx2"/>
-          </a:solidFill>
-        </a:defRPr>
-      </a:lvl4pPr>
-      <a:lvl5pPr eaLnBrk="1" hangingPunct="1">
-        <a:defRPr>
-          <a:solidFill>
-            <a:schemeClr val="tx2"/>
-          </a:solidFill>
-        </a:defRPr>
-      </a:lvl5pPr>
-      <a:lvl6pPr eaLnBrk="1" hangingPunct="1">
-        <a:defRPr>
-          <a:solidFill>
-            <a:schemeClr val="tx2"/>
-          </a:solidFill>
-        </a:defRPr>
-      </a:lvl6pPr>
-      <a:lvl7pPr eaLnBrk="1" hangingPunct="1">
-        <a:defRPr>
-          <a:solidFill>
-            <a:schemeClr val="tx2"/>
-          </a:solidFill>
-        </a:defRPr>
-      </a:lvl7pPr>
-      <a:lvl8pPr eaLnBrk="1" hangingPunct="1">
-        <a:defRPr>
-          <a:solidFill>
-            <a:schemeClr val="tx2"/>
-          </a:solidFill>
-        </a:defRPr>
-      </a:lvl8pPr>
-      <a:lvl9pPr eaLnBrk="1" hangingPunct="1">
-        <a:defRPr>
-          <a:solidFill>
-            <a:schemeClr val="tx2"/>
-          </a:solidFill>
-        </a:defRPr>
-      </a:lvl9pPr>
     </p:titleStyle>
     <p:bodyStyle>
-      <a:lvl1pPr marL="285750" indent="-285750" algn="l" defTabSz="457200" rtl="0" eaLnBrk="1" latinLnBrk="0" hangingPunct="1">
+      <a:lvl1pPr marL="182880" indent="-182880" algn="l" defTabSz="914400" rtl="0" eaLnBrk="1" latinLnBrk="0" hangingPunct="1">
+        <a:lnSpc>
+          <a:spcPct val="90000"/>
+        </a:lnSpc>
         <a:spcBef>
-          <a:spcPct val="20000"/>
+          <a:spcPts val="1200"/>
         </a:spcBef>
         <a:spcAft>
-          <a:spcPts val="600"/>
+          <a:spcPts val="200"/>
         </a:spcAft>
         <a:buClr>
           <a:schemeClr val="tx1"/>
         </a:buClr>
-        <a:buSzPct val="80000"/>
-        <a:buFont typeface="Wingdings 3" panose="05040102010807070707" pitchFamily="18" charset="2"/>
-        <a:buChar char=""/>
-        <a:defRPr sz="2000" kern="1200" cap="none">
+        <a:buFont typeface="Wingdings" pitchFamily="2" charset="2"/>
+        <a:buChar char=""/>
+        <a:defRPr sz="2200" kern="1200">
           <a:solidFill>
-            <a:schemeClr val="bg2">
-              <a:lumMod val="75000"/>
-            </a:schemeClr>
+            <a:schemeClr val="tx1"/>
           </a:solidFill>
-          <a:effectLst/>
           <a:latin typeface="+mn-lt"/>
           <a:ea typeface="+mn-ea"/>
           <a:cs typeface="+mn-cs"/>
         </a:defRPr>
       </a:lvl1pPr>
-      <a:lvl2pPr marL="742950" indent="-285750" algn="l" defTabSz="457200" rtl="0" eaLnBrk="1" latinLnBrk="0" hangingPunct="1">
+      <a:lvl2pPr marL="411480" indent="-182880" algn="l" defTabSz="914400" rtl="0" eaLnBrk="1" latinLnBrk="0" hangingPunct="1">
+        <a:lnSpc>
+          <a:spcPct val="90000"/>
+        </a:lnSpc>
         <a:spcBef>
-          <a:spcPct val="20000"/>
+          <a:spcPts val="200"/>
         </a:spcBef>
         <a:spcAft>
-          <a:spcPts val="600"/>
+          <a:spcPts val="400"/>
         </a:spcAft>
         <a:buClr>
           <a:schemeClr val="tx1"/>
         </a:buClr>
-        <a:buSzPct val="80000"/>
-        <a:buFont typeface="Wingdings 3" panose="05040102010807070707" pitchFamily="18" charset="2"/>
-        <a:buChar char=""/>
-        <a:defRPr sz="1800" kern="1200" cap="none">
+        <a:buFont typeface="Wingdings" pitchFamily="2" charset="2"/>
+        <a:buChar char=""/>
+        <a:defRPr sz="2000" kern="1200">
           <a:solidFill>
-            <a:schemeClr val="bg2">
-              <a:lumMod val="75000"/>
-            </a:schemeClr>
+            <a:schemeClr val="tx1"/>
           </a:solidFill>
-          <a:effectLst/>
           <a:latin typeface="+mn-lt"/>
           <a:ea typeface="+mn-ea"/>
           <a:cs typeface="+mn-cs"/>
         </a:defRPr>
       </a:lvl2pPr>
-      <a:lvl3pPr marL="1200150" indent="-285750" algn="l" defTabSz="457200" rtl="0" eaLnBrk="1" latinLnBrk="0" hangingPunct="1">
+      <a:lvl3pPr marL="640080" indent="-182880" algn="l" defTabSz="914400" rtl="0" eaLnBrk="1" latinLnBrk="0" hangingPunct="1">
+        <a:lnSpc>
+          <a:spcPct val="90000"/>
+        </a:lnSpc>
         <a:spcBef>
-          <a:spcPct val="20000"/>
+          <a:spcPts val="200"/>
         </a:spcBef>
         <a:spcAft>
-          <a:spcPts val="600"/>
+          <a:spcPts val="400"/>
         </a:spcAft>
         <a:buClr>
           <a:schemeClr val="tx1"/>
         </a:buClr>
-        <a:buSzPct val="80000"/>
-        <a:buFont typeface="Wingdings 3" panose="05040102010807070707" pitchFamily="18" charset="2"/>
-        <a:buChar char=""/>
-        <a:defRPr sz="1600" kern="1200" cap="none">
+        <a:buFont typeface="Wingdings" pitchFamily="2" charset="2"/>
+        <a:buChar char=""/>
+        <a:defRPr sz="1800" kern="1200">
           <a:solidFill>
-            <a:schemeClr val="bg2">
-              <a:lumMod val="75000"/>
-            </a:schemeClr>
+            <a:schemeClr val="tx1"/>
           </a:solidFill>
-          <a:effectLst/>
           <a:latin typeface="+mn-lt"/>
           <a:ea typeface="+mn-ea"/>
           <a:cs typeface="+mn-cs"/>
         </a:defRPr>
       </a:lvl3pPr>
-      <a:lvl4pPr marL="1543050" indent="-171450" algn="l" defTabSz="457200" rtl="0" eaLnBrk="1" latinLnBrk="0" hangingPunct="1">
+      <a:lvl4pPr marL="868680" indent="-182880" algn="l" defTabSz="914400" rtl="0" eaLnBrk="1" latinLnBrk="0" hangingPunct="1">
+        <a:lnSpc>
+          <a:spcPct val="90000"/>
+        </a:lnSpc>
         <a:spcBef>
-          <a:spcPct val="20000"/>
+          <a:spcPts val="200"/>
         </a:spcBef>
         <a:spcAft>
-          <a:spcPts val="600"/>
+          <a:spcPts val="400"/>
         </a:spcAft>
         <a:buClr>
           <a:schemeClr val="tx1"/>
         </a:buClr>
-        <a:buSzPct val="80000"/>
-        <a:buFont typeface="Wingdings 3" panose="05040102010807070707" pitchFamily="18" charset="2"/>
-        <a:buChar char=""/>
-        <a:defRPr sz="1400" kern="1200" cap="none">
+        <a:buFont typeface="Wingdings" pitchFamily="2" charset="2"/>
+        <a:buChar char=""/>
+        <a:defRPr sz="1600" kern="1200">
           <a:solidFill>
-            <a:schemeClr val="bg2">
-              <a:lumMod val="75000"/>
-            </a:schemeClr>
+            <a:schemeClr val="tx1"/>
           </a:solidFill>
-          <a:effectLst/>
           <a:latin typeface="+mn-lt"/>
           <a:ea typeface="+mn-ea"/>
           <a:cs typeface="+mn-cs"/>
         </a:defRPr>
       </a:lvl4pPr>
-      <a:lvl5pPr marL="2000250" indent="-171450" algn="l" defTabSz="457200" rtl="0" eaLnBrk="1" latinLnBrk="0" hangingPunct="1">
+      <a:lvl5pPr marL="1097280" indent="-182880" algn="l" defTabSz="914400" rtl="0" eaLnBrk="1" latinLnBrk="0" hangingPunct="1">
+        <a:lnSpc>
+          <a:spcPct val="90000"/>
+        </a:lnSpc>
         <a:spcBef>
-          <a:spcPct val="20000"/>
+          <a:spcPts val="200"/>
         </a:spcBef>
         <a:spcAft>
-          <a:spcPts val="600"/>
+          <a:spcPts val="400"/>
         </a:spcAft>
         <a:buClr>
           <a:schemeClr val="tx1"/>
         </a:buClr>
-        <a:buSzPct val="80000"/>
-        <a:buFont typeface="Wingdings 3" panose="05040102010807070707" pitchFamily="18" charset="2"/>
-        <a:buChar char=""/>
-        <a:defRPr sz="1400" kern="1200" cap="none">
+        <a:buFont typeface="Wingdings" pitchFamily="2" charset="2"/>
+        <a:buChar char=""/>
+        <a:defRPr sz="1600" kern="1200">
           <a:solidFill>
-            <a:schemeClr val="bg2">
-              <a:lumMod val="75000"/>
-            </a:schemeClr>
+            <a:schemeClr val="tx1"/>
           </a:solidFill>
-          <a:effectLst/>
           <a:latin typeface="+mn-lt"/>
           <a:ea typeface="+mn-ea"/>
           <a:cs typeface="+mn-cs"/>
         </a:defRPr>
       </a:lvl5pPr>
-      <a:lvl6pPr marL="2514600" indent="-228600" algn="l" defTabSz="457200" rtl="0" eaLnBrk="1" latinLnBrk="0" hangingPunct="1">
+      <a:lvl6pPr marL="1284600" indent="-228600" algn="l" defTabSz="914400" rtl="0" eaLnBrk="1" latinLnBrk="0" hangingPunct="1">
+        <a:lnSpc>
+          <a:spcPct val="90000"/>
+        </a:lnSpc>
         <a:spcBef>
-          <a:spcPct val="20000"/>
+          <a:spcPts val="200"/>
         </a:spcBef>
         <a:spcAft>
-          <a:spcPts val="600"/>
+          <a:spcPts val="400"/>
         </a:spcAft>
         <a:buClr>
           <a:schemeClr val="tx1"/>
         </a:buClr>
-        <a:buSzPct val="80000"/>
-        <a:buFont typeface="Wingdings 3" panose="05040102010807070707" pitchFamily="18" charset="2"/>
-        <a:buChar char=""/>
-        <a:defRPr sz="1400" kern="1200" cap="none">
+        <a:buFont typeface="Wingdings" pitchFamily="2" charset="2"/>
+        <a:buChar char=""/>
+        <a:defRPr sz="1600" kern="1200">
           <a:solidFill>
-            <a:schemeClr val="bg2">
-              <a:lumMod val="75000"/>
-            </a:schemeClr>
+            <a:schemeClr val="tx1"/>
           </a:solidFill>
-          <a:effectLst/>
           <a:latin typeface="+mn-lt"/>
           <a:ea typeface="+mn-ea"/>
           <a:cs typeface="+mn-cs"/>
         </a:defRPr>
       </a:lvl6pPr>
-      <a:lvl7pPr marL="2971800" indent="-228600" algn="l" defTabSz="457200" rtl="0" eaLnBrk="1" latinLnBrk="0" hangingPunct="1">
+      <a:lvl7pPr marL="1471800" indent="-228600" algn="l" defTabSz="914400" rtl="0" eaLnBrk="1" latinLnBrk="0" hangingPunct="1">
+        <a:lnSpc>
+          <a:spcPct val="90000"/>
+        </a:lnSpc>
         <a:spcBef>
-          <a:spcPct val="20000"/>
+          <a:spcPts val="200"/>
         </a:spcBef>
         <a:spcAft>
-          <a:spcPts val="600"/>
+          <a:spcPts val="400"/>
         </a:spcAft>
         <a:buClr>
           <a:schemeClr val="tx1"/>
         </a:buClr>
-        <a:buSzPct val="80000"/>
-        <a:buFont typeface="Wingdings 3" panose="05040102010807070707" pitchFamily="18" charset="2"/>
-        <a:buChar char=""/>
-        <a:defRPr sz="1400" kern="1200" cap="none">
+        <a:buFont typeface="Wingdings" pitchFamily="2" charset="2"/>
+        <a:buChar char=""/>
+        <a:defRPr sz="1600" kern="1200">
           <a:solidFill>
-            <a:schemeClr val="bg2">
-              <a:lumMod val="75000"/>
-            </a:schemeClr>
+            <a:schemeClr val="tx1"/>
           </a:solidFill>
-          <a:effectLst/>
           <a:latin typeface="+mn-lt"/>
           <a:ea typeface="+mn-ea"/>
           <a:cs typeface="+mn-cs"/>
         </a:defRPr>
       </a:lvl7pPr>
-      <a:lvl8pPr marL="3429000" indent="-228600" algn="l" defTabSz="457200" rtl="0" eaLnBrk="1" latinLnBrk="0" hangingPunct="1">
+      <a:lvl8pPr marL="1629000" indent="-228600" algn="l" defTabSz="914400" rtl="0" eaLnBrk="1" latinLnBrk="0" hangingPunct="1">
+        <a:lnSpc>
+          <a:spcPct val="90000"/>
+        </a:lnSpc>
         <a:spcBef>
-          <a:spcPct val="20000"/>
+          <a:spcPts val="200"/>
         </a:spcBef>
         <a:spcAft>
-          <a:spcPts val="600"/>
+          <a:spcPts val="400"/>
         </a:spcAft>
         <a:buClr>
           <a:schemeClr val="tx1"/>
         </a:buClr>
-        <a:buSzPct val="80000"/>
-        <a:buFont typeface="Wingdings 3" panose="05040102010807070707" pitchFamily="18" charset="2"/>
-        <a:buChar char=""/>
-        <a:defRPr sz="1400" kern="1200" cap="none">
+        <a:buFont typeface="Wingdings" pitchFamily="2" charset="2"/>
+        <a:buChar char=""/>
+        <a:defRPr sz="1600" kern="1200">
           <a:solidFill>
-            <a:schemeClr val="bg2">
-              <a:lumMod val="75000"/>
-            </a:schemeClr>
+            <a:schemeClr val="tx1"/>
           </a:solidFill>
-          <a:effectLst/>
           <a:latin typeface="+mn-lt"/>
           <a:ea typeface="+mn-ea"/>
           <a:cs typeface="+mn-cs"/>
         </a:defRPr>
       </a:lvl8pPr>
-      <a:lvl9pPr marL="3886200" indent="-228600" algn="l" defTabSz="457200" rtl="0" eaLnBrk="1" latinLnBrk="0" hangingPunct="1">
+      <a:lvl9pPr marL="1806200" indent="-228600" algn="l" defTabSz="914400" rtl="0" eaLnBrk="1" latinLnBrk="0" hangingPunct="1">
+        <a:lnSpc>
+          <a:spcPct val="90000"/>
+        </a:lnSpc>
         <a:spcBef>
-          <a:spcPct val="20000"/>
+          <a:spcPts val="200"/>
         </a:spcBef>
         <a:spcAft>
-          <a:spcPts val="600"/>
+          <a:spcPts val="400"/>
         </a:spcAft>
         <a:buClr>
           <a:schemeClr val="tx1"/>
         </a:buClr>
-        <a:buSzPct val="80000"/>
-        <a:buFont typeface="Wingdings 3" panose="05040102010807070707" pitchFamily="18" charset="2"/>
-        <a:buChar char=""/>
-        <a:defRPr sz="1400" kern="1200" cap="none">
+        <a:buFont typeface="Wingdings" pitchFamily="2" charset="2"/>
+        <a:buChar char=""/>
+        <a:defRPr sz="1600" kern="1200">
           <a:solidFill>
-            <a:schemeClr val="bg2">
-              <a:lumMod val="75000"/>
-            </a:schemeClr>
+            <a:schemeClr val="tx1"/>
           </a:solidFill>
-          <a:effectLst/>
           <a:latin typeface="+mn-lt"/>
           <a:ea typeface="+mn-ea"/>
           <a:cs typeface="+mn-cs"/>
@@ -5275,7 +3255,7 @@
       <a:defPPr>
         <a:defRPr lang="en-US"/>
       </a:defPPr>
-      <a:lvl1pPr marL="0" algn="l" defTabSz="457200" rtl="0" eaLnBrk="1" latinLnBrk="0" hangingPunct="1">
+      <a:lvl1pPr marL="0" algn="l" defTabSz="914400" rtl="0" eaLnBrk="1" latinLnBrk="0" hangingPunct="1">
         <a:defRPr sz="1800" kern="1200">
           <a:solidFill>
             <a:schemeClr val="tx1"/>
@@ -5285,7 +3265,7 @@
           <a:cs typeface="+mn-cs"/>
         </a:defRPr>
       </a:lvl1pPr>
-      <a:lvl2pPr marL="457200" algn="l" defTabSz="457200" rtl="0" eaLnBrk="1" latinLnBrk="0" hangingPunct="1">
+      <a:lvl2pPr marL="457200" algn="l" defTabSz="914400" rtl="0" eaLnBrk="1" latinLnBrk="0" hangingPunct="1">
         <a:defRPr sz="1800" kern="1200">
           <a:solidFill>
             <a:schemeClr val="tx1"/>
@@ -5295,7 +3275,7 @@
           <a:cs typeface="+mn-cs"/>
         </a:defRPr>
       </a:lvl2pPr>
-      <a:lvl3pPr marL="914400" algn="l" defTabSz="457200" rtl="0" eaLnBrk="1" latinLnBrk="0" hangingPunct="1">
+      <a:lvl3pPr marL="914400" algn="l" defTabSz="914400" rtl="0" eaLnBrk="1" latinLnBrk="0" hangingPunct="1">
         <a:defRPr sz="1800" kern="1200">
           <a:solidFill>
             <a:schemeClr val="tx1"/>
@@ -5305,7 +3285,7 @@
           <a:cs typeface="+mn-cs"/>
         </a:defRPr>
       </a:lvl3pPr>
-      <a:lvl4pPr marL="1371600" algn="l" defTabSz="457200" rtl="0" eaLnBrk="1" latinLnBrk="0" hangingPunct="1">
+      <a:lvl4pPr marL="1371600" algn="l" defTabSz="914400" rtl="0" eaLnBrk="1" latinLnBrk="0" hangingPunct="1">
         <a:defRPr sz="1800" kern="1200">
           <a:solidFill>
             <a:schemeClr val="tx1"/>
@@ -5315,7 +3295,7 @@
           <a:cs typeface="+mn-cs"/>
         </a:defRPr>
       </a:lvl4pPr>
-      <a:lvl5pPr marL="1828800" algn="l" defTabSz="457200" rtl="0" eaLnBrk="1" latinLnBrk="0" hangingPunct="1">
+      <a:lvl5pPr marL="1828800" algn="l" defTabSz="914400" rtl="0" eaLnBrk="1" latinLnBrk="0" hangingPunct="1">
         <a:defRPr sz="1800" kern="1200">
           <a:solidFill>
             <a:schemeClr val="tx1"/>
@@ -5325,7 +3305,7 @@
           <a:cs typeface="+mn-cs"/>
         </a:defRPr>
       </a:lvl5pPr>
-      <a:lvl6pPr marL="2286000" algn="l" defTabSz="457200" rtl="0" eaLnBrk="1" latinLnBrk="0" hangingPunct="1">
+      <a:lvl6pPr marL="2286000" algn="l" defTabSz="914400" rtl="0" eaLnBrk="1" latinLnBrk="0" hangingPunct="1">
         <a:defRPr sz="1800" kern="1200">
           <a:solidFill>
             <a:schemeClr val="tx1"/>
@@ -5335,7 +3315,7 @@
           <a:cs typeface="+mn-cs"/>
         </a:defRPr>
       </a:lvl6pPr>
-      <a:lvl7pPr marL="2743200" algn="l" defTabSz="457200" rtl="0" eaLnBrk="1" latinLnBrk="0" hangingPunct="1">
+      <a:lvl7pPr marL="2743200" algn="l" defTabSz="914400" rtl="0" eaLnBrk="1" latinLnBrk="0" hangingPunct="1">
         <a:defRPr sz="1800" kern="1200">
           <a:solidFill>
             <a:schemeClr val="tx1"/>
@@ -5345,7 +3325,7 @@
           <a:cs typeface="+mn-cs"/>
         </a:defRPr>
       </a:lvl7pPr>
-      <a:lvl8pPr marL="3200400" algn="l" defTabSz="457200" rtl="0" eaLnBrk="1" latinLnBrk="0" hangingPunct="1">
+      <a:lvl8pPr marL="3200400" algn="l" defTabSz="914400" rtl="0" eaLnBrk="1" latinLnBrk="0" hangingPunct="1">
         <a:defRPr sz="1800" kern="1200">
           <a:solidFill>
             <a:schemeClr val="tx1"/>
@@ -5355,7 +3335,7 @@
           <a:cs typeface="+mn-cs"/>
         </a:defRPr>
       </a:lvl8pPr>
-      <a:lvl9pPr marL="3657600" algn="l" defTabSz="457200" rtl="0" eaLnBrk="1" latinLnBrk="0" hangingPunct="1">
+      <a:lvl9pPr marL="3657600" algn="l" defTabSz="914400" rtl="0" eaLnBrk="1" latinLnBrk="0" hangingPunct="1">
         <a:defRPr sz="1800" kern="1200">
           <a:solidFill>
             <a:schemeClr val="tx1"/>
@@ -5405,13 +3385,13 @@
         </p:nvSpPr>
         <p:spPr>
           <a:xfrm>
-            <a:off x="6360941" y="4123519"/>
+            <a:off x="7912308" y="3980498"/>
             <a:ext cx="6400800" cy="1947862"/>
           </a:xfrm>
         </p:spPr>
         <p:txBody>
           <a:bodyPr>
-            <a:normAutofit fontScale="92500" lnSpcReduction="10000"/>
+            <a:normAutofit fontScale="92500" lnSpcReduction="20000"/>
           </a:bodyPr>
           <a:lstStyle/>
           <a:p>
@@ -5524,7 +3504,7 @@
         <p:spPr>
           <a:xfrm>
             <a:off x="1211580" y="929640"/>
-            <a:ext cx="8831580" cy="1569660"/>
+            <a:ext cx="8831580" cy="1600438"/>
           </a:xfrm>
           <a:prstGeom prst="rect">
             <a:avLst/>
@@ -5539,7 +3519,7 @@
           <a:p>
             <a:pPr algn="ctr"/>
             <a:r>
-              <a:rPr lang="en-US" sz="9600" b="1" cap="none" spc="0" dirty="0">
+              <a:rPr lang="en-US" sz="9800" b="1" cap="none" spc="0" dirty="0">
                 <a:ln w="9525">
                   <a:solidFill>
                     <a:schemeClr val="bg1"/>
@@ -5648,7 +3628,7 @@
             <a:r>
               <a:rPr lang="en-IN" sz="2400" b="1" dirty="0">
                 <a:solidFill>
-                  <a:schemeClr val="accent6"/>
+                  <a:srgbClr val="FFFF00"/>
                 </a:solidFill>
                 <a:effectLst/>
                 <a:latin typeface="Times New Roman" panose="02020603050405020304" pitchFamily="18" charset="0"/>
@@ -5656,6 +3636,18 @@
                 <a:cs typeface="Mangal"/>
               </a:rPr>
               <a:t>Event module</a:t>
+            </a:r>
+            <a:r>
+              <a:rPr lang="en-IN" sz="2400" dirty="0">
+                <a:solidFill>
+                  <a:srgbClr val="FFFF00"/>
+                </a:solidFill>
+                <a:effectLst/>
+                <a:latin typeface="Times New Roman" panose="02020603050405020304" pitchFamily="18" charset="0"/>
+                <a:ea typeface="Times New Roman" panose="02020603050405020304" pitchFamily="18" charset="0"/>
+                <a:cs typeface="Mangal"/>
+              </a:rPr>
+              <a:t>: </a:t>
             </a:r>
             <a:r>
               <a:rPr lang="en-IN" sz="2400" dirty="0">
@@ -5664,7 +3656,7 @@
                 <a:ea typeface="Times New Roman" panose="02020603050405020304" pitchFamily="18" charset="0"/>
                 <a:cs typeface="Mangal"/>
               </a:rPr>
-              <a:t>: In the event module, the staff can publish the events. The events published by the staff is verified by the admin. If the event is verified to be true and approved by the admin only then the event is available to view for the students. </a:t>
+              <a:t>In the event module, the staff can publish the events. The events published by the staff is verified by the admin. If the event is verified to be true and approved by the admin only then the event is available to view for the students. </a:t>
             </a:r>
             <a:endParaRPr lang="en-IN" sz="2400" dirty="0">
               <a:effectLst/>
@@ -5684,7 +3676,7 @@
             <a:r>
               <a:rPr lang="en-IN" sz="2400" b="1" dirty="0">
                 <a:solidFill>
-                  <a:schemeClr val="accent6"/>
+                  <a:srgbClr val="FFFF00"/>
                 </a:solidFill>
                 <a:effectLst/>
                 <a:latin typeface="Times New Roman" panose="02020603050405020304" pitchFamily="18" charset="0"/>
@@ -5692,6 +3684,18 @@
                 <a:cs typeface="Mangal"/>
               </a:rPr>
               <a:t>Event result module</a:t>
+            </a:r>
+            <a:r>
+              <a:rPr lang="en-IN" sz="2400" dirty="0">
+                <a:solidFill>
+                  <a:srgbClr val="FFFF00"/>
+                </a:solidFill>
+                <a:effectLst/>
+                <a:latin typeface="Times New Roman" panose="02020603050405020304" pitchFamily="18" charset="0"/>
+                <a:ea typeface="Times New Roman" panose="02020603050405020304" pitchFamily="18" charset="0"/>
+                <a:cs typeface="Mangal"/>
+              </a:rPr>
+              <a:t>: </a:t>
             </a:r>
             <a:r>
               <a:rPr lang="en-IN" sz="2400" dirty="0">
@@ -5700,7 +3704,7 @@
                 <a:ea typeface="Times New Roman" panose="02020603050405020304" pitchFamily="18" charset="0"/>
                 <a:cs typeface="Mangal"/>
               </a:rPr>
-              <a:t>: In this module, on the day of scheduled event the staff must take the attendance of the students in the list of participants and the attendance report will be submitted. The staff must publish the result of the events, here the staff must verify the first place, second place and third place results of the participants. The first, second and third place result will have the different points and the result of other participants will be generated automatically by the system.</a:t>
+              <a:t>In this module, on the day of scheduled event the staff must take the attendance of the students in the list of participants and the attendance report will be submitted. The staff must publish the result of the events, here the staff must verify the first place, second place and third place results of the participants. The first, second and third place result will have the different points and the result of other participants will be generated automatically by the system.</a:t>
             </a:r>
             <a:endParaRPr lang="en-IN" sz="2400" dirty="0">
               <a:effectLst/>
@@ -6116,7 +4120,7 @@
             <a:r>
               <a:rPr lang="en-IN" sz="2000" b="1" dirty="0">
                 <a:solidFill>
-                  <a:schemeClr val="accent6"/>
+                  <a:srgbClr val="FFFF00"/>
                 </a:solidFill>
                 <a:effectLst/>
                 <a:latin typeface="Times New Roman" panose="02020603050405020304" pitchFamily="18" charset="0"/>
@@ -6152,7 +4156,7 @@
             <a:r>
               <a:rPr lang="en-IN" sz="2000" b="1" dirty="0">
                 <a:solidFill>
-                  <a:schemeClr val="accent6"/>
+                  <a:srgbClr val="FFFF00"/>
                 </a:solidFill>
                 <a:effectLst/>
                 <a:latin typeface="Times New Roman" panose="02020603050405020304" pitchFamily="18" charset="0"/>
@@ -6160,6 +4164,18 @@
                 <a:cs typeface="Mangal"/>
               </a:rPr>
               <a:t>Event participation module</a:t>
+            </a:r>
+            <a:r>
+              <a:rPr lang="en-IN" sz="2000" dirty="0">
+                <a:solidFill>
+                  <a:srgbClr val="FFFF00"/>
+                </a:solidFill>
+                <a:effectLst/>
+                <a:latin typeface="Times New Roman" panose="02020603050405020304" pitchFamily="18" charset="0"/>
+                <a:ea typeface="Times New Roman" panose="02020603050405020304" pitchFamily="18" charset="0"/>
+                <a:cs typeface="Mangal"/>
+              </a:rPr>
+              <a:t>: </a:t>
             </a:r>
             <a:r>
               <a:rPr lang="en-IN" sz="2000" dirty="0">
@@ -6168,7 +4184,7 @@
                 <a:ea typeface="Times New Roman" panose="02020603050405020304" pitchFamily="18" charset="0"/>
                 <a:cs typeface="Mangal"/>
               </a:rPr>
-              <a:t>: In this module, student can view the events  by individual or team events. Student can view individual or team events. If the student wants to take part in the team event then the student must make the team of 11 members and must enter the token ID of all the team members, only then the student can take part in the team event. In the individual event, the student can view the details of the event such as the scheduled date and rules of events and then the student can participate in the event.</a:t>
+              <a:t>In this module, student can view the events  by individual or team events. Student can view individual or team events. If the student wants to take part in the team event then the student must make the team and must enter the token ID of all the team members, only then the student can take part in the team event. In the individual event, the student can view the details of the event such as the scheduled date and rules of events and then the student can participate in the event.</a:t>
             </a:r>
             <a:endParaRPr lang="en-IN" sz="2000" dirty="0">
               <a:effectLst/>
@@ -6191,23 +4207,14 @@
             <a:r>
               <a:rPr lang="en-IN" sz="2000" b="1" dirty="0">
                 <a:solidFill>
-                  <a:schemeClr val="accent6"/>
+                  <a:srgbClr val="FFFF00"/>
                 </a:solidFill>
                 <a:effectLst/>
                 <a:latin typeface="Times New Roman" panose="02020603050405020304" pitchFamily="18" charset="0"/>
                 <a:ea typeface="Times New Roman" panose="02020603050405020304" pitchFamily="18" charset="0"/>
                 <a:cs typeface="Mangal"/>
               </a:rPr>
-              <a:t>Complaint report module</a:t>
-            </a:r>
-            <a:r>
-              <a:rPr lang="en-IN" sz="2000" b="1" dirty="0">
-                <a:effectLst/>
-                <a:latin typeface="Times New Roman" panose="02020603050405020304" pitchFamily="18" charset="0"/>
-                <a:ea typeface="Times New Roman" panose="02020603050405020304" pitchFamily="18" charset="0"/>
-                <a:cs typeface="Mangal"/>
-              </a:rPr>
-              <a:t>: </a:t>
+              <a:t>Complaint report module: </a:t>
             </a:r>
             <a:r>
               <a:rPr lang="en-IN" sz="2000" dirty="0">
@@ -6557,7 +4564,7 @@
           <a:lstStyle/>
           <a:p>
             <a:r>
-              <a:rPr lang="en-IN" sz="1800" b="1" dirty="0">
+              <a:rPr lang="en-IN" sz="3100" b="1" dirty="0">
                 <a:effectLst/>
                 <a:latin typeface="Times New Roman" panose="02020603050405020304" pitchFamily="18" charset="0"/>
                 <a:ea typeface="Times New Roman" panose="02020603050405020304" pitchFamily="18" charset="0"/>
@@ -6582,7 +4589,7 @@
               </a:rPr>
             </a:br>
             <a:r>
-              <a:rPr lang="en-IN" sz="1800" b="1" dirty="0">
+              <a:rPr lang="en-IN" sz="2700" b="1" dirty="0">
                 <a:effectLst/>
                 <a:latin typeface="Times New Roman" panose="02020603050405020304" pitchFamily="18" charset="0"/>
                 <a:ea typeface="Times New Roman" panose="02020603050405020304" pitchFamily="18" charset="0"/>
@@ -6591,7 +4598,7 @@
               <a:t>Top Level: DFD (Level 1</a:t>
             </a:r>
             <a:r>
-              <a:rPr lang="en-IN" sz="1800" dirty="0">
+              <a:rPr lang="en-IN" sz="2700" dirty="0">
                 <a:effectLst/>
                 <a:latin typeface="Times New Roman" panose="02020603050405020304" pitchFamily="18" charset="0"/>
                 <a:ea typeface="Times New Roman" panose="02020603050405020304" pitchFamily="18" charset="0"/>
@@ -6635,8 +4642,8 @@
         </p:blipFill>
         <p:spPr>
           <a:xfrm>
-            <a:off x="2958077" y="1606859"/>
-            <a:ext cx="4499166" cy="4350058"/>
+            <a:off x="2330971" y="1896256"/>
+            <a:ext cx="6850504" cy="4886793"/>
           </a:xfrm>
           <a:prstGeom prst="rect">
             <a:avLst/>
@@ -6696,11 +4703,13 @@
           </a:xfrm>
         </p:spPr>
         <p:txBody>
-          <a:bodyPr/>
+          <a:bodyPr>
+            <a:normAutofit/>
+          </a:bodyPr>
           <a:lstStyle/>
           <a:p>
             <a:r>
-              <a:rPr lang="en-IN" sz="1800" b="1" dirty="0">
+              <a:rPr lang="en-IN" sz="2400" b="1" dirty="0">
                 <a:effectLst/>
                 <a:latin typeface="Times New Roman" panose="02020603050405020304" pitchFamily="18" charset="0"/>
                 <a:ea typeface="Times New Roman" panose="02020603050405020304" pitchFamily="18" charset="0"/>
@@ -6708,7 +4717,7 @@
               </a:rPr>
               <a:t>DFD Level  2.1:</a:t>
             </a:r>
-            <a:endParaRPr lang="en-IN" dirty="0"/>
+            <a:endParaRPr lang="en-IN" sz="2400" dirty="0"/>
           </a:p>
         </p:txBody>
       </p:sp>
@@ -6736,8 +4745,8 @@
         </p:blipFill>
         <p:spPr>
           <a:xfrm>
-            <a:off x="2655570" y="1262601"/>
-            <a:ext cx="5192290" cy="4676560"/>
+            <a:off x="2083633" y="2011362"/>
+            <a:ext cx="7067862" cy="4764191"/>
           </a:xfrm>
           <a:prstGeom prst="rect">
             <a:avLst/>
@@ -6797,11 +4806,13 @@
           </a:xfrm>
         </p:spPr>
         <p:txBody>
-          <a:bodyPr/>
+          <a:bodyPr>
+            <a:normAutofit/>
+          </a:bodyPr>
           <a:lstStyle/>
           <a:p>
             <a:r>
-              <a:rPr lang="en-IN" sz="1800" b="1" dirty="0">
+              <a:rPr lang="en-IN" sz="2400" b="1" dirty="0">
                 <a:effectLst/>
                 <a:latin typeface="Times New Roman" panose="02020603050405020304" pitchFamily="18" charset="0"/>
                 <a:ea typeface="Times New Roman" panose="02020603050405020304" pitchFamily="18" charset="0"/>
@@ -6809,7 +4820,7 @@
               </a:rPr>
               <a:t>DFD Level  2.2:</a:t>
             </a:r>
-            <a:endParaRPr lang="en-IN" dirty="0"/>
+            <a:endParaRPr lang="en-IN" sz="2400" dirty="0"/>
           </a:p>
         </p:txBody>
       </p:sp>
@@ -6837,8 +4848,8 @@
         </p:blipFill>
         <p:spPr>
           <a:xfrm>
-            <a:off x="2765141" y="1548906"/>
-            <a:ext cx="5233640" cy="4623294"/>
+            <a:off x="1903751" y="2001187"/>
+            <a:ext cx="7555042" cy="4759377"/>
           </a:xfrm>
           <a:prstGeom prst="rect">
             <a:avLst/>
@@ -6898,11 +4909,13 @@
           </a:xfrm>
         </p:spPr>
         <p:txBody>
-          <a:bodyPr/>
+          <a:bodyPr>
+            <a:normAutofit/>
+          </a:bodyPr>
           <a:lstStyle/>
           <a:p>
             <a:r>
-              <a:rPr lang="en-IN" sz="1800" b="1" dirty="0">
+              <a:rPr lang="en-IN" sz="2400" b="1" dirty="0">
                 <a:effectLst/>
                 <a:latin typeface="Times New Roman" panose="02020603050405020304" pitchFamily="18" charset="0"/>
                 <a:ea typeface="Times New Roman" panose="02020603050405020304" pitchFamily="18" charset="0"/>
@@ -6910,7 +4923,7 @@
               </a:rPr>
               <a:t>DFD Level 2.3:</a:t>
             </a:r>
-            <a:endParaRPr lang="en-IN" dirty="0"/>
+            <a:endParaRPr lang="en-IN" sz="2400" dirty="0"/>
           </a:p>
         </p:txBody>
       </p:sp>
@@ -6938,8 +4951,8 @@
         </p:blipFill>
         <p:spPr>
           <a:xfrm>
-            <a:off x="2362147" y="1591075"/>
-            <a:ext cx="5601124" cy="4241554"/>
+            <a:off x="1941227" y="2011363"/>
+            <a:ext cx="7682458" cy="4756696"/>
           </a:xfrm>
           <a:prstGeom prst="rect">
             <a:avLst/>
@@ -6999,11 +5012,13 @@
           </a:xfrm>
         </p:spPr>
         <p:txBody>
-          <a:bodyPr/>
+          <a:bodyPr>
+            <a:normAutofit/>
+          </a:bodyPr>
           <a:lstStyle/>
           <a:p>
             <a:r>
-              <a:rPr lang="en-IN" sz="1800" b="1" dirty="0">
+              <a:rPr lang="en-IN" sz="2400" b="1" dirty="0">
                 <a:effectLst/>
                 <a:latin typeface="Times New Roman" panose="02020603050405020304" pitchFamily="18" charset="0"/>
                 <a:ea typeface="Times New Roman" panose="02020603050405020304" pitchFamily="18" charset="0"/>
@@ -7011,7 +5026,7 @@
               </a:rPr>
               <a:t>DFD Level 2.4:</a:t>
             </a:r>
-            <a:endParaRPr lang="en-IN" dirty="0"/>
+            <a:endParaRPr lang="en-IN" sz="2400" dirty="0"/>
           </a:p>
         </p:txBody>
       </p:sp>
@@ -7039,8 +5054,8 @@
         </p:blipFill>
         <p:spPr>
           <a:xfrm>
-            <a:off x="2714476" y="1602172"/>
-            <a:ext cx="4920320" cy="4745362"/>
+            <a:off x="2308485" y="2011364"/>
+            <a:ext cx="6670623" cy="4704230"/>
           </a:xfrm>
           <a:prstGeom prst="rect">
             <a:avLst/>
@@ -7140,8 +5155,8 @@
         </p:blipFill>
         <p:spPr>
           <a:xfrm>
-            <a:off x="2962468" y="1628804"/>
-            <a:ext cx="4441509" cy="4345868"/>
+            <a:off x="2256020" y="1918741"/>
+            <a:ext cx="7187782" cy="4841823"/>
           </a:xfrm>
           <a:prstGeom prst="rect">
             <a:avLst/>
@@ -7210,7 +5225,7 @@
             <a:r>
               <a:rPr lang="en-US" sz="5400" b="1" dirty="0">
                 <a:solidFill>
-                  <a:srgbClr val="FF0066"/>
+                  <a:srgbClr val="FFFF00"/>
                 </a:solidFill>
                 <a:latin typeface="Agency FB" panose="020B0503020202020204" pitchFamily="34" charset="0"/>
               </a:rPr>
@@ -7218,6 +5233,9 @@
             </a:r>
             <a:br>
               <a:rPr lang="en-US" sz="5400" dirty="0">
+                <a:solidFill>
+                  <a:srgbClr val="FFFF00"/>
+                </a:solidFill>
                 <a:latin typeface="Agency FB" panose="020B0503020202020204" pitchFamily="34" charset="0"/>
               </a:rPr>
             </a:br>
@@ -7286,22 +5304,24 @@
             <a:spLocks noGrp="1"/>
           </p:cNvSpPr>
           <p:nvPr>
-            <p:ph type="title"/>
+            <p:ph type="title" idx="4294967295"/>
           </p:nvPr>
         </p:nvSpPr>
         <p:spPr>
           <a:xfrm>
-            <a:off x="684212" y="1371270"/>
-            <a:ext cx="8534400" cy="3910944"/>
+            <a:off x="1753849" y="3171137"/>
+            <a:ext cx="7959777" cy="1439056"/>
           </a:xfrm>
         </p:spPr>
         <p:txBody>
-          <a:bodyPr/>
+          <a:bodyPr>
+            <a:normAutofit fontScale="90000"/>
+          </a:bodyPr>
           <a:lstStyle/>
           <a:p>
             <a:pPr algn="ctr"/>
             <a:r>
-              <a:rPr lang="en-US" sz="5400" b="1" cap="none" dirty="0">
+              <a:rPr lang="en-US" sz="9600" b="1" cap="none" dirty="0">
                 <a:ln w="13462">
                   <a:solidFill>
                     <a:schemeClr val="bg1"/>
@@ -7324,7 +5344,7 @@
               <a:t>THANK YOU</a:t>
             </a:r>
             <a:br>
-              <a:rPr lang="en-US" b="1" cap="none" dirty="0">
+              <a:rPr lang="en-US" sz="9600" b="1" cap="none" dirty="0">
                 <a:ln w="12700">
                   <a:solidFill>
                     <a:schemeClr val="accent5"/>
@@ -7344,37 +5364,7 @@
                 </a:pattFill>
               </a:rPr>
             </a:br>
-            <a:endParaRPr lang="en-IN" dirty="0"/>
-          </a:p>
-        </p:txBody>
-      </p:sp>
-      <p:sp>
-        <p:nvSpPr>
-          <p:cNvPr id="3" name="Content Placeholder 2">
-            <a:extLst>
-              <a:ext uri="{FF2B5EF4-FFF2-40B4-BE49-F238E27FC236}">
-                <a16:creationId xmlns:a16="http://schemas.microsoft.com/office/drawing/2014/main" id="{C604E85D-F58F-46AB-B8D6-300B17AA06D7}"/>
-              </a:ext>
-            </a:extLst>
-          </p:cNvPr>
-          <p:cNvSpPr>
-            <a:spLocks noGrp="1"/>
-          </p:cNvSpPr>
-          <p:nvPr>
-            <p:ph idx="1"/>
-          </p:nvPr>
-        </p:nvSpPr>
-        <p:spPr>
-          <a:xfrm>
-            <a:off x="684212" y="3213717"/>
-            <a:ext cx="8534400" cy="1087350"/>
-          </a:xfrm>
-        </p:spPr>
-        <p:txBody>
-          <a:bodyPr/>
-          <a:lstStyle/>
-          <a:p>
-            <a:endParaRPr lang="en-IN"/>
+            <a:endParaRPr lang="en-IN" sz="9600" dirty="0"/>
           </a:p>
         </p:txBody>
       </p:sp>
@@ -7483,38 +5473,24 @@
           </a:xfrm>
         </p:spPr>
         <p:txBody>
-          <a:bodyPr/>
+          <a:bodyPr>
+            <a:normAutofit/>
+          </a:bodyPr>
           <a:lstStyle/>
           <a:p>
             <a:r>
-              <a:rPr lang="en-US" b="1" dirty="0">
-                <a:solidFill>
-                  <a:schemeClr val="accent6"/>
-                </a:solidFill>
-              </a:rPr>
+              <a:rPr lang="en-US" sz="3600" b="1" dirty="0"/>
               <a:t>Software requirement specification (</a:t>
             </a:r>
             <a:r>
-              <a:rPr lang="en-US" b="1" dirty="0" err="1">
-                <a:solidFill>
-                  <a:schemeClr val="accent6"/>
-                </a:solidFill>
-              </a:rPr>
+              <a:rPr lang="en-US" sz="3600" b="1" dirty="0" err="1"/>
               <a:t>srs</a:t>
             </a:r>
             <a:r>
-              <a:rPr lang="en-US" b="1" dirty="0">
-                <a:solidFill>
-                  <a:schemeClr val="accent6"/>
-                </a:solidFill>
-              </a:rPr>
+              <a:rPr lang="en-US" sz="3600" b="1" dirty="0"/>
               <a:t>)</a:t>
             </a:r>
-            <a:endParaRPr lang="en-IN" b="1" dirty="0">
-              <a:solidFill>
-                <a:schemeClr val="accent6"/>
-              </a:solidFill>
-            </a:endParaRPr>
+            <a:endParaRPr lang="en-IN" sz="3600" b="1" dirty="0"/>
           </a:p>
         </p:txBody>
       </p:sp>
@@ -7587,9 +5563,9 @@
               <a:buChar char="§"/>
             </a:pPr>
             <a:r>
-              <a:rPr lang="en-IN" sz="1800" dirty="0">
-                <a:solidFill>
-                  <a:schemeClr val="accent6"/>
+              <a:rPr lang="en-IN" sz="1800" b="1" dirty="0">
+                <a:solidFill>
+                  <a:srgbClr val="FFFF00"/>
                 </a:solidFill>
                 <a:latin typeface="Times New Roman" panose="02020603050405020304" pitchFamily="18" charset="0"/>
                 <a:ea typeface="Times New Roman" panose="02020603050405020304" pitchFamily="18" charset="0"/>
@@ -7631,7 +5607,7 @@
                 <a:ea typeface="Times New Roman" panose="02020603050405020304" pitchFamily="18" charset="0"/>
                 <a:cs typeface="Mangal"/>
               </a:rPr>
-              <a:t>The team events will help the students to communicate with various other students of their department and the students will learn to cope up when they are in team. This also encourages the students to participate and motivates them into different fields other than only studies.</a:t>
+              <a:t>The team events will help the students to communicate with various other students and the students will learn to cope up when they are in team. This also encourages the students to participate and motivates them into different fields other than only studies.</a:t>
             </a:r>
             <a:endParaRPr lang="en-IN" sz="1800" dirty="0">
               <a:solidFill>
@@ -7719,13 +5695,13 @@
         </p:nvSpPr>
         <p:spPr>
           <a:xfrm>
-            <a:off x="-1" y="685800"/>
-            <a:ext cx="10964985" cy="5511800"/>
+            <a:off x="0" y="685800"/>
+            <a:ext cx="10964863" cy="5511800"/>
           </a:xfrm>
         </p:spPr>
         <p:txBody>
           <a:bodyPr>
-            <a:normAutofit fontScale="92500" lnSpcReduction="20000"/>
+            <a:normAutofit fontScale="85000" lnSpcReduction="10000"/>
           </a:bodyPr>
           <a:lstStyle/>
           <a:p>
@@ -7738,9 +5714,9 @@
               </a:spcAft>
             </a:pPr>
             <a:r>
-              <a:rPr lang="en-IN" sz="1800" b="1" dirty="0">
-                <a:solidFill>
-                  <a:schemeClr val="accent6"/>
+              <a:rPr lang="en-IN" sz="2800" b="1" dirty="0">
+                <a:solidFill>
+                  <a:srgbClr val="FFFF00"/>
                 </a:solidFill>
                 <a:effectLst/>
                 <a:latin typeface="Times New Roman" panose="02020603050405020304" pitchFamily="18" charset="0"/>
@@ -7749,9 +5725,9 @@
               </a:rPr>
               <a:t>Project Scope and Product Features</a:t>
             </a:r>
-            <a:endParaRPr lang="en-IN" sz="1800" dirty="0">
+            <a:endParaRPr lang="en-IN" sz="2800" b="1" dirty="0">
               <a:solidFill>
-                <a:schemeClr val="accent6"/>
+                <a:srgbClr val="FFFF00"/>
               </a:solidFill>
               <a:effectLst/>
               <a:latin typeface="Calibri" panose="020F0502020204030204" pitchFamily="34" charset="0"/>
@@ -7838,7 +5814,7 @@
                 <a:ea typeface="Times New Roman" panose="02020603050405020304" pitchFamily="18" charset="0"/>
                 <a:cs typeface="Mangal"/>
               </a:rPr>
-              <a:t>As the student login to the system they can view the various events in department wise or crosswise hosted by the staff. If the department wise event suits the student they can participate in those events. The student of one department cannot take part in the events of other departments. The student can either participate in the individual events or team events. </a:t>
+              <a:t>As the student login to the system they can view the various events in department wise or crosswise hosted by the staff. If the department wise event suits the student they can participate in those events. The student can either participate in the individual events or team events. </a:t>
             </a:r>
             <a:endParaRPr lang="en-IN" sz="1800" dirty="0">
               <a:solidFill>
@@ -7868,7 +5844,7 @@
                 <a:ea typeface="Times New Roman" panose="02020603050405020304" pitchFamily="18" charset="0"/>
                 <a:cs typeface="Mangal"/>
               </a:rPr>
-              <a:t>If the student wants to take part in the team event, then the student must create a team of 11 members and the token ID of all the team members must be entered only then the student can participate in the team event. In the individual event, the student can give the details of the event such as the scheduled date and the rules of the events and then the student can take part in the event.</a:t>
+              <a:t>If the student wants to take part in the team event, then the student must create a team and the token ID of all the team members must be entered only then the student can participate in the team event. In the individual event, the student can give the details of the event such as the scheduled date and the rules of the events and then the student can take part in the event.</a:t>
             </a:r>
             <a:endParaRPr lang="en-IN" sz="1800" dirty="0">
               <a:solidFill>
@@ -8000,8 +5976,8 @@
         </p:nvSpPr>
         <p:spPr>
           <a:xfrm>
-            <a:off x="0" y="685799"/>
-            <a:ext cx="11558954" cy="6011985"/>
+            <a:off x="0" y="685800"/>
+            <a:ext cx="11558588" cy="6011863"/>
           </a:xfrm>
         </p:spPr>
         <p:txBody>
@@ -8019,9 +5995,9 @@
               </a:spcAft>
             </a:pPr>
             <a:r>
-              <a:rPr lang="en-IN" sz="1800" b="1" dirty="0">
-                <a:solidFill>
-                  <a:schemeClr val="accent6"/>
+              <a:rPr lang="en-IN" sz="2400" b="1" dirty="0">
+                <a:solidFill>
+                  <a:srgbClr val="FFFF00"/>
                 </a:solidFill>
                 <a:effectLst/>
                 <a:latin typeface="Times New Roman" panose="02020603050405020304" pitchFamily="18" charset="0"/>
@@ -8030,9 +6006,9 @@
               </a:rPr>
               <a:t>Hardware interface</a:t>
             </a:r>
-            <a:endParaRPr lang="en-IN" sz="1800" dirty="0">
+            <a:endParaRPr lang="en-IN" sz="2400" dirty="0">
               <a:solidFill>
-                <a:schemeClr val="accent6"/>
+                <a:srgbClr val="FFFF00"/>
               </a:solidFill>
               <a:effectLst/>
               <a:latin typeface="Calibri" panose="020F0502020204030204" pitchFamily="34" charset="0"/>
@@ -8245,20 +6221,20 @@
               </a:spcAft>
             </a:pPr>
             <a:r>
-              <a:rPr lang="en-IN" sz="1800" b="1" dirty="0">
-                <a:solidFill>
-                  <a:schemeClr val="accent6"/>
+              <a:rPr lang="en-IN" sz="2400" b="1" dirty="0">
+                <a:solidFill>
+                  <a:srgbClr val="FFFF00"/>
                 </a:solidFill>
                 <a:effectLst/>
                 <a:latin typeface="Times New Roman" panose="02020603050405020304" pitchFamily="18" charset="0"/>
                 <a:ea typeface="Times New Roman" panose="02020603050405020304" pitchFamily="18" charset="0"/>
                 <a:cs typeface="Mangal"/>
               </a:rPr>
-              <a:t>3.1.3 Software interface</a:t>
-            </a:r>
-            <a:endParaRPr lang="en-IN" sz="1800" b="1" dirty="0">
+              <a:t>Software interface</a:t>
+            </a:r>
+            <a:endParaRPr lang="en-IN" sz="2400" b="1" dirty="0">
               <a:solidFill>
-                <a:schemeClr val="accent6"/>
+                <a:srgbClr val="FFFF00"/>
               </a:solidFill>
               <a:effectLst/>
               <a:latin typeface="Calibri" panose="020F0502020204030204" pitchFamily="34" charset="0"/>
@@ -8533,7 +6509,7 @@
         <p:spPr>
           <a:xfrm>
             <a:off x="0" y="685800"/>
-            <a:ext cx="11049000" cy="5722620"/>
+            <a:ext cx="11049000" cy="5722938"/>
           </a:xfrm>
         </p:spPr>
         <p:txBody>
@@ -8553,7 +6529,7 @@
             <a:r>
               <a:rPr lang="en-IN" sz="2400" b="1" dirty="0">
                 <a:solidFill>
-                  <a:schemeClr val="accent6"/>
+                  <a:srgbClr val="FFFF00"/>
                 </a:solidFill>
                 <a:effectLst/>
                 <a:latin typeface="Times New Roman" panose="02020603050405020304" pitchFamily="18" charset="0"/>
@@ -8562,9 +6538,9 @@
               </a:rPr>
               <a:t>User interface</a:t>
             </a:r>
-            <a:endParaRPr lang="en-IN" sz="2400" dirty="0">
+            <a:endParaRPr lang="en-IN" sz="2400" b="1" dirty="0">
               <a:solidFill>
-                <a:schemeClr val="accent6"/>
+                <a:srgbClr val="FFFF00"/>
               </a:solidFill>
               <a:effectLst/>
               <a:latin typeface="Calibri" panose="020F0502020204030204" pitchFamily="34" charset="0"/>
@@ -8614,38 +6590,26 @@
             <a:r>
               <a:rPr lang="en-IN" sz="2400" b="1" dirty="0">
                 <a:solidFill>
-                  <a:schemeClr val="accent6"/>
+                  <a:srgbClr val="FFFF00"/>
                 </a:solidFill>
                 <a:effectLst/>
                 <a:latin typeface="Times New Roman" panose="02020603050405020304" pitchFamily="18" charset="0"/>
                 <a:ea typeface="Times New Roman" panose="02020603050405020304" pitchFamily="18" charset="0"/>
                 <a:cs typeface="Mangal"/>
               </a:rPr>
-              <a:t>Admin</a:t>
+              <a:t>Admin: </a:t>
             </a:r>
             <a:r>
               <a:rPr lang="en-IN" sz="2400" dirty="0">
                 <a:solidFill>
-                  <a:schemeClr val="accent6"/>
+                  <a:schemeClr val="tx1"/>
                 </a:solidFill>
                 <a:effectLst/>
                 <a:latin typeface="Times New Roman" panose="02020603050405020304" pitchFamily="18" charset="0"/>
                 <a:ea typeface="Times New Roman" panose="02020603050405020304" pitchFamily="18" charset="0"/>
                 <a:cs typeface="Mangal"/>
               </a:rPr>
-              <a:t>:</a:t>
-            </a:r>
-            <a:r>
-              <a:rPr lang="en-IN" sz="2400" dirty="0">
-                <a:solidFill>
-                  <a:schemeClr val="tx1"/>
-                </a:solidFill>
-                <a:effectLst/>
-                <a:latin typeface="Times New Roman" panose="02020603050405020304" pitchFamily="18" charset="0"/>
-                <a:ea typeface="Times New Roman" panose="02020603050405020304" pitchFamily="18" charset="0"/>
-                <a:cs typeface="Mangal"/>
-              </a:rPr>
-              <a:t> The one who manages the entire website. Admin monitors all the activities that happens in the webpage and also monitors the student and staff accounts.</a:t>
+              <a:t>The one who manages the entire website. Admin monitors all the activities that happens in the webpage and also monitors the student and staff accounts.</a:t>
             </a:r>
             <a:endParaRPr lang="en-IN" sz="2400" dirty="0">
               <a:solidFill>
@@ -8668,7 +6632,7 @@
             <a:r>
               <a:rPr lang="en-IN" sz="2400" b="1" dirty="0">
                 <a:solidFill>
-                  <a:schemeClr val="accent6"/>
+                  <a:srgbClr val="FFFF00"/>
                 </a:solidFill>
                 <a:effectLst/>
                 <a:latin typeface="Times New Roman" panose="02020603050405020304" pitchFamily="18" charset="0"/>
@@ -8680,7 +6644,7 @@
             <a:r>
               <a:rPr lang="en-IN" sz="2400" dirty="0">
                 <a:solidFill>
-                  <a:schemeClr val="accent6"/>
+                  <a:srgbClr val="FFFF00"/>
                 </a:solidFill>
                 <a:effectLst/>
                 <a:latin typeface="Times New Roman" panose="02020603050405020304" pitchFamily="18" charset="0"/>
@@ -8725,7 +6689,7 @@
             <a:r>
               <a:rPr lang="en-IN" sz="2400" b="1" dirty="0">
                 <a:solidFill>
-                  <a:schemeClr val="accent6"/>
+                  <a:srgbClr val="FFFF00"/>
                 </a:solidFill>
                 <a:effectLst/>
                 <a:latin typeface="Times New Roman" panose="02020603050405020304" pitchFamily="18" charset="0"/>
@@ -8737,7 +6701,7 @@
             <a:r>
               <a:rPr lang="en-IN" sz="2400" dirty="0">
                 <a:solidFill>
-                  <a:schemeClr val="accent6"/>
+                  <a:srgbClr val="FFFF00"/>
                 </a:solidFill>
                 <a:effectLst/>
                 <a:latin typeface="Times New Roman" panose="02020603050405020304" pitchFamily="18" charset="0"/>
@@ -9114,7 +7078,7 @@
             <a:r>
               <a:rPr lang="en-IN" sz="5400" b="1" dirty="0">
                 <a:solidFill>
-                  <a:schemeClr val="bg1"/>
+                  <a:srgbClr val="FFFF00"/>
                 </a:solidFill>
                 <a:effectLst/>
                 <a:latin typeface="Times New Roman" panose="02020603050405020304" pitchFamily="18" charset="0"/>
@@ -9125,7 +7089,7 @@
             </a:r>
             <a:endParaRPr lang="en-IN" sz="5400" dirty="0">
               <a:solidFill>
-                <a:schemeClr val="bg1"/>
+                <a:srgbClr val="FFFF00"/>
               </a:solidFill>
               <a:effectLst/>
               <a:latin typeface="Calibri" panose="020F0502020204030204" pitchFamily="34" charset="0"/>
@@ -9247,7 +7211,7 @@
             <a:r>
               <a:rPr lang="en-IN" sz="2800" b="1" dirty="0">
                 <a:solidFill>
-                  <a:schemeClr val="accent6"/>
+                  <a:srgbClr val="FFFF00"/>
                 </a:solidFill>
                 <a:effectLst/>
                 <a:latin typeface="Times New Roman" panose="02020603050405020304" pitchFamily="18" charset="0"/>
@@ -9255,6 +7219,21 @@
                 <a:cs typeface="Mangal"/>
               </a:rPr>
               <a:t>Settings module</a:t>
+            </a:r>
+            <a:r>
+              <a:rPr lang="en-IN" sz="2800" dirty="0">
+                <a:solidFill>
+                  <a:schemeClr val="accent1">
+                    <a:lumMod val="60000"/>
+                    <a:lumOff val="40000"/>
+                  </a:schemeClr>
+                </a:solidFill>
+                <a:effectLst/>
+                <a:latin typeface="Times New Roman" panose="02020603050405020304" pitchFamily="18" charset="0"/>
+                <a:ea typeface="Times New Roman" panose="02020603050405020304" pitchFamily="18" charset="0"/>
+                <a:cs typeface="Mangal"/>
+              </a:rPr>
+              <a:t>: </a:t>
             </a:r>
             <a:r>
               <a:rPr lang="en-IN" sz="2800" dirty="0">
@@ -9263,7 +7242,7 @@
                 <a:ea typeface="Times New Roman" panose="02020603050405020304" pitchFamily="18" charset="0"/>
                 <a:cs typeface="Mangal"/>
               </a:rPr>
-              <a:t>: This module is available only for the admin. The admin will add the point settings for different events. They we can add the details of the course that are available in the college. Here the admin will add the staff, the staff are the  lecturers of the college who must host the events.</a:t>
+              <a:t>This module is available only for the admin. The admin will add the point settings for different events. They we can add the details of the course that are available in the college. Here the admin will add the staff, the staff are the  lecturers of the college who must host the events.</a:t>
             </a:r>
             <a:endParaRPr lang="en-IN" sz="2800" dirty="0">
               <a:effectLst/>
@@ -9481,7 +7460,7 @@
           </a:xfrm>
           <a:prstGeom prst="roundRect">
             <a:avLst>
-              <a:gd name="adj" fmla="val 16667"/>
+              <a:gd name="adj" fmla="val 50000"/>
             </a:avLst>
           </a:prstGeom>
           <a:gradFill flip="none" rotWithShape="1">
@@ -9567,55 +7546,55 @@
 </file>
 
 <file path=ppt/theme/theme1.xml><?xml version="1.0" encoding="utf-8"?>
-<a:theme xmlns:a="http://schemas.openxmlformats.org/drawingml/2006/main" name="Slice">
+<a:theme xmlns:a="http://schemas.openxmlformats.org/drawingml/2006/main" name="Banded">
   <a:themeElements>
-    <a:clrScheme name="Slice">
+    <a:clrScheme name="Banded">
       <a:dk1>
-        <a:sysClr val="windowText" lastClr="000000"/>
+        <a:srgbClr val="2C2C2C"/>
       </a:dk1>
       <a:lt1>
-        <a:sysClr val="window" lastClr="FFFFFF"/>
+        <a:srgbClr val="FFFFFF"/>
       </a:lt1>
       <a:dk2>
-        <a:srgbClr val="146194"/>
+        <a:srgbClr val="099BDD"/>
       </a:dk2>
       <a:lt2>
-        <a:srgbClr val="76DBF4"/>
+        <a:srgbClr val="F2F2F2"/>
       </a:lt2>
       <a:accent1>
-        <a:srgbClr val="052F61"/>
+        <a:srgbClr val="FFC000"/>
       </a:accent1>
       <a:accent2>
-        <a:srgbClr val="A50E82"/>
+        <a:srgbClr val="A5D028"/>
       </a:accent2>
       <a:accent3>
-        <a:srgbClr val="14967C"/>
+        <a:srgbClr val="08CC78"/>
       </a:accent3>
       <a:accent4>
-        <a:srgbClr val="6A9E1F"/>
+        <a:srgbClr val="F24099"/>
       </a:accent4>
       <a:accent5>
-        <a:srgbClr val="E87D37"/>
+        <a:srgbClr val="828288"/>
       </a:accent5>
       <a:accent6>
-        <a:srgbClr val="C62324"/>
+        <a:srgbClr val="F56617"/>
       </a:accent6>
       <a:hlink>
-        <a:srgbClr val="0D2E46"/>
+        <a:srgbClr val="005DBA"/>
       </a:hlink>
       <a:folHlink>
-        <a:srgbClr val="356A95"/>
+        <a:srgbClr val="6C606A"/>
       </a:folHlink>
     </a:clrScheme>
-    <a:fontScheme name="Slice">
+    <a:fontScheme name="Banded">
       <a:majorFont>
-        <a:latin typeface="Century Gothic" panose="020B0502020202020204"/>
+        <a:latin typeface="Corbel" panose="020B0503020204020204"/>
         <a:ea typeface=""/>
         <a:cs typeface=""/>
-        <a:font script="Jpan" typeface="メイリオ"/>
-        <a:font script="Hang" typeface="HY중고딕"/>
-        <a:font script="Hans" typeface="幼圆"/>
-        <a:font script="Hant" typeface="微軟正黑體"/>
+        <a:font script="Jpan" typeface="ＭＳ ゴシック"/>
+        <a:font script="Hang" typeface="맑은 고딕"/>
+        <a:font script="Hans" typeface="宋体"/>
+        <a:font script="Hant" typeface="新細明體"/>
         <a:font script="Arab" typeface="Tahoma"/>
         <a:font script="Hebr" typeface="Gisha"/>
         <a:font script="Thai" typeface="DilleniaUPC"/>
@@ -9644,13 +7623,13 @@
         <a:font script="Geor" typeface="Sylfaen"/>
       </a:majorFont>
       <a:minorFont>
-        <a:latin typeface="Century Gothic" panose="020B0502020202020204"/>
+        <a:latin typeface="Corbel" panose="020B0503020204020204"/>
         <a:ea typeface=""/>
         <a:cs typeface=""/>
-        <a:font script="Jpan" typeface="メイリオ"/>
-        <a:font script="Hang" typeface="HY중고딕"/>
-        <a:font script="Hans" typeface="幼圆"/>
-        <a:font script="Hant" typeface="微軟正黑體"/>
+        <a:font script="Jpan" typeface="ＭＳ ゴシック"/>
+        <a:font script="Hang" typeface="맑은 고딕"/>
+        <a:font script="Hans" typeface="宋体"/>
+        <a:font script="Hant" typeface="新細明體"/>
         <a:font script="Arab" typeface="Tahoma"/>
         <a:font script="Hebr" typeface="Gisha"/>
         <a:font script="Thai" typeface="DilleniaUPC"/>
@@ -9674,12 +7653,12 @@
         <a:font script="Laoo" typeface="DokChampa"/>
         <a:font script="Sinh" typeface="Iskoola Pota"/>
         <a:font script="Mong" typeface="Mongolian Baiti"/>
-        <a:font script="Viet" typeface="Tahoma"/>
+        <a:font script="Viet" typeface="Verdana"/>
         <a:font script="Uigh" typeface="Microsoft Uighur"/>
         <a:font script="Geor" typeface="Sylfaen"/>
       </a:minorFont>
     </a:fontScheme>
-    <a:fmtScheme name="Slice">
+    <a:fmtScheme name="Banded">
       <a:fillStyleLst>
         <a:solidFill>
           <a:schemeClr val="phClr"/>
@@ -9688,16 +7667,23 @@
           <a:gsLst>
             <a:gs pos="0">
               <a:schemeClr val="phClr">
-                <a:tint val="62000"/>
-                <a:hueMod val="94000"/>
-                <a:satMod val="140000"/>
-                <a:lumMod val="110000"/>
+                <a:tint val="65000"/>
+                <a:satMod val="120000"/>
+                <a:lumMod val="107000"/>
+              </a:schemeClr>
+            </a:gs>
+            <a:gs pos="50000">
+              <a:schemeClr val="phClr">
+                <a:tint val="70000"/>
+                <a:satMod val="124000"/>
+                <a:lumMod val="103000"/>
               </a:schemeClr>
             </a:gs>
             <a:gs pos="100000">
               <a:schemeClr val="phClr">
-                <a:tint val="84000"/>
-                <a:satMod val="160000"/>
+                <a:tint val="85000"/>
+                <a:satMod val="120000"/>
+                <a:lumMod val="100000"/>
               </a:schemeClr>
             </a:gs>
           </a:gsLst>
@@ -9707,16 +7693,24 @@
           <a:gsLst>
             <a:gs pos="0">
               <a:schemeClr val="phClr">
-                <a:tint val="98000"/>
-                <a:hueMod val="94000"/>
-                <a:satMod val="130000"/>
-                <a:lumMod val="128000"/>
+                <a:tint val="85000"/>
+                <a:shade val="98000"/>
+                <a:satMod val="110000"/>
+                <a:lumMod val="103000"/>
+              </a:schemeClr>
+            </a:gs>
+            <a:gs pos="50000">
+              <a:schemeClr val="phClr">
+                <a:shade val="85000"/>
+                <a:satMod val="105000"/>
+                <a:lumMod val="100000"/>
               </a:schemeClr>
             </a:gs>
             <a:gs pos="100000">
               <a:schemeClr val="phClr">
-                <a:shade val="94000"/>
-                <a:lumMod val="88000"/>
+                <a:shade val="60000"/>
+                <a:satMod val="120000"/>
+                <a:lumMod val="100000"/>
               </a:schemeClr>
             </a:gs>
           </a:gsLst>
@@ -9724,25 +7718,19 @@
         </a:gradFill>
       </a:fillStyleLst>
       <a:lnStyleLst>
-        <a:ln w="9525" cap="rnd" cmpd="sng" algn="ctr">
+        <a:ln w="9525" cap="flat" cmpd="sng" algn="ctr">
           <a:solidFill>
-            <a:schemeClr val="phClr">
-              <a:tint val="76000"/>
-              <a:alpha val="60000"/>
-              <a:hueMod val="94000"/>
-            </a:schemeClr>
+            <a:schemeClr val="phClr"/>
           </a:solidFill>
           <a:prstDash val="solid"/>
         </a:ln>
-        <a:ln w="15875" cap="rnd" cmpd="sng" algn="ctr">
+        <a:ln w="12700" cap="flat" cmpd="sng" algn="ctr">
           <a:solidFill>
-            <a:schemeClr val="phClr">
-              <a:hueMod val="94000"/>
-            </a:schemeClr>
+            <a:schemeClr val="phClr"/>
           </a:solidFill>
           <a:prstDash val="solid"/>
         </a:ln>
-        <a:ln w="28575" cap="rnd" cmpd="sng" algn="ctr">
+        <a:ln w="25400" cap="flat" cmpd="sng" algn="ctr">
           <a:solidFill>
             <a:schemeClr val="phClr"/>
           </a:solidFill>
@@ -9755,77 +7743,56 @@
         </a:effectStyle>
         <a:effectStyle>
           <a:effectLst>
-            <a:innerShdw blurRad="25400" dist="12700" dir="13500000">
+            <a:outerShdw blurRad="50800" dist="15875" dir="5400000" algn="ctr" rotWithShape="0">
               <a:srgbClr val="000000">
-                <a:alpha val="45000"/>
+                <a:alpha val="68000"/>
               </a:srgbClr>
-            </a:innerShdw>
+            </a:outerShdw>
           </a:effectLst>
         </a:effectStyle>
         <a:effectStyle>
           <a:effectLst>
-            <a:outerShdw blurRad="50800" dist="38100" dir="5400000" rotWithShape="0">
+            <a:outerShdw blurRad="88900" dist="27940" dir="5400000" algn="ctr" rotWithShape="0">
               <a:srgbClr val="000000">
-                <a:alpha val="46000"/>
+                <a:alpha val="63000"/>
               </a:srgbClr>
             </a:outerShdw>
           </a:effectLst>
-          <a:scene3d>
-            <a:camera prst="orthographicFront">
-              <a:rot lat="0" lon="0" rev="0"/>
-            </a:camera>
-            <a:lightRig rig="threePt" dir="t"/>
-          </a:scene3d>
-          <a:sp3d prstMaterial="plastic">
-            <a:bevelT w="25400" h="25400"/>
-          </a:sp3d>
         </a:effectStyle>
       </a:effectStyleLst>
       <a:bgFillStyleLst>
         <a:solidFill>
           <a:schemeClr val="phClr"/>
         </a:solidFill>
+        <a:blipFill rotWithShape="1">
+          <a:blip xmlns:r="http://schemas.openxmlformats.org/officeDocument/2006/relationships" r:embed="rId1">
+            <a:duotone>
+              <a:schemeClr val="phClr"/>
+              <a:schemeClr val="phClr">
+                <a:shade val="91000"/>
+                <a:satMod val="105000"/>
+              </a:schemeClr>
+            </a:duotone>
+          </a:blip>
+          <a:tile tx="0" ty="0" sx="100000" sy="100000" flip="none" algn="tl"/>
+        </a:blipFill>
         <a:gradFill rotWithShape="1">
           <a:gsLst>
-            <a:gs pos="10000">
+            <a:gs pos="0">
               <a:schemeClr val="phClr">
-                <a:tint val="97000"/>
-                <a:hueMod val="92000"/>
-                <a:satMod val="169000"/>
-                <a:lumMod val="164000"/>
+                <a:tint val="100000"/>
+                <a:shade val="0"/>
+                <a:satMod val="100000"/>
               </a:schemeClr>
             </a:gs>
             <a:gs pos="100000">
               <a:schemeClr val="phClr">
-                <a:shade val="96000"/>
-                <a:satMod val="120000"/>
-                <a:lumMod val="90000"/>
+                <a:shade val="100000"/>
+                <a:satMod val="100000"/>
               </a:schemeClr>
             </a:gs>
           </a:gsLst>
-          <a:lin ang="6120000" scaled="1"/>
-        </a:gradFill>
-        <a:gradFill rotWithShape="1">
-          <a:gsLst>
-            <a:gs pos="0">
-              <a:schemeClr val="phClr">
-                <a:tint val="97000"/>
-                <a:hueMod val="92000"/>
-                <a:satMod val="169000"/>
-                <a:lumMod val="164000"/>
-              </a:schemeClr>
-            </a:gs>
-            <a:gs pos="100000">
-              <a:schemeClr val="phClr">
-                <a:shade val="96000"/>
-                <a:satMod val="120000"/>
-                <a:lumMod val="90000"/>
-              </a:schemeClr>
-            </a:gs>
-          </a:gsLst>
-          <a:path path="circle">
-            <a:fillToRect b="100000"/>
-          </a:path>
+          <a:lin ang="5400000" scaled="0"/>
         </a:gradFill>
       </a:bgFillStyleLst>
     </a:fmtScheme>
@@ -9834,7 +7801,7 @@
   <a:extraClrSchemeLst/>
   <a:extLst>
     <a:ext uri="{05A4C25C-085E-4340-85A3-A5531E510DB2}">
-      <thm15:themeFamily xmlns:thm15="http://schemas.microsoft.com/office/thememl/2012/main" name="Slice" id="{0507925B-6AC9-4358-8E18-C330545D08F8}" vid="{13FEC7C6-62A9-40C4-99D2-581AACACAA2F}"/>
+      <thm15:themeFamily xmlns:thm15="http://schemas.microsoft.com/office/thememl/2012/main" name="Banded" id="{98DFF888-2449-4D28-977C-6306C017633E}" vid="{9792607F-9579-4224-82FF-9C88C3E1E53D}"/>
     </a:ext>
   </a:extLst>
 </a:theme>

--- a/Project Docs/Presentation.pptx
+++ b/Project Docs/Presentation.pptx
@@ -18,13 +18,14 @@
     <p:sldId id="274" r:id="rId12"/>
     <p:sldId id="276" r:id="rId13"/>
     <p:sldId id="277" r:id="rId14"/>
-    <p:sldId id="264" r:id="rId15"/>
-    <p:sldId id="265" r:id="rId16"/>
-    <p:sldId id="266" r:id="rId17"/>
-    <p:sldId id="267" r:id="rId18"/>
-    <p:sldId id="268" r:id="rId19"/>
-    <p:sldId id="269" r:id="rId20"/>
-    <p:sldId id="278" r:id="rId21"/>
+    <p:sldId id="279" r:id="rId15"/>
+    <p:sldId id="264" r:id="rId16"/>
+    <p:sldId id="265" r:id="rId17"/>
+    <p:sldId id="266" r:id="rId18"/>
+    <p:sldId id="267" r:id="rId19"/>
+    <p:sldId id="268" r:id="rId20"/>
+    <p:sldId id="269" r:id="rId21"/>
+    <p:sldId id="278" r:id="rId22"/>
   </p:sldIdLst>
   <p:sldSz cx="12192000" cy="6858000"/>
   <p:notesSz cx="6858000" cy="9144000"/>
@@ -307,7 +308,7 @@
           <a:p>
             <a:fld id="{BF68B1DA-85AE-4601-877C-5515C57D8413}" type="datetimeFigureOut">
               <a:rPr lang="en-IN" smtClean="0"/>
-              <a:t>19-09-2021</a:t>
+              <a:t>20-09-2021</a:t>
             </a:fld>
             <a:endParaRPr lang="en-IN"/>
           </a:p>
@@ -477,7 +478,7 @@
           <a:p>
             <a:fld id="{BF68B1DA-85AE-4601-877C-5515C57D8413}" type="datetimeFigureOut">
               <a:rPr lang="en-IN" smtClean="0"/>
-              <a:t>19-09-2021</a:t>
+              <a:t>20-09-2021</a:t>
             </a:fld>
             <a:endParaRPr lang="en-IN"/>
           </a:p>
@@ -700,7 +701,7 @@
           <a:p>
             <a:fld id="{BF68B1DA-85AE-4601-877C-5515C57D8413}" type="datetimeFigureOut">
               <a:rPr lang="en-IN" smtClean="0"/>
-              <a:t>19-09-2021</a:t>
+              <a:t>20-09-2021</a:t>
             </a:fld>
             <a:endParaRPr lang="en-IN"/>
           </a:p>
@@ -880,7 +881,7 @@
           <a:p>
             <a:fld id="{BF68B1DA-85AE-4601-877C-5515C57D8413}" type="datetimeFigureOut">
               <a:rPr lang="en-IN" smtClean="0"/>
-              <a:t>19-09-2021</a:t>
+              <a:t>20-09-2021</a:t>
             </a:fld>
             <a:endParaRPr lang="en-IN"/>
           </a:p>
@@ -1186,7 +1187,7 @@
           <a:p>
             <a:fld id="{BF68B1DA-85AE-4601-877C-5515C57D8413}" type="datetimeFigureOut">
               <a:rPr lang="en-IN" smtClean="0"/>
-              <a:t>19-09-2021</a:t>
+              <a:t>20-09-2021</a:t>
             </a:fld>
             <a:endParaRPr lang="en-IN"/>
           </a:p>
@@ -1490,7 +1491,7 @@
           <a:p>
             <a:fld id="{BF68B1DA-85AE-4601-877C-5515C57D8413}" type="datetimeFigureOut">
               <a:rPr lang="en-IN" smtClean="0"/>
-              <a:t>19-09-2021</a:t>
+              <a:t>20-09-2021</a:t>
             </a:fld>
             <a:endParaRPr lang="en-IN"/>
           </a:p>
@@ -1912,7 +1913,7 @@
           <a:p>
             <a:fld id="{BF68B1DA-85AE-4601-877C-5515C57D8413}" type="datetimeFigureOut">
               <a:rPr lang="en-IN" smtClean="0"/>
-              <a:t>19-09-2021</a:t>
+              <a:t>20-09-2021</a:t>
             </a:fld>
             <a:endParaRPr lang="en-IN"/>
           </a:p>
@@ -2030,7 +2031,7 @@
           <a:p>
             <a:fld id="{BF68B1DA-85AE-4601-877C-5515C57D8413}" type="datetimeFigureOut">
               <a:rPr lang="en-IN" smtClean="0"/>
-              <a:t>19-09-2021</a:t>
+              <a:t>20-09-2021</a:t>
             </a:fld>
             <a:endParaRPr lang="en-IN"/>
           </a:p>
@@ -2125,7 +2126,7 @@
           <a:p>
             <a:fld id="{BF68B1DA-85AE-4601-877C-5515C57D8413}" type="datetimeFigureOut">
               <a:rPr lang="en-IN" smtClean="0"/>
-              <a:t>19-09-2021</a:t>
+              <a:t>20-09-2021</a:t>
             </a:fld>
             <a:endParaRPr lang="en-IN"/>
           </a:p>
@@ -2398,7 +2399,7 @@
           <a:p>
             <a:fld id="{BF68B1DA-85AE-4601-877C-5515C57D8413}" type="datetimeFigureOut">
               <a:rPr lang="en-IN" smtClean="0"/>
-              <a:t>19-09-2021</a:t>
+              <a:t>20-09-2021</a:t>
             </a:fld>
             <a:endParaRPr lang="en-IN"/>
           </a:p>
@@ -2663,7 +2664,7 @@
           <a:p>
             <a:fld id="{BF68B1DA-85AE-4601-877C-5515C57D8413}" type="datetimeFigureOut">
               <a:rPr lang="en-IN" smtClean="0"/>
-              <a:t>19-09-2021</a:t>
+              <a:t>20-09-2021</a:t>
             </a:fld>
             <a:endParaRPr lang="en-IN"/>
           </a:p>
@@ -2912,7 +2913,7 @@
           <a:p>
             <a:fld id="{BF68B1DA-85AE-4601-877C-5515C57D8413}" type="datetimeFigureOut">
               <a:rPr lang="en-IN" smtClean="0"/>
-              <a:t>19-09-2021</a:t>
+              <a:t>20-09-2021</a:t>
             </a:fld>
             <a:endParaRPr lang="en-IN"/>
           </a:p>
@@ -4535,6 +4536,125 @@
           <a:chExt cx="0" cy="0"/>
         </a:xfrm>
       </p:grpSpPr>
+      <p:pic>
+        <p:nvPicPr>
+          <p:cNvPr id="2" name="Picture 1">
+            <a:extLst>
+              <a:ext uri="{FF2B5EF4-FFF2-40B4-BE49-F238E27FC236}">
+                <a16:creationId xmlns:a16="http://schemas.microsoft.com/office/drawing/2014/main" id="{4F0D11A4-4ED5-4090-9D8A-DD690BC7679A}"/>
+              </a:ext>
+            </a:extLst>
+          </p:cNvPr>
+          <p:cNvPicPr/>
+          <p:nvPr/>
+        </p:nvPicPr>
+        <p:blipFill>
+          <a:blip r:embed="rId2"/>
+          <a:stretch>
+            <a:fillRect/>
+          </a:stretch>
+        </p:blipFill>
+        <p:spPr>
+          <a:xfrm>
+            <a:off x="2361461" y="2011680"/>
+            <a:ext cx="6148862" cy="4326976"/>
+          </a:xfrm>
+          <a:prstGeom prst="rect">
+            <a:avLst/>
+          </a:prstGeom>
+        </p:spPr>
+      </p:pic>
+      <p:sp>
+        <p:nvSpPr>
+          <p:cNvPr id="3" name="Title 2">
+            <a:extLst>
+              <a:ext uri="{FF2B5EF4-FFF2-40B4-BE49-F238E27FC236}">
+                <a16:creationId xmlns:a16="http://schemas.microsoft.com/office/drawing/2014/main" id="{91335252-D188-4D52-BFC1-E201C666CDD1}"/>
+              </a:ext>
+            </a:extLst>
+          </p:cNvPr>
+          <p:cNvSpPr>
+            <a:spLocks noGrp="1"/>
+          </p:cNvSpPr>
+          <p:nvPr>
+            <p:ph type="title"/>
+          </p:nvPr>
+        </p:nvSpPr>
+        <p:spPr/>
+        <p:txBody>
+          <a:bodyPr>
+            <a:normAutofit/>
+          </a:bodyPr>
+          <a:lstStyle/>
+          <a:p>
+            <a:r>
+              <a:rPr lang="en-IN" sz="2400" b="1" dirty="0">
+                <a:effectLst/>
+                <a:latin typeface="Times New Roman" panose="02020603050405020304" pitchFamily="18" charset="0"/>
+                <a:ea typeface="Times New Roman" panose="02020603050405020304" pitchFamily="18" charset="0"/>
+                <a:cs typeface="Mangal"/>
+              </a:rPr>
+              <a:t>Context Flow Diagram (Level 0):</a:t>
+            </a:r>
+            <a:endParaRPr lang="en-IN" sz="2400" dirty="0"/>
+          </a:p>
+        </p:txBody>
+      </p:sp>
+      <p:sp>
+        <p:nvSpPr>
+          <p:cNvPr id="4" name="Content Placeholder 3">
+            <a:extLst>
+              <a:ext uri="{FF2B5EF4-FFF2-40B4-BE49-F238E27FC236}">
+                <a16:creationId xmlns:a16="http://schemas.microsoft.com/office/drawing/2014/main" id="{F02BA278-054F-422C-8AFE-4C4F1EFAAE74}"/>
+              </a:ext>
+            </a:extLst>
+          </p:cNvPr>
+          <p:cNvSpPr>
+            <a:spLocks noGrp="1"/>
+          </p:cNvSpPr>
+          <p:nvPr>
+            <p:ph idx="1"/>
+          </p:nvPr>
+        </p:nvSpPr>
+        <p:spPr/>
+        <p:txBody>
+          <a:bodyPr/>
+          <a:lstStyle/>
+          <a:p>
+            <a:endParaRPr lang="en-IN" dirty="0"/>
+          </a:p>
+        </p:txBody>
+      </p:sp>
+    </p:spTree>
+    <p:extLst>
+      <p:ext uri="{BB962C8B-B14F-4D97-AF65-F5344CB8AC3E}">
+        <p14:creationId xmlns:p14="http://schemas.microsoft.com/office/powerpoint/2010/main" val="1674683491"/>
+      </p:ext>
+    </p:extLst>
+  </p:cSld>
+  <p:clrMapOvr>
+    <a:masterClrMapping/>
+  </p:clrMapOvr>
+</p:sld>
+</file>
+
+<file path=ppt/slides/slide15.xml><?xml version="1.0" encoding="utf-8"?>
+<p:sld xmlns:a="http://schemas.openxmlformats.org/drawingml/2006/main" xmlns:r="http://schemas.openxmlformats.org/officeDocument/2006/relationships" xmlns:p="http://schemas.openxmlformats.org/presentationml/2006/main">
+  <p:cSld>
+    <p:spTree>
+      <p:nvGrpSpPr>
+        <p:cNvPr id="1" name=""/>
+        <p:cNvGrpSpPr/>
+        <p:nvPr/>
+      </p:nvGrpSpPr>
+      <p:grpSpPr>
+        <a:xfrm>
+          <a:off x="0" y="0"/>
+          <a:ext cx="0" cy="0"/>
+          <a:chOff x="0" y="0"/>
+          <a:chExt cx="0" cy="0"/>
+        </a:xfrm>
+      </p:grpSpPr>
       <p:sp>
         <p:nvSpPr>
           <p:cNvPr id="2" name="Title 1">
@@ -4663,7 +4783,7 @@
 </p:sld>
 </file>
 
-<file path=ppt/slides/slide15.xml><?xml version="1.0" encoding="utf-8"?>
+<file path=ppt/slides/slide16.xml><?xml version="1.0" encoding="utf-8"?>
 <p:sld xmlns:a="http://schemas.openxmlformats.org/drawingml/2006/main" xmlns:r="http://schemas.openxmlformats.org/officeDocument/2006/relationships" xmlns:p="http://schemas.openxmlformats.org/presentationml/2006/main">
   <p:cSld>
     <p:spTree>
@@ -4766,7 +4886,7 @@
 </p:sld>
 </file>
 
-<file path=ppt/slides/slide16.xml><?xml version="1.0" encoding="utf-8"?>
+<file path=ppt/slides/slide17.xml><?xml version="1.0" encoding="utf-8"?>
 <p:sld xmlns:a="http://schemas.openxmlformats.org/drawingml/2006/main" xmlns:r="http://schemas.openxmlformats.org/officeDocument/2006/relationships" xmlns:p="http://schemas.openxmlformats.org/presentationml/2006/main">
   <p:cSld>
     <p:spTree>
@@ -4869,7 +4989,7 @@
 </p:sld>
 </file>
 
-<file path=ppt/slides/slide17.xml><?xml version="1.0" encoding="utf-8"?>
+<file path=ppt/slides/slide18.xml><?xml version="1.0" encoding="utf-8"?>
 <p:sld xmlns:a="http://schemas.openxmlformats.org/drawingml/2006/main" xmlns:r="http://schemas.openxmlformats.org/officeDocument/2006/relationships" xmlns:p="http://schemas.openxmlformats.org/presentationml/2006/main">
   <p:cSld>
     <p:spTree>
@@ -4972,7 +5092,7 @@
 </p:sld>
 </file>
 
-<file path=ppt/slides/slide18.xml><?xml version="1.0" encoding="utf-8"?>
+<file path=ppt/slides/slide19.xml><?xml version="1.0" encoding="utf-8"?>
 <p:sld xmlns:a="http://schemas.openxmlformats.org/drawingml/2006/main" xmlns:r="http://schemas.openxmlformats.org/officeDocument/2006/relationships" xmlns:p="http://schemas.openxmlformats.org/presentationml/2006/main">
   <p:cSld>
     <p:spTree>
@@ -5075,7 +5195,105 @@
 </p:sld>
 </file>
 
-<file path=ppt/slides/slide19.xml><?xml version="1.0" encoding="utf-8"?>
+<file path=ppt/slides/slide2.xml><?xml version="1.0" encoding="utf-8"?>
+<p:sld xmlns:a="http://schemas.openxmlformats.org/drawingml/2006/main" xmlns:r="http://schemas.openxmlformats.org/officeDocument/2006/relationships" xmlns:p="http://schemas.openxmlformats.org/presentationml/2006/main">
+  <p:cSld>
+    <p:spTree>
+      <p:nvGrpSpPr>
+        <p:cNvPr id="1" name=""/>
+        <p:cNvGrpSpPr/>
+        <p:nvPr/>
+      </p:nvGrpSpPr>
+      <p:grpSpPr>
+        <a:xfrm>
+          <a:off x="0" y="0"/>
+          <a:ext cx="0" cy="0"/>
+          <a:chOff x="0" y="0"/>
+          <a:chExt cx="0" cy="0"/>
+        </a:xfrm>
+      </p:grpSpPr>
+      <p:sp>
+        <p:nvSpPr>
+          <p:cNvPr id="5" name="TextBox 4">
+            <a:extLst>
+              <a:ext uri="{FF2B5EF4-FFF2-40B4-BE49-F238E27FC236}">
+                <a16:creationId xmlns:a16="http://schemas.microsoft.com/office/drawing/2014/main" id="{C6EF3A73-7C3F-489C-8AAF-7C2DCA02B6E6}"/>
+              </a:ext>
+            </a:extLst>
+          </p:cNvPr>
+          <p:cNvSpPr txBox="1"/>
+          <p:nvPr/>
+        </p:nvSpPr>
+        <p:spPr>
+          <a:xfrm>
+            <a:off x="1356360" y="1135381"/>
+            <a:ext cx="9067800" cy="2585323"/>
+          </a:xfrm>
+          <a:prstGeom prst="rect">
+            <a:avLst/>
+          </a:prstGeom>
+          <a:noFill/>
+        </p:spPr>
+        <p:txBody>
+          <a:bodyPr wrap="square">
+            <a:spAutoFit/>
+          </a:bodyPr>
+          <a:lstStyle/>
+          <a:p>
+            <a:pPr algn="ctr"/>
+            <a:r>
+              <a:rPr lang="en-US" sz="5400" b="1" dirty="0">
+                <a:solidFill>
+                  <a:srgbClr val="FFFF00"/>
+                </a:solidFill>
+                <a:latin typeface="Agency FB" panose="020B0503020202020204" pitchFamily="34" charset="0"/>
+              </a:rPr>
+              <a:t>SDM COLLEGE </a:t>
+            </a:r>
+            <a:br>
+              <a:rPr lang="en-US" sz="5400" dirty="0">
+                <a:solidFill>
+                  <a:srgbClr val="FFFF00"/>
+                </a:solidFill>
+                <a:latin typeface="Agency FB" panose="020B0503020202020204" pitchFamily="34" charset="0"/>
+              </a:rPr>
+            </a:br>
+            <a:r>
+              <a:rPr lang="en-US" sz="5400" b="1" dirty="0">
+                <a:solidFill>
+                  <a:schemeClr val="tx1">
+                    <a:lumMod val="95000"/>
+                  </a:schemeClr>
+                </a:solidFill>
+                <a:latin typeface="Agency FB" panose="020B0503020202020204" pitchFamily="34" charset="0"/>
+              </a:rPr>
+              <a:t>EXTRA-CURRICULAR ACTIVITY MANAGEMENT</a:t>
+            </a:r>
+            <a:endParaRPr lang="en-IN" sz="5400" b="1" dirty="0">
+              <a:solidFill>
+                <a:schemeClr val="tx1">
+                  <a:lumMod val="95000"/>
+                </a:schemeClr>
+              </a:solidFill>
+              <a:latin typeface="Agency FB" panose="020B0503020202020204" pitchFamily="34" charset="0"/>
+            </a:endParaRPr>
+          </a:p>
+        </p:txBody>
+      </p:sp>
+    </p:spTree>
+    <p:extLst>
+      <p:ext uri="{BB962C8B-B14F-4D97-AF65-F5344CB8AC3E}">
+        <p14:creationId xmlns:p14="http://schemas.microsoft.com/office/powerpoint/2010/main" val="2299828993"/>
+      </p:ext>
+    </p:extLst>
+  </p:cSld>
+  <p:clrMapOvr>
+    <a:masterClrMapping/>
+  </p:clrMapOvr>
+</p:sld>
+</file>
+
+<file path=ppt/slides/slide20.xml><?xml version="1.0" encoding="utf-8"?>
 <p:sld xmlns:a="http://schemas.openxmlformats.org/drawingml/2006/main" xmlns:r="http://schemas.openxmlformats.org/officeDocument/2006/relationships" xmlns:p="http://schemas.openxmlformats.org/presentationml/2006/main">
   <p:cSld>
     <p:spTree>
@@ -5176,105 +5394,7 @@
 </p:sld>
 </file>
 
-<file path=ppt/slides/slide2.xml><?xml version="1.0" encoding="utf-8"?>
-<p:sld xmlns:a="http://schemas.openxmlformats.org/drawingml/2006/main" xmlns:r="http://schemas.openxmlformats.org/officeDocument/2006/relationships" xmlns:p="http://schemas.openxmlformats.org/presentationml/2006/main">
-  <p:cSld>
-    <p:spTree>
-      <p:nvGrpSpPr>
-        <p:cNvPr id="1" name=""/>
-        <p:cNvGrpSpPr/>
-        <p:nvPr/>
-      </p:nvGrpSpPr>
-      <p:grpSpPr>
-        <a:xfrm>
-          <a:off x="0" y="0"/>
-          <a:ext cx="0" cy="0"/>
-          <a:chOff x="0" y="0"/>
-          <a:chExt cx="0" cy="0"/>
-        </a:xfrm>
-      </p:grpSpPr>
-      <p:sp>
-        <p:nvSpPr>
-          <p:cNvPr id="5" name="TextBox 4">
-            <a:extLst>
-              <a:ext uri="{FF2B5EF4-FFF2-40B4-BE49-F238E27FC236}">
-                <a16:creationId xmlns:a16="http://schemas.microsoft.com/office/drawing/2014/main" id="{C6EF3A73-7C3F-489C-8AAF-7C2DCA02B6E6}"/>
-              </a:ext>
-            </a:extLst>
-          </p:cNvPr>
-          <p:cNvSpPr txBox="1"/>
-          <p:nvPr/>
-        </p:nvSpPr>
-        <p:spPr>
-          <a:xfrm>
-            <a:off x="1356360" y="1135381"/>
-            <a:ext cx="9067800" cy="2585323"/>
-          </a:xfrm>
-          <a:prstGeom prst="rect">
-            <a:avLst/>
-          </a:prstGeom>
-          <a:noFill/>
-        </p:spPr>
-        <p:txBody>
-          <a:bodyPr wrap="square">
-            <a:spAutoFit/>
-          </a:bodyPr>
-          <a:lstStyle/>
-          <a:p>
-            <a:pPr algn="ctr"/>
-            <a:r>
-              <a:rPr lang="en-US" sz="5400" b="1" dirty="0">
-                <a:solidFill>
-                  <a:srgbClr val="FFFF00"/>
-                </a:solidFill>
-                <a:latin typeface="Agency FB" panose="020B0503020202020204" pitchFamily="34" charset="0"/>
-              </a:rPr>
-              <a:t>SDM COLLEGE </a:t>
-            </a:r>
-            <a:br>
-              <a:rPr lang="en-US" sz="5400" dirty="0">
-                <a:solidFill>
-                  <a:srgbClr val="FFFF00"/>
-                </a:solidFill>
-                <a:latin typeface="Agency FB" panose="020B0503020202020204" pitchFamily="34" charset="0"/>
-              </a:rPr>
-            </a:br>
-            <a:r>
-              <a:rPr lang="en-US" sz="5400" b="1" dirty="0">
-                <a:solidFill>
-                  <a:schemeClr val="tx1">
-                    <a:lumMod val="95000"/>
-                  </a:schemeClr>
-                </a:solidFill>
-                <a:latin typeface="Agency FB" panose="020B0503020202020204" pitchFamily="34" charset="0"/>
-              </a:rPr>
-              <a:t>EXTRA-CURRICULAR ACTIVITY MANAGEMENT</a:t>
-            </a:r>
-            <a:endParaRPr lang="en-IN" sz="5400" b="1" dirty="0">
-              <a:solidFill>
-                <a:schemeClr val="tx1">
-                  <a:lumMod val="95000"/>
-                </a:schemeClr>
-              </a:solidFill>
-              <a:latin typeface="Agency FB" panose="020B0503020202020204" pitchFamily="34" charset="0"/>
-            </a:endParaRPr>
-          </a:p>
-        </p:txBody>
-      </p:sp>
-    </p:spTree>
-    <p:extLst>
-      <p:ext uri="{BB962C8B-B14F-4D97-AF65-F5344CB8AC3E}">
-        <p14:creationId xmlns:p14="http://schemas.microsoft.com/office/powerpoint/2010/main" val="2299828993"/>
-      </p:ext>
-    </p:extLst>
-  </p:cSld>
-  <p:clrMapOvr>
-    <a:masterClrMapping/>
-  </p:clrMapOvr>
-</p:sld>
-</file>
-
-<file path=ppt/slides/slide20.xml><?xml version="1.0" encoding="utf-8"?>
+<file path=ppt/slides/slide21.xml><?xml version="1.0" encoding="utf-8"?>
 <p:sld xmlns:a="http://schemas.openxmlformats.org/drawingml/2006/main" xmlns:r="http://schemas.openxmlformats.org/officeDocument/2006/relationships" xmlns:p="http://schemas.openxmlformats.org/presentationml/2006/main">
   <p:cSld>
     <p:spTree>
@@ -5558,9 +5678,8 @@
             </a:r>
           </a:p>
           <a:p>
-            <a:pPr>
-              <a:buFont typeface="Wingdings" panose="05000000000000000000" pitchFamily="2" charset="2"/>
-              <a:buChar char="§"/>
+            <a:pPr marL="0" indent="0">
+              <a:buNone/>
             </a:pPr>
             <a:r>
               <a:rPr lang="en-IN" sz="1800" b="1" dirty="0">
@@ -5705,13 +5824,14 @@
           </a:bodyPr>
           <a:lstStyle/>
           <a:p>
-            <a:pPr algn="just">
+            <a:pPr marL="0" indent="0" algn="just">
               <a:lnSpc>
                 <a:spcPct val="107000"/>
               </a:lnSpc>
               <a:spcAft>
                 <a:spcPts val="800"/>
               </a:spcAft>
+              <a:buNone/>
             </a:pPr>
             <a:r>
               <a:rPr lang="en-IN" sz="2800" b="1" dirty="0">
@@ -5986,13 +6106,14 @@
           </a:bodyPr>
           <a:lstStyle/>
           <a:p>
-            <a:pPr algn="just">
+            <a:pPr marL="0" indent="0" algn="just">
               <a:lnSpc>
                 <a:spcPct val="107000"/>
               </a:lnSpc>
               <a:spcAft>
                 <a:spcPts val="800"/>
               </a:spcAft>
+              <a:buNone/>
             </a:pPr>
             <a:r>
               <a:rPr lang="en-IN" sz="2400" b="1" dirty="0">
@@ -6212,13 +6333,14 @@
             </a:endParaRPr>
           </a:p>
           <a:p>
-            <a:pPr algn="just">
+            <a:pPr marL="0" indent="0" algn="just">
               <a:lnSpc>
                 <a:spcPct val="107000"/>
               </a:lnSpc>
               <a:spcAft>
                 <a:spcPts val="800"/>
               </a:spcAft>
+              <a:buNone/>
             </a:pPr>
             <a:r>
               <a:rPr lang="en-IN" sz="2400" b="1" dirty="0">
@@ -6518,13 +6640,14 @@
           </a:bodyPr>
           <a:lstStyle/>
           <a:p>
-            <a:pPr algn="just">
+            <a:pPr marL="0" indent="0" algn="just">
               <a:lnSpc>
                 <a:spcPct val="107000"/>
               </a:lnSpc>
               <a:spcAft>
                 <a:spcPts val="800"/>
               </a:spcAft>
+              <a:buNone/>
             </a:pPr>
             <a:r>
               <a:rPr lang="en-IN" sz="2400" b="1" dirty="0">
@@ -6785,8 +6908,8 @@
         </p:nvSpPr>
         <p:spPr>
           <a:xfrm>
-            <a:off x="426720" y="4094480"/>
-            <a:ext cx="2722880" cy="721360"/>
+            <a:off x="426720" y="4208016"/>
+            <a:ext cx="2662709" cy="607824"/>
           </a:xfrm>
           <a:prstGeom prst="roundRect">
             <a:avLst/>
@@ -6875,8 +6998,8 @@
         </p:nvSpPr>
         <p:spPr>
           <a:xfrm>
-            <a:off x="4394200" y="4094480"/>
-            <a:ext cx="2722880" cy="721360"/>
+            <a:off x="4394200" y="4208016"/>
+            <a:ext cx="2485994" cy="607824"/>
           </a:xfrm>
           <a:prstGeom prst="roundRect">
             <a:avLst/>
@@ -6964,8 +7087,8 @@
         </p:nvSpPr>
         <p:spPr>
           <a:xfrm>
-            <a:off x="8361680" y="4094480"/>
-            <a:ext cx="2722880" cy="721360"/>
+            <a:off x="8361680" y="4208016"/>
+            <a:ext cx="2655508" cy="607824"/>
           </a:xfrm>
           <a:prstGeom prst="roundRect">
             <a:avLst/>
